--- a/Reinforcement Learning.pptx
+++ b/Reinforcement Learning.pptx
@@ -6216,8 +6216,8 @@
         </p:nvSpPr>
         <p:spPr>
           <a:xfrm>
-            <a:off x="537258" y="1387377"/>
-            <a:ext cx="9359096" cy="4351338"/>
+            <a:off x="1236562" y="2012410"/>
+            <a:ext cx="9359096" cy="3219347"/>
           </a:xfrm>
         </p:spPr>
         <p:txBody>
@@ -6268,42 +6268,6 @@
           </a:p>
         </p:txBody>
       </p:sp>
-      <p:pic>
-        <p:nvPicPr>
-          <p:cNvPr id="16" name="Grafik 15">
-            <a:extLst>
-              <a:ext uri="{FF2B5EF4-FFF2-40B4-BE49-F238E27FC236}">
-                <a16:creationId xmlns:a16="http://schemas.microsoft.com/office/drawing/2014/main" id="{65710F11-01BD-4CAC-ACA1-6746D1880D56}"/>
-              </a:ext>
-            </a:extLst>
-          </p:cNvPr>
-          <p:cNvPicPr>
-            <a:picLocks noChangeAspect="1"/>
-          </p:cNvPicPr>
-          <p:nvPr/>
-        </p:nvPicPr>
-        <p:blipFill>
-          <a:blip r:embed="rId4">
-            <a:extLst>
-              <a:ext uri="{28A0092B-C50C-407E-A947-70E740481C1C}">
-                <a14:useLocalDpi xmlns:a14="http://schemas.microsoft.com/office/drawing/2010/main" val="0"/>
-              </a:ext>
-            </a:extLst>
-          </a:blip>
-          <a:stretch>
-            <a:fillRect/>
-          </a:stretch>
-        </p:blipFill>
-        <p:spPr>
-          <a:xfrm>
-            <a:off x="1716708" y="4109157"/>
-            <a:ext cx="8084436" cy="1024343"/>
-          </a:xfrm>
-          <a:prstGeom prst="rect">
-            <a:avLst/>
-          </a:prstGeom>
-        </p:spPr>
-      </p:pic>
     </p:spTree>
     <p:extLst>
       <p:ext uri="{BB962C8B-B14F-4D97-AF65-F5344CB8AC3E}">

--- a/Reinforcement Learning.pptx
+++ b/Reinforcement Learning.pptx
@@ -5,7 +5,7 @@
     <p:sldMasterId id="2147483648" r:id="rId1"/>
   </p:sldMasterIdLst>
   <p:notesMasterIdLst>
-    <p:notesMasterId r:id="rId10"/>
+    <p:notesMasterId r:id="rId12"/>
   </p:notesMasterIdLst>
   <p:sldIdLst>
     <p:sldId id="256" r:id="rId2"/>
@@ -15,7 +15,9 @@
     <p:sldId id="264" r:id="rId6"/>
     <p:sldId id="265" r:id="rId7"/>
     <p:sldId id="267" r:id="rId8"/>
-    <p:sldId id="262" r:id="rId9"/>
+    <p:sldId id="269" r:id="rId9"/>
+    <p:sldId id="270" r:id="rId10"/>
+    <p:sldId id="268" r:id="rId11"/>
   </p:sldIdLst>
   <p:sldSz cx="12192000" cy="6858000"/>
   <p:notesSz cx="6858000" cy="9144000"/>
@@ -1034,7 +1036,7 @@
           <a:p>
             <a:fld id="{43BBFE21-B8EB-453B-A223-C09310F29918}" type="datetimeFigureOut">
               <a:rPr lang="de-DE" smtClean="0"/>
-              <a:t>01.06.2018</a:t>
+              <a:t>16.06.2018</a:t>
             </a:fld>
             <a:endParaRPr lang="de-DE"/>
           </a:p>
@@ -1448,7 +1450,7 @@
           <a:p>
             <a:fld id="{D64A1032-9E6D-4FDC-8E75-3D85D5898962}" type="datetimeFigureOut">
               <a:rPr lang="de-DE" smtClean="0"/>
-              <a:t>01.06.2018</a:t>
+              <a:t>16.06.2018</a:t>
             </a:fld>
             <a:endParaRPr lang="de-DE"/>
           </a:p>
@@ -1646,7 +1648,7 @@
           <a:p>
             <a:fld id="{D64A1032-9E6D-4FDC-8E75-3D85D5898962}" type="datetimeFigureOut">
               <a:rPr lang="de-DE" smtClean="0"/>
-              <a:t>01.06.2018</a:t>
+              <a:t>16.06.2018</a:t>
             </a:fld>
             <a:endParaRPr lang="de-DE"/>
           </a:p>
@@ -1854,7 +1856,7 @@
           <a:p>
             <a:fld id="{D64A1032-9E6D-4FDC-8E75-3D85D5898962}" type="datetimeFigureOut">
               <a:rPr lang="de-DE" smtClean="0"/>
-              <a:t>01.06.2018</a:t>
+              <a:t>16.06.2018</a:t>
             </a:fld>
             <a:endParaRPr lang="de-DE"/>
           </a:p>
@@ -2052,7 +2054,7 @@
           <a:p>
             <a:fld id="{D64A1032-9E6D-4FDC-8E75-3D85D5898962}" type="datetimeFigureOut">
               <a:rPr lang="de-DE" smtClean="0"/>
-              <a:t>01.06.2018</a:t>
+              <a:t>16.06.2018</a:t>
             </a:fld>
             <a:endParaRPr lang="de-DE"/>
           </a:p>
@@ -2327,7 +2329,7 @@
           <a:p>
             <a:fld id="{D64A1032-9E6D-4FDC-8E75-3D85D5898962}" type="datetimeFigureOut">
               <a:rPr lang="de-DE" smtClean="0"/>
-              <a:t>01.06.2018</a:t>
+              <a:t>16.06.2018</a:t>
             </a:fld>
             <a:endParaRPr lang="de-DE"/>
           </a:p>
@@ -2592,7 +2594,7 @@
           <a:p>
             <a:fld id="{D64A1032-9E6D-4FDC-8E75-3D85D5898962}" type="datetimeFigureOut">
               <a:rPr lang="de-DE" smtClean="0"/>
-              <a:t>01.06.2018</a:t>
+              <a:t>16.06.2018</a:t>
             </a:fld>
             <a:endParaRPr lang="de-DE"/>
           </a:p>
@@ -3004,7 +3006,7 @@
           <a:p>
             <a:fld id="{D64A1032-9E6D-4FDC-8E75-3D85D5898962}" type="datetimeFigureOut">
               <a:rPr lang="de-DE" smtClean="0"/>
-              <a:t>01.06.2018</a:t>
+              <a:t>16.06.2018</a:t>
             </a:fld>
             <a:endParaRPr lang="de-DE"/>
           </a:p>
@@ -3145,7 +3147,7 @@
           <a:p>
             <a:fld id="{D64A1032-9E6D-4FDC-8E75-3D85D5898962}" type="datetimeFigureOut">
               <a:rPr lang="de-DE" smtClean="0"/>
-              <a:t>01.06.2018</a:t>
+              <a:t>16.06.2018</a:t>
             </a:fld>
             <a:endParaRPr lang="de-DE"/>
           </a:p>
@@ -3258,7 +3260,7 @@
           <a:p>
             <a:fld id="{D64A1032-9E6D-4FDC-8E75-3D85D5898962}" type="datetimeFigureOut">
               <a:rPr lang="de-DE" smtClean="0"/>
-              <a:t>01.06.2018</a:t>
+              <a:t>16.06.2018</a:t>
             </a:fld>
             <a:endParaRPr lang="de-DE"/>
           </a:p>
@@ -3569,7 +3571,7 @@
           <a:p>
             <a:fld id="{D64A1032-9E6D-4FDC-8E75-3D85D5898962}" type="datetimeFigureOut">
               <a:rPr lang="de-DE" smtClean="0"/>
-              <a:t>01.06.2018</a:t>
+              <a:t>16.06.2018</a:t>
             </a:fld>
             <a:endParaRPr lang="de-DE"/>
           </a:p>
@@ -3857,7 +3859,7 @@
           <a:p>
             <a:fld id="{D64A1032-9E6D-4FDC-8E75-3D85D5898962}" type="datetimeFigureOut">
               <a:rPr lang="de-DE" smtClean="0"/>
-              <a:t>01.06.2018</a:t>
+              <a:t>16.06.2018</a:t>
             </a:fld>
             <a:endParaRPr lang="de-DE"/>
           </a:p>
@@ -4098,7 +4100,7 @@
           <a:p>
             <a:fld id="{D64A1032-9E6D-4FDC-8E75-3D85D5898962}" type="datetimeFigureOut">
               <a:rPr lang="de-DE" smtClean="0"/>
-              <a:t>01.06.2018</a:t>
+              <a:t>16.06.2018</a:t>
             </a:fld>
             <a:endParaRPr lang="de-DE"/>
           </a:p>
@@ -4566,7 +4568,7 @@
           <a:p>
             <a:r>
               <a:rPr lang="de-DE" sz="1800" dirty="0"/>
-              <a:t>Caro Dirnberger, Jonas Goltz, Juliane Seidel</a:t>
+              <a:t>Caro Dirnberger, Jonas Goltz, Juliane Seidl</a:t>
             </a:r>
           </a:p>
           <a:p>
@@ -4678,6 +4680,183 @@
     <p:extLst>
       <p:ext uri="{BB962C8B-B14F-4D97-AF65-F5344CB8AC3E}">
         <p14:creationId xmlns:p14="http://schemas.microsoft.com/office/powerpoint/2010/main" val="1337447061"/>
+      </p:ext>
+    </p:extLst>
+  </p:cSld>
+  <p:clrMapOvr>
+    <a:masterClrMapping/>
+  </p:clrMapOvr>
+</p:sld>
+</file>
+
+<file path=ppt/slides/slide10.xml><?xml version="1.0" encoding="utf-8"?>
+<p:sld xmlns:a="http://schemas.openxmlformats.org/drawingml/2006/main" xmlns:r="http://schemas.openxmlformats.org/officeDocument/2006/relationships" xmlns:p="http://schemas.openxmlformats.org/presentationml/2006/main">
+  <p:cSld>
+    <p:spTree>
+      <p:nvGrpSpPr>
+        <p:cNvPr id="1" name=""/>
+        <p:cNvGrpSpPr/>
+        <p:nvPr/>
+      </p:nvGrpSpPr>
+      <p:grpSpPr>
+        <a:xfrm>
+          <a:off x="0" y="0"/>
+          <a:ext cx="0" cy="0"/>
+          <a:chOff x="0" y="0"/>
+          <a:chExt cx="0" cy="0"/>
+        </a:xfrm>
+      </p:grpSpPr>
+      <p:sp>
+        <p:nvSpPr>
+          <p:cNvPr id="2" name="Titel 1">
+            <a:extLst>
+              <a:ext uri="{FF2B5EF4-FFF2-40B4-BE49-F238E27FC236}">
+                <a16:creationId xmlns:a16="http://schemas.microsoft.com/office/drawing/2014/main" id="{CE787B25-9DB3-4CF5-AD94-E3378A137150}"/>
+              </a:ext>
+            </a:extLst>
+          </p:cNvPr>
+          <p:cNvSpPr>
+            <a:spLocks noGrp="1"/>
+          </p:cNvSpPr>
+          <p:nvPr>
+            <p:ph type="title"/>
+          </p:nvPr>
+        </p:nvSpPr>
+        <p:spPr/>
+        <p:txBody>
+          <a:bodyPr/>
+          <a:lstStyle/>
+          <a:p>
+            <a:endParaRPr lang="de-DE"/>
+          </a:p>
+        </p:txBody>
+      </p:sp>
+      <p:sp>
+        <p:nvSpPr>
+          <p:cNvPr id="3" name="Inhaltsplatzhalter 2">
+            <a:extLst>
+              <a:ext uri="{FF2B5EF4-FFF2-40B4-BE49-F238E27FC236}">
+                <a16:creationId xmlns:a16="http://schemas.microsoft.com/office/drawing/2014/main" id="{0BD80818-1CA7-4256-8A7A-C0645BF9737B}"/>
+              </a:ext>
+            </a:extLst>
+          </p:cNvPr>
+          <p:cNvSpPr>
+            <a:spLocks noGrp="1"/>
+          </p:cNvSpPr>
+          <p:nvPr>
+            <p:ph idx="1"/>
+          </p:nvPr>
+        </p:nvSpPr>
+        <p:spPr/>
+        <p:txBody>
+          <a:bodyPr/>
+          <a:lstStyle/>
+          <a:p>
+            <a:endParaRPr lang="de-DE"/>
+          </a:p>
+        </p:txBody>
+      </p:sp>
+      <p:sp>
+        <p:nvSpPr>
+          <p:cNvPr id="4" name="Rechteck 3">
+            <a:extLst>
+              <a:ext uri="{FF2B5EF4-FFF2-40B4-BE49-F238E27FC236}">
+                <a16:creationId xmlns:a16="http://schemas.microsoft.com/office/drawing/2014/main" id="{E25EF50D-F0CD-4727-AFB6-041294F40813}"/>
+              </a:ext>
+            </a:extLst>
+          </p:cNvPr>
+          <p:cNvSpPr/>
+          <p:nvPr/>
+        </p:nvSpPr>
+        <p:spPr>
+          <a:xfrm>
+            <a:off x="0" y="6350696"/>
+            <a:ext cx="10058400" cy="501573"/>
+          </a:xfrm>
+          <a:prstGeom prst="rect">
+            <a:avLst/>
+          </a:prstGeom>
+          <a:solidFill>
+            <a:schemeClr val="bg1">
+              <a:lumMod val="75000"/>
+            </a:schemeClr>
+          </a:solidFill>
+          <a:ln>
+            <a:solidFill>
+              <a:schemeClr val="bg1">
+                <a:lumMod val="75000"/>
+              </a:schemeClr>
+            </a:solidFill>
+          </a:ln>
+        </p:spPr>
+        <p:style>
+          <a:lnRef idx="2">
+            <a:schemeClr val="accent1">
+              <a:shade val="50000"/>
+            </a:schemeClr>
+          </a:lnRef>
+          <a:fillRef idx="1">
+            <a:schemeClr val="accent1"/>
+          </a:fillRef>
+          <a:effectRef idx="0">
+            <a:schemeClr val="accent1"/>
+          </a:effectRef>
+          <a:fontRef idx="minor">
+            <a:schemeClr val="lt1"/>
+          </a:fontRef>
+        </p:style>
+        <p:txBody>
+          <a:bodyPr rtlCol="0" anchor="ctr"/>
+          <a:lstStyle/>
+          <a:p>
+            <a:pPr algn="ctr"/>
+            <a:endParaRPr lang="de-DE"/>
+          </a:p>
+        </p:txBody>
+      </p:sp>
+      <p:pic>
+        <p:nvPicPr>
+          <p:cNvPr id="5" name="Inhaltsplatzhalter 4">
+            <a:extLst>
+              <a:ext uri="{FF2B5EF4-FFF2-40B4-BE49-F238E27FC236}">
+                <a16:creationId xmlns:a16="http://schemas.microsoft.com/office/drawing/2014/main" id="{4A1327ED-C79B-4435-9F7D-BB034D66DF67}"/>
+              </a:ext>
+            </a:extLst>
+          </p:cNvPr>
+          <p:cNvPicPr>
+            <a:picLocks noChangeAspect="1"/>
+          </p:cNvPicPr>
+          <p:nvPr/>
+        </p:nvPicPr>
+        <p:blipFill>
+          <a:blip r:embed="rId2">
+            <a:extLst>
+              <a:ext uri="{28A0092B-C50C-407E-A947-70E740481C1C}">
+                <a14:useLocalDpi xmlns:a14="http://schemas.microsoft.com/office/drawing/2010/main" val="0"/>
+              </a:ext>
+              <a:ext uri="{96DAC541-7B7A-43D3-8B79-37D633B846F1}">
+                <asvg:svgBlip xmlns:asvg="http://schemas.microsoft.com/office/drawing/2016/SVG/main" r:embed="rId3"/>
+              </a:ext>
+            </a:extLst>
+          </a:blip>
+          <a:stretch>
+            <a:fillRect/>
+          </a:stretch>
+        </p:blipFill>
+        <p:spPr>
+          <a:xfrm>
+            <a:off x="9138258" y="5539232"/>
+            <a:ext cx="3053742" cy="1325563"/>
+          </a:xfrm>
+          <a:prstGeom prst="rect">
+            <a:avLst/>
+          </a:prstGeom>
+        </p:spPr>
+      </p:pic>
+    </p:spTree>
+    <p:extLst>
+      <p:ext uri="{BB962C8B-B14F-4D97-AF65-F5344CB8AC3E}">
+        <p14:creationId xmlns:p14="http://schemas.microsoft.com/office/powerpoint/2010/main" val="2132712095"/>
       </p:ext>
     </p:extLst>
   </p:cSld>
@@ -5012,7 +5191,7 @@
                     </a:schemeClr>
                   </a:solidFill>
                 </a:rPr>
-                <a:t>Was ist RL?</a:t>
+                <a:t>Was ist Reinforcement Learning?</a:t>
               </a:r>
             </a:p>
           </p:txBody>
@@ -6250,7 +6429,7 @@
                 <a:latin typeface="Calibri" panose="020F0502020204030204" pitchFamily="34" charset="0"/>
                 <a:cs typeface="Calibri" panose="020F0502020204030204" pitchFamily="34" charset="0"/>
               </a:rPr>
-              <a:t>→ Wie viel Belohnung verspreche ich mir aus dem Zustand</a:t>
+              <a:t>→ Wie viel Belohnung verspricht er sich von einem Zustand</a:t>
             </a:r>
           </a:p>
           <a:p>
@@ -6262,7 +6441,7 @@
                 <a:latin typeface="Calibri" panose="020F0502020204030204" pitchFamily="34" charset="0"/>
                 <a:cs typeface="Calibri" panose="020F0502020204030204" pitchFamily="34" charset="0"/>
               </a:rPr>
-              <a:t>→ Maximiere die Belohnung</a:t>
+              <a:t>→ Maximiert die Belohnung</a:t>
             </a:r>
             <a:endParaRPr lang="de-DE" dirty="0"/>
           </a:p>
@@ -7349,25 +7528,8 @@
                     </a:schemeClr>
                   </a:solidFill>
                 </a:rPr>
-                <a:t>Value </a:t>
+                <a:t>Value Table</a:t>
               </a:r>
-              <a:r>
-                <a:rPr lang="de-DE" b="1" dirty="0" err="1">
-                  <a:solidFill>
-                    <a:schemeClr val="bg1">
-                      <a:lumMod val="95000"/>
-                    </a:schemeClr>
-                  </a:solidFill>
-                </a:rPr>
-                <a:t>Tabel</a:t>
-              </a:r>
-              <a:endParaRPr lang="de-DE" b="1" dirty="0">
-                <a:solidFill>
-                  <a:schemeClr val="bg1">
-                    <a:lumMod val="95000"/>
-                  </a:schemeClr>
-                </a:solidFill>
-              </a:endParaRPr>
             </a:p>
           </p:txBody>
         </p:sp>
@@ -7933,56 +8095,6 @@
       </p:grpSpPr>
       <p:sp>
         <p:nvSpPr>
-          <p:cNvPr id="2" name="Titel 1">
-            <a:extLst>
-              <a:ext uri="{FF2B5EF4-FFF2-40B4-BE49-F238E27FC236}">
-                <a16:creationId xmlns:a16="http://schemas.microsoft.com/office/drawing/2014/main" id="{CE787B25-9DB3-4CF5-AD94-E3378A137150}"/>
-              </a:ext>
-            </a:extLst>
-          </p:cNvPr>
-          <p:cNvSpPr>
-            <a:spLocks noGrp="1"/>
-          </p:cNvSpPr>
-          <p:nvPr>
-            <p:ph type="title"/>
-          </p:nvPr>
-        </p:nvSpPr>
-        <p:spPr/>
-        <p:txBody>
-          <a:bodyPr/>
-          <a:lstStyle/>
-          <a:p>
-            <a:endParaRPr lang="de-DE"/>
-          </a:p>
-        </p:txBody>
-      </p:sp>
-      <p:sp>
-        <p:nvSpPr>
-          <p:cNvPr id="3" name="Inhaltsplatzhalter 2">
-            <a:extLst>
-              <a:ext uri="{FF2B5EF4-FFF2-40B4-BE49-F238E27FC236}">
-                <a16:creationId xmlns:a16="http://schemas.microsoft.com/office/drawing/2014/main" id="{0BD80818-1CA7-4256-8A7A-C0645BF9737B}"/>
-              </a:ext>
-            </a:extLst>
-          </p:cNvPr>
-          <p:cNvSpPr>
-            <a:spLocks noGrp="1"/>
-          </p:cNvSpPr>
-          <p:nvPr>
-            <p:ph idx="1"/>
-          </p:nvPr>
-        </p:nvSpPr>
-        <p:spPr/>
-        <p:txBody>
-          <a:bodyPr/>
-          <a:lstStyle/>
-          <a:p>
-            <a:endParaRPr lang="de-DE"/>
-          </a:p>
-        </p:txBody>
-      </p:sp>
-      <p:sp>
-        <p:nvSpPr>
           <p:cNvPr id="4" name="Rechteck 3">
             <a:extLst>
               <a:ext uri="{FF2B5EF4-FFF2-40B4-BE49-F238E27FC236}">
@@ -8035,7 +8147,7 @@
           <a:lstStyle/>
           <a:p>
             <a:pPr algn="ctr"/>
-            <a:endParaRPr lang="de-DE"/>
+            <a:endParaRPr lang="en-US"/>
           </a:p>
         </p:txBody>
       </p:sp>
@@ -8078,10 +8190,733 @@
           </a:prstGeom>
         </p:spPr>
       </p:pic>
+      <p:grpSp>
+        <p:nvGrpSpPr>
+          <p:cNvPr id="8" name="Gruppieren 7">
+            <a:extLst>
+              <a:ext uri="{FF2B5EF4-FFF2-40B4-BE49-F238E27FC236}">
+                <a16:creationId xmlns:a16="http://schemas.microsoft.com/office/drawing/2014/main" id="{D12F6303-B64A-4DE0-9338-29C545E489D2}"/>
+              </a:ext>
+            </a:extLst>
+          </p:cNvPr>
+          <p:cNvGrpSpPr/>
+          <p:nvPr/>
+        </p:nvGrpSpPr>
+        <p:grpSpPr>
+          <a:xfrm>
+            <a:off x="0" y="-12526"/>
+            <a:ext cx="12192000" cy="588439"/>
+            <a:chOff x="0" y="-12526"/>
+            <a:chExt cx="12192000" cy="588439"/>
+          </a:xfrm>
+        </p:grpSpPr>
+        <p:sp>
+          <p:nvSpPr>
+            <p:cNvPr id="9" name="Rechteck 8">
+              <a:extLst>
+                <a:ext uri="{FF2B5EF4-FFF2-40B4-BE49-F238E27FC236}">
+                  <a16:creationId xmlns:a16="http://schemas.microsoft.com/office/drawing/2014/main" id="{7E0E77A4-3A23-433F-BE05-4662310BB904}"/>
+                </a:ext>
+              </a:extLst>
+            </p:cNvPr>
+            <p:cNvSpPr/>
+            <p:nvPr/>
+          </p:nvSpPr>
+          <p:spPr>
+            <a:xfrm>
+              <a:off x="0" y="-12526"/>
+              <a:ext cx="12192000" cy="501573"/>
+            </a:xfrm>
+            <a:prstGeom prst="rect">
+              <a:avLst/>
+            </a:prstGeom>
+            <a:solidFill>
+              <a:schemeClr val="bg1">
+                <a:lumMod val="65000"/>
+              </a:schemeClr>
+            </a:solidFill>
+            <a:ln>
+              <a:solidFill>
+                <a:schemeClr val="bg1">
+                  <a:lumMod val="75000"/>
+                </a:schemeClr>
+              </a:solidFill>
+            </a:ln>
+          </p:spPr>
+          <p:style>
+            <a:lnRef idx="2">
+              <a:schemeClr val="accent1">
+                <a:shade val="50000"/>
+              </a:schemeClr>
+            </a:lnRef>
+            <a:fillRef idx="1">
+              <a:schemeClr val="accent1"/>
+            </a:fillRef>
+            <a:effectRef idx="0">
+              <a:schemeClr val="accent1"/>
+            </a:effectRef>
+            <a:fontRef idx="minor">
+              <a:schemeClr val="lt1"/>
+            </a:fontRef>
+          </p:style>
+          <p:txBody>
+            <a:bodyPr rtlCol="0" anchor="ctr"/>
+            <a:lstStyle/>
+            <a:p>
+              <a:pPr algn="ctr"/>
+              <a:endParaRPr lang="en-US"/>
+            </a:p>
+          </p:txBody>
+        </p:sp>
+        <p:sp>
+          <p:nvSpPr>
+            <p:cNvPr id="10" name="Titel 1">
+              <a:extLst>
+                <a:ext uri="{FF2B5EF4-FFF2-40B4-BE49-F238E27FC236}">
+                  <a16:creationId xmlns:a16="http://schemas.microsoft.com/office/drawing/2014/main" id="{E30452C7-9ADA-4F64-A8E5-5A8C65FD6090}"/>
+                </a:ext>
+              </a:extLst>
+            </p:cNvPr>
+            <p:cNvSpPr txBox="1">
+              <a:spLocks/>
+            </p:cNvSpPr>
+            <p:nvPr/>
+          </p:nvSpPr>
+          <p:spPr>
+            <a:xfrm>
+              <a:off x="162045" y="74340"/>
+              <a:ext cx="9734309" cy="501573"/>
+            </a:xfrm>
+            <a:prstGeom prst="rect">
+              <a:avLst/>
+            </a:prstGeom>
+          </p:spPr>
+          <p:txBody>
+            <a:bodyPr vert="horz" lIns="91440" tIns="45720" rIns="91440" bIns="45720" rtlCol="0" anchor="ctr">
+              <a:normAutofit fontScale="82500" lnSpcReduction="20000"/>
+            </a:bodyPr>
+            <a:lstStyle>
+              <a:lvl1pPr algn="l" defTabSz="914400" rtl="0" eaLnBrk="1" latinLnBrk="0" hangingPunct="1">
+                <a:lnSpc>
+                  <a:spcPct val="90000"/>
+                </a:lnSpc>
+                <a:spcBef>
+                  <a:spcPct val="0"/>
+                </a:spcBef>
+                <a:buNone/>
+                <a:defRPr sz="4400" kern="1200">
+                  <a:solidFill>
+                    <a:schemeClr val="tx1"/>
+                  </a:solidFill>
+                  <a:latin typeface="+mj-lt"/>
+                  <a:ea typeface="+mj-ea"/>
+                  <a:cs typeface="+mj-cs"/>
+                </a:defRPr>
+              </a:lvl1pPr>
+            </a:lstStyle>
+            <a:p>
+              <a:r>
+                <a:rPr lang="en-US" b="1" dirty="0">
+                  <a:solidFill>
+                    <a:schemeClr val="bg1">
+                      <a:lumMod val="95000"/>
+                    </a:schemeClr>
+                  </a:solidFill>
+                </a:rPr>
+                <a:t>Selection strategy – </a:t>
+              </a:r>
+              <a:r>
+                <a:rPr lang="el-GR" b="1" dirty="0">
+                  <a:solidFill>
+                    <a:schemeClr val="bg1">
+                      <a:lumMod val="95000"/>
+                    </a:schemeClr>
+                  </a:solidFill>
+                  <a:latin typeface="Calibri" panose="020F0502020204030204" pitchFamily="34" charset="0"/>
+                  <a:cs typeface="Calibri" panose="020F0502020204030204" pitchFamily="34" charset="0"/>
+                </a:rPr>
+                <a:t>ε</a:t>
+              </a:r>
+              <a:r>
+                <a:rPr lang="de-DE" b="1" dirty="0">
+                  <a:solidFill>
+                    <a:schemeClr val="bg1">
+                      <a:lumMod val="95000"/>
+                    </a:schemeClr>
+                  </a:solidFill>
+                </a:rPr>
+                <a:t>-</a:t>
+              </a:r>
+              <a:r>
+                <a:rPr lang="de-DE" b="1" dirty="0" err="1">
+                  <a:solidFill>
+                    <a:schemeClr val="bg1">
+                      <a:lumMod val="95000"/>
+                    </a:schemeClr>
+                  </a:solidFill>
+                </a:rPr>
+                <a:t>greedy</a:t>
+              </a:r>
+              <a:endParaRPr lang="en-US" b="1" dirty="0">
+                <a:solidFill>
+                  <a:schemeClr val="bg1">
+                    <a:lumMod val="95000"/>
+                  </a:schemeClr>
+                </a:solidFill>
+              </a:endParaRPr>
+            </a:p>
+          </p:txBody>
+        </p:sp>
+      </p:grpSp>
     </p:spTree>
     <p:extLst>
       <p:ext uri="{BB962C8B-B14F-4D97-AF65-F5344CB8AC3E}">
-        <p14:creationId xmlns:p14="http://schemas.microsoft.com/office/powerpoint/2010/main" val="4155332072"/>
+        <p14:creationId xmlns:p14="http://schemas.microsoft.com/office/powerpoint/2010/main" val="2864195174"/>
+      </p:ext>
+    </p:extLst>
+  </p:cSld>
+  <p:clrMapOvr>
+    <a:masterClrMapping/>
+  </p:clrMapOvr>
+</p:sld>
+</file>
+
+<file path=ppt/slides/slide9.xml><?xml version="1.0" encoding="utf-8"?>
+<p:sld xmlns:a="http://schemas.openxmlformats.org/drawingml/2006/main" xmlns:r="http://schemas.openxmlformats.org/officeDocument/2006/relationships" xmlns:p="http://schemas.openxmlformats.org/presentationml/2006/main">
+  <p:cSld>
+    <p:spTree>
+      <p:nvGrpSpPr>
+        <p:cNvPr id="1" name=""/>
+        <p:cNvGrpSpPr/>
+        <p:nvPr/>
+      </p:nvGrpSpPr>
+      <p:grpSpPr>
+        <a:xfrm>
+          <a:off x="0" y="0"/>
+          <a:ext cx="0" cy="0"/>
+          <a:chOff x="0" y="0"/>
+          <a:chExt cx="0" cy="0"/>
+        </a:xfrm>
+      </p:grpSpPr>
+      <p:sp>
+        <p:nvSpPr>
+          <p:cNvPr id="4" name="Rechteck 3">
+            <a:extLst>
+              <a:ext uri="{FF2B5EF4-FFF2-40B4-BE49-F238E27FC236}">
+                <a16:creationId xmlns:a16="http://schemas.microsoft.com/office/drawing/2014/main" id="{E25EF50D-F0CD-4727-AFB6-041294F40813}"/>
+              </a:ext>
+            </a:extLst>
+          </p:cNvPr>
+          <p:cNvSpPr/>
+          <p:nvPr/>
+        </p:nvSpPr>
+        <p:spPr>
+          <a:xfrm>
+            <a:off x="0" y="6350696"/>
+            <a:ext cx="10058400" cy="501573"/>
+          </a:xfrm>
+          <a:prstGeom prst="rect">
+            <a:avLst/>
+          </a:prstGeom>
+          <a:solidFill>
+            <a:schemeClr val="bg1">
+              <a:lumMod val="75000"/>
+            </a:schemeClr>
+          </a:solidFill>
+          <a:ln>
+            <a:solidFill>
+              <a:schemeClr val="bg1">
+                <a:lumMod val="75000"/>
+              </a:schemeClr>
+            </a:solidFill>
+          </a:ln>
+        </p:spPr>
+        <p:style>
+          <a:lnRef idx="2">
+            <a:schemeClr val="accent1">
+              <a:shade val="50000"/>
+            </a:schemeClr>
+          </a:lnRef>
+          <a:fillRef idx="1">
+            <a:schemeClr val="accent1"/>
+          </a:fillRef>
+          <a:effectRef idx="0">
+            <a:schemeClr val="accent1"/>
+          </a:effectRef>
+          <a:fontRef idx="minor">
+            <a:schemeClr val="lt1"/>
+          </a:fontRef>
+        </p:style>
+        <p:txBody>
+          <a:bodyPr rtlCol="0" anchor="ctr"/>
+          <a:lstStyle/>
+          <a:p>
+            <a:pPr algn="ctr"/>
+            <a:endParaRPr lang="en-US"/>
+          </a:p>
+        </p:txBody>
+      </p:sp>
+      <p:pic>
+        <p:nvPicPr>
+          <p:cNvPr id="5" name="Inhaltsplatzhalter 4">
+            <a:extLst>
+              <a:ext uri="{FF2B5EF4-FFF2-40B4-BE49-F238E27FC236}">
+                <a16:creationId xmlns:a16="http://schemas.microsoft.com/office/drawing/2014/main" id="{4A1327ED-C79B-4435-9F7D-BB034D66DF67}"/>
+              </a:ext>
+            </a:extLst>
+          </p:cNvPr>
+          <p:cNvPicPr>
+            <a:picLocks noChangeAspect="1"/>
+          </p:cNvPicPr>
+          <p:nvPr/>
+        </p:nvPicPr>
+        <p:blipFill>
+          <a:blip r:embed="rId2">
+            <a:extLst>
+              <a:ext uri="{28A0092B-C50C-407E-A947-70E740481C1C}">
+                <a14:useLocalDpi xmlns:a14="http://schemas.microsoft.com/office/drawing/2010/main" val="0"/>
+              </a:ext>
+              <a:ext uri="{96DAC541-7B7A-43D3-8B79-37D633B846F1}">
+                <asvg:svgBlip xmlns:asvg="http://schemas.microsoft.com/office/drawing/2016/SVG/main" r:embed="rId3"/>
+              </a:ext>
+            </a:extLst>
+          </a:blip>
+          <a:stretch>
+            <a:fillRect/>
+          </a:stretch>
+        </p:blipFill>
+        <p:spPr>
+          <a:xfrm>
+            <a:off x="9138258" y="5539232"/>
+            <a:ext cx="3053742" cy="1325563"/>
+          </a:xfrm>
+          <a:prstGeom prst="rect">
+            <a:avLst/>
+          </a:prstGeom>
+        </p:spPr>
+      </p:pic>
+      <p:grpSp>
+        <p:nvGrpSpPr>
+          <p:cNvPr id="8" name="Gruppieren 7">
+            <a:extLst>
+              <a:ext uri="{FF2B5EF4-FFF2-40B4-BE49-F238E27FC236}">
+                <a16:creationId xmlns:a16="http://schemas.microsoft.com/office/drawing/2014/main" id="{D12F6303-B64A-4DE0-9338-29C545E489D2}"/>
+              </a:ext>
+            </a:extLst>
+          </p:cNvPr>
+          <p:cNvGrpSpPr/>
+          <p:nvPr/>
+        </p:nvGrpSpPr>
+        <p:grpSpPr>
+          <a:xfrm>
+            <a:off x="0" y="-12526"/>
+            <a:ext cx="12192000" cy="588439"/>
+            <a:chOff x="0" y="-12526"/>
+            <a:chExt cx="12192000" cy="588439"/>
+          </a:xfrm>
+        </p:grpSpPr>
+        <p:sp>
+          <p:nvSpPr>
+            <p:cNvPr id="9" name="Rechteck 8">
+              <a:extLst>
+                <a:ext uri="{FF2B5EF4-FFF2-40B4-BE49-F238E27FC236}">
+                  <a16:creationId xmlns:a16="http://schemas.microsoft.com/office/drawing/2014/main" id="{7E0E77A4-3A23-433F-BE05-4662310BB904}"/>
+                </a:ext>
+              </a:extLst>
+            </p:cNvPr>
+            <p:cNvSpPr/>
+            <p:nvPr/>
+          </p:nvSpPr>
+          <p:spPr>
+            <a:xfrm>
+              <a:off x="0" y="-12526"/>
+              <a:ext cx="12192000" cy="501573"/>
+            </a:xfrm>
+            <a:prstGeom prst="rect">
+              <a:avLst/>
+            </a:prstGeom>
+            <a:solidFill>
+              <a:schemeClr val="bg1">
+                <a:lumMod val="65000"/>
+              </a:schemeClr>
+            </a:solidFill>
+            <a:ln>
+              <a:solidFill>
+                <a:schemeClr val="bg1">
+                  <a:lumMod val="75000"/>
+                </a:schemeClr>
+              </a:solidFill>
+            </a:ln>
+          </p:spPr>
+          <p:style>
+            <a:lnRef idx="2">
+              <a:schemeClr val="accent1">
+                <a:shade val="50000"/>
+              </a:schemeClr>
+            </a:lnRef>
+            <a:fillRef idx="1">
+              <a:schemeClr val="accent1"/>
+            </a:fillRef>
+            <a:effectRef idx="0">
+              <a:schemeClr val="accent1"/>
+            </a:effectRef>
+            <a:fontRef idx="minor">
+              <a:schemeClr val="lt1"/>
+            </a:fontRef>
+          </p:style>
+          <p:txBody>
+            <a:bodyPr rtlCol="0" anchor="ctr"/>
+            <a:lstStyle/>
+            <a:p>
+              <a:pPr algn="ctr"/>
+              <a:endParaRPr lang="en-US"/>
+            </a:p>
+          </p:txBody>
+        </p:sp>
+        <p:sp>
+          <p:nvSpPr>
+            <p:cNvPr id="10" name="Titel 1">
+              <a:extLst>
+                <a:ext uri="{FF2B5EF4-FFF2-40B4-BE49-F238E27FC236}">
+                  <a16:creationId xmlns:a16="http://schemas.microsoft.com/office/drawing/2014/main" id="{E30452C7-9ADA-4F64-A8E5-5A8C65FD6090}"/>
+                </a:ext>
+              </a:extLst>
+            </p:cNvPr>
+            <p:cNvSpPr txBox="1">
+              <a:spLocks/>
+            </p:cNvSpPr>
+            <p:nvPr/>
+          </p:nvSpPr>
+          <p:spPr>
+            <a:xfrm>
+              <a:off x="162045" y="74340"/>
+              <a:ext cx="9734309" cy="501573"/>
+            </a:xfrm>
+            <a:prstGeom prst="rect">
+              <a:avLst/>
+            </a:prstGeom>
+          </p:spPr>
+          <p:txBody>
+            <a:bodyPr vert="horz" lIns="91440" tIns="45720" rIns="91440" bIns="45720" rtlCol="0" anchor="ctr">
+              <a:normAutofit fontScale="82500" lnSpcReduction="20000"/>
+            </a:bodyPr>
+            <a:lstStyle>
+              <a:lvl1pPr algn="l" defTabSz="914400" rtl="0" eaLnBrk="1" latinLnBrk="0" hangingPunct="1">
+                <a:lnSpc>
+                  <a:spcPct val="90000"/>
+                </a:lnSpc>
+                <a:spcBef>
+                  <a:spcPct val="0"/>
+                </a:spcBef>
+                <a:buNone/>
+                <a:defRPr sz="4400" kern="1200">
+                  <a:solidFill>
+                    <a:schemeClr val="tx1"/>
+                  </a:solidFill>
+                  <a:latin typeface="+mj-lt"/>
+                  <a:ea typeface="+mj-ea"/>
+                  <a:cs typeface="+mj-cs"/>
+                </a:defRPr>
+              </a:lvl1pPr>
+            </a:lstStyle>
+            <a:p>
+              <a:r>
+                <a:rPr lang="en-US" b="1" dirty="0">
+                  <a:solidFill>
+                    <a:schemeClr val="bg1">
+                      <a:lumMod val="95000"/>
+                    </a:schemeClr>
+                  </a:solidFill>
+                </a:rPr>
+                <a:t>Selection strategy – </a:t>
+              </a:r>
+              <a:r>
+                <a:rPr lang="de-DE" b="1" dirty="0" err="1">
+                  <a:solidFill>
+                    <a:schemeClr val="bg1">
+                      <a:lumMod val="95000"/>
+                    </a:schemeClr>
+                  </a:solidFill>
+                  <a:latin typeface="Calibri" panose="020F0502020204030204" pitchFamily="34" charset="0"/>
+                  <a:cs typeface="Calibri" panose="020F0502020204030204" pitchFamily="34" charset="0"/>
+                </a:rPr>
+                <a:t>Softmax</a:t>
+              </a:r>
+              <a:endParaRPr lang="en-US" b="1" dirty="0">
+                <a:solidFill>
+                  <a:schemeClr val="bg1">
+                    <a:lumMod val="95000"/>
+                  </a:schemeClr>
+                </a:solidFill>
+              </a:endParaRPr>
+            </a:p>
+          </p:txBody>
+        </p:sp>
+      </p:grpSp>
+      <mc:AlternateContent xmlns:mc="http://schemas.openxmlformats.org/markup-compatibility/2006">
+        <mc:Choice xmlns:a14="http://schemas.microsoft.com/office/drawing/2010/main" Requires="a14">
+          <p:sp>
+            <p:nvSpPr>
+              <p:cNvPr id="2" name="Textfeld 1">
+                <a:extLst>
+                  <a:ext uri="{FF2B5EF4-FFF2-40B4-BE49-F238E27FC236}">
+                    <a16:creationId xmlns:a16="http://schemas.microsoft.com/office/drawing/2014/main" id="{3B928A9F-E336-430F-BADE-A096F6DD6B40}"/>
+                  </a:ext>
+                </a:extLst>
+              </p:cNvPr>
+              <p:cNvSpPr txBox="1"/>
+              <p:nvPr/>
+            </p:nvSpPr>
+            <p:spPr>
+              <a:xfrm>
+                <a:off x="3912973" y="2632100"/>
+                <a:ext cx="3497945" cy="1488677"/>
+              </a:xfrm>
+              <a:prstGeom prst="rect">
+                <a:avLst/>
+              </a:prstGeom>
+              <a:noFill/>
+            </p:spPr>
+            <p:txBody>
+              <a:bodyPr wrap="none" rtlCol="0">
+                <a:spAutoFit/>
+              </a:bodyPr>
+              <a:lstStyle/>
+              <a:p>
+                <a14:m>
+                  <m:oMathPara xmlns:m="http://schemas.openxmlformats.org/officeDocument/2006/math">
+                    <m:oMathParaPr>
+                      <m:jc m:val="centerGroup"/>
+                    </m:oMathParaPr>
+                    <m:oMath xmlns:m="http://schemas.openxmlformats.org/officeDocument/2006/math">
+                      <m:r>
+                        <a:rPr lang="de-DE" sz="4000" b="0" i="1" smtClean="0">
+                          <a:latin typeface="Cambria Math" panose="02040503050406030204" pitchFamily="18" charset="0"/>
+                        </a:rPr>
+                        <m:t>𝑃</m:t>
+                      </m:r>
+                      <m:d>
+                        <m:dPr>
+                          <m:ctrlPr>
+                            <a:rPr lang="de-DE" sz="4000" b="0" i="1" smtClean="0">
+                              <a:latin typeface="Cambria Math" panose="02040503050406030204" pitchFamily="18" charset="0"/>
+                            </a:rPr>
+                          </m:ctrlPr>
+                        </m:dPr>
+                        <m:e>
+                          <m:sSub>
+                            <m:sSubPr>
+                              <m:ctrlPr>
+                                <a:rPr lang="de-DE" sz="4000" b="0" i="1" smtClean="0">
+                                  <a:latin typeface="Cambria Math" panose="02040503050406030204" pitchFamily="18" charset="0"/>
+                                </a:rPr>
+                              </m:ctrlPr>
+                            </m:sSubPr>
+                            <m:e>
+                              <m:r>
+                                <a:rPr lang="de-DE" sz="4000" b="0" i="1" smtClean="0">
+                                  <a:latin typeface="Cambria Math" panose="02040503050406030204" pitchFamily="18" charset="0"/>
+                                </a:rPr>
+                                <m:t>𝑥</m:t>
+                              </m:r>
+                            </m:e>
+                            <m:sub>
+                              <m:r>
+                                <a:rPr lang="de-DE" sz="4000" b="0" i="1" smtClean="0">
+                                  <a:latin typeface="Cambria Math" panose="02040503050406030204" pitchFamily="18" charset="0"/>
+                                </a:rPr>
+                                <m:t>𝑖</m:t>
+                              </m:r>
+                            </m:sub>
+                          </m:sSub>
+                        </m:e>
+                      </m:d>
+                      <m:r>
+                        <a:rPr lang="de-DE" sz="4000" b="0" i="1" smtClean="0">
+                          <a:latin typeface="Cambria Math" panose="02040503050406030204" pitchFamily="18" charset="0"/>
+                        </a:rPr>
+                        <m:t>=</m:t>
+                      </m:r>
+                      <m:f>
+                        <m:fPr>
+                          <m:ctrlPr>
+                            <a:rPr lang="de-DE" sz="4000" i="1" smtClean="0">
+                              <a:latin typeface="Cambria Math" panose="02040503050406030204" pitchFamily="18" charset="0"/>
+                            </a:rPr>
+                          </m:ctrlPr>
+                        </m:fPr>
+                        <m:num>
+                          <m:sSup>
+                            <m:sSupPr>
+                              <m:ctrlPr>
+                                <a:rPr lang="de-DE" sz="4000" i="1" smtClean="0">
+                                  <a:latin typeface="Cambria Math" panose="02040503050406030204" pitchFamily="18" charset="0"/>
+                                </a:rPr>
+                              </m:ctrlPr>
+                            </m:sSupPr>
+                            <m:e>
+                              <m:r>
+                                <a:rPr lang="de-DE" sz="4000" b="0" i="1" smtClean="0">
+                                  <a:latin typeface="Cambria Math" panose="02040503050406030204" pitchFamily="18" charset="0"/>
+                                </a:rPr>
+                                <m:t>𝑒</m:t>
+                              </m:r>
+                            </m:e>
+                            <m:sup>
+                              <m:sSub>
+                                <m:sSubPr>
+                                  <m:ctrlPr>
+                                    <a:rPr lang="de-DE" sz="4000" i="1">
+                                      <a:latin typeface="Cambria Math" panose="02040503050406030204" pitchFamily="18" charset="0"/>
+                                    </a:rPr>
+                                  </m:ctrlPr>
+                                </m:sSubPr>
+                                <m:e>
+                                  <m:r>
+                                    <a:rPr lang="de-DE" sz="4000" i="1">
+                                      <a:latin typeface="Cambria Math" panose="02040503050406030204" pitchFamily="18" charset="0"/>
+                                    </a:rPr>
+                                    <m:t>𝑥</m:t>
+                                  </m:r>
+                                </m:e>
+                                <m:sub>
+                                  <m:r>
+                                    <a:rPr lang="de-DE" sz="4000" i="1">
+                                      <a:latin typeface="Cambria Math" panose="02040503050406030204" pitchFamily="18" charset="0"/>
+                                    </a:rPr>
+                                    <m:t>𝑖</m:t>
+                                  </m:r>
+                                </m:sub>
+                              </m:sSub>
+                            </m:sup>
+                          </m:sSup>
+                        </m:num>
+                        <m:den>
+                          <m:nary>
+                            <m:naryPr>
+                              <m:chr m:val="∑"/>
+                              <m:supHide m:val="on"/>
+                              <m:ctrlPr>
+                                <a:rPr lang="de-DE" sz="4000" i="1" smtClean="0">
+                                  <a:latin typeface="Cambria Math" panose="02040503050406030204" pitchFamily="18" charset="0"/>
+                                </a:rPr>
+                              </m:ctrlPr>
+                            </m:naryPr>
+                            <m:sub>
+                              <m:r>
+                                <a:rPr lang="de-DE" sz="4000" b="0" i="1" smtClean="0">
+                                  <a:latin typeface="Cambria Math" panose="02040503050406030204" pitchFamily="18" charset="0"/>
+                                </a:rPr>
+                                <m:t>𝑗</m:t>
+                              </m:r>
+                            </m:sub>
+                            <m:sup/>
+                            <m:e>
+                              <m:sSup>
+                                <m:sSupPr>
+                                  <m:ctrlPr>
+                                    <a:rPr lang="de-DE" sz="4000" i="1" smtClean="0">
+                                      <a:latin typeface="Cambria Math" panose="02040503050406030204" pitchFamily="18" charset="0"/>
+                                    </a:rPr>
+                                  </m:ctrlPr>
+                                </m:sSupPr>
+                                <m:e>
+                                  <m:r>
+                                    <a:rPr lang="de-DE" sz="4000" b="0" i="1" smtClean="0">
+                                      <a:latin typeface="Cambria Math" panose="02040503050406030204" pitchFamily="18" charset="0"/>
+                                    </a:rPr>
+                                    <m:t>𝑒</m:t>
+                                  </m:r>
+                                </m:e>
+                                <m:sup>
+                                  <m:sSub>
+                                    <m:sSubPr>
+                                      <m:ctrlPr>
+                                        <a:rPr lang="de-DE" sz="4000" i="1" smtClean="0">
+                                          <a:latin typeface="Cambria Math" panose="02040503050406030204" pitchFamily="18" charset="0"/>
+                                        </a:rPr>
+                                      </m:ctrlPr>
+                                    </m:sSubPr>
+                                    <m:e>
+                                      <m:r>
+                                        <a:rPr lang="de-DE" sz="4000" b="0" i="1" smtClean="0">
+                                          <a:latin typeface="Cambria Math" panose="02040503050406030204" pitchFamily="18" charset="0"/>
+                                        </a:rPr>
+                                        <m:t>𝑥</m:t>
+                                      </m:r>
+                                    </m:e>
+                                    <m:sub>
+                                      <m:r>
+                                        <a:rPr lang="de-DE" sz="4000" b="0" i="1" smtClean="0">
+                                          <a:latin typeface="Cambria Math" panose="02040503050406030204" pitchFamily="18" charset="0"/>
+                                        </a:rPr>
+                                        <m:t>𝑗</m:t>
+                                      </m:r>
+                                    </m:sub>
+                                  </m:sSub>
+                                </m:sup>
+                              </m:sSup>
+                            </m:e>
+                          </m:nary>
+                        </m:den>
+                      </m:f>
+                    </m:oMath>
+                  </m:oMathPara>
+                </a14:m>
+                <a:endParaRPr lang="de-DE" dirty="0"/>
+              </a:p>
+            </p:txBody>
+          </p:sp>
+        </mc:Choice>
+        <mc:Fallback>
+          <p:sp>
+            <p:nvSpPr>
+              <p:cNvPr id="2" name="Textfeld 1">
+                <a:extLst>
+                  <a:ext uri="{FF2B5EF4-FFF2-40B4-BE49-F238E27FC236}">
+                    <a16:creationId xmlns:a16="http://schemas.microsoft.com/office/drawing/2014/main" id="{3B928A9F-E336-430F-BADE-A096F6DD6B40}"/>
+                  </a:ext>
+                </a:extLst>
+              </p:cNvPr>
+              <p:cNvSpPr txBox="1">
+                <a:spLocks noRot="1" noChangeAspect="1" noMove="1" noResize="1" noEditPoints="1" noAdjustHandles="1" noChangeArrowheads="1" noChangeShapeType="1" noTextEdit="1"/>
+              </p:cNvSpPr>
+              <p:nvPr/>
+            </p:nvSpPr>
+            <p:spPr>
+              <a:xfrm>
+                <a:off x="3912973" y="2632100"/>
+                <a:ext cx="3497945" cy="1488677"/>
+              </a:xfrm>
+              <a:prstGeom prst="rect">
+                <a:avLst/>
+              </a:prstGeom>
+              <a:blipFill>
+                <a:blip r:embed="rId4"/>
+                <a:stretch>
+                  <a:fillRect/>
+                </a:stretch>
+              </a:blipFill>
+            </p:spPr>
+            <p:txBody>
+              <a:bodyPr/>
+              <a:lstStyle/>
+              <a:p>
+                <a:r>
+                  <a:rPr lang="de-DE">
+                    <a:noFill/>
+                  </a:rPr>
+                  <a:t> </a:t>
+                </a:r>
+              </a:p>
+            </p:txBody>
+          </p:sp>
+        </mc:Fallback>
+      </mc:AlternateContent>
+    </p:spTree>
+    <p:extLst>
+      <p:ext uri="{BB962C8B-B14F-4D97-AF65-F5344CB8AC3E}">
+        <p14:creationId xmlns:p14="http://schemas.microsoft.com/office/powerpoint/2010/main" val="2046292443"/>
       </p:ext>
     </p:extLst>
   </p:cSld>

--- a/Reinforcement Learning.pptx
+++ b/Reinforcement Learning.pptx
@@ -5,19 +5,22 @@
     <p:sldMasterId id="2147483648" r:id="rId1"/>
   </p:sldMasterIdLst>
   <p:notesMasterIdLst>
-    <p:notesMasterId r:id="rId12"/>
+    <p:notesMasterId r:id="rId15"/>
   </p:notesMasterIdLst>
   <p:sldIdLst>
     <p:sldId id="256" r:id="rId2"/>
     <p:sldId id="259" r:id="rId3"/>
     <p:sldId id="260" r:id="rId4"/>
-    <p:sldId id="261" r:id="rId5"/>
-    <p:sldId id="264" r:id="rId6"/>
-    <p:sldId id="265" r:id="rId7"/>
-    <p:sldId id="267" r:id="rId8"/>
-    <p:sldId id="269" r:id="rId9"/>
-    <p:sldId id="270" r:id="rId10"/>
-    <p:sldId id="268" r:id="rId11"/>
+    <p:sldId id="273" r:id="rId5"/>
+    <p:sldId id="261" r:id="rId6"/>
+    <p:sldId id="264" r:id="rId7"/>
+    <p:sldId id="265" r:id="rId8"/>
+    <p:sldId id="267" r:id="rId9"/>
+    <p:sldId id="269" r:id="rId10"/>
+    <p:sldId id="271" r:id="rId11"/>
+    <p:sldId id="270" r:id="rId12"/>
+    <p:sldId id="272" r:id="rId13"/>
+    <p:sldId id="268" r:id="rId14"/>
   </p:sldIdLst>
   <p:sldSz cx="12192000" cy="6858000"/>
   <p:notesSz cx="6858000" cy="9144000"/>
@@ -4708,6 +4711,1361 @@
       </p:grpSpPr>
       <p:sp>
         <p:nvSpPr>
+          <p:cNvPr id="4" name="Rechteck 3">
+            <a:extLst>
+              <a:ext uri="{FF2B5EF4-FFF2-40B4-BE49-F238E27FC236}">
+                <a16:creationId xmlns:a16="http://schemas.microsoft.com/office/drawing/2014/main" id="{E25EF50D-F0CD-4727-AFB6-041294F40813}"/>
+              </a:ext>
+            </a:extLst>
+          </p:cNvPr>
+          <p:cNvSpPr/>
+          <p:nvPr/>
+        </p:nvSpPr>
+        <p:spPr>
+          <a:xfrm>
+            <a:off x="0" y="6350696"/>
+            <a:ext cx="10058400" cy="501573"/>
+          </a:xfrm>
+          <a:prstGeom prst="rect">
+            <a:avLst/>
+          </a:prstGeom>
+          <a:solidFill>
+            <a:schemeClr val="bg1">
+              <a:lumMod val="75000"/>
+            </a:schemeClr>
+          </a:solidFill>
+          <a:ln>
+            <a:solidFill>
+              <a:schemeClr val="bg1">
+                <a:lumMod val="75000"/>
+              </a:schemeClr>
+            </a:solidFill>
+          </a:ln>
+        </p:spPr>
+        <p:style>
+          <a:lnRef idx="2">
+            <a:schemeClr val="accent1">
+              <a:shade val="50000"/>
+            </a:schemeClr>
+          </a:lnRef>
+          <a:fillRef idx="1">
+            <a:schemeClr val="accent1"/>
+          </a:fillRef>
+          <a:effectRef idx="0">
+            <a:schemeClr val="accent1"/>
+          </a:effectRef>
+          <a:fontRef idx="minor">
+            <a:schemeClr val="lt1"/>
+          </a:fontRef>
+        </p:style>
+        <p:txBody>
+          <a:bodyPr rtlCol="0" anchor="ctr"/>
+          <a:lstStyle/>
+          <a:p>
+            <a:pPr algn="ctr"/>
+            <a:endParaRPr lang="en-US"/>
+          </a:p>
+        </p:txBody>
+      </p:sp>
+      <p:pic>
+        <p:nvPicPr>
+          <p:cNvPr id="5" name="Inhaltsplatzhalter 4">
+            <a:extLst>
+              <a:ext uri="{FF2B5EF4-FFF2-40B4-BE49-F238E27FC236}">
+                <a16:creationId xmlns:a16="http://schemas.microsoft.com/office/drawing/2014/main" id="{4A1327ED-C79B-4435-9F7D-BB034D66DF67}"/>
+              </a:ext>
+            </a:extLst>
+          </p:cNvPr>
+          <p:cNvPicPr>
+            <a:picLocks noChangeAspect="1"/>
+          </p:cNvPicPr>
+          <p:nvPr/>
+        </p:nvPicPr>
+        <p:blipFill>
+          <a:blip r:embed="rId2">
+            <a:extLst>
+              <a:ext uri="{28A0092B-C50C-407E-A947-70E740481C1C}">
+                <a14:useLocalDpi xmlns:a14="http://schemas.microsoft.com/office/drawing/2010/main" val="0"/>
+              </a:ext>
+              <a:ext uri="{96DAC541-7B7A-43D3-8B79-37D633B846F1}">
+                <asvg:svgBlip xmlns:asvg="http://schemas.microsoft.com/office/drawing/2016/SVG/main" r:embed="rId3"/>
+              </a:ext>
+            </a:extLst>
+          </a:blip>
+          <a:stretch>
+            <a:fillRect/>
+          </a:stretch>
+        </p:blipFill>
+        <p:spPr>
+          <a:xfrm>
+            <a:off x="9138258" y="5539232"/>
+            <a:ext cx="3053742" cy="1325563"/>
+          </a:xfrm>
+          <a:prstGeom prst="rect">
+            <a:avLst/>
+          </a:prstGeom>
+        </p:spPr>
+      </p:pic>
+      <p:grpSp>
+        <p:nvGrpSpPr>
+          <p:cNvPr id="8" name="Gruppieren 7">
+            <a:extLst>
+              <a:ext uri="{FF2B5EF4-FFF2-40B4-BE49-F238E27FC236}">
+                <a16:creationId xmlns:a16="http://schemas.microsoft.com/office/drawing/2014/main" id="{D12F6303-B64A-4DE0-9338-29C545E489D2}"/>
+              </a:ext>
+            </a:extLst>
+          </p:cNvPr>
+          <p:cNvGrpSpPr/>
+          <p:nvPr/>
+        </p:nvGrpSpPr>
+        <p:grpSpPr>
+          <a:xfrm>
+            <a:off x="0" y="-12526"/>
+            <a:ext cx="12192000" cy="588439"/>
+            <a:chOff x="0" y="-12526"/>
+            <a:chExt cx="12192000" cy="588439"/>
+          </a:xfrm>
+        </p:grpSpPr>
+        <p:sp>
+          <p:nvSpPr>
+            <p:cNvPr id="9" name="Rechteck 8">
+              <a:extLst>
+                <a:ext uri="{FF2B5EF4-FFF2-40B4-BE49-F238E27FC236}">
+                  <a16:creationId xmlns:a16="http://schemas.microsoft.com/office/drawing/2014/main" id="{7E0E77A4-3A23-433F-BE05-4662310BB904}"/>
+                </a:ext>
+              </a:extLst>
+            </p:cNvPr>
+            <p:cNvSpPr/>
+            <p:nvPr/>
+          </p:nvSpPr>
+          <p:spPr>
+            <a:xfrm>
+              <a:off x="0" y="-12526"/>
+              <a:ext cx="12192000" cy="501573"/>
+            </a:xfrm>
+            <a:prstGeom prst="rect">
+              <a:avLst/>
+            </a:prstGeom>
+            <a:solidFill>
+              <a:schemeClr val="bg1">
+                <a:lumMod val="65000"/>
+              </a:schemeClr>
+            </a:solidFill>
+            <a:ln>
+              <a:solidFill>
+                <a:schemeClr val="bg1">
+                  <a:lumMod val="75000"/>
+                </a:schemeClr>
+              </a:solidFill>
+            </a:ln>
+          </p:spPr>
+          <p:style>
+            <a:lnRef idx="2">
+              <a:schemeClr val="accent1">
+                <a:shade val="50000"/>
+              </a:schemeClr>
+            </a:lnRef>
+            <a:fillRef idx="1">
+              <a:schemeClr val="accent1"/>
+            </a:fillRef>
+            <a:effectRef idx="0">
+              <a:schemeClr val="accent1"/>
+            </a:effectRef>
+            <a:fontRef idx="minor">
+              <a:schemeClr val="lt1"/>
+            </a:fontRef>
+          </p:style>
+          <p:txBody>
+            <a:bodyPr rtlCol="0" anchor="ctr"/>
+            <a:lstStyle/>
+            <a:p>
+              <a:pPr algn="ctr"/>
+              <a:endParaRPr lang="en-US"/>
+            </a:p>
+          </p:txBody>
+        </p:sp>
+        <p:sp>
+          <p:nvSpPr>
+            <p:cNvPr id="10" name="Titel 1">
+              <a:extLst>
+                <a:ext uri="{FF2B5EF4-FFF2-40B4-BE49-F238E27FC236}">
+                  <a16:creationId xmlns:a16="http://schemas.microsoft.com/office/drawing/2014/main" id="{E30452C7-9ADA-4F64-A8E5-5A8C65FD6090}"/>
+                </a:ext>
+              </a:extLst>
+            </p:cNvPr>
+            <p:cNvSpPr txBox="1">
+              <a:spLocks/>
+            </p:cNvSpPr>
+            <p:nvPr/>
+          </p:nvSpPr>
+          <p:spPr>
+            <a:xfrm>
+              <a:off x="162045" y="74340"/>
+              <a:ext cx="9734309" cy="501573"/>
+            </a:xfrm>
+            <a:prstGeom prst="rect">
+              <a:avLst/>
+            </a:prstGeom>
+          </p:spPr>
+          <p:txBody>
+            <a:bodyPr vert="horz" lIns="91440" tIns="45720" rIns="91440" bIns="45720" rtlCol="0" anchor="ctr">
+              <a:normAutofit fontScale="82500" lnSpcReduction="20000"/>
+            </a:bodyPr>
+            <a:lstStyle>
+              <a:lvl1pPr algn="l" defTabSz="914400" rtl="0" eaLnBrk="1" latinLnBrk="0" hangingPunct="1">
+                <a:lnSpc>
+                  <a:spcPct val="90000"/>
+                </a:lnSpc>
+                <a:spcBef>
+                  <a:spcPct val="0"/>
+                </a:spcBef>
+                <a:buNone/>
+                <a:defRPr sz="4400" kern="1200">
+                  <a:solidFill>
+                    <a:schemeClr val="tx1"/>
+                  </a:solidFill>
+                  <a:latin typeface="+mj-lt"/>
+                  <a:ea typeface="+mj-ea"/>
+                  <a:cs typeface="+mj-cs"/>
+                </a:defRPr>
+              </a:lvl1pPr>
+            </a:lstStyle>
+            <a:p>
+              <a:r>
+                <a:rPr lang="en-US" b="1" dirty="0">
+                  <a:solidFill>
+                    <a:schemeClr val="bg1">
+                      <a:lumMod val="95000"/>
+                    </a:schemeClr>
+                  </a:solidFill>
+                </a:rPr>
+                <a:t>Selection strategy – </a:t>
+              </a:r>
+              <a:r>
+                <a:rPr lang="el-GR" b="1" dirty="0">
+                  <a:solidFill>
+                    <a:schemeClr val="bg1">
+                      <a:lumMod val="95000"/>
+                    </a:schemeClr>
+                  </a:solidFill>
+                  <a:latin typeface="Calibri" panose="020F0502020204030204" pitchFamily="34" charset="0"/>
+                  <a:cs typeface="Calibri" panose="020F0502020204030204" pitchFamily="34" charset="0"/>
+                </a:rPr>
+                <a:t>ε</a:t>
+              </a:r>
+              <a:r>
+                <a:rPr lang="de-DE" b="1" dirty="0">
+                  <a:solidFill>
+                    <a:schemeClr val="bg1">
+                      <a:lumMod val="95000"/>
+                    </a:schemeClr>
+                  </a:solidFill>
+                </a:rPr>
+                <a:t>-</a:t>
+              </a:r>
+              <a:r>
+                <a:rPr lang="de-DE" b="1" dirty="0" err="1">
+                  <a:solidFill>
+                    <a:schemeClr val="bg1">
+                      <a:lumMod val="95000"/>
+                    </a:schemeClr>
+                  </a:solidFill>
+                </a:rPr>
+                <a:t>greedy</a:t>
+              </a:r>
+              <a:endParaRPr lang="en-US" b="1" dirty="0">
+                <a:solidFill>
+                  <a:schemeClr val="bg1">
+                    <a:lumMod val="95000"/>
+                  </a:schemeClr>
+                </a:solidFill>
+              </a:endParaRPr>
+            </a:p>
+          </p:txBody>
+        </p:sp>
+      </p:grpSp>
+      <p:sp>
+        <p:nvSpPr>
+          <p:cNvPr id="7" name="Textfeld 6">
+            <a:extLst>
+              <a:ext uri="{FF2B5EF4-FFF2-40B4-BE49-F238E27FC236}">
+                <a16:creationId xmlns:a16="http://schemas.microsoft.com/office/drawing/2014/main" id="{A282DDA6-7248-48A0-9D6D-E9258C1FD1F7}"/>
+              </a:ext>
+            </a:extLst>
+          </p:cNvPr>
+          <p:cNvSpPr txBox="1"/>
+          <p:nvPr/>
+        </p:nvSpPr>
+        <p:spPr>
+          <a:xfrm>
+            <a:off x="3886200" y="3138574"/>
+            <a:ext cx="3936462" cy="1815882"/>
+          </a:xfrm>
+          <a:prstGeom prst="rect">
+            <a:avLst/>
+          </a:prstGeom>
+          <a:noFill/>
+        </p:spPr>
+        <p:txBody>
+          <a:bodyPr wrap="none" rtlCol="0">
+            <a:spAutoFit/>
+          </a:bodyPr>
+          <a:lstStyle/>
+          <a:p>
+            <a:r>
+              <a:rPr lang="en-US" sz="2800" dirty="0"/>
+              <a:t>if</a:t>
+            </a:r>
+            <a:r>
+              <a:rPr lang="de-DE" sz="2800" dirty="0"/>
+              <a:t> p &lt; </a:t>
+            </a:r>
+            <a:r>
+              <a:rPr lang="el-GR" sz="2800" dirty="0">
+                <a:latin typeface="Calibri" panose="020F0502020204030204" pitchFamily="34" charset="0"/>
+                <a:cs typeface="Calibri" panose="020F0502020204030204" pitchFamily="34" charset="0"/>
+              </a:rPr>
+              <a:t>ε</a:t>
+            </a:r>
+            <a:r>
+              <a:rPr lang="de-DE" sz="2800" dirty="0">
+                <a:latin typeface="Calibri" panose="020F0502020204030204" pitchFamily="34" charset="0"/>
+                <a:cs typeface="Calibri" panose="020F0502020204030204" pitchFamily="34" charset="0"/>
+              </a:rPr>
+              <a:t>:</a:t>
+            </a:r>
+          </a:p>
+          <a:p>
+            <a:r>
+              <a:rPr lang="de-DE" sz="2800" dirty="0">
+                <a:latin typeface="Calibri" panose="020F0502020204030204" pitchFamily="34" charset="0"/>
+                <a:cs typeface="Calibri" panose="020F0502020204030204" pitchFamily="34" charset="0"/>
+              </a:rPr>
+              <a:t>	</a:t>
+            </a:r>
+            <a:r>
+              <a:rPr lang="en-US" sz="2800" i="1" dirty="0">
+                <a:latin typeface="Calibri" panose="020F0502020204030204" pitchFamily="34" charset="0"/>
+                <a:cs typeface="Calibri" panose="020F0502020204030204" pitchFamily="34" charset="0"/>
+              </a:rPr>
+              <a:t>take random action</a:t>
+            </a:r>
+          </a:p>
+          <a:p>
+            <a:r>
+              <a:rPr lang="en-US" sz="2800" dirty="0">
+                <a:latin typeface="Calibri" panose="020F0502020204030204" pitchFamily="34" charset="0"/>
+                <a:cs typeface="Calibri" panose="020F0502020204030204" pitchFamily="34" charset="0"/>
+              </a:rPr>
+              <a:t>else</a:t>
+            </a:r>
+            <a:r>
+              <a:rPr lang="de-DE" sz="2800" dirty="0">
+                <a:latin typeface="Calibri" panose="020F0502020204030204" pitchFamily="34" charset="0"/>
+                <a:cs typeface="Calibri" panose="020F0502020204030204" pitchFamily="34" charset="0"/>
+              </a:rPr>
+              <a:t>:</a:t>
+            </a:r>
+          </a:p>
+          <a:p>
+            <a:r>
+              <a:rPr lang="de-DE" sz="2800" dirty="0">
+                <a:latin typeface="Calibri" panose="020F0502020204030204" pitchFamily="34" charset="0"/>
+                <a:cs typeface="Calibri" panose="020F0502020204030204" pitchFamily="34" charset="0"/>
+              </a:rPr>
+              <a:t>	</a:t>
+            </a:r>
+            <a:r>
+              <a:rPr lang="en-US" sz="2800" i="1" dirty="0">
+                <a:latin typeface="Calibri" panose="020F0502020204030204" pitchFamily="34" charset="0"/>
+                <a:cs typeface="Calibri" panose="020F0502020204030204" pitchFamily="34" charset="0"/>
+              </a:rPr>
+              <a:t>take best action</a:t>
+            </a:r>
+            <a:endParaRPr lang="en-US" sz="2800" i="1" dirty="0"/>
+          </a:p>
+        </p:txBody>
+      </p:sp>
+      <p:sp>
+        <p:nvSpPr>
+          <p:cNvPr id="19" name="Textfeld 18">
+            <a:extLst>
+              <a:ext uri="{FF2B5EF4-FFF2-40B4-BE49-F238E27FC236}">
+                <a16:creationId xmlns:a16="http://schemas.microsoft.com/office/drawing/2014/main" id="{D43E4605-7BBF-42C9-B366-20A64B92066E}"/>
+              </a:ext>
+            </a:extLst>
+          </p:cNvPr>
+          <p:cNvSpPr txBox="1"/>
+          <p:nvPr/>
+        </p:nvSpPr>
+        <p:spPr>
+          <a:xfrm>
+            <a:off x="1447800" y="1257079"/>
+            <a:ext cx="10525125" cy="1200329"/>
+          </a:xfrm>
+          <a:prstGeom prst="rect">
+            <a:avLst/>
+          </a:prstGeom>
+          <a:noFill/>
+        </p:spPr>
+        <p:txBody>
+          <a:bodyPr wrap="square" rtlCol="0">
+            <a:spAutoFit/>
+          </a:bodyPr>
+          <a:lstStyle/>
+          <a:p>
+            <a:r>
+              <a:rPr lang="de-DE" sz="2400" dirty="0"/>
+              <a:t>Einfachste Idee:</a:t>
+            </a:r>
+          </a:p>
+          <a:p>
+            <a:r>
+              <a:rPr lang="de-DE" sz="2400" dirty="0"/>
+              <a:t>	Man wählt immer die beste Option und mit einer bestimmten 	Wahrscheinlichkeit eine zufällige</a:t>
+            </a:r>
+          </a:p>
+        </p:txBody>
+      </p:sp>
+    </p:spTree>
+    <p:extLst>
+      <p:ext uri="{BB962C8B-B14F-4D97-AF65-F5344CB8AC3E}">
+        <p14:creationId xmlns:p14="http://schemas.microsoft.com/office/powerpoint/2010/main" val="1500730287"/>
+      </p:ext>
+    </p:extLst>
+  </p:cSld>
+  <p:clrMapOvr>
+    <a:masterClrMapping/>
+  </p:clrMapOvr>
+</p:sld>
+</file>
+
+<file path=ppt/slides/slide11.xml><?xml version="1.0" encoding="utf-8"?>
+<p:sld xmlns:a="http://schemas.openxmlformats.org/drawingml/2006/main" xmlns:r="http://schemas.openxmlformats.org/officeDocument/2006/relationships" xmlns:p="http://schemas.openxmlformats.org/presentationml/2006/main">
+  <p:cSld>
+    <p:spTree>
+      <p:nvGrpSpPr>
+        <p:cNvPr id="1" name=""/>
+        <p:cNvGrpSpPr/>
+        <p:nvPr/>
+      </p:nvGrpSpPr>
+      <p:grpSpPr>
+        <a:xfrm>
+          <a:off x="0" y="0"/>
+          <a:ext cx="0" cy="0"/>
+          <a:chOff x="0" y="0"/>
+          <a:chExt cx="0" cy="0"/>
+        </a:xfrm>
+      </p:grpSpPr>
+      <p:sp>
+        <p:nvSpPr>
+          <p:cNvPr id="4" name="Rechteck 3">
+            <a:extLst>
+              <a:ext uri="{FF2B5EF4-FFF2-40B4-BE49-F238E27FC236}">
+                <a16:creationId xmlns:a16="http://schemas.microsoft.com/office/drawing/2014/main" id="{E25EF50D-F0CD-4727-AFB6-041294F40813}"/>
+              </a:ext>
+            </a:extLst>
+          </p:cNvPr>
+          <p:cNvSpPr/>
+          <p:nvPr/>
+        </p:nvSpPr>
+        <p:spPr>
+          <a:xfrm>
+            <a:off x="0" y="6350696"/>
+            <a:ext cx="10058400" cy="501573"/>
+          </a:xfrm>
+          <a:prstGeom prst="rect">
+            <a:avLst/>
+          </a:prstGeom>
+          <a:solidFill>
+            <a:schemeClr val="bg1">
+              <a:lumMod val="75000"/>
+            </a:schemeClr>
+          </a:solidFill>
+          <a:ln>
+            <a:solidFill>
+              <a:schemeClr val="bg1">
+                <a:lumMod val="75000"/>
+              </a:schemeClr>
+            </a:solidFill>
+          </a:ln>
+        </p:spPr>
+        <p:style>
+          <a:lnRef idx="2">
+            <a:schemeClr val="accent1">
+              <a:shade val="50000"/>
+            </a:schemeClr>
+          </a:lnRef>
+          <a:fillRef idx="1">
+            <a:schemeClr val="accent1"/>
+          </a:fillRef>
+          <a:effectRef idx="0">
+            <a:schemeClr val="accent1"/>
+          </a:effectRef>
+          <a:fontRef idx="minor">
+            <a:schemeClr val="lt1"/>
+          </a:fontRef>
+        </p:style>
+        <p:txBody>
+          <a:bodyPr rtlCol="0" anchor="ctr"/>
+          <a:lstStyle/>
+          <a:p>
+            <a:pPr algn="ctr"/>
+            <a:endParaRPr lang="en-US"/>
+          </a:p>
+        </p:txBody>
+      </p:sp>
+      <p:pic>
+        <p:nvPicPr>
+          <p:cNvPr id="5" name="Inhaltsplatzhalter 4">
+            <a:extLst>
+              <a:ext uri="{FF2B5EF4-FFF2-40B4-BE49-F238E27FC236}">
+                <a16:creationId xmlns:a16="http://schemas.microsoft.com/office/drawing/2014/main" id="{4A1327ED-C79B-4435-9F7D-BB034D66DF67}"/>
+              </a:ext>
+            </a:extLst>
+          </p:cNvPr>
+          <p:cNvPicPr>
+            <a:picLocks noChangeAspect="1"/>
+          </p:cNvPicPr>
+          <p:nvPr/>
+        </p:nvPicPr>
+        <p:blipFill>
+          <a:blip r:embed="rId2">
+            <a:extLst>
+              <a:ext uri="{28A0092B-C50C-407E-A947-70E740481C1C}">
+                <a14:useLocalDpi xmlns:a14="http://schemas.microsoft.com/office/drawing/2010/main" val="0"/>
+              </a:ext>
+              <a:ext uri="{96DAC541-7B7A-43D3-8B79-37D633B846F1}">
+                <asvg:svgBlip xmlns:asvg="http://schemas.microsoft.com/office/drawing/2016/SVG/main" r:embed="rId3"/>
+              </a:ext>
+            </a:extLst>
+          </a:blip>
+          <a:stretch>
+            <a:fillRect/>
+          </a:stretch>
+        </p:blipFill>
+        <p:spPr>
+          <a:xfrm>
+            <a:off x="9138258" y="5539232"/>
+            <a:ext cx="3053742" cy="1325563"/>
+          </a:xfrm>
+          <a:prstGeom prst="rect">
+            <a:avLst/>
+          </a:prstGeom>
+        </p:spPr>
+      </p:pic>
+      <p:grpSp>
+        <p:nvGrpSpPr>
+          <p:cNvPr id="8" name="Gruppieren 7">
+            <a:extLst>
+              <a:ext uri="{FF2B5EF4-FFF2-40B4-BE49-F238E27FC236}">
+                <a16:creationId xmlns:a16="http://schemas.microsoft.com/office/drawing/2014/main" id="{D12F6303-B64A-4DE0-9338-29C545E489D2}"/>
+              </a:ext>
+            </a:extLst>
+          </p:cNvPr>
+          <p:cNvGrpSpPr/>
+          <p:nvPr/>
+        </p:nvGrpSpPr>
+        <p:grpSpPr>
+          <a:xfrm>
+            <a:off x="0" y="-12526"/>
+            <a:ext cx="12192000" cy="588439"/>
+            <a:chOff x="0" y="-12526"/>
+            <a:chExt cx="12192000" cy="588439"/>
+          </a:xfrm>
+        </p:grpSpPr>
+        <p:sp>
+          <p:nvSpPr>
+            <p:cNvPr id="9" name="Rechteck 8">
+              <a:extLst>
+                <a:ext uri="{FF2B5EF4-FFF2-40B4-BE49-F238E27FC236}">
+                  <a16:creationId xmlns:a16="http://schemas.microsoft.com/office/drawing/2014/main" id="{7E0E77A4-3A23-433F-BE05-4662310BB904}"/>
+                </a:ext>
+              </a:extLst>
+            </p:cNvPr>
+            <p:cNvSpPr/>
+            <p:nvPr/>
+          </p:nvSpPr>
+          <p:spPr>
+            <a:xfrm>
+              <a:off x="0" y="-12526"/>
+              <a:ext cx="12192000" cy="501573"/>
+            </a:xfrm>
+            <a:prstGeom prst="rect">
+              <a:avLst/>
+            </a:prstGeom>
+            <a:solidFill>
+              <a:schemeClr val="bg1">
+                <a:lumMod val="65000"/>
+              </a:schemeClr>
+            </a:solidFill>
+            <a:ln>
+              <a:solidFill>
+                <a:schemeClr val="bg1">
+                  <a:lumMod val="75000"/>
+                </a:schemeClr>
+              </a:solidFill>
+            </a:ln>
+          </p:spPr>
+          <p:style>
+            <a:lnRef idx="2">
+              <a:schemeClr val="accent1">
+                <a:shade val="50000"/>
+              </a:schemeClr>
+            </a:lnRef>
+            <a:fillRef idx="1">
+              <a:schemeClr val="accent1"/>
+            </a:fillRef>
+            <a:effectRef idx="0">
+              <a:schemeClr val="accent1"/>
+            </a:effectRef>
+            <a:fontRef idx="minor">
+              <a:schemeClr val="lt1"/>
+            </a:fontRef>
+          </p:style>
+          <p:txBody>
+            <a:bodyPr rtlCol="0" anchor="ctr"/>
+            <a:lstStyle/>
+            <a:p>
+              <a:pPr algn="ctr"/>
+              <a:endParaRPr lang="en-US"/>
+            </a:p>
+          </p:txBody>
+        </p:sp>
+        <p:sp>
+          <p:nvSpPr>
+            <p:cNvPr id="10" name="Titel 1">
+              <a:extLst>
+                <a:ext uri="{FF2B5EF4-FFF2-40B4-BE49-F238E27FC236}">
+                  <a16:creationId xmlns:a16="http://schemas.microsoft.com/office/drawing/2014/main" id="{E30452C7-9ADA-4F64-A8E5-5A8C65FD6090}"/>
+                </a:ext>
+              </a:extLst>
+            </p:cNvPr>
+            <p:cNvSpPr txBox="1">
+              <a:spLocks/>
+            </p:cNvSpPr>
+            <p:nvPr/>
+          </p:nvSpPr>
+          <p:spPr>
+            <a:xfrm>
+              <a:off x="162045" y="74340"/>
+              <a:ext cx="9734309" cy="501573"/>
+            </a:xfrm>
+            <a:prstGeom prst="rect">
+              <a:avLst/>
+            </a:prstGeom>
+          </p:spPr>
+          <p:txBody>
+            <a:bodyPr vert="horz" lIns="91440" tIns="45720" rIns="91440" bIns="45720" rtlCol="0" anchor="ctr">
+              <a:normAutofit fontScale="82500" lnSpcReduction="20000"/>
+            </a:bodyPr>
+            <a:lstStyle>
+              <a:lvl1pPr algn="l" defTabSz="914400" rtl="0" eaLnBrk="1" latinLnBrk="0" hangingPunct="1">
+                <a:lnSpc>
+                  <a:spcPct val="90000"/>
+                </a:lnSpc>
+                <a:spcBef>
+                  <a:spcPct val="0"/>
+                </a:spcBef>
+                <a:buNone/>
+                <a:defRPr sz="4400" kern="1200">
+                  <a:solidFill>
+                    <a:schemeClr val="tx1"/>
+                  </a:solidFill>
+                  <a:latin typeface="+mj-lt"/>
+                  <a:ea typeface="+mj-ea"/>
+                  <a:cs typeface="+mj-cs"/>
+                </a:defRPr>
+              </a:lvl1pPr>
+            </a:lstStyle>
+            <a:p>
+              <a:r>
+                <a:rPr lang="en-US" b="1" dirty="0">
+                  <a:solidFill>
+                    <a:schemeClr val="bg1">
+                      <a:lumMod val="95000"/>
+                    </a:schemeClr>
+                  </a:solidFill>
+                </a:rPr>
+                <a:t>Selection strategy – </a:t>
+              </a:r>
+              <a:r>
+                <a:rPr lang="de-DE" b="1" dirty="0" err="1">
+                  <a:solidFill>
+                    <a:schemeClr val="bg1">
+                      <a:lumMod val="95000"/>
+                    </a:schemeClr>
+                  </a:solidFill>
+                  <a:latin typeface="Calibri" panose="020F0502020204030204" pitchFamily="34" charset="0"/>
+                  <a:cs typeface="Calibri" panose="020F0502020204030204" pitchFamily="34" charset="0"/>
+                </a:rPr>
+                <a:t>Softmax</a:t>
+              </a:r>
+              <a:endParaRPr lang="en-US" b="1" dirty="0">
+                <a:solidFill>
+                  <a:schemeClr val="bg1">
+                    <a:lumMod val="95000"/>
+                  </a:schemeClr>
+                </a:solidFill>
+              </a:endParaRPr>
+            </a:p>
+          </p:txBody>
+        </p:sp>
+      </p:grpSp>
+      <mc:AlternateContent xmlns:mc="http://schemas.openxmlformats.org/markup-compatibility/2006">
+        <mc:Choice xmlns:a14="http://schemas.microsoft.com/office/drawing/2010/main" Requires="a14">
+          <p:sp>
+            <p:nvSpPr>
+              <p:cNvPr id="2" name="Textfeld 1">
+                <a:extLst>
+                  <a:ext uri="{FF2B5EF4-FFF2-40B4-BE49-F238E27FC236}">
+                    <a16:creationId xmlns:a16="http://schemas.microsoft.com/office/drawing/2014/main" id="{3B928A9F-E336-430F-BADE-A096F6DD6B40}"/>
+                  </a:ext>
+                </a:extLst>
+              </p:cNvPr>
+              <p:cNvSpPr txBox="1"/>
+              <p:nvPr/>
+            </p:nvSpPr>
+            <p:spPr>
+              <a:xfrm>
+                <a:off x="3785849" y="2856106"/>
+                <a:ext cx="4048801" cy="1627753"/>
+              </a:xfrm>
+              <a:prstGeom prst="rect">
+                <a:avLst/>
+              </a:prstGeom>
+              <a:noFill/>
+            </p:spPr>
+            <p:txBody>
+              <a:bodyPr wrap="none" rtlCol="0">
+                <a:spAutoFit/>
+              </a:bodyPr>
+              <a:lstStyle/>
+              <a:p>
+                <a14:m>
+                  <m:oMathPara xmlns:m="http://schemas.openxmlformats.org/officeDocument/2006/math">
+                    <m:oMathParaPr>
+                      <m:jc m:val="centerGroup"/>
+                    </m:oMathParaPr>
+                    <m:oMath xmlns:m="http://schemas.openxmlformats.org/officeDocument/2006/math">
+                      <m:r>
+                        <a:rPr lang="de-DE" sz="4000" b="0" i="1" smtClean="0">
+                          <a:latin typeface="Cambria Math" panose="02040503050406030204" pitchFamily="18" charset="0"/>
+                        </a:rPr>
+                        <m:t>𝑃</m:t>
+                      </m:r>
+                      <m:d>
+                        <m:dPr>
+                          <m:ctrlPr>
+                            <a:rPr lang="de-DE" sz="4000" b="0" i="1" smtClean="0">
+                              <a:latin typeface="Cambria Math" panose="02040503050406030204" pitchFamily="18" charset="0"/>
+                            </a:rPr>
+                          </m:ctrlPr>
+                        </m:dPr>
+                        <m:e>
+                          <m:sSub>
+                            <m:sSubPr>
+                              <m:ctrlPr>
+                                <a:rPr lang="de-DE" sz="4000" b="0" i="1" smtClean="0">
+                                  <a:latin typeface="Cambria Math" panose="02040503050406030204" pitchFamily="18" charset="0"/>
+                                </a:rPr>
+                              </m:ctrlPr>
+                            </m:sSubPr>
+                            <m:e>
+                              <m:r>
+                                <a:rPr lang="de-DE" sz="4000" b="0" i="1" smtClean="0">
+                                  <a:latin typeface="Cambria Math" panose="02040503050406030204" pitchFamily="18" charset="0"/>
+                                </a:rPr>
+                                <m:t>𝑎</m:t>
+                              </m:r>
+                            </m:e>
+                            <m:sub>
+                              <m:r>
+                                <a:rPr lang="de-DE" sz="4000" b="0" i="1" smtClean="0">
+                                  <a:latin typeface="Cambria Math" panose="02040503050406030204" pitchFamily="18" charset="0"/>
+                                </a:rPr>
+                                <m:t>𝑖</m:t>
+                              </m:r>
+                            </m:sub>
+                          </m:sSub>
+                        </m:e>
+                      </m:d>
+                      <m:r>
+                        <a:rPr lang="de-DE" sz="4000" b="0" i="1" smtClean="0">
+                          <a:latin typeface="Cambria Math" panose="02040503050406030204" pitchFamily="18" charset="0"/>
+                        </a:rPr>
+                        <m:t>=</m:t>
+                      </m:r>
+                      <m:f>
+                        <m:fPr>
+                          <m:ctrlPr>
+                            <a:rPr lang="de-DE" sz="4000" i="1" smtClean="0">
+                              <a:latin typeface="Cambria Math" panose="02040503050406030204" pitchFamily="18" charset="0"/>
+                            </a:rPr>
+                          </m:ctrlPr>
+                        </m:fPr>
+                        <m:num>
+                          <m:sSup>
+                            <m:sSupPr>
+                              <m:ctrlPr>
+                                <a:rPr lang="de-DE" sz="4000" i="1" smtClean="0">
+                                  <a:latin typeface="Cambria Math" panose="02040503050406030204" pitchFamily="18" charset="0"/>
+                                </a:rPr>
+                              </m:ctrlPr>
+                            </m:sSupPr>
+                            <m:e>
+                              <m:r>
+                                <a:rPr lang="de-DE" sz="4000" b="0" i="1" smtClean="0">
+                                  <a:latin typeface="Cambria Math" panose="02040503050406030204" pitchFamily="18" charset="0"/>
+                                </a:rPr>
+                                <m:t>𝑒</m:t>
+                              </m:r>
+                            </m:e>
+                            <m:sup>
+                              <m:sSub>
+                                <m:sSubPr>
+                                  <m:ctrlPr>
+                                    <a:rPr lang="de-DE" sz="4000" i="1">
+                                      <a:latin typeface="Cambria Math" panose="02040503050406030204" pitchFamily="18" charset="0"/>
+                                    </a:rPr>
+                                  </m:ctrlPr>
+                                </m:sSubPr>
+                                <m:e>
+                                  <m:r>
+                                    <a:rPr lang="de-DE" sz="4000" b="0" i="1" smtClean="0">
+                                      <a:latin typeface="Cambria Math" panose="02040503050406030204" pitchFamily="18" charset="0"/>
+                                    </a:rPr>
+                                    <m:t>𝑣</m:t>
+                                  </m:r>
+                                  <m:r>
+                                    <a:rPr lang="de-DE" sz="4000" b="0" i="1" smtClean="0">
+                                      <a:latin typeface="Cambria Math" panose="02040503050406030204" pitchFamily="18" charset="0"/>
+                                    </a:rPr>
+                                    <m:t>(</m:t>
+                                  </m:r>
+                                  <m:r>
+                                    <a:rPr lang="de-DE" sz="4000" b="0" i="1" smtClean="0">
+                                      <a:latin typeface="Cambria Math" panose="02040503050406030204" pitchFamily="18" charset="0"/>
+                                    </a:rPr>
+                                    <m:t>𝑎</m:t>
+                                  </m:r>
+                                </m:e>
+                                <m:sub>
+                                  <m:r>
+                                    <a:rPr lang="de-DE" sz="4000" i="1">
+                                      <a:latin typeface="Cambria Math" panose="02040503050406030204" pitchFamily="18" charset="0"/>
+                                    </a:rPr>
+                                    <m:t>𝑖</m:t>
+                                  </m:r>
+                                </m:sub>
+                              </m:sSub>
+                              <m:r>
+                                <a:rPr lang="de-DE" sz="4000" b="0" i="1" smtClean="0">
+                                  <a:latin typeface="Cambria Math" panose="02040503050406030204" pitchFamily="18" charset="0"/>
+                                </a:rPr>
+                                <m:t>)</m:t>
+                              </m:r>
+                            </m:sup>
+                          </m:sSup>
+                        </m:num>
+                        <m:den>
+                          <m:nary>
+                            <m:naryPr>
+                              <m:chr m:val="∑"/>
+                              <m:supHide m:val="on"/>
+                              <m:ctrlPr>
+                                <a:rPr lang="de-DE" sz="4000" i="1" smtClean="0">
+                                  <a:latin typeface="Cambria Math" panose="02040503050406030204" pitchFamily="18" charset="0"/>
+                                </a:rPr>
+                              </m:ctrlPr>
+                            </m:naryPr>
+                            <m:sub>
+                              <m:r>
+                                <a:rPr lang="de-DE" sz="4000" b="0" i="1" smtClean="0">
+                                  <a:latin typeface="Cambria Math" panose="02040503050406030204" pitchFamily="18" charset="0"/>
+                                </a:rPr>
+                                <m:t>𝑗</m:t>
+                              </m:r>
+                            </m:sub>
+                            <m:sup/>
+                            <m:e>
+                              <m:sSup>
+                                <m:sSupPr>
+                                  <m:ctrlPr>
+                                    <a:rPr lang="de-DE" sz="4000" i="1" smtClean="0">
+                                      <a:latin typeface="Cambria Math" panose="02040503050406030204" pitchFamily="18" charset="0"/>
+                                    </a:rPr>
+                                  </m:ctrlPr>
+                                </m:sSupPr>
+                                <m:e>
+                                  <m:r>
+                                    <a:rPr lang="de-DE" sz="4000" b="0" i="1" smtClean="0">
+                                      <a:latin typeface="Cambria Math" panose="02040503050406030204" pitchFamily="18" charset="0"/>
+                                    </a:rPr>
+                                    <m:t>𝑒</m:t>
+                                  </m:r>
+                                </m:e>
+                                <m:sup>
+                                  <m:r>
+                                    <a:rPr lang="de-DE" sz="4000" b="0" i="1" smtClean="0">
+                                      <a:latin typeface="Cambria Math" panose="02040503050406030204" pitchFamily="18" charset="0"/>
+                                    </a:rPr>
+                                    <m:t>𝑣</m:t>
+                                  </m:r>
+                                  <m:r>
+                                    <a:rPr lang="de-DE" sz="4000" b="0" i="1" smtClean="0">
+                                      <a:latin typeface="Cambria Math" panose="02040503050406030204" pitchFamily="18" charset="0"/>
+                                    </a:rPr>
+                                    <m:t>(</m:t>
+                                  </m:r>
+                                  <m:sSub>
+                                    <m:sSubPr>
+                                      <m:ctrlPr>
+                                        <a:rPr lang="de-DE" sz="4000" i="1" smtClean="0">
+                                          <a:latin typeface="Cambria Math" panose="02040503050406030204" pitchFamily="18" charset="0"/>
+                                        </a:rPr>
+                                      </m:ctrlPr>
+                                    </m:sSubPr>
+                                    <m:e>
+                                      <m:r>
+                                        <a:rPr lang="de-DE" sz="4000" b="0" i="1" smtClean="0">
+                                          <a:latin typeface="Cambria Math" panose="02040503050406030204" pitchFamily="18" charset="0"/>
+                                        </a:rPr>
+                                        <m:t>𝑎</m:t>
+                                      </m:r>
+                                    </m:e>
+                                    <m:sub>
+                                      <m:r>
+                                        <a:rPr lang="de-DE" sz="4000" b="0" i="1" smtClean="0">
+                                          <a:latin typeface="Cambria Math" panose="02040503050406030204" pitchFamily="18" charset="0"/>
+                                        </a:rPr>
+                                        <m:t>𝑗</m:t>
+                                      </m:r>
+                                    </m:sub>
+                                  </m:sSub>
+                                  <m:r>
+                                    <a:rPr lang="de-DE" sz="4000" b="0" i="1" smtClean="0">
+                                      <a:latin typeface="Cambria Math" panose="02040503050406030204" pitchFamily="18" charset="0"/>
+                                    </a:rPr>
+                                    <m:t>)</m:t>
+                                  </m:r>
+                                </m:sup>
+                              </m:sSup>
+                            </m:e>
+                          </m:nary>
+                        </m:den>
+                      </m:f>
+                    </m:oMath>
+                  </m:oMathPara>
+                </a14:m>
+                <a:endParaRPr lang="de-DE" dirty="0"/>
+              </a:p>
+            </p:txBody>
+          </p:sp>
+        </mc:Choice>
+        <mc:Fallback>
+          <p:sp>
+            <p:nvSpPr>
+              <p:cNvPr id="2" name="Textfeld 1">
+                <a:extLst>
+                  <a:ext uri="{FF2B5EF4-FFF2-40B4-BE49-F238E27FC236}">
+                    <a16:creationId xmlns:a16="http://schemas.microsoft.com/office/drawing/2014/main" id="{3B928A9F-E336-430F-BADE-A096F6DD6B40}"/>
+                  </a:ext>
+                </a:extLst>
+              </p:cNvPr>
+              <p:cNvSpPr txBox="1">
+                <a:spLocks noRot="1" noChangeAspect="1" noMove="1" noResize="1" noEditPoints="1" noAdjustHandles="1" noChangeArrowheads="1" noChangeShapeType="1" noTextEdit="1"/>
+              </p:cNvSpPr>
+              <p:nvPr/>
+            </p:nvSpPr>
+            <p:spPr>
+              <a:xfrm>
+                <a:off x="3785849" y="2856106"/>
+                <a:ext cx="4048801" cy="1627753"/>
+              </a:xfrm>
+              <a:prstGeom prst="rect">
+                <a:avLst/>
+              </a:prstGeom>
+              <a:blipFill>
+                <a:blip r:embed="rId4"/>
+                <a:stretch>
+                  <a:fillRect/>
+                </a:stretch>
+              </a:blipFill>
+            </p:spPr>
+            <p:txBody>
+              <a:bodyPr/>
+              <a:lstStyle/>
+              <a:p>
+                <a:r>
+                  <a:rPr lang="de-DE">
+                    <a:noFill/>
+                  </a:rPr>
+                  <a:t> </a:t>
+                </a:r>
+              </a:p>
+            </p:txBody>
+          </p:sp>
+        </mc:Fallback>
+      </mc:AlternateContent>
+      <p:sp>
+        <p:nvSpPr>
+          <p:cNvPr id="23" name="Textfeld 22">
+            <a:extLst>
+              <a:ext uri="{FF2B5EF4-FFF2-40B4-BE49-F238E27FC236}">
+                <a16:creationId xmlns:a16="http://schemas.microsoft.com/office/drawing/2014/main" id="{B86D725C-F28F-4A3D-BE3F-DE6F2F22603C}"/>
+              </a:ext>
+            </a:extLst>
+          </p:cNvPr>
+          <p:cNvSpPr txBox="1"/>
+          <p:nvPr/>
+        </p:nvSpPr>
+        <p:spPr>
+          <a:xfrm>
+            <a:off x="1333500" y="1300511"/>
+            <a:ext cx="10525125" cy="830997"/>
+          </a:xfrm>
+          <a:prstGeom prst="rect">
+            <a:avLst/>
+          </a:prstGeom>
+          <a:noFill/>
+        </p:spPr>
+        <p:txBody>
+          <a:bodyPr wrap="square" rtlCol="0">
+            <a:spAutoFit/>
+          </a:bodyPr>
+          <a:lstStyle/>
+          <a:p>
+            <a:r>
+              <a:rPr lang="de-DE" sz="2400" dirty="0"/>
+              <a:t>Idee:</a:t>
+            </a:r>
+          </a:p>
+          <a:p>
+            <a:r>
+              <a:rPr lang="de-DE" sz="2400" dirty="0"/>
+              <a:t>	Je besser eine Aktion ist umso wahrscheinlicher wird sie</a:t>
+            </a:r>
+          </a:p>
+        </p:txBody>
+      </p:sp>
+    </p:spTree>
+    <p:extLst>
+      <p:ext uri="{BB962C8B-B14F-4D97-AF65-F5344CB8AC3E}">
+        <p14:creationId xmlns:p14="http://schemas.microsoft.com/office/powerpoint/2010/main" val="2046292443"/>
+      </p:ext>
+    </p:extLst>
+  </p:cSld>
+  <p:clrMapOvr>
+    <a:masterClrMapping/>
+  </p:clrMapOvr>
+</p:sld>
+</file>
+
+<file path=ppt/slides/slide12.xml><?xml version="1.0" encoding="utf-8"?>
+<p:sld xmlns:a="http://schemas.openxmlformats.org/drawingml/2006/main" xmlns:r="http://schemas.openxmlformats.org/officeDocument/2006/relationships" xmlns:p="http://schemas.openxmlformats.org/presentationml/2006/main">
+  <p:cSld>
+    <p:spTree>
+      <p:nvGrpSpPr>
+        <p:cNvPr id="1" name=""/>
+        <p:cNvGrpSpPr/>
+        <p:nvPr/>
+      </p:nvGrpSpPr>
+      <p:grpSpPr>
+        <a:xfrm>
+          <a:off x="0" y="0"/>
+          <a:ext cx="0" cy="0"/>
+          <a:chOff x="0" y="0"/>
+          <a:chExt cx="0" cy="0"/>
+        </a:xfrm>
+      </p:grpSpPr>
+      <p:sp>
+        <p:nvSpPr>
+          <p:cNvPr id="4" name="Rechteck 3">
+            <a:extLst>
+              <a:ext uri="{FF2B5EF4-FFF2-40B4-BE49-F238E27FC236}">
+                <a16:creationId xmlns:a16="http://schemas.microsoft.com/office/drawing/2014/main" id="{E25EF50D-F0CD-4727-AFB6-041294F40813}"/>
+              </a:ext>
+            </a:extLst>
+          </p:cNvPr>
+          <p:cNvSpPr/>
+          <p:nvPr/>
+        </p:nvSpPr>
+        <p:spPr>
+          <a:xfrm>
+            <a:off x="0" y="6350696"/>
+            <a:ext cx="10058400" cy="501573"/>
+          </a:xfrm>
+          <a:prstGeom prst="rect">
+            <a:avLst/>
+          </a:prstGeom>
+          <a:solidFill>
+            <a:schemeClr val="bg1">
+              <a:lumMod val="75000"/>
+            </a:schemeClr>
+          </a:solidFill>
+          <a:ln>
+            <a:solidFill>
+              <a:schemeClr val="bg1">
+                <a:lumMod val="75000"/>
+              </a:schemeClr>
+            </a:solidFill>
+          </a:ln>
+        </p:spPr>
+        <p:style>
+          <a:lnRef idx="2">
+            <a:schemeClr val="accent1">
+              <a:shade val="50000"/>
+            </a:schemeClr>
+          </a:lnRef>
+          <a:fillRef idx="1">
+            <a:schemeClr val="accent1"/>
+          </a:fillRef>
+          <a:effectRef idx="0">
+            <a:schemeClr val="accent1"/>
+          </a:effectRef>
+          <a:fontRef idx="minor">
+            <a:schemeClr val="lt1"/>
+          </a:fontRef>
+        </p:style>
+        <p:txBody>
+          <a:bodyPr rtlCol="0" anchor="ctr"/>
+          <a:lstStyle/>
+          <a:p>
+            <a:pPr algn="ctr"/>
+            <a:endParaRPr lang="en-US"/>
+          </a:p>
+        </p:txBody>
+      </p:sp>
+      <p:pic>
+        <p:nvPicPr>
+          <p:cNvPr id="5" name="Inhaltsplatzhalter 4">
+            <a:extLst>
+              <a:ext uri="{FF2B5EF4-FFF2-40B4-BE49-F238E27FC236}">
+                <a16:creationId xmlns:a16="http://schemas.microsoft.com/office/drawing/2014/main" id="{4A1327ED-C79B-4435-9F7D-BB034D66DF67}"/>
+              </a:ext>
+            </a:extLst>
+          </p:cNvPr>
+          <p:cNvPicPr>
+            <a:picLocks noChangeAspect="1"/>
+          </p:cNvPicPr>
+          <p:nvPr/>
+        </p:nvPicPr>
+        <p:blipFill>
+          <a:blip r:embed="rId2">
+            <a:extLst>
+              <a:ext uri="{28A0092B-C50C-407E-A947-70E740481C1C}">
+                <a14:useLocalDpi xmlns:a14="http://schemas.microsoft.com/office/drawing/2010/main" val="0"/>
+              </a:ext>
+              <a:ext uri="{96DAC541-7B7A-43D3-8B79-37D633B846F1}">
+                <asvg:svgBlip xmlns:asvg="http://schemas.microsoft.com/office/drawing/2016/SVG/main" r:embed="rId3"/>
+              </a:ext>
+            </a:extLst>
+          </a:blip>
+          <a:stretch>
+            <a:fillRect/>
+          </a:stretch>
+        </p:blipFill>
+        <p:spPr>
+          <a:xfrm>
+            <a:off x="9138258" y="5539232"/>
+            <a:ext cx="3053742" cy="1325563"/>
+          </a:xfrm>
+          <a:prstGeom prst="rect">
+            <a:avLst/>
+          </a:prstGeom>
+        </p:spPr>
+      </p:pic>
+      <p:grpSp>
+        <p:nvGrpSpPr>
+          <p:cNvPr id="8" name="Gruppieren 7">
+            <a:extLst>
+              <a:ext uri="{FF2B5EF4-FFF2-40B4-BE49-F238E27FC236}">
+                <a16:creationId xmlns:a16="http://schemas.microsoft.com/office/drawing/2014/main" id="{D12F6303-B64A-4DE0-9338-29C545E489D2}"/>
+              </a:ext>
+            </a:extLst>
+          </p:cNvPr>
+          <p:cNvGrpSpPr/>
+          <p:nvPr/>
+        </p:nvGrpSpPr>
+        <p:grpSpPr>
+          <a:xfrm>
+            <a:off x="0" y="-12526"/>
+            <a:ext cx="12192000" cy="588439"/>
+            <a:chOff x="0" y="-12526"/>
+            <a:chExt cx="12192000" cy="588439"/>
+          </a:xfrm>
+        </p:grpSpPr>
+        <p:sp>
+          <p:nvSpPr>
+            <p:cNvPr id="9" name="Rechteck 8">
+              <a:extLst>
+                <a:ext uri="{FF2B5EF4-FFF2-40B4-BE49-F238E27FC236}">
+                  <a16:creationId xmlns:a16="http://schemas.microsoft.com/office/drawing/2014/main" id="{7E0E77A4-3A23-433F-BE05-4662310BB904}"/>
+                </a:ext>
+              </a:extLst>
+            </p:cNvPr>
+            <p:cNvSpPr/>
+            <p:nvPr/>
+          </p:nvSpPr>
+          <p:spPr>
+            <a:xfrm>
+              <a:off x="0" y="-12526"/>
+              <a:ext cx="12192000" cy="501573"/>
+            </a:xfrm>
+            <a:prstGeom prst="rect">
+              <a:avLst/>
+            </a:prstGeom>
+            <a:solidFill>
+              <a:schemeClr val="bg1">
+                <a:lumMod val="65000"/>
+              </a:schemeClr>
+            </a:solidFill>
+            <a:ln>
+              <a:solidFill>
+                <a:schemeClr val="bg1">
+                  <a:lumMod val="75000"/>
+                </a:schemeClr>
+              </a:solidFill>
+            </a:ln>
+          </p:spPr>
+          <p:style>
+            <a:lnRef idx="2">
+              <a:schemeClr val="accent1">
+                <a:shade val="50000"/>
+              </a:schemeClr>
+            </a:lnRef>
+            <a:fillRef idx="1">
+              <a:schemeClr val="accent1"/>
+            </a:fillRef>
+            <a:effectRef idx="0">
+              <a:schemeClr val="accent1"/>
+            </a:effectRef>
+            <a:fontRef idx="minor">
+              <a:schemeClr val="lt1"/>
+            </a:fontRef>
+          </p:style>
+          <p:txBody>
+            <a:bodyPr rtlCol="0" anchor="ctr"/>
+            <a:lstStyle/>
+            <a:p>
+              <a:pPr algn="ctr"/>
+              <a:endParaRPr lang="en-US"/>
+            </a:p>
+          </p:txBody>
+        </p:sp>
+        <p:sp>
+          <p:nvSpPr>
+            <p:cNvPr id="10" name="Titel 1">
+              <a:extLst>
+                <a:ext uri="{FF2B5EF4-FFF2-40B4-BE49-F238E27FC236}">
+                  <a16:creationId xmlns:a16="http://schemas.microsoft.com/office/drawing/2014/main" id="{E30452C7-9ADA-4F64-A8E5-5A8C65FD6090}"/>
+                </a:ext>
+              </a:extLst>
+            </p:cNvPr>
+            <p:cNvSpPr txBox="1">
+              <a:spLocks/>
+            </p:cNvSpPr>
+            <p:nvPr/>
+          </p:nvSpPr>
+          <p:spPr>
+            <a:xfrm>
+              <a:off x="162045" y="74340"/>
+              <a:ext cx="9734309" cy="501573"/>
+            </a:xfrm>
+            <a:prstGeom prst="rect">
+              <a:avLst/>
+            </a:prstGeom>
+          </p:spPr>
+          <p:txBody>
+            <a:bodyPr vert="horz" lIns="91440" tIns="45720" rIns="91440" bIns="45720" rtlCol="0" anchor="ctr">
+              <a:normAutofit fontScale="82500" lnSpcReduction="20000"/>
+            </a:bodyPr>
+            <a:lstStyle>
+              <a:lvl1pPr algn="l" defTabSz="914400" rtl="0" eaLnBrk="1" latinLnBrk="0" hangingPunct="1">
+                <a:lnSpc>
+                  <a:spcPct val="90000"/>
+                </a:lnSpc>
+                <a:spcBef>
+                  <a:spcPct val="0"/>
+                </a:spcBef>
+                <a:buNone/>
+                <a:defRPr sz="4400" kern="1200">
+                  <a:solidFill>
+                    <a:schemeClr val="tx1"/>
+                  </a:solidFill>
+                  <a:latin typeface="+mj-lt"/>
+                  <a:ea typeface="+mj-ea"/>
+                  <a:cs typeface="+mj-cs"/>
+                </a:defRPr>
+              </a:lvl1pPr>
+            </a:lstStyle>
+            <a:p>
+              <a:r>
+                <a:rPr lang="en-US" b="1" dirty="0">
+                  <a:solidFill>
+                    <a:schemeClr val="bg1">
+                      <a:lumMod val="95000"/>
+                    </a:schemeClr>
+                  </a:solidFill>
+                </a:rPr>
+                <a:t>Selection strategy – </a:t>
+              </a:r>
+              <a:r>
+                <a:rPr lang="de-DE" b="1" dirty="0" err="1">
+                  <a:solidFill>
+                    <a:schemeClr val="bg1">
+                      <a:lumMod val="95000"/>
+                    </a:schemeClr>
+                  </a:solidFill>
+                  <a:latin typeface="Calibri" panose="020F0502020204030204" pitchFamily="34" charset="0"/>
+                  <a:cs typeface="Calibri" panose="020F0502020204030204" pitchFamily="34" charset="0"/>
+                </a:rPr>
+                <a:t>Softmax</a:t>
+              </a:r>
+              <a:endParaRPr lang="en-US" b="1" dirty="0">
+                <a:solidFill>
+                  <a:schemeClr val="bg1">
+                    <a:lumMod val="95000"/>
+                  </a:schemeClr>
+                </a:solidFill>
+              </a:endParaRPr>
+            </a:p>
+          </p:txBody>
+        </p:sp>
+      </p:grpSp>
+    </p:spTree>
+    <p:extLst>
+      <p:ext uri="{BB962C8B-B14F-4D97-AF65-F5344CB8AC3E}">
+        <p14:creationId xmlns:p14="http://schemas.microsoft.com/office/powerpoint/2010/main" val="1675804312"/>
+      </p:ext>
+    </p:extLst>
+  </p:cSld>
+  <p:clrMapOvr>
+    <a:masterClrMapping/>
+  </p:clrMapOvr>
+</p:sld>
+</file>
+
+<file path=ppt/slides/slide13.xml><?xml version="1.0" encoding="utf-8"?>
+<p:sld xmlns:a="http://schemas.openxmlformats.org/drawingml/2006/main" xmlns:r="http://schemas.openxmlformats.org/officeDocument/2006/relationships" xmlns:p="http://schemas.openxmlformats.org/presentationml/2006/main">
+  <p:cSld>
+    <p:spTree>
+      <p:nvGrpSpPr>
+        <p:cNvPr id="1" name=""/>
+        <p:cNvGrpSpPr/>
+        <p:nvPr/>
+      </p:nvGrpSpPr>
+      <p:grpSpPr>
+        <a:xfrm>
+          <a:off x="0" y="0"/>
+          <a:ext cx="0" cy="0"/>
+          <a:chOff x="0" y="0"/>
+          <a:chExt cx="0" cy="0"/>
+        </a:xfrm>
+      </p:grpSpPr>
+      <p:sp>
+        <p:nvSpPr>
           <p:cNvPr id="2" name="Titel 1">
             <a:extLst>
               <a:ext uri="{FF2B5EF4-FFF2-40B4-BE49-F238E27FC236}">
@@ -5521,6 +6879,330 @@
           </p:txBody>
         </p:sp>
       </p:grpSp>
+    </p:spTree>
+    <p:extLst>
+      <p:ext uri="{BB962C8B-B14F-4D97-AF65-F5344CB8AC3E}">
+        <p14:creationId xmlns:p14="http://schemas.microsoft.com/office/powerpoint/2010/main" val="552890368"/>
+      </p:ext>
+    </p:extLst>
+  </p:cSld>
+  <p:clrMapOvr>
+    <a:masterClrMapping/>
+  </p:clrMapOvr>
+</p:sld>
+</file>
+
+<file path=ppt/slides/slide4.xml><?xml version="1.0" encoding="utf-8"?>
+<p:sld xmlns:a="http://schemas.openxmlformats.org/drawingml/2006/main" xmlns:r="http://schemas.openxmlformats.org/officeDocument/2006/relationships" xmlns:p="http://schemas.openxmlformats.org/presentationml/2006/main">
+  <p:cSld>
+    <p:spTree>
+      <p:nvGrpSpPr>
+        <p:cNvPr id="1" name=""/>
+        <p:cNvGrpSpPr/>
+        <p:nvPr/>
+      </p:nvGrpSpPr>
+      <p:grpSpPr>
+        <a:xfrm>
+          <a:off x="0" y="0"/>
+          <a:ext cx="0" cy="0"/>
+          <a:chOff x="0" y="0"/>
+          <a:chExt cx="0" cy="0"/>
+        </a:xfrm>
+      </p:grpSpPr>
+      <p:sp>
+        <p:nvSpPr>
+          <p:cNvPr id="3" name="Inhaltsplatzhalter 2">
+            <a:extLst>
+              <a:ext uri="{FF2B5EF4-FFF2-40B4-BE49-F238E27FC236}">
+                <a16:creationId xmlns:a16="http://schemas.microsoft.com/office/drawing/2014/main" id="{0BD80818-1CA7-4256-8A7A-C0645BF9737B}"/>
+              </a:ext>
+            </a:extLst>
+          </p:cNvPr>
+          <p:cNvSpPr>
+            <a:spLocks noGrp="1"/>
+          </p:cNvSpPr>
+          <p:nvPr>
+            <p:ph idx="1"/>
+          </p:nvPr>
+        </p:nvSpPr>
+        <p:spPr>
+          <a:xfrm>
+            <a:off x="537258" y="1387377"/>
+            <a:ext cx="6291805" cy="4351338"/>
+          </a:xfrm>
+        </p:spPr>
+        <p:txBody>
+          <a:bodyPr/>
+          <a:lstStyle/>
+          <a:p>
+            <a:r>
+              <a:rPr lang="de-DE" dirty="0"/>
+              <a:t>Es gibt keine Daten von denen gelernt werden kann</a:t>
+            </a:r>
+          </a:p>
+          <a:p>
+            <a:r>
+              <a:rPr lang="de-DE" dirty="0"/>
+              <a:t>Es gibt zu viele mögliche Ausgänge</a:t>
+            </a:r>
+          </a:p>
+          <a:p>
+            <a:r>
+              <a:rPr lang="de-DE" dirty="0"/>
+              <a:t>Die Umgebung ist zu komplex um analytisch modelliert werden zu können</a:t>
+            </a:r>
+          </a:p>
+          <a:p>
+            <a:pPr marL="0" indent="0">
+              <a:buNone/>
+            </a:pPr>
+            <a:r>
+              <a:rPr lang="de-DE" dirty="0">
+                <a:latin typeface="Calibri" panose="020F0502020204030204" pitchFamily="34" charset="0"/>
+                <a:cs typeface="Calibri" panose="020F0502020204030204" pitchFamily="34" charset="0"/>
+              </a:rPr>
+              <a:t>→ Lernen durch Interaktion</a:t>
+            </a:r>
+            <a:endParaRPr lang="de-DE" dirty="0"/>
+          </a:p>
+        </p:txBody>
+      </p:sp>
+      <p:sp>
+        <p:nvSpPr>
+          <p:cNvPr id="4" name="Rechteck 3">
+            <a:extLst>
+              <a:ext uri="{FF2B5EF4-FFF2-40B4-BE49-F238E27FC236}">
+                <a16:creationId xmlns:a16="http://schemas.microsoft.com/office/drawing/2014/main" id="{E25EF50D-F0CD-4727-AFB6-041294F40813}"/>
+              </a:ext>
+            </a:extLst>
+          </p:cNvPr>
+          <p:cNvSpPr/>
+          <p:nvPr/>
+        </p:nvSpPr>
+        <p:spPr>
+          <a:xfrm>
+            <a:off x="0" y="6350696"/>
+            <a:ext cx="10058400" cy="501573"/>
+          </a:xfrm>
+          <a:prstGeom prst="rect">
+            <a:avLst/>
+          </a:prstGeom>
+          <a:solidFill>
+            <a:schemeClr val="bg1">
+              <a:lumMod val="75000"/>
+            </a:schemeClr>
+          </a:solidFill>
+          <a:ln>
+            <a:solidFill>
+              <a:schemeClr val="bg1">
+                <a:lumMod val="75000"/>
+              </a:schemeClr>
+            </a:solidFill>
+          </a:ln>
+        </p:spPr>
+        <p:style>
+          <a:lnRef idx="2">
+            <a:schemeClr val="accent1">
+              <a:shade val="50000"/>
+            </a:schemeClr>
+          </a:lnRef>
+          <a:fillRef idx="1">
+            <a:schemeClr val="accent1"/>
+          </a:fillRef>
+          <a:effectRef idx="0">
+            <a:schemeClr val="accent1"/>
+          </a:effectRef>
+          <a:fontRef idx="minor">
+            <a:schemeClr val="lt1"/>
+          </a:fontRef>
+        </p:style>
+        <p:txBody>
+          <a:bodyPr rtlCol="0" anchor="ctr"/>
+          <a:lstStyle/>
+          <a:p>
+            <a:pPr algn="ctr"/>
+            <a:endParaRPr lang="de-DE"/>
+          </a:p>
+        </p:txBody>
+      </p:sp>
+      <p:pic>
+        <p:nvPicPr>
+          <p:cNvPr id="5" name="Inhaltsplatzhalter 4">
+            <a:extLst>
+              <a:ext uri="{FF2B5EF4-FFF2-40B4-BE49-F238E27FC236}">
+                <a16:creationId xmlns:a16="http://schemas.microsoft.com/office/drawing/2014/main" id="{4A1327ED-C79B-4435-9F7D-BB034D66DF67}"/>
+              </a:ext>
+            </a:extLst>
+          </p:cNvPr>
+          <p:cNvPicPr>
+            <a:picLocks noChangeAspect="1"/>
+          </p:cNvPicPr>
+          <p:nvPr/>
+        </p:nvPicPr>
+        <p:blipFill>
+          <a:blip r:embed="rId2">
+            <a:extLst>
+              <a:ext uri="{28A0092B-C50C-407E-A947-70E740481C1C}">
+                <a14:useLocalDpi xmlns:a14="http://schemas.microsoft.com/office/drawing/2010/main" val="0"/>
+              </a:ext>
+              <a:ext uri="{96DAC541-7B7A-43D3-8B79-37D633B846F1}">
+                <asvg:svgBlip xmlns:asvg="http://schemas.microsoft.com/office/drawing/2016/SVG/main" r:embed="rId3"/>
+              </a:ext>
+            </a:extLst>
+          </a:blip>
+          <a:stretch>
+            <a:fillRect/>
+          </a:stretch>
+        </p:blipFill>
+        <p:spPr>
+          <a:xfrm>
+            <a:off x="9138258" y="5539232"/>
+            <a:ext cx="3053742" cy="1325563"/>
+          </a:xfrm>
+          <a:prstGeom prst="rect">
+            <a:avLst/>
+          </a:prstGeom>
+        </p:spPr>
+      </p:pic>
+      <p:grpSp>
+        <p:nvGrpSpPr>
+          <p:cNvPr id="11" name="Gruppieren 10">
+            <a:extLst>
+              <a:ext uri="{FF2B5EF4-FFF2-40B4-BE49-F238E27FC236}">
+                <a16:creationId xmlns:a16="http://schemas.microsoft.com/office/drawing/2014/main" id="{1561B2BB-A425-40DA-AF8F-ADFD78B2BD63}"/>
+              </a:ext>
+            </a:extLst>
+          </p:cNvPr>
+          <p:cNvGrpSpPr/>
+          <p:nvPr/>
+        </p:nvGrpSpPr>
+        <p:grpSpPr>
+          <a:xfrm>
+            <a:off x="0" y="-12526"/>
+            <a:ext cx="12192000" cy="588439"/>
+            <a:chOff x="0" y="-12526"/>
+            <a:chExt cx="12192000" cy="588439"/>
+          </a:xfrm>
+        </p:grpSpPr>
+        <p:sp>
+          <p:nvSpPr>
+            <p:cNvPr id="12" name="Rechteck 11">
+              <a:extLst>
+                <a:ext uri="{FF2B5EF4-FFF2-40B4-BE49-F238E27FC236}">
+                  <a16:creationId xmlns:a16="http://schemas.microsoft.com/office/drawing/2014/main" id="{A5DFB29A-6A6E-4202-8456-89484C6F9E49}"/>
+                </a:ext>
+              </a:extLst>
+            </p:cNvPr>
+            <p:cNvSpPr/>
+            <p:nvPr/>
+          </p:nvSpPr>
+          <p:spPr>
+            <a:xfrm>
+              <a:off x="0" y="-12526"/>
+              <a:ext cx="12192000" cy="501573"/>
+            </a:xfrm>
+            <a:prstGeom prst="rect">
+              <a:avLst/>
+            </a:prstGeom>
+            <a:solidFill>
+              <a:schemeClr val="bg1">
+                <a:lumMod val="65000"/>
+              </a:schemeClr>
+            </a:solidFill>
+            <a:ln>
+              <a:solidFill>
+                <a:schemeClr val="bg1">
+                  <a:lumMod val="75000"/>
+                </a:schemeClr>
+              </a:solidFill>
+            </a:ln>
+          </p:spPr>
+          <p:style>
+            <a:lnRef idx="2">
+              <a:schemeClr val="accent1">
+                <a:shade val="50000"/>
+              </a:schemeClr>
+            </a:lnRef>
+            <a:fillRef idx="1">
+              <a:schemeClr val="accent1"/>
+            </a:fillRef>
+            <a:effectRef idx="0">
+              <a:schemeClr val="accent1"/>
+            </a:effectRef>
+            <a:fontRef idx="minor">
+              <a:schemeClr val="lt1"/>
+            </a:fontRef>
+          </p:style>
+          <p:txBody>
+            <a:bodyPr rtlCol="0" anchor="ctr"/>
+            <a:lstStyle/>
+            <a:p>
+              <a:pPr algn="ctr"/>
+              <a:endParaRPr lang="de-DE"/>
+            </a:p>
+          </p:txBody>
+        </p:sp>
+        <p:sp>
+          <p:nvSpPr>
+            <p:cNvPr id="13" name="Titel 1">
+              <a:extLst>
+                <a:ext uri="{FF2B5EF4-FFF2-40B4-BE49-F238E27FC236}">
+                  <a16:creationId xmlns:a16="http://schemas.microsoft.com/office/drawing/2014/main" id="{A61AA3AF-2F03-4319-86E8-ADA58FB09710}"/>
+                </a:ext>
+              </a:extLst>
+            </p:cNvPr>
+            <p:cNvSpPr txBox="1">
+              <a:spLocks/>
+            </p:cNvSpPr>
+            <p:nvPr/>
+          </p:nvSpPr>
+          <p:spPr>
+            <a:xfrm>
+              <a:off x="162045" y="74340"/>
+              <a:ext cx="9734309" cy="501573"/>
+            </a:xfrm>
+            <a:prstGeom prst="rect">
+              <a:avLst/>
+            </a:prstGeom>
+          </p:spPr>
+          <p:txBody>
+            <a:bodyPr vert="horz" lIns="91440" tIns="45720" rIns="91440" bIns="45720" rtlCol="0" anchor="ctr">
+              <a:normAutofit fontScale="82500" lnSpcReduction="20000"/>
+            </a:bodyPr>
+            <a:lstStyle>
+              <a:lvl1pPr algn="l" defTabSz="914400" rtl="0" eaLnBrk="1" latinLnBrk="0" hangingPunct="1">
+                <a:lnSpc>
+                  <a:spcPct val="90000"/>
+                </a:lnSpc>
+                <a:spcBef>
+                  <a:spcPct val="0"/>
+                </a:spcBef>
+                <a:buNone/>
+                <a:defRPr sz="4400" kern="1200">
+                  <a:solidFill>
+                    <a:schemeClr val="tx1"/>
+                  </a:solidFill>
+                  <a:latin typeface="+mj-lt"/>
+                  <a:ea typeface="+mj-ea"/>
+                  <a:cs typeface="+mj-cs"/>
+                </a:defRPr>
+              </a:lvl1pPr>
+            </a:lstStyle>
+            <a:p>
+              <a:r>
+                <a:rPr lang="de-DE" b="1" dirty="0">
+                  <a:solidFill>
+                    <a:schemeClr val="bg1">
+                      <a:lumMod val="95000"/>
+                    </a:schemeClr>
+                  </a:solidFill>
+                </a:rPr>
+                <a:t>Warum Reinforcement Learning?</a:t>
+              </a:r>
+            </a:p>
+          </p:txBody>
+        </p:sp>
+      </p:grpSp>
       <p:pic>
         <p:nvPicPr>
           <p:cNvPr id="20" name="Grafik 19">
@@ -5560,7 +7242,7 @@
     </p:spTree>
     <p:extLst>
       <p:ext uri="{BB962C8B-B14F-4D97-AF65-F5344CB8AC3E}">
-        <p14:creationId xmlns:p14="http://schemas.microsoft.com/office/powerpoint/2010/main" val="552890368"/>
+        <p14:creationId xmlns:p14="http://schemas.microsoft.com/office/powerpoint/2010/main" val="3631492492"/>
       </p:ext>
     </p:extLst>
   </p:cSld>
@@ -5570,7 +7252,7 @@
 </p:sld>
 </file>
 
-<file path=ppt/slides/slide4.xml><?xml version="1.0" encoding="utf-8"?>
+<file path=ppt/slides/slide5.xml><?xml version="1.0" encoding="utf-8"?>
 <p:sld xmlns:a="http://schemas.openxmlformats.org/drawingml/2006/main" xmlns:r="http://schemas.openxmlformats.org/officeDocument/2006/relationships" xmlns:p="http://schemas.openxmlformats.org/presentationml/2006/main">
   <p:cSld>
     <p:spTree>
@@ -6124,7 +7806,7 @@
 </p:sld>
 </file>
 
-<file path=ppt/slides/slide5.xml><?xml version="1.0" encoding="utf-8"?>
+<file path=ppt/slides/slide6.xml><?xml version="1.0" encoding="utf-8"?>
 <p:sld xmlns:a="http://schemas.openxmlformats.org/drawingml/2006/main" xmlns:r="http://schemas.openxmlformats.org/officeDocument/2006/relationships" xmlns:p="http://schemas.openxmlformats.org/presentationml/2006/main">
   <p:cSld>
     <p:spTree>
@@ -6460,7 +8142,7 @@
 </p:sld>
 </file>
 
-<file path=ppt/slides/slide6.xml><?xml version="1.0" encoding="utf-8"?>
+<file path=ppt/slides/slide7.xml><?xml version="1.0" encoding="utf-8"?>
 <p:sld xmlns:a="http://schemas.openxmlformats.org/drawingml/2006/main" xmlns:r="http://schemas.openxmlformats.org/officeDocument/2006/relationships" xmlns:p="http://schemas.openxmlformats.org/presentationml/2006/main">
   <p:cSld>
     <p:spTree>
@@ -7237,7 +8919,7 @@
 </p:sld>
 </file>
 
-<file path=ppt/slides/slide7.xml><?xml version="1.0" encoding="utf-8"?>
+<file path=ppt/slides/slide8.xml><?xml version="1.0" encoding="utf-8"?>
 <p:sld xmlns:a="http://schemas.openxmlformats.org/drawingml/2006/main" xmlns:r="http://schemas.openxmlformats.org/officeDocument/2006/relationships" xmlns:p="http://schemas.openxmlformats.org/presentationml/2006/main">
   <p:cSld>
     <p:spTree>
@@ -8076,7 +9758,7 @@
 </p:sld>
 </file>
 
-<file path=ppt/slides/slide8.xml><?xml version="1.0" encoding="utf-8"?>
+<file path=ppt/slides/slide9.xml><?xml version="1.0" encoding="utf-8"?>
 <p:sld xmlns:a="http://schemas.openxmlformats.org/drawingml/2006/main" xmlns:r="http://schemas.openxmlformats.org/officeDocument/2006/relationships" xmlns:p="http://schemas.openxmlformats.org/presentationml/2006/main">
   <p:cSld>
     <p:spTree>
@@ -8323,600 +10005,72 @@
                     </a:schemeClr>
                   </a:solidFill>
                 </a:rPr>
-                <a:t>Selection strategy – </a:t>
+                <a:t>Selection strategy</a:t>
               </a:r>
-              <a:r>
-                <a:rPr lang="el-GR" b="1" dirty="0">
-                  <a:solidFill>
-                    <a:schemeClr val="bg1">
-                      <a:lumMod val="95000"/>
-                    </a:schemeClr>
-                  </a:solidFill>
-                  <a:latin typeface="Calibri" panose="020F0502020204030204" pitchFamily="34" charset="0"/>
-                  <a:cs typeface="Calibri" panose="020F0502020204030204" pitchFamily="34" charset="0"/>
-                </a:rPr>
-                <a:t>ε</a:t>
-              </a:r>
-              <a:r>
-                <a:rPr lang="de-DE" b="1" dirty="0">
-                  <a:solidFill>
-                    <a:schemeClr val="bg1">
-                      <a:lumMod val="95000"/>
-                    </a:schemeClr>
-                  </a:solidFill>
-                </a:rPr>
-                <a:t>-</a:t>
-              </a:r>
-              <a:r>
-                <a:rPr lang="de-DE" b="1" dirty="0" err="1">
-                  <a:solidFill>
-                    <a:schemeClr val="bg1">
-                      <a:lumMod val="95000"/>
-                    </a:schemeClr>
-                  </a:solidFill>
-                </a:rPr>
-                <a:t>greedy</a:t>
-              </a:r>
-              <a:endParaRPr lang="en-US" b="1" dirty="0">
-                <a:solidFill>
-                  <a:schemeClr val="bg1">
-                    <a:lumMod val="95000"/>
-                  </a:schemeClr>
-                </a:solidFill>
-              </a:endParaRPr>
             </a:p>
           </p:txBody>
         </p:sp>
       </p:grpSp>
+      <p:sp>
+        <p:nvSpPr>
+          <p:cNvPr id="19" name="Textfeld 18">
+            <a:extLst>
+              <a:ext uri="{FF2B5EF4-FFF2-40B4-BE49-F238E27FC236}">
+                <a16:creationId xmlns:a16="http://schemas.microsoft.com/office/drawing/2014/main" id="{D43E4605-7BBF-42C9-B366-20A64B92066E}"/>
+              </a:ext>
+            </a:extLst>
+          </p:cNvPr>
+          <p:cNvSpPr txBox="1"/>
+          <p:nvPr/>
+        </p:nvSpPr>
+        <p:spPr>
+          <a:xfrm>
+            <a:off x="1719262" y="1768070"/>
+            <a:ext cx="9224963" cy="1938992"/>
+          </a:xfrm>
+          <a:prstGeom prst="rect">
+            <a:avLst/>
+          </a:prstGeom>
+          <a:noFill/>
+        </p:spPr>
+        <p:txBody>
+          <a:bodyPr wrap="square" rtlCol="0">
+            <a:spAutoFit/>
+          </a:bodyPr>
+          <a:lstStyle/>
+          <a:p>
+            <a:r>
+              <a:rPr lang="de-DE" sz="2400" dirty="0" err="1"/>
+              <a:t>Selection</a:t>
+            </a:r>
+            <a:r>
+              <a:rPr lang="de-DE" sz="2400" dirty="0"/>
+              <a:t> </a:t>
+            </a:r>
+            <a:r>
+              <a:rPr lang="de-DE" sz="2400" dirty="0" err="1"/>
+              <a:t>strategy</a:t>
+            </a:r>
+            <a:r>
+              <a:rPr lang="de-DE" sz="2400" dirty="0"/>
+              <a:t>: Strategie nach der aus einem gegeben Zustand heraus die nächste Aktion ausgewählt wird</a:t>
+            </a:r>
+          </a:p>
+          <a:p>
+            <a:endParaRPr lang="de-DE" sz="2400" dirty="0"/>
+          </a:p>
+          <a:p>
+            <a:r>
+              <a:rPr lang="de-DE" sz="2400" dirty="0"/>
+              <a:t>Problem: Abwiegen zwischen Erkunden der Umgebung und Ausnutzen des bereits gewonnenen Wissen</a:t>
+            </a:r>
+          </a:p>
+        </p:txBody>
+      </p:sp>
     </p:spTree>
     <p:extLst>
       <p:ext uri="{BB962C8B-B14F-4D97-AF65-F5344CB8AC3E}">
         <p14:creationId xmlns:p14="http://schemas.microsoft.com/office/powerpoint/2010/main" val="2864195174"/>
-      </p:ext>
-    </p:extLst>
-  </p:cSld>
-  <p:clrMapOvr>
-    <a:masterClrMapping/>
-  </p:clrMapOvr>
-</p:sld>
-</file>
-
-<file path=ppt/slides/slide9.xml><?xml version="1.0" encoding="utf-8"?>
-<p:sld xmlns:a="http://schemas.openxmlformats.org/drawingml/2006/main" xmlns:r="http://schemas.openxmlformats.org/officeDocument/2006/relationships" xmlns:p="http://schemas.openxmlformats.org/presentationml/2006/main">
-  <p:cSld>
-    <p:spTree>
-      <p:nvGrpSpPr>
-        <p:cNvPr id="1" name=""/>
-        <p:cNvGrpSpPr/>
-        <p:nvPr/>
-      </p:nvGrpSpPr>
-      <p:grpSpPr>
-        <a:xfrm>
-          <a:off x="0" y="0"/>
-          <a:ext cx="0" cy="0"/>
-          <a:chOff x="0" y="0"/>
-          <a:chExt cx="0" cy="0"/>
-        </a:xfrm>
-      </p:grpSpPr>
-      <p:sp>
-        <p:nvSpPr>
-          <p:cNvPr id="4" name="Rechteck 3">
-            <a:extLst>
-              <a:ext uri="{FF2B5EF4-FFF2-40B4-BE49-F238E27FC236}">
-                <a16:creationId xmlns:a16="http://schemas.microsoft.com/office/drawing/2014/main" id="{E25EF50D-F0CD-4727-AFB6-041294F40813}"/>
-              </a:ext>
-            </a:extLst>
-          </p:cNvPr>
-          <p:cNvSpPr/>
-          <p:nvPr/>
-        </p:nvSpPr>
-        <p:spPr>
-          <a:xfrm>
-            <a:off x="0" y="6350696"/>
-            <a:ext cx="10058400" cy="501573"/>
-          </a:xfrm>
-          <a:prstGeom prst="rect">
-            <a:avLst/>
-          </a:prstGeom>
-          <a:solidFill>
-            <a:schemeClr val="bg1">
-              <a:lumMod val="75000"/>
-            </a:schemeClr>
-          </a:solidFill>
-          <a:ln>
-            <a:solidFill>
-              <a:schemeClr val="bg1">
-                <a:lumMod val="75000"/>
-              </a:schemeClr>
-            </a:solidFill>
-          </a:ln>
-        </p:spPr>
-        <p:style>
-          <a:lnRef idx="2">
-            <a:schemeClr val="accent1">
-              <a:shade val="50000"/>
-            </a:schemeClr>
-          </a:lnRef>
-          <a:fillRef idx="1">
-            <a:schemeClr val="accent1"/>
-          </a:fillRef>
-          <a:effectRef idx="0">
-            <a:schemeClr val="accent1"/>
-          </a:effectRef>
-          <a:fontRef idx="minor">
-            <a:schemeClr val="lt1"/>
-          </a:fontRef>
-        </p:style>
-        <p:txBody>
-          <a:bodyPr rtlCol="0" anchor="ctr"/>
-          <a:lstStyle/>
-          <a:p>
-            <a:pPr algn="ctr"/>
-            <a:endParaRPr lang="en-US"/>
-          </a:p>
-        </p:txBody>
-      </p:sp>
-      <p:pic>
-        <p:nvPicPr>
-          <p:cNvPr id="5" name="Inhaltsplatzhalter 4">
-            <a:extLst>
-              <a:ext uri="{FF2B5EF4-FFF2-40B4-BE49-F238E27FC236}">
-                <a16:creationId xmlns:a16="http://schemas.microsoft.com/office/drawing/2014/main" id="{4A1327ED-C79B-4435-9F7D-BB034D66DF67}"/>
-              </a:ext>
-            </a:extLst>
-          </p:cNvPr>
-          <p:cNvPicPr>
-            <a:picLocks noChangeAspect="1"/>
-          </p:cNvPicPr>
-          <p:nvPr/>
-        </p:nvPicPr>
-        <p:blipFill>
-          <a:blip r:embed="rId2">
-            <a:extLst>
-              <a:ext uri="{28A0092B-C50C-407E-A947-70E740481C1C}">
-                <a14:useLocalDpi xmlns:a14="http://schemas.microsoft.com/office/drawing/2010/main" val="0"/>
-              </a:ext>
-              <a:ext uri="{96DAC541-7B7A-43D3-8B79-37D633B846F1}">
-                <asvg:svgBlip xmlns:asvg="http://schemas.microsoft.com/office/drawing/2016/SVG/main" r:embed="rId3"/>
-              </a:ext>
-            </a:extLst>
-          </a:blip>
-          <a:stretch>
-            <a:fillRect/>
-          </a:stretch>
-        </p:blipFill>
-        <p:spPr>
-          <a:xfrm>
-            <a:off x="9138258" y="5539232"/>
-            <a:ext cx="3053742" cy="1325563"/>
-          </a:xfrm>
-          <a:prstGeom prst="rect">
-            <a:avLst/>
-          </a:prstGeom>
-        </p:spPr>
-      </p:pic>
-      <p:grpSp>
-        <p:nvGrpSpPr>
-          <p:cNvPr id="8" name="Gruppieren 7">
-            <a:extLst>
-              <a:ext uri="{FF2B5EF4-FFF2-40B4-BE49-F238E27FC236}">
-                <a16:creationId xmlns:a16="http://schemas.microsoft.com/office/drawing/2014/main" id="{D12F6303-B64A-4DE0-9338-29C545E489D2}"/>
-              </a:ext>
-            </a:extLst>
-          </p:cNvPr>
-          <p:cNvGrpSpPr/>
-          <p:nvPr/>
-        </p:nvGrpSpPr>
-        <p:grpSpPr>
-          <a:xfrm>
-            <a:off x="0" y="-12526"/>
-            <a:ext cx="12192000" cy="588439"/>
-            <a:chOff x="0" y="-12526"/>
-            <a:chExt cx="12192000" cy="588439"/>
-          </a:xfrm>
-        </p:grpSpPr>
-        <p:sp>
-          <p:nvSpPr>
-            <p:cNvPr id="9" name="Rechteck 8">
-              <a:extLst>
-                <a:ext uri="{FF2B5EF4-FFF2-40B4-BE49-F238E27FC236}">
-                  <a16:creationId xmlns:a16="http://schemas.microsoft.com/office/drawing/2014/main" id="{7E0E77A4-3A23-433F-BE05-4662310BB904}"/>
-                </a:ext>
-              </a:extLst>
-            </p:cNvPr>
-            <p:cNvSpPr/>
-            <p:nvPr/>
-          </p:nvSpPr>
-          <p:spPr>
-            <a:xfrm>
-              <a:off x="0" y="-12526"/>
-              <a:ext cx="12192000" cy="501573"/>
-            </a:xfrm>
-            <a:prstGeom prst="rect">
-              <a:avLst/>
-            </a:prstGeom>
-            <a:solidFill>
-              <a:schemeClr val="bg1">
-                <a:lumMod val="65000"/>
-              </a:schemeClr>
-            </a:solidFill>
-            <a:ln>
-              <a:solidFill>
-                <a:schemeClr val="bg1">
-                  <a:lumMod val="75000"/>
-                </a:schemeClr>
-              </a:solidFill>
-            </a:ln>
-          </p:spPr>
-          <p:style>
-            <a:lnRef idx="2">
-              <a:schemeClr val="accent1">
-                <a:shade val="50000"/>
-              </a:schemeClr>
-            </a:lnRef>
-            <a:fillRef idx="1">
-              <a:schemeClr val="accent1"/>
-            </a:fillRef>
-            <a:effectRef idx="0">
-              <a:schemeClr val="accent1"/>
-            </a:effectRef>
-            <a:fontRef idx="minor">
-              <a:schemeClr val="lt1"/>
-            </a:fontRef>
-          </p:style>
-          <p:txBody>
-            <a:bodyPr rtlCol="0" anchor="ctr"/>
-            <a:lstStyle/>
-            <a:p>
-              <a:pPr algn="ctr"/>
-              <a:endParaRPr lang="en-US"/>
-            </a:p>
-          </p:txBody>
-        </p:sp>
-        <p:sp>
-          <p:nvSpPr>
-            <p:cNvPr id="10" name="Titel 1">
-              <a:extLst>
-                <a:ext uri="{FF2B5EF4-FFF2-40B4-BE49-F238E27FC236}">
-                  <a16:creationId xmlns:a16="http://schemas.microsoft.com/office/drawing/2014/main" id="{E30452C7-9ADA-4F64-A8E5-5A8C65FD6090}"/>
-                </a:ext>
-              </a:extLst>
-            </p:cNvPr>
-            <p:cNvSpPr txBox="1">
-              <a:spLocks/>
-            </p:cNvSpPr>
-            <p:nvPr/>
-          </p:nvSpPr>
-          <p:spPr>
-            <a:xfrm>
-              <a:off x="162045" y="74340"/>
-              <a:ext cx="9734309" cy="501573"/>
-            </a:xfrm>
-            <a:prstGeom prst="rect">
-              <a:avLst/>
-            </a:prstGeom>
-          </p:spPr>
-          <p:txBody>
-            <a:bodyPr vert="horz" lIns="91440" tIns="45720" rIns="91440" bIns="45720" rtlCol="0" anchor="ctr">
-              <a:normAutofit fontScale="82500" lnSpcReduction="20000"/>
-            </a:bodyPr>
-            <a:lstStyle>
-              <a:lvl1pPr algn="l" defTabSz="914400" rtl="0" eaLnBrk="1" latinLnBrk="0" hangingPunct="1">
-                <a:lnSpc>
-                  <a:spcPct val="90000"/>
-                </a:lnSpc>
-                <a:spcBef>
-                  <a:spcPct val="0"/>
-                </a:spcBef>
-                <a:buNone/>
-                <a:defRPr sz="4400" kern="1200">
-                  <a:solidFill>
-                    <a:schemeClr val="tx1"/>
-                  </a:solidFill>
-                  <a:latin typeface="+mj-lt"/>
-                  <a:ea typeface="+mj-ea"/>
-                  <a:cs typeface="+mj-cs"/>
-                </a:defRPr>
-              </a:lvl1pPr>
-            </a:lstStyle>
-            <a:p>
-              <a:r>
-                <a:rPr lang="en-US" b="1" dirty="0">
-                  <a:solidFill>
-                    <a:schemeClr val="bg1">
-                      <a:lumMod val="95000"/>
-                    </a:schemeClr>
-                  </a:solidFill>
-                </a:rPr>
-                <a:t>Selection strategy – </a:t>
-              </a:r>
-              <a:r>
-                <a:rPr lang="de-DE" b="1" dirty="0" err="1">
-                  <a:solidFill>
-                    <a:schemeClr val="bg1">
-                      <a:lumMod val="95000"/>
-                    </a:schemeClr>
-                  </a:solidFill>
-                  <a:latin typeface="Calibri" panose="020F0502020204030204" pitchFamily="34" charset="0"/>
-                  <a:cs typeface="Calibri" panose="020F0502020204030204" pitchFamily="34" charset="0"/>
-                </a:rPr>
-                <a:t>Softmax</a:t>
-              </a:r>
-              <a:endParaRPr lang="en-US" b="1" dirty="0">
-                <a:solidFill>
-                  <a:schemeClr val="bg1">
-                    <a:lumMod val="95000"/>
-                  </a:schemeClr>
-                </a:solidFill>
-              </a:endParaRPr>
-            </a:p>
-          </p:txBody>
-        </p:sp>
-      </p:grpSp>
-      <mc:AlternateContent xmlns:mc="http://schemas.openxmlformats.org/markup-compatibility/2006">
-        <mc:Choice xmlns:a14="http://schemas.microsoft.com/office/drawing/2010/main" Requires="a14">
-          <p:sp>
-            <p:nvSpPr>
-              <p:cNvPr id="2" name="Textfeld 1">
-                <a:extLst>
-                  <a:ext uri="{FF2B5EF4-FFF2-40B4-BE49-F238E27FC236}">
-                    <a16:creationId xmlns:a16="http://schemas.microsoft.com/office/drawing/2014/main" id="{3B928A9F-E336-430F-BADE-A096F6DD6B40}"/>
-                  </a:ext>
-                </a:extLst>
-              </p:cNvPr>
-              <p:cNvSpPr txBox="1"/>
-              <p:nvPr/>
-            </p:nvSpPr>
-            <p:spPr>
-              <a:xfrm>
-                <a:off x="3912973" y="2632100"/>
-                <a:ext cx="3497945" cy="1488677"/>
-              </a:xfrm>
-              <a:prstGeom prst="rect">
-                <a:avLst/>
-              </a:prstGeom>
-              <a:noFill/>
-            </p:spPr>
-            <p:txBody>
-              <a:bodyPr wrap="none" rtlCol="0">
-                <a:spAutoFit/>
-              </a:bodyPr>
-              <a:lstStyle/>
-              <a:p>
-                <a14:m>
-                  <m:oMathPara xmlns:m="http://schemas.openxmlformats.org/officeDocument/2006/math">
-                    <m:oMathParaPr>
-                      <m:jc m:val="centerGroup"/>
-                    </m:oMathParaPr>
-                    <m:oMath xmlns:m="http://schemas.openxmlformats.org/officeDocument/2006/math">
-                      <m:r>
-                        <a:rPr lang="de-DE" sz="4000" b="0" i="1" smtClean="0">
-                          <a:latin typeface="Cambria Math" panose="02040503050406030204" pitchFamily="18" charset="0"/>
-                        </a:rPr>
-                        <m:t>𝑃</m:t>
-                      </m:r>
-                      <m:d>
-                        <m:dPr>
-                          <m:ctrlPr>
-                            <a:rPr lang="de-DE" sz="4000" b="0" i="1" smtClean="0">
-                              <a:latin typeface="Cambria Math" panose="02040503050406030204" pitchFamily="18" charset="0"/>
-                            </a:rPr>
-                          </m:ctrlPr>
-                        </m:dPr>
-                        <m:e>
-                          <m:sSub>
-                            <m:sSubPr>
-                              <m:ctrlPr>
-                                <a:rPr lang="de-DE" sz="4000" b="0" i="1" smtClean="0">
-                                  <a:latin typeface="Cambria Math" panose="02040503050406030204" pitchFamily="18" charset="0"/>
-                                </a:rPr>
-                              </m:ctrlPr>
-                            </m:sSubPr>
-                            <m:e>
-                              <m:r>
-                                <a:rPr lang="de-DE" sz="4000" b="0" i="1" smtClean="0">
-                                  <a:latin typeface="Cambria Math" panose="02040503050406030204" pitchFamily="18" charset="0"/>
-                                </a:rPr>
-                                <m:t>𝑥</m:t>
-                              </m:r>
-                            </m:e>
-                            <m:sub>
-                              <m:r>
-                                <a:rPr lang="de-DE" sz="4000" b="0" i="1" smtClean="0">
-                                  <a:latin typeface="Cambria Math" panose="02040503050406030204" pitchFamily="18" charset="0"/>
-                                </a:rPr>
-                                <m:t>𝑖</m:t>
-                              </m:r>
-                            </m:sub>
-                          </m:sSub>
-                        </m:e>
-                      </m:d>
-                      <m:r>
-                        <a:rPr lang="de-DE" sz="4000" b="0" i="1" smtClean="0">
-                          <a:latin typeface="Cambria Math" panose="02040503050406030204" pitchFamily="18" charset="0"/>
-                        </a:rPr>
-                        <m:t>=</m:t>
-                      </m:r>
-                      <m:f>
-                        <m:fPr>
-                          <m:ctrlPr>
-                            <a:rPr lang="de-DE" sz="4000" i="1" smtClean="0">
-                              <a:latin typeface="Cambria Math" panose="02040503050406030204" pitchFamily="18" charset="0"/>
-                            </a:rPr>
-                          </m:ctrlPr>
-                        </m:fPr>
-                        <m:num>
-                          <m:sSup>
-                            <m:sSupPr>
-                              <m:ctrlPr>
-                                <a:rPr lang="de-DE" sz="4000" i="1" smtClean="0">
-                                  <a:latin typeface="Cambria Math" panose="02040503050406030204" pitchFamily="18" charset="0"/>
-                                </a:rPr>
-                              </m:ctrlPr>
-                            </m:sSupPr>
-                            <m:e>
-                              <m:r>
-                                <a:rPr lang="de-DE" sz="4000" b="0" i="1" smtClean="0">
-                                  <a:latin typeface="Cambria Math" panose="02040503050406030204" pitchFamily="18" charset="0"/>
-                                </a:rPr>
-                                <m:t>𝑒</m:t>
-                              </m:r>
-                            </m:e>
-                            <m:sup>
-                              <m:sSub>
-                                <m:sSubPr>
-                                  <m:ctrlPr>
-                                    <a:rPr lang="de-DE" sz="4000" i="1">
-                                      <a:latin typeface="Cambria Math" panose="02040503050406030204" pitchFamily="18" charset="0"/>
-                                    </a:rPr>
-                                  </m:ctrlPr>
-                                </m:sSubPr>
-                                <m:e>
-                                  <m:r>
-                                    <a:rPr lang="de-DE" sz="4000" i="1">
-                                      <a:latin typeface="Cambria Math" panose="02040503050406030204" pitchFamily="18" charset="0"/>
-                                    </a:rPr>
-                                    <m:t>𝑥</m:t>
-                                  </m:r>
-                                </m:e>
-                                <m:sub>
-                                  <m:r>
-                                    <a:rPr lang="de-DE" sz="4000" i="1">
-                                      <a:latin typeface="Cambria Math" panose="02040503050406030204" pitchFamily="18" charset="0"/>
-                                    </a:rPr>
-                                    <m:t>𝑖</m:t>
-                                  </m:r>
-                                </m:sub>
-                              </m:sSub>
-                            </m:sup>
-                          </m:sSup>
-                        </m:num>
-                        <m:den>
-                          <m:nary>
-                            <m:naryPr>
-                              <m:chr m:val="∑"/>
-                              <m:supHide m:val="on"/>
-                              <m:ctrlPr>
-                                <a:rPr lang="de-DE" sz="4000" i="1" smtClean="0">
-                                  <a:latin typeface="Cambria Math" panose="02040503050406030204" pitchFamily="18" charset="0"/>
-                                </a:rPr>
-                              </m:ctrlPr>
-                            </m:naryPr>
-                            <m:sub>
-                              <m:r>
-                                <a:rPr lang="de-DE" sz="4000" b="0" i="1" smtClean="0">
-                                  <a:latin typeface="Cambria Math" panose="02040503050406030204" pitchFamily="18" charset="0"/>
-                                </a:rPr>
-                                <m:t>𝑗</m:t>
-                              </m:r>
-                            </m:sub>
-                            <m:sup/>
-                            <m:e>
-                              <m:sSup>
-                                <m:sSupPr>
-                                  <m:ctrlPr>
-                                    <a:rPr lang="de-DE" sz="4000" i="1" smtClean="0">
-                                      <a:latin typeface="Cambria Math" panose="02040503050406030204" pitchFamily="18" charset="0"/>
-                                    </a:rPr>
-                                  </m:ctrlPr>
-                                </m:sSupPr>
-                                <m:e>
-                                  <m:r>
-                                    <a:rPr lang="de-DE" sz="4000" b="0" i="1" smtClean="0">
-                                      <a:latin typeface="Cambria Math" panose="02040503050406030204" pitchFamily="18" charset="0"/>
-                                    </a:rPr>
-                                    <m:t>𝑒</m:t>
-                                  </m:r>
-                                </m:e>
-                                <m:sup>
-                                  <m:sSub>
-                                    <m:sSubPr>
-                                      <m:ctrlPr>
-                                        <a:rPr lang="de-DE" sz="4000" i="1" smtClean="0">
-                                          <a:latin typeface="Cambria Math" panose="02040503050406030204" pitchFamily="18" charset="0"/>
-                                        </a:rPr>
-                                      </m:ctrlPr>
-                                    </m:sSubPr>
-                                    <m:e>
-                                      <m:r>
-                                        <a:rPr lang="de-DE" sz="4000" b="0" i="1" smtClean="0">
-                                          <a:latin typeface="Cambria Math" panose="02040503050406030204" pitchFamily="18" charset="0"/>
-                                        </a:rPr>
-                                        <m:t>𝑥</m:t>
-                                      </m:r>
-                                    </m:e>
-                                    <m:sub>
-                                      <m:r>
-                                        <a:rPr lang="de-DE" sz="4000" b="0" i="1" smtClean="0">
-                                          <a:latin typeface="Cambria Math" panose="02040503050406030204" pitchFamily="18" charset="0"/>
-                                        </a:rPr>
-                                        <m:t>𝑗</m:t>
-                                      </m:r>
-                                    </m:sub>
-                                  </m:sSub>
-                                </m:sup>
-                              </m:sSup>
-                            </m:e>
-                          </m:nary>
-                        </m:den>
-                      </m:f>
-                    </m:oMath>
-                  </m:oMathPara>
-                </a14:m>
-                <a:endParaRPr lang="de-DE" dirty="0"/>
-              </a:p>
-            </p:txBody>
-          </p:sp>
-        </mc:Choice>
-        <mc:Fallback>
-          <p:sp>
-            <p:nvSpPr>
-              <p:cNvPr id="2" name="Textfeld 1">
-                <a:extLst>
-                  <a:ext uri="{FF2B5EF4-FFF2-40B4-BE49-F238E27FC236}">
-                    <a16:creationId xmlns:a16="http://schemas.microsoft.com/office/drawing/2014/main" id="{3B928A9F-E336-430F-BADE-A096F6DD6B40}"/>
-                  </a:ext>
-                </a:extLst>
-              </p:cNvPr>
-              <p:cNvSpPr txBox="1">
-                <a:spLocks noRot="1" noChangeAspect="1" noMove="1" noResize="1" noEditPoints="1" noAdjustHandles="1" noChangeArrowheads="1" noChangeShapeType="1" noTextEdit="1"/>
-              </p:cNvSpPr>
-              <p:nvPr/>
-            </p:nvSpPr>
-            <p:spPr>
-              <a:xfrm>
-                <a:off x="3912973" y="2632100"/>
-                <a:ext cx="3497945" cy="1488677"/>
-              </a:xfrm>
-              <a:prstGeom prst="rect">
-                <a:avLst/>
-              </a:prstGeom>
-              <a:blipFill>
-                <a:blip r:embed="rId4"/>
-                <a:stretch>
-                  <a:fillRect/>
-                </a:stretch>
-              </a:blipFill>
-            </p:spPr>
-            <p:txBody>
-              <a:bodyPr/>
-              <a:lstStyle/>
-              <a:p>
-                <a:r>
-                  <a:rPr lang="de-DE">
-                    <a:noFill/>
-                  </a:rPr>
-                  <a:t> </a:t>
-                </a:r>
-              </a:p>
-            </p:txBody>
-          </p:sp>
-        </mc:Fallback>
-      </mc:AlternateContent>
-    </p:spTree>
-    <p:extLst>
-      <p:ext uri="{BB962C8B-B14F-4D97-AF65-F5344CB8AC3E}">
-        <p14:creationId xmlns:p14="http://schemas.microsoft.com/office/powerpoint/2010/main" val="2046292443"/>
       </p:ext>
     </p:extLst>
   </p:cSld>

--- a/Reinforcement Learning.pptx
+++ b/Reinforcement Learning.pptx
@@ -5,22 +5,24 @@
     <p:sldMasterId id="2147483648" r:id="rId1"/>
   </p:sldMasterIdLst>
   <p:notesMasterIdLst>
-    <p:notesMasterId r:id="rId15"/>
+    <p:notesMasterId r:id="rId17"/>
   </p:notesMasterIdLst>
   <p:sldIdLst>
     <p:sldId id="256" r:id="rId2"/>
     <p:sldId id="259" r:id="rId3"/>
-    <p:sldId id="260" r:id="rId4"/>
-    <p:sldId id="273" r:id="rId5"/>
-    <p:sldId id="261" r:id="rId6"/>
-    <p:sldId id="264" r:id="rId7"/>
-    <p:sldId id="265" r:id="rId8"/>
-    <p:sldId id="267" r:id="rId9"/>
-    <p:sldId id="269" r:id="rId10"/>
-    <p:sldId id="271" r:id="rId11"/>
-    <p:sldId id="270" r:id="rId12"/>
-    <p:sldId id="272" r:id="rId13"/>
-    <p:sldId id="268" r:id="rId14"/>
+    <p:sldId id="274" r:id="rId4"/>
+    <p:sldId id="275" r:id="rId5"/>
+    <p:sldId id="273" r:id="rId6"/>
+    <p:sldId id="276" r:id="rId7"/>
+    <p:sldId id="261" r:id="rId8"/>
+    <p:sldId id="264" r:id="rId9"/>
+    <p:sldId id="267" r:id="rId10"/>
+    <p:sldId id="265" r:id="rId11"/>
+    <p:sldId id="269" r:id="rId12"/>
+    <p:sldId id="271" r:id="rId13"/>
+    <p:sldId id="270" r:id="rId14"/>
+    <p:sldId id="272" r:id="rId15"/>
+    <p:sldId id="268" r:id="rId16"/>
   </p:sldIdLst>
   <p:sldSz cx="12192000" cy="6858000"/>
   <p:notesSz cx="6858000" cy="9144000"/>
@@ -4571,7 +4573,15 @@
           <a:p>
             <a:r>
               <a:rPr lang="de-DE" sz="1800" dirty="0"/>
-              <a:t>Caro Dirnberger, Jonas Goltz, Juliane Seidl</a:t>
+              <a:t>Caro </a:t>
+            </a:r>
+            <a:r>
+              <a:rPr lang="de-DE" sz="1800" dirty="0" err="1"/>
+              <a:t>Direnberger</a:t>
+            </a:r>
+            <a:r>
+              <a:rPr lang="de-DE" sz="1800" dirty="0"/>
+              <a:t>, Jonas Goltz, Juliane Seidl</a:t>
             </a:r>
           </a:p>
           <a:p>
@@ -4693,3456 +4703,6 @@
 </file>
 
 <file path=ppt/slides/slide10.xml><?xml version="1.0" encoding="utf-8"?>
-<p:sld xmlns:a="http://schemas.openxmlformats.org/drawingml/2006/main" xmlns:r="http://schemas.openxmlformats.org/officeDocument/2006/relationships" xmlns:p="http://schemas.openxmlformats.org/presentationml/2006/main">
-  <p:cSld>
-    <p:spTree>
-      <p:nvGrpSpPr>
-        <p:cNvPr id="1" name=""/>
-        <p:cNvGrpSpPr/>
-        <p:nvPr/>
-      </p:nvGrpSpPr>
-      <p:grpSpPr>
-        <a:xfrm>
-          <a:off x="0" y="0"/>
-          <a:ext cx="0" cy="0"/>
-          <a:chOff x="0" y="0"/>
-          <a:chExt cx="0" cy="0"/>
-        </a:xfrm>
-      </p:grpSpPr>
-      <p:sp>
-        <p:nvSpPr>
-          <p:cNvPr id="4" name="Rechteck 3">
-            <a:extLst>
-              <a:ext uri="{FF2B5EF4-FFF2-40B4-BE49-F238E27FC236}">
-                <a16:creationId xmlns:a16="http://schemas.microsoft.com/office/drawing/2014/main" id="{E25EF50D-F0CD-4727-AFB6-041294F40813}"/>
-              </a:ext>
-            </a:extLst>
-          </p:cNvPr>
-          <p:cNvSpPr/>
-          <p:nvPr/>
-        </p:nvSpPr>
-        <p:spPr>
-          <a:xfrm>
-            <a:off x="0" y="6350696"/>
-            <a:ext cx="10058400" cy="501573"/>
-          </a:xfrm>
-          <a:prstGeom prst="rect">
-            <a:avLst/>
-          </a:prstGeom>
-          <a:solidFill>
-            <a:schemeClr val="bg1">
-              <a:lumMod val="75000"/>
-            </a:schemeClr>
-          </a:solidFill>
-          <a:ln>
-            <a:solidFill>
-              <a:schemeClr val="bg1">
-                <a:lumMod val="75000"/>
-              </a:schemeClr>
-            </a:solidFill>
-          </a:ln>
-        </p:spPr>
-        <p:style>
-          <a:lnRef idx="2">
-            <a:schemeClr val="accent1">
-              <a:shade val="50000"/>
-            </a:schemeClr>
-          </a:lnRef>
-          <a:fillRef idx="1">
-            <a:schemeClr val="accent1"/>
-          </a:fillRef>
-          <a:effectRef idx="0">
-            <a:schemeClr val="accent1"/>
-          </a:effectRef>
-          <a:fontRef idx="minor">
-            <a:schemeClr val="lt1"/>
-          </a:fontRef>
-        </p:style>
-        <p:txBody>
-          <a:bodyPr rtlCol="0" anchor="ctr"/>
-          <a:lstStyle/>
-          <a:p>
-            <a:pPr algn="ctr"/>
-            <a:endParaRPr lang="en-US"/>
-          </a:p>
-        </p:txBody>
-      </p:sp>
-      <p:pic>
-        <p:nvPicPr>
-          <p:cNvPr id="5" name="Inhaltsplatzhalter 4">
-            <a:extLst>
-              <a:ext uri="{FF2B5EF4-FFF2-40B4-BE49-F238E27FC236}">
-                <a16:creationId xmlns:a16="http://schemas.microsoft.com/office/drawing/2014/main" id="{4A1327ED-C79B-4435-9F7D-BB034D66DF67}"/>
-              </a:ext>
-            </a:extLst>
-          </p:cNvPr>
-          <p:cNvPicPr>
-            <a:picLocks noChangeAspect="1"/>
-          </p:cNvPicPr>
-          <p:nvPr/>
-        </p:nvPicPr>
-        <p:blipFill>
-          <a:blip r:embed="rId2">
-            <a:extLst>
-              <a:ext uri="{28A0092B-C50C-407E-A947-70E740481C1C}">
-                <a14:useLocalDpi xmlns:a14="http://schemas.microsoft.com/office/drawing/2010/main" val="0"/>
-              </a:ext>
-              <a:ext uri="{96DAC541-7B7A-43D3-8B79-37D633B846F1}">
-                <asvg:svgBlip xmlns:asvg="http://schemas.microsoft.com/office/drawing/2016/SVG/main" r:embed="rId3"/>
-              </a:ext>
-            </a:extLst>
-          </a:blip>
-          <a:stretch>
-            <a:fillRect/>
-          </a:stretch>
-        </p:blipFill>
-        <p:spPr>
-          <a:xfrm>
-            <a:off x="9138258" y="5539232"/>
-            <a:ext cx="3053742" cy="1325563"/>
-          </a:xfrm>
-          <a:prstGeom prst="rect">
-            <a:avLst/>
-          </a:prstGeom>
-        </p:spPr>
-      </p:pic>
-      <p:grpSp>
-        <p:nvGrpSpPr>
-          <p:cNvPr id="8" name="Gruppieren 7">
-            <a:extLst>
-              <a:ext uri="{FF2B5EF4-FFF2-40B4-BE49-F238E27FC236}">
-                <a16:creationId xmlns:a16="http://schemas.microsoft.com/office/drawing/2014/main" id="{D12F6303-B64A-4DE0-9338-29C545E489D2}"/>
-              </a:ext>
-            </a:extLst>
-          </p:cNvPr>
-          <p:cNvGrpSpPr/>
-          <p:nvPr/>
-        </p:nvGrpSpPr>
-        <p:grpSpPr>
-          <a:xfrm>
-            <a:off x="0" y="-12526"/>
-            <a:ext cx="12192000" cy="588439"/>
-            <a:chOff x="0" y="-12526"/>
-            <a:chExt cx="12192000" cy="588439"/>
-          </a:xfrm>
-        </p:grpSpPr>
-        <p:sp>
-          <p:nvSpPr>
-            <p:cNvPr id="9" name="Rechteck 8">
-              <a:extLst>
-                <a:ext uri="{FF2B5EF4-FFF2-40B4-BE49-F238E27FC236}">
-                  <a16:creationId xmlns:a16="http://schemas.microsoft.com/office/drawing/2014/main" id="{7E0E77A4-3A23-433F-BE05-4662310BB904}"/>
-                </a:ext>
-              </a:extLst>
-            </p:cNvPr>
-            <p:cNvSpPr/>
-            <p:nvPr/>
-          </p:nvSpPr>
-          <p:spPr>
-            <a:xfrm>
-              <a:off x="0" y="-12526"/>
-              <a:ext cx="12192000" cy="501573"/>
-            </a:xfrm>
-            <a:prstGeom prst="rect">
-              <a:avLst/>
-            </a:prstGeom>
-            <a:solidFill>
-              <a:schemeClr val="bg1">
-                <a:lumMod val="65000"/>
-              </a:schemeClr>
-            </a:solidFill>
-            <a:ln>
-              <a:solidFill>
-                <a:schemeClr val="bg1">
-                  <a:lumMod val="75000"/>
-                </a:schemeClr>
-              </a:solidFill>
-            </a:ln>
-          </p:spPr>
-          <p:style>
-            <a:lnRef idx="2">
-              <a:schemeClr val="accent1">
-                <a:shade val="50000"/>
-              </a:schemeClr>
-            </a:lnRef>
-            <a:fillRef idx="1">
-              <a:schemeClr val="accent1"/>
-            </a:fillRef>
-            <a:effectRef idx="0">
-              <a:schemeClr val="accent1"/>
-            </a:effectRef>
-            <a:fontRef idx="minor">
-              <a:schemeClr val="lt1"/>
-            </a:fontRef>
-          </p:style>
-          <p:txBody>
-            <a:bodyPr rtlCol="0" anchor="ctr"/>
-            <a:lstStyle/>
-            <a:p>
-              <a:pPr algn="ctr"/>
-              <a:endParaRPr lang="en-US"/>
-            </a:p>
-          </p:txBody>
-        </p:sp>
-        <p:sp>
-          <p:nvSpPr>
-            <p:cNvPr id="10" name="Titel 1">
-              <a:extLst>
-                <a:ext uri="{FF2B5EF4-FFF2-40B4-BE49-F238E27FC236}">
-                  <a16:creationId xmlns:a16="http://schemas.microsoft.com/office/drawing/2014/main" id="{E30452C7-9ADA-4F64-A8E5-5A8C65FD6090}"/>
-                </a:ext>
-              </a:extLst>
-            </p:cNvPr>
-            <p:cNvSpPr txBox="1">
-              <a:spLocks/>
-            </p:cNvSpPr>
-            <p:nvPr/>
-          </p:nvSpPr>
-          <p:spPr>
-            <a:xfrm>
-              <a:off x="162045" y="74340"/>
-              <a:ext cx="9734309" cy="501573"/>
-            </a:xfrm>
-            <a:prstGeom prst="rect">
-              <a:avLst/>
-            </a:prstGeom>
-          </p:spPr>
-          <p:txBody>
-            <a:bodyPr vert="horz" lIns="91440" tIns="45720" rIns="91440" bIns="45720" rtlCol="0" anchor="ctr">
-              <a:normAutofit fontScale="82500" lnSpcReduction="20000"/>
-            </a:bodyPr>
-            <a:lstStyle>
-              <a:lvl1pPr algn="l" defTabSz="914400" rtl="0" eaLnBrk="1" latinLnBrk="0" hangingPunct="1">
-                <a:lnSpc>
-                  <a:spcPct val="90000"/>
-                </a:lnSpc>
-                <a:spcBef>
-                  <a:spcPct val="0"/>
-                </a:spcBef>
-                <a:buNone/>
-                <a:defRPr sz="4400" kern="1200">
-                  <a:solidFill>
-                    <a:schemeClr val="tx1"/>
-                  </a:solidFill>
-                  <a:latin typeface="+mj-lt"/>
-                  <a:ea typeface="+mj-ea"/>
-                  <a:cs typeface="+mj-cs"/>
-                </a:defRPr>
-              </a:lvl1pPr>
-            </a:lstStyle>
-            <a:p>
-              <a:r>
-                <a:rPr lang="en-US" b="1" dirty="0">
-                  <a:solidFill>
-                    <a:schemeClr val="bg1">
-                      <a:lumMod val="95000"/>
-                    </a:schemeClr>
-                  </a:solidFill>
-                </a:rPr>
-                <a:t>Selection strategy – </a:t>
-              </a:r>
-              <a:r>
-                <a:rPr lang="el-GR" b="1" dirty="0">
-                  <a:solidFill>
-                    <a:schemeClr val="bg1">
-                      <a:lumMod val="95000"/>
-                    </a:schemeClr>
-                  </a:solidFill>
-                  <a:latin typeface="Calibri" panose="020F0502020204030204" pitchFamily="34" charset="0"/>
-                  <a:cs typeface="Calibri" panose="020F0502020204030204" pitchFamily="34" charset="0"/>
-                </a:rPr>
-                <a:t>ε</a:t>
-              </a:r>
-              <a:r>
-                <a:rPr lang="de-DE" b="1" dirty="0">
-                  <a:solidFill>
-                    <a:schemeClr val="bg1">
-                      <a:lumMod val="95000"/>
-                    </a:schemeClr>
-                  </a:solidFill>
-                </a:rPr>
-                <a:t>-</a:t>
-              </a:r>
-              <a:r>
-                <a:rPr lang="de-DE" b="1" dirty="0" err="1">
-                  <a:solidFill>
-                    <a:schemeClr val="bg1">
-                      <a:lumMod val="95000"/>
-                    </a:schemeClr>
-                  </a:solidFill>
-                </a:rPr>
-                <a:t>greedy</a:t>
-              </a:r>
-              <a:endParaRPr lang="en-US" b="1" dirty="0">
-                <a:solidFill>
-                  <a:schemeClr val="bg1">
-                    <a:lumMod val="95000"/>
-                  </a:schemeClr>
-                </a:solidFill>
-              </a:endParaRPr>
-            </a:p>
-          </p:txBody>
-        </p:sp>
-      </p:grpSp>
-      <p:sp>
-        <p:nvSpPr>
-          <p:cNvPr id="7" name="Textfeld 6">
-            <a:extLst>
-              <a:ext uri="{FF2B5EF4-FFF2-40B4-BE49-F238E27FC236}">
-                <a16:creationId xmlns:a16="http://schemas.microsoft.com/office/drawing/2014/main" id="{A282DDA6-7248-48A0-9D6D-E9258C1FD1F7}"/>
-              </a:ext>
-            </a:extLst>
-          </p:cNvPr>
-          <p:cNvSpPr txBox="1"/>
-          <p:nvPr/>
-        </p:nvSpPr>
-        <p:spPr>
-          <a:xfrm>
-            <a:off x="3886200" y="3138574"/>
-            <a:ext cx="3936462" cy="1815882"/>
-          </a:xfrm>
-          <a:prstGeom prst="rect">
-            <a:avLst/>
-          </a:prstGeom>
-          <a:noFill/>
-        </p:spPr>
-        <p:txBody>
-          <a:bodyPr wrap="none" rtlCol="0">
-            <a:spAutoFit/>
-          </a:bodyPr>
-          <a:lstStyle/>
-          <a:p>
-            <a:r>
-              <a:rPr lang="en-US" sz="2800" dirty="0"/>
-              <a:t>if</a:t>
-            </a:r>
-            <a:r>
-              <a:rPr lang="de-DE" sz="2800" dirty="0"/>
-              <a:t> p &lt; </a:t>
-            </a:r>
-            <a:r>
-              <a:rPr lang="el-GR" sz="2800" dirty="0">
-                <a:latin typeface="Calibri" panose="020F0502020204030204" pitchFamily="34" charset="0"/>
-                <a:cs typeface="Calibri" panose="020F0502020204030204" pitchFamily="34" charset="0"/>
-              </a:rPr>
-              <a:t>ε</a:t>
-            </a:r>
-            <a:r>
-              <a:rPr lang="de-DE" sz="2800" dirty="0">
-                <a:latin typeface="Calibri" panose="020F0502020204030204" pitchFamily="34" charset="0"/>
-                <a:cs typeface="Calibri" panose="020F0502020204030204" pitchFamily="34" charset="0"/>
-              </a:rPr>
-              <a:t>:</a:t>
-            </a:r>
-          </a:p>
-          <a:p>
-            <a:r>
-              <a:rPr lang="de-DE" sz="2800" dirty="0">
-                <a:latin typeface="Calibri" panose="020F0502020204030204" pitchFamily="34" charset="0"/>
-                <a:cs typeface="Calibri" panose="020F0502020204030204" pitchFamily="34" charset="0"/>
-              </a:rPr>
-              <a:t>	</a:t>
-            </a:r>
-            <a:r>
-              <a:rPr lang="en-US" sz="2800" i="1" dirty="0">
-                <a:latin typeface="Calibri" panose="020F0502020204030204" pitchFamily="34" charset="0"/>
-                <a:cs typeface="Calibri" panose="020F0502020204030204" pitchFamily="34" charset="0"/>
-              </a:rPr>
-              <a:t>take random action</a:t>
-            </a:r>
-          </a:p>
-          <a:p>
-            <a:r>
-              <a:rPr lang="en-US" sz="2800" dirty="0">
-                <a:latin typeface="Calibri" panose="020F0502020204030204" pitchFamily="34" charset="0"/>
-                <a:cs typeface="Calibri" panose="020F0502020204030204" pitchFamily="34" charset="0"/>
-              </a:rPr>
-              <a:t>else</a:t>
-            </a:r>
-            <a:r>
-              <a:rPr lang="de-DE" sz="2800" dirty="0">
-                <a:latin typeface="Calibri" panose="020F0502020204030204" pitchFamily="34" charset="0"/>
-                <a:cs typeface="Calibri" panose="020F0502020204030204" pitchFamily="34" charset="0"/>
-              </a:rPr>
-              <a:t>:</a:t>
-            </a:r>
-          </a:p>
-          <a:p>
-            <a:r>
-              <a:rPr lang="de-DE" sz="2800" dirty="0">
-                <a:latin typeface="Calibri" panose="020F0502020204030204" pitchFamily="34" charset="0"/>
-                <a:cs typeface="Calibri" panose="020F0502020204030204" pitchFamily="34" charset="0"/>
-              </a:rPr>
-              <a:t>	</a:t>
-            </a:r>
-            <a:r>
-              <a:rPr lang="en-US" sz="2800" i="1" dirty="0">
-                <a:latin typeface="Calibri" panose="020F0502020204030204" pitchFamily="34" charset="0"/>
-                <a:cs typeface="Calibri" panose="020F0502020204030204" pitchFamily="34" charset="0"/>
-              </a:rPr>
-              <a:t>take best action</a:t>
-            </a:r>
-            <a:endParaRPr lang="en-US" sz="2800" i="1" dirty="0"/>
-          </a:p>
-        </p:txBody>
-      </p:sp>
-      <p:sp>
-        <p:nvSpPr>
-          <p:cNvPr id="19" name="Textfeld 18">
-            <a:extLst>
-              <a:ext uri="{FF2B5EF4-FFF2-40B4-BE49-F238E27FC236}">
-                <a16:creationId xmlns:a16="http://schemas.microsoft.com/office/drawing/2014/main" id="{D43E4605-7BBF-42C9-B366-20A64B92066E}"/>
-              </a:ext>
-            </a:extLst>
-          </p:cNvPr>
-          <p:cNvSpPr txBox="1"/>
-          <p:nvPr/>
-        </p:nvSpPr>
-        <p:spPr>
-          <a:xfrm>
-            <a:off x="1447800" y="1257079"/>
-            <a:ext cx="10525125" cy="1200329"/>
-          </a:xfrm>
-          <a:prstGeom prst="rect">
-            <a:avLst/>
-          </a:prstGeom>
-          <a:noFill/>
-        </p:spPr>
-        <p:txBody>
-          <a:bodyPr wrap="square" rtlCol="0">
-            <a:spAutoFit/>
-          </a:bodyPr>
-          <a:lstStyle/>
-          <a:p>
-            <a:r>
-              <a:rPr lang="de-DE" sz="2400" dirty="0"/>
-              <a:t>Einfachste Idee:</a:t>
-            </a:r>
-          </a:p>
-          <a:p>
-            <a:r>
-              <a:rPr lang="de-DE" sz="2400" dirty="0"/>
-              <a:t>	Man wählt immer die beste Option und mit einer bestimmten 	Wahrscheinlichkeit eine zufällige</a:t>
-            </a:r>
-          </a:p>
-        </p:txBody>
-      </p:sp>
-    </p:spTree>
-    <p:extLst>
-      <p:ext uri="{BB962C8B-B14F-4D97-AF65-F5344CB8AC3E}">
-        <p14:creationId xmlns:p14="http://schemas.microsoft.com/office/powerpoint/2010/main" val="1500730287"/>
-      </p:ext>
-    </p:extLst>
-  </p:cSld>
-  <p:clrMapOvr>
-    <a:masterClrMapping/>
-  </p:clrMapOvr>
-</p:sld>
-</file>
-
-<file path=ppt/slides/slide11.xml><?xml version="1.0" encoding="utf-8"?>
-<p:sld xmlns:a="http://schemas.openxmlformats.org/drawingml/2006/main" xmlns:r="http://schemas.openxmlformats.org/officeDocument/2006/relationships" xmlns:p="http://schemas.openxmlformats.org/presentationml/2006/main">
-  <p:cSld>
-    <p:spTree>
-      <p:nvGrpSpPr>
-        <p:cNvPr id="1" name=""/>
-        <p:cNvGrpSpPr/>
-        <p:nvPr/>
-      </p:nvGrpSpPr>
-      <p:grpSpPr>
-        <a:xfrm>
-          <a:off x="0" y="0"/>
-          <a:ext cx="0" cy="0"/>
-          <a:chOff x="0" y="0"/>
-          <a:chExt cx="0" cy="0"/>
-        </a:xfrm>
-      </p:grpSpPr>
-      <p:sp>
-        <p:nvSpPr>
-          <p:cNvPr id="4" name="Rechteck 3">
-            <a:extLst>
-              <a:ext uri="{FF2B5EF4-FFF2-40B4-BE49-F238E27FC236}">
-                <a16:creationId xmlns:a16="http://schemas.microsoft.com/office/drawing/2014/main" id="{E25EF50D-F0CD-4727-AFB6-041294F40813}"/>
-              </a:ext>
-            </a:extLst>
-          </p:cNvPr>
-          <p:cNvSpPr/>
-          <p:nvPr/>
-        </p:nvSpPr>
-        <p:spPr>
-          <a:xfrm>
-            <a:off x="0" y="6350696"/>
-            <a:ext cx="10058400" cy="501573"/>
-          </a:xfrm>
-          <a:prstGeom prst="rect">
-            <a:avLst/>
-          </a:prstGeom>
-          <a:solidFill>
-            <a:schemeClr val="bg1">
-              <a:lumMod val="75000"/>
-            </a:schemeClr>
-          </a:solidFill>
-          <a:ln>
-            <a:solidFill>
-              <a:schemeClr val="bg1">
-                <a:lumMod val="75000"/>
-              </a:schemeClr>
-            </a:solidFill>
-          </a:ln>
-        </p:spPr>
-        <p:style>
-          <a:lnRef idx="2">
-            <a:schemeClr val="accent1">
-              <a:shade val="50000"/>
-            </a:schemeClr>
-          </a:lnRef>
-          <a:fillRef idx="1">
-            <a:schemeClr val="accent1"/>
-          </a:fillRef>
-          <a:effectRef idx="0">
-            <a:schemeClr val="accent1"/>
-          </a:effectRef>
-          <a:fontRef idx="minor">
-            <a:schemeClr val="lt1"/>
-          </a:fontRef>
-        </p:style>
-        <p:txBody>
-          <a:bodyPr rtlCol="0" anchor="ctr"/>
-          <a:lstStyle/>
-          <a:p>
-            <a:pPr algn="ctr"/>
-            <a:endParaRPr lang="en-US"/>
-          </a:p>
-        </p:txBody>
-      </p:sp>
-      <p:pic>
-        <p:nvPicPr>
-          <p:cNvPr id="5" name="Inhaltsplatzhalter 4">
-            <a:extLst>
-              <a:ext uri="{FF2B5EF4-FFF2-40B4-BE49-F238E27FC236}">
-                <a16:creationId xmlns:a16="http://schemas.microsoft.com/office/drawing/2014/main" id="{4A1327ED-C79B-4435-9F7D-BB034D66DF67}"/>
-              </a:ext>
-            </a:extLst>
-          </p:cNvPr>
-          <p:cNvPicPr>
-            <a:picLocks noChangeAspect="1"/>
-          </p:cNvPicPr>
-          <p:nvPr/>
-        </p:nvPicPr>
-        <p:blipFill>
-          <a:blip r:embed="rId2">
-            <a:extLst>
-              <a:ext uri="{28A0092B-C50C-407E-A947-70E740481C1C}">
-                <a14:useLocalDpi xmlns:a14="http://schemas.microsoft.com/office/drawing/2010/main" val="0"/>
-              </a:ext>
-              <a:ext uri="{96DAC541-7B7A-43D3-8B79-37D633B846F1}">
-                <asvg:svgBlip xmlns:asvg="http://schemas.microsoft.com/office/drawing/2016/SVG/main" r:embed="rId3"/>
-              </a:ext>
-            </a:extLst>
-          </a:blip>
-          <a:stretch>
-            <a:fillRect/>
-          </a:stretch>
-        </p:blipFill>
-        <p:spPr>
-          <a:xfrm>
-            <a:off x="9138258" y="5539232"/>
-            <a:ext cx="3053742" cy="1325563"/>
-          </a:xfrm>
-          <a:prstGeom prst="rect">
-            <a:avLst/>
-          </a:prstGeom>
-        </p:spPr>
-      </p:pic>
-      <p:grpSp>
-        <p:nvGrpSpPr>
-          <p:cNvPr id="8" name="Gruppieren 7">
-            <a:extLst>
-              <a:ext uri="{FF2B5EF4-FFF2-40B4-BE49-F238E27FC236}">
-                <a16:creationId xmlns:a16="http://schemas.microsoft.com/office/drawing/2014/main" id="{D12F6303-B64A-4DE0-9338-29C545E489D2}"/>
-              </a:ext>
-            </a:extLst>
-          </p:cNvPr>
-          <p:cNvGrpSpPr/>
-          <p:nvPr/>
-        </p:nvGrpSpPr>
-        <p:grpSpPr>
-          <a:xfrm>
-            <a:off x="0" y="-12526"/>
-            <a:ext cx="12192000" cy="588439"/>
-            <a:chOff x="0" y="-12526"/>
-            <a:chExt cx="12192000" cy="588439"/>
-          </a:xfrm>
-        </p:grpSpPr>
-        <p:sp>
-          <p:nvSpPr>
-            <p:cNvPr id="9" name="Rechteck 8">
-              <a:extLst>
-                <a:ext uri="{FF2B5EF4-FFF2-40B4-BE49-F238E27FC236}">
-                  <a16:creationId xmlns:a16="http://schemas.microsoft.com/office/drawing/2014/main" id="{7E0E77A4-3A23-433F-BE05-4662310BB904}"/>
-                </a:ext>
-              </a:extLst>
-            </p:cNvPr>
-            <p:cNvSpPr/>
-            <p:nvPr/>
-          </p:nvSpPr>
-          <p:spPr>
-            <a:xfrm>
-              <a:off x="0" y="-12526"/>
-              <a:ext cx="12192000" cy="501573"/>
-            </a:xfrm>
-            <a:prstGeom prst="rect">
-              <a:avLst/>
-            </a:prstGeom>
-            <a:solidFill>
-              <a:schemeClr val="bg1">
-                <a:lumMod val="65000"/>
-              </a:schemeClr>
-            </a:solidFill>
-            <a:ln>
-              <a:solidFill>
-                <a:schemeClr val="bg1">
-                  <a:lumMod val="75000"/>
-                </a:schemeClr>
-              </a:solidFill>
-            </a:ln>
-          </p:spPr>
-          <p:style>
-            <a:lnRef idx="2">
-              <a:schemeClr val="accent1">
-                <a:shade val="50000"/>
-              </a:schemeClr>
-            </a:lnRef>
-            <a:fillRef idx="1">
-              <a:schemeClr val="accent1"/>
-            </a:fillRef>
-            <a:effectRef idx="0">
-              <a:schemeClr val="accent1"/>
-            </a:effectRef>
-            <a:fontRef idx="minor">
-              <a:schemeClr val="lt1"/>
-            </a:fontRef>
-          </p:style>
-          <p:txBody>
-            <a:bodyPr rtlCol="0" anchor="ctr"/>
-            <a:lstStyle/>
-            <a:p>
-              <a:pPr algn="ctr"/>
-              <a:endParaRPr lang="en-US"/>
-            </a:p>
-          </p:txBody>
-        </p:sp>
-        <p:sp>
-          <p:nvSpPr>
-            <p:cNvPr id="10" name="Titel 1">
-              <a:extLst>
-                <a:ext uri="{FF2B5EF4-FFF2-40B4-BE49-F238E27FC236}">
-                  <a16:creationId xmlns:a16="http://schemas.microsoft.com/office/drawing/2014/main" id="{E30452C7-9ADA-4F64-A8E5-5A8C65FD6090}"/>
-                </a:ext>
-              </a:extLst>
-            </p:cNvPr>
-            <p:cNvSpPr txBox="1">
-              <a:spLocks/>
-            </p:cNvSpPr>
-            <p:nvPr/>
-          </p:nvSpPr>
-          <p:spPr>
-            <a:xfrm>
-              <a:off x="162045" y="74340"/>
-              <a:ext cx="9734309" cy="501573"/>
-            </a:xfrm>
-            <a:prstGeom prst="rect">
-              <a:avLst/>
-            </a:prstGeom>
-          </p:spPr>
-          <p:txBody>
-            <a:bodyPr vert="horz" lIns="91440" tIns="45720" rIns="91440" bIns="45720" rtlCol="0" anchor="ctr">
-              <a:normAutofit fontScale="82500" lnSpcReduction="20000"/>
-            </a:bodyPr>
-            <a:lstStyle>
-              <a:lvl1pPr algn="l" defTabSz="914400" rtl="0" eaLnBrk="1" latinLnBrk="0" hangingPunct="1">
-                <a:lnSpc>
-                  <a:spcPct val="90000"/>
-                </a:lnSpc>
-                <a:spcBef>
-                  <a:spcPct val="0"/>
-                </a:spcBef>
-                <a:buNone/>
-                <a:defRPr sz="4400" kern="1200">
-                  <a:solidFill>
-                    <a:schemeClr val="tx1"/>
-                  </a:solidFill>
-                  <a:latin typeface="+mj-lt"/>
-                  <a:ea typeface="+mj-ea"/>
-                  <a:cs typeface="+mj-cs"/>
-                </a:defRPr>
-              </a:lvl1pPr>
-            </a:lstStyle>
-            <a:p>
-              <a:r>
-                <a:rPr lang="en-US" b="1" dirty="0">
-                  <a:solidFill>
-                    <a:schemeClr val="bg1">
-                      <a:lumMod val="95000"/>
-                    </a:schemeClr>
-                  </a:solidFill>
-                </a:rPr>
-                <a:t>Selection strategy – </a:t>
-              </a:r>
-              <a:r>
-                <a:rPr lang="de-DE" b="1" dirty="0" err="1">
-                  <a:solidFill>
-                    <a:schemeClr val="bg1">
-                      <a:lumMod val="95000"/>
-                    </a:schemeClr>
-                  </a:solidFill>
-                  <a:latin typeface="Calibri" panose="020F0502020204030204" pitchFamily="34" charset="0"/>
-                  <a:cs typeface="Calibri" panose="020F0502020204030204" pitchFamily="34" charset="0"/>
-                </a:rPr>
-                <a:t>Softmax</a:t>
-              </a:r>
-              <a:endParaRPr lang="en-US" b="1" dirty="0">
-                <a:solidFill>
-                  <a:schemeClr val="bg1">
-                    <a:lumMod val="95000"/>
-                  </a:schemeClr>
-                </a:solidFill>
-              </a:endParaRPr>
-            </a:p>
-          </p:txBody>
-        </p:sp>
-      </p:grpSp>
-      <mc:AlternateContent xmlns:mc="http://schemas.openxmlformats.org/markup-compatibility/2006">
-        <mc:Choice xmlns:a14="http://schemas.microsoft.com/office/drawing/2010/main" Requires="a14">
-          <p:sp>
-            <p:nvSpPr>
-              <p:cNvPr id="2" name="Textfeld 1">
-                <a:extLst>
-                  <a:ext uri="{FF2B5EF4-FFF2-40B4-BE49-F238E27FC236}">
-                    <a16:creationId xmlns:a16="http://schemas.microsoft.com/office/drawing/2014/main" id="{3B928A9F-E336-430F-BADE-A096F6DD6B40}"/>
-                  </a:ext>
-                </a:extLst>
-              </p:cNvPr>
-              <p:cNvSpPr txBox="1"/>
-              <p:nvPr/>
-            </p:nvSpPr>
-            <p:spPr>
-              <a:xfrm>
-                <a:off x="3785849" y="2856106"/>
-                <a:ext cx="4048801" cy="1627753"/>
-              </a:xfrm>
-              <a:prstGeom prst="rect">
-                <a:avLst/>
-              </a:prstGeom>
-              <a:noFill/>
-            </p:spPr>
-            <p:txBody>
-              <a:bodyPr wrap="none" rtlCol="0">
-                <a:spAutoFit/>
-              </a:bodyPr>
-              <a:lstStyle/>
-              <a:p>
-                <a14:m>
-                  <m:oMathPara xmlns:m="http://schemas.openxmlformats.org/officeDocument/2006/math">
-                    <m:oMathParaPr>
-                      <m:jc m:val="centerGroup"/>
-                    </m:oMathParaPr>
-                    <m:oMath xmlns:m="http://schemas.openxmlformats.org/officeDocument/2006/math">
-                      <m:r>
-                        <a:rPr lang="de-DE" sz="4000" b="0" i="1" smtClean="0">
-                          <a:latin typeface="Cambria Math" panose="02040503050406030204" pitchFamily="18" charset="0"/>
-                        </a:rPr>
-                        <m:t>𝑃</m:t>
-                      </m:r>
-                      <m:d>
-                        <m:dPr>
-                          <m:ctrlPr>
-                            <a:rPr lang="de-DE" sz="4000" b="0" i="1" smtClean="0">
-                              <a:latin typeface="Cambria Math" panose="02040503050406030204" pitchFamily="18" charset="0"/>
-                            </a:rPr>
-                          </m:ctrlPr>
-                        </m:dPr>
-                        <m:e>
-                          <m:sSub>
-                            <m:sSubPr>
-                              <m:ctrlPr>
-                                <a:rPr lang="de-DE" sz="4000" b="0" i="1" smtClean="0">
-                                  <a:latin typeface="Cambria Math" panose="02040503050406030204" pitchFamily="18" charset="0"/>
-                                </a:rPr>
-                              </m:ctrlPr>
-                            </m:sSubPr>
-                            <m:e>
-                              <m:r>
-                                <a:rPr lang="de-DE" sz="4000" b="0" i="1" smtClean="0">
-                                  <a:latin typeface="Cambria Math" panose="02040503050406030204" pitchFamily="18" charset="0"/>
-                                </a:rPr>
-                                <m:t>𝑎</m:t>
-                              </m:r>
-                            </m:e>
-                            <m:sub>
-                              <m:r>
-                                <a:rPr lang="de-DE" sz="4000" b="0" i="1" smtClean="0">
-                                  <a:latin typeface="Cambria Math" panose="02040503050406030204" pitchFamily="18" charset="0"/>
-                                </a:rPr>
-                                <m:t>𝑖</m:t>
-                              </m:r>
-                            </m:sub>
-                          </m:sSub>
-                        </m:e>
-                      </m:d>
-                      <m:r>
-                        <a:rPr lang="de-DE" sz="4000" b="0" i="1" smtClean="0">
-                          <a:latin typeface="Cambria Math" panose="02040503050406030204" pitchFamily="18" charset="0"/>
-                        </a:rPr>
-                        <m:t>=</m:t>
-                      </m:r>
-                      <m:f>
-                        <m:fPr>
-                          <m:ctrlPr>
-                            <a:rPr lang="de-DE" sz="4000" i="1" smtClean="0">
-                              <a:latin typeface="Cambria Math" panose="02040503050406030204" pitchFamily="18" charset="0"/>
-                            </a:rPr>
-                          </m:ctrlPr>
-                        </m:fPr>
-                        <m:num>
-                          <m:sSup>
-                            <m:sSupPr>
-                              <m:ctrlPr>
-                                <a:rPr lang="de-DE" sz="4000" i="1" smtClean="0">
-                                  <a:latin typeface="Cambria Math" panose="02040503050406030204" pitchFamily="18" charset="0"/>
-                                </a:rPr>
-                              </m:ctrlPr>
-                            </m:sSupPr>
-                            <m:e>
-                              <m:r>
-                                <a:rPr lang="de-DE" sz="4000" b="0" i="1" smtClean="0">
-                                  <a:latin typeface="Cambria Math" panose="02040503050406030204" pitchFamily="18" charset="0"/>
-                                </a:rPr>
-                                <m:t>𝑒</m:t>
-                              </m:r>
-                            </m:e>
-                            <m:sup>
-                              <m:sSub>
-                                <m:sSubPr>
-                                  <m:ctrlPr>
-                                    <a:rPr lang="de-DE" sz="4000" i="1">
-                                      <a:latin typeface="Cambria Math" panose="02040503050406030204" pitchFamily="18" charset="0"/>
-                                    </a:rPr>
-                                  </m:ctrlPr>
-                                </m:sSubPr>
-                                <m:e>
-                                  <m:r>
-                                    <a:rPr lang="de-DE" sz="4000" b="0" i="1" smtClean="0">
-                                      <a:latin typeface="Cambria Math" panose="02040503050406030204" pitchFamily="18" charset="0"/>
-                                    </a:rPr>
-                                    <m:t>𝑣</m:t>
-                                  </m:r>
-                                  <m:r>
-                                    <a:rPr lang="de-DE" sz="4000" b="0" i="1" smtClean="0">
-                                      <a:latin typeface="Cambria Math" panose="02040503050406030204" pitchFamily="18" charset="0"/>
-                                    </a:rPr>
-                                    <m:t>(</m:t>
-                                  </m:r>
-                                  <m:r>
-                                    <a:rPr lang="de-DE" sz="4000" b="0" i="1" smtClean="0">
-                                      <a:latin typeface="Cambria Math" panose="02040503050406030204" pitchFamily="18" charset="0"/>
-                                    </a:rPr>
-                                    <m:t>𝑎</m:t>
-                                  </m:r>
-                                </m:e>
-                                <m:sub>
-                                  <m:r>
-                                    <a:rPr lang="de-DE" sz="4000" i="1">
-                                      <a:latin typeface="Cambria Math" panose="02040503050406030204" pitchFamily="18" charset="0"/>
-                                    </a:rPr>
-                                    <m:t>𝑖</m:t>
-                                  </m:r>
-                                </m:sub>
-                              </m:sSub>
-                              <m:r>
-                                <a:rPr lang="de-DE" sz="4000" b="0" i="1" smtClean="0">
-                                  <a:latin typeface="Cambria Math" panose="02040503050406030204" pitchFamily="18" charset="0"/>
-                                </a:rPr>
-                                <m:t>)</m:t>
-                              </m:r>
-                            </m:sup>
-                          </m:sSup>
-                        </m:num>
-                        <m:den>
-                          <m:nary>
-                            <m:naryPr>
-                              <m:chr m:val="∑"/>
-                              <m:supHide m:val="on"/>
-                              <m:ctrlPr>
-                                <a:rPr lang="de-DE" sz="4000" i="1" smtClean="0">
-                                  <a:latin typeface="Cambria Math" panose="02040503050406030204" pitchFamily="18" charset="0"/>
-                                </a:rPr>
-                              </m:ctrlPr>
-                            </m:naryPr>
-                            <m:sub>
-                              <m:r>
-                                <a:rPr lang="de-DE" sz="4000" b="0" i="1" smtClean="0">
-                                  <a:latin typeface="Cambria Math" panose="02040503050406030204" pitchFamily="18" charset="0"/>
-                                </a:rPr>
-                                <m:t>𝑗</m:t>
-                              </m:r>
-                            </m:sub>
-                            <m:sup/>
-                            <m:e>
-                              <m:sSup>
-                                <m:sSupPr>
-                                  <m:ctrlPr>
-                                    <a:rPr lang="de-DE" sz="4000" i="1" smtClean="0">
-                                      <a:latin typeface="Cambria Math" panose="02040503050406030204" pitchFamily="18" charset="0"/>
-                                    </a:rPr>
-                                  </m:ctrlPr>
-                                </m:sSupPr>
-                                <m:e>
-                                  <m:r>
-                                    <a:rPr lang="de-DE" sz="4000" b="0" i="1" smtClean="0">
-                                      <a:latin typeface="Cambria Math" panose="02040503050406030204" pitchFamily="18" charset="0"/>
-                                    </a:rPr>
-                                    <m:t>𝑒</m:t>
-                                  </m:r>
-                                </m:e>
-                                <m:sup>
-                                  <m:r>
-                                    <a:rPr lang="de-DE" sz="4000" b="0" i="1" smtClean="0">
-                                      <a:latin typeface="Cambria Math" panose="02040503050406030204" pitchFamily="18" charset="0"/>
-                                    </a:rPr>
-                                    <m:t>𝑣</m:t>
-                                  </m:r>
-                                  <m:r>
-                                    <a:rPr lang="de-DE" sz="4000" b="0" i="1" smtClean="0">
-                                      <a:latin typeface="Cambria Math" panose="02040503050406030204" pitchFamily="18" charset="0"/>
-                                    </a:rPr>
-                                    <m:t>(</m:t>
-                                  </m:r>
-                                  <m:sSub>
-                                    <m:sSubPr>
-                                      <m:ctrlPr>
-                                        <a:rPr lang="de-DE" sz="4000" i="1" smtClean="0">
-                                          <a:latin typeface="Cambria Math" panose="02040503050406030204" pitchFamily="18" charset="0"/>
-                                        </a:rPr>
-                                      </m:ctrlPr>
-                                    </m:sSubPr>
-                                    <m:e>
-                                      <m:r>
-                                        <a:rPr lang="de-DE" sz="4000" b="0" i="1" smtClean="0">
-                                          <a:latin typeface="Cambria Math" panose="02040503050406030204" pitchFamily="18" charset="0"/>
-                                        </a:rPr>
-                                        <m:t>𝑎</m:t>
-                                      </m:r>
-                                    </m:e>
-                                    <m:sub>
-                                      <m:r>
-                                        <a:rPr lang="de-DE" sz="4000" b="0" i="1" smtClean="0">
-                                          <a:latin typeface="Cambria Math" panose="02040503050406030204" pitchFamily="18" charset="0"/>
-                                        </a:rPr>
-                                        <m:t>𝑗</m:t>
-                                      </m:r>
-                                    </m:sub>
-                                  </m:sSub>
-                                  <m:r>
-                                    <a:rPr lang="de-DE" sz="4000" b="0" i="1" smtClean="0">
-                                      <a:latin typeface="Cambria Math" panose="02040503050406030204" pitchFamily="18" charset="0"/>
-                                    </a:rPr>
-                                    <m:t>)</m:t>
-                                  </m:r>
-                                </m:sup>
-                              </m:sSup>
-                            </m:e>
-                          </m:nary>
-                        </m:den>
-                      </m:f>
-                    </m:oMath>
-                  </m:oMathPara>
-                </a14:m>
-                <a:endParaRPr lang="de-DE" dirty="0"/>
-              </a:p>
-            </p:txBody>
-          </p:sp>
-        </mc:Choice>
-        <mc:Fallback>
-          <p:sp>
-            <p:nvSpPr>
-              <p:cNvPr id="2" name="Textfeld 1">
-                <a:extLst>
-                  <a:ext uri="{FF2B5EF4-FFF2-40B4-BE49-F238E27FC236}">
-                    <a16:creationId xmlns:a16="http://schemas.microsoft.com/office/drawing/2014/main" id="{3B928A9F-E336-430F-BADE-A096F6DD6B40}"/>
-                  </a:ext>
-                </a:extLst>
-              </p:cNvPr>
-              <p:cNvSpPr txBox="1">
-                <a:spLocks noRot="1" noChangeAspect="1" noMove="1" noResize="1" noEditPoints="1" noAdjustHandles="1" noChangeArrowheads="1" noChangeShapeType="1" noTextEdit="1"/>
-              </p:cNvSpPr>
-              <p:nvPr/>
-            </p:nvSpPr>
-            <p:spPr>
-              <a:xfrm>
-                <a:off x="3785849" y="2856106"/>
-                <a:ext cx="4048801" cy="1627753"/>
-              </a:xfrm>
-              <a:prstGeom prst="rect">
-                <a:avLst/>
-              </a:prstGeom>
-              <a:blipFill>
-                <a:blip r:embed="rId4"/>
-                <a:stretch>
-                  <a:fillRect/>
-                </a:stretch>
-              </a:blipFill>
-            </p:spPr>
-            <p:txBody>
-              <a:bodyPr/>
-              <a:lstStyle/>
-              <a:p>
-                <a:r>
-                  <a:rPr lang="de-DE">
-                    <a:noFill/>
-                  </a:rPr>
-                  <a:t> </a:t>
-                </a:r>
-              </a:p>
-            </p:txBody>
-          </p:sp>
-        </mc:Fallback>
-      </mc:AlternateContent>
-      <p:sp>
-        <p:nvSpPr>
-          <p:cNvPr id="23" name="Textfeld 22">
-            <a:extLst>
-              <a:ext uri="{FF2B5EF4-FFF2-40B4-BE49-F238E27FC236}">
-                <a16:creationId xmlns:a16="http://schemas.microsoft.com/office/drawing/2014/main" id="{B86D725C-F28F-4A3D-BE3F-DE6F2F22603C}"/>
-              </a:ext>
-            </a:extLst>
-          </p:cNvPr>
-          <p:cNvSpPr txBox="1"/>
-          <p:nvPr/>
-        </p:nvSpPr>
-        <p:spPr>
-          <a:xfrm>
-            <a:off x="1333500" y="1300511"/>
-            <a:ext cx="10525125" cy="830997"/>
-          </a:xfrm>
-          <a:prstGeom prst="rect">
-            <a:avLst/>
-          </a:prstGeom>
-          <a:noFill/>
-        </p:spPr>
-        <p:txBody>
-          <a:bodyPr wrap="square" rtlCol="0">
-            <a:spAutoFit/>
-          </a:bodyPr>
-          <a:lstStyle/>
-          <a:p>
-            <a:r>
-              <a:rPr lang="de-DE" sz="2400" dirty="0"/>
-              <a:t>Idee:</a:t>
-            </a:r>
-          </a:p>
-          <a:p>
-            <a:r>
-              <a:rPr lang="de-DE" sz="2400" dirty="0"/>
-              <a:t>	Je besser eine Aktion ist umso wahrscheinlicher wird sie</a:t>
-            </a:r>
-          </a:p>
-        </p:txBody>
-      </p:sp>
-    </p:spTree>
-    <p:extLst>
-      <p:ext uri="{BB962C8B-B14F-4D97-AF65-F5344CB8AC3E}">
-        <p14:creationId xmlns:p14="http://schemas.microsoft.com/office/powerpoint/2010/main" val="2046292443"/>
-      </p:ext>
-    </p:extLst>
-  </p:cSld>
-  <p:clrMapOvr>
-    <a:masterClrMapping/>
-  </p:clrMapOvr>
-</p:sld>
-</file>
-
-<file path=ppt/slides/slide12.xml><?xml version="1.0" encoding="utf-8"?>
-<p:sld xmlns:a="http://schemas.openxmlformats.org/drawingml/2006/main" xmlns:r="http://schemas.openxmlformats.org/officeDocument/2006/relationships" xmlns:p="http://schemas.openxmlformats.org/presentationml/2006/main">
-  <p:cSld>
-    <p:spTree>
-      <p:nvGrpSpPr>
-        <p:cNvPr id="1" name=""/>
-        <p:cNvGrpSpPr/>
-        <p:nvPr/>
-      </p:nvGrpSpPr>
-      <p:grpSpPr>
-        <a:xfrm>
-          <a:off x="0" y="0"/>
-          <a:ext cx="0" cy="0"/>
-          <a:chOff x="0" y="0"/>
-          <a:chExt cx="0" cy="0"/>
-        </a:xfrm>
-      </p:grpSpPr>
-      <p:sp>
-        <p:nvSpPr>
-          <p:cNvPr id="4" name="Rechteck 3">
-            <a:extLst>
-              <a:ext uri="{FF2B5EF4-FFF2-40B4-BE49-F238E27FC236}">
-                <a16:creationId xmlns:a16="http://schemas.microsoft.com/office/drawing/2014/main" id="{E25EF50D-F0CD-4727-AFB6-041294F40813}"/>
-              </a:ext>
-            </a:extLst>
-          </p:cNvPr>
-          <p:cNvSpPr/>
-          <p:nvPr/>
-        </p:nvSpPr>
-        <p:spPr>
-          <a:xfrm>
-            <a:off x="0" y="6350696"/>
-            <a:ext cx="10058400" cy="501573"/>
-          </a:xfrm>
-          <a:prstGeom prst="rect">
-            <a:avLst/>
-          </a:prstGeom>
-          <a:solidFill>
-            <a:schemeClr val="bg1">
-              <a:lumMod val="75000"/>
-            </a:schemeClr>
-          </a:solidFill>
-          <a:ln>
-            <a:solidFill>
-              <a:schemeClr val="bg1">
-                <a:lumMod val="75000"/>
-              </a:schemeClr>
-            </a:solidFill>
-          </a:ln>
-        </p:spPr>
-        <p:style>
-          <a:lnRef idx="2">
-            <a:schemeClr val="accent1">
-              <a:shade val="50000"/>
-            </a:schemeClr>
-          </a:lnRef>
-          <a:fillRef idx="1">
-            <a:schemeClr val="accent1"/>
-          </a:fillRef>
-          <a:effectRef idx="0">
-            <a:schemeClr val="accent1"/>
-          </a:effectRef>
-          <a:fontRef idx="minor">
-            <a:schemeClr val="lt1"/>
-          </a:fontRef>
-        </p:style>
-        <p:txBody>
-          <a:bodyPr rtlCol="0" anchor="ctr"/>
-          <a:lstStyle/>
-          <a:p>
-            <a:pPr algn="ctr"/>
-            <a:endParaRPr lang="en-US"/>
-          </a:p>
-        </p:txBody>
-      </p:sp>
-      <p:pic>
-        <p:nvPicPr>
-          <p:cNvPr id="5" name="Inhaltsplatzhalter 4">
-            <a:extLst>
-              <a:ext uri="{FF2B5EF4-FFF2-40B4-BE49-F238E27FC236}">
-                <a16:creationId xmlns:a16="http://schemas.microsoft.com/office/drawing/2014/main" id="{4A1327ED-C79B-4435-9F7D-BB034D66DF67}"/>
-              </a:ext>
-            </a:extLst>
-          </p:cNvPr>
-          <p:cNvPicPr>
-            <a:picLocks noChangeAspect="1"/>
-          </p:cNvPicPr>
-          <p:nvPr/>
-        </p:nvPicPr>
-        <p:blipFill>
-          <a:blip r:embed="rId2">
-            <a:extLst>
-              <a:ext uri="{28A0092B-C50C-407E-A947-70E740481C1C}">
-                <a14:useLocalDpi xmlns:a14="http://schemas.microsoft.com/office/drawing/2010/main" val="0"/>
-              </a:ext>
-              <a:ext uri="{96DAC541-7B7A-43D3-8B79-37D633B846F1}">
-                <asvg:svgBlip xmlns:asvg="http://schemas.microsoft.com/office/drawing/2016/SVG/main" r:embed="rId3"/>
-              </a:ext>
-            </a:extLst>
-          </a:blip>
-          <a:stretch>
-            <a:fillRect/>
-          </a:stretch>
-        </p:blipFill>
-        <p:spPr>
-          <a:xfrm>
-            <a:off x="9138258" y="5539232"/>
-            <a:ext cx="3053742" cy="1325563"/>
-          </a:xfrm>
-          <a:prstGeom prst="rect">
-            <a:avLst/>
-          </a:prstGeom>
-        </p:spPr>
-      </p:pic>
-      <p:grpSp>
-        <p:nvGrpSpPr>
-          <p:cNvPr id="8" name="Gruppieren 7">
-            <a:extLst>
-              <a:ext uri="{FF2B5EF4-FFF2-40B4-BE49-F238E27FC236}">
-                <a16:creationId xmlns:a16="http://schemas.microsoft.com/office/drawing/2014/main" id="{D12F6303-B64A-4DE0-9338-29C545E489D2}"/>
-              </a:ext>
-            </a:extLst>
-          </p:cNvPr>
-          <p:cNvGrpSpPr/>
-          <p:nvPr/>
-        </p:nvGrpSpPr>
-        <p:grpSpPr>
-          <a:xfrm>
-            <a:off x="0" y="-12526"/>
-            <a:ext cx="12192000" cy="588439"/>
-            <a:chOff x="0" y="-12526"/>
-            <a:chExt cx="12192000" cy="588439"/>
-          </a:xfrm>
-        </p:grpSpPr>
-        <p:sp>
-          <p:nvSpPr>
-            <p:cNvPr id="9" name="Rechteck 8">
-              <a:extLst>
-                <a:ext uri="{FF2B5EF4-FFF2-40B4-BE49-F238E27FC236}">
-                  <a16:creationId xmlns:a16="http://schemas.microsoft.com/office/drawing/2014/main" id="{7E0E77A4-3A23-433F-BE05-4662310BB904}"/>
-                </a:ext>
-              </a:extLst>
-            </p:cNvPr>
-            <p:cNvSpPr/>
-            <p:nvPr/>
-          </p:nvSpPr>
-          <p:spPr>
-            <a:xfrm>
-              <a:off x="0" y="-12526"/>
-              <a:ext cx="12192000" cy="501573"/>
-            </a:xfrm>
-            <a:prstGeom prst="rect">
-              <a:avLst/>
-            </a:prstGeom>
-            <a:solidFill>
-              <a:schemeClr val="bg1">
-                <a:lumMod val="65000"/>
-              </a:schemeClr>
-            </a:solidFill>
-            <a:ln>
-              <a:solidFill>
-                <a:schemeClr val="bg1">
-                  <a:lumMod val="75000"/>
-                </a:schemeClr>
-              </a:solidFill>
-            </a:ln>
-          </p:spPr>
-          <p:style>
-            <a:lnRef idx="2">
-              <a:schemeClr val="accent1">
-                <a:shade val="50000"/>
-              </a:schemeClr>
-            </a:lnRef>
-            <a:fillRef idx="1">
-              <a:schemeClr val="accent1"/>
-            </a:fillRef>
-            <a:effectRef idx="0">
-              <a:schemeClr val="accent1"/>
-            </a:effectRef>
-            <a:fontRef idx="minor">
-              <a:schemeClr val="lt1"/>
-            </a:fontRef>
-          </p:style>
-          <p:txBody>
-            <a:bodyPr rtlCol="0" anchor="ctr"/>
-            <a:lstStyle/>
-            <a:p>
-              <a:pPr algn="ctr"/>
-              <a:endParaRPr lang="en-US"/>
-            </a:p>
-          </p:txBody>
-        </p:sp>
-        <p:sp>
-          <p:nvSpPr>
-            <p:cNvPr id="10" name="Titel 1">
-              <a:extLst>
-                <a:ext uri="{FF2B5EF4-FFF2-40B4-BE49-F238E27FC236}">
-                  <a16:creationId xmlns:a16="http://schemas.microsoft.com/office/drawing/2014/main" id="{E30452C7-9ADA-4F64-A8E5-5A8C65FD6090}"/>
-                </a:ext>
-              </a:extLst>
-            </p:cNvPr>
-            <p:cNvSpPr txBox="1">
-              <a:spLocks/>
-            </p:cNvSpPr>
-            <p:nvPr/>
-          </p:nvSpPr>
-          <p:spPr>
-            <a:xfrm>
-              <a:off x="162045" y="74340"/>
-              <a:ext cx="9734309" cy="501573"/>
-            </a:xfrm>
-            <a:prstGeom prst="rect">
-              <a:avLst/>
-            </a:prstGeom>
-          </p:spPr>
-          <p:txBody>
-            <a:bodyPr vert="horz" lIns="91440" tIns="45720" rIns="91440" bIns="45720" rtlCol="0" anchor="ctr">
-              <a:normAutofit fontScale="82500" lnSpcReduction="20000"/>
-            </a:bodyPr>
-            <a:lstStyle>
-              <a:lvl1pPr algn="l" defTabSz="914400" rtl="0" eaLnBrk="1" latinLnBrk="0" hangingPunct="1">
-                <a:lnSpc>
-                  <a:spcPct val="90000"/>
-                </a:lnSpc>
-                <a:spcBef>
-                  <a:spcPct val="0"/>
-                </a:spcBef>
-                <a:buNone/>
-                <a:defRPr sz="4400" kern="1200">
-                  <a:solidFill>
-                    <a:schemeClr val="tx1"/>
-                  </a:solidFill>
-                  <a:latin typeface="+mj-lt"/>
-                  <a:ea typeface="+mj-ea"/>
-                  <a:cs typeface="+mj-cs"/>
-                </a:defRPr>
-              </a:lvl1pPr>
-            </a:lstStyle>
-            <a:p>
-              <a:r>
-                <a:rPr lang="en-US" b="1" dirty="0">
-                  <a:solidFill>
-                    <a:schemeClr val="bg1">
-                      <a:lumMod val="95000"/>
-                    </a:schemeClr>
-                  </a:solidFill>
-                </a:rPr>
-                <a:t>Selection strategy – </a:t>
-              </a:r>
-              <a:r>
-                <a:rPr lang="de-DE" b="1" dirty="0" err="1">
-                  <a:solidFill>
-                    <a:schemeClr val="bg1">
-                      <a:lumMod val="95000"/>
-                    </a:schemeClr>
-                  </a:solidFill>
-                  <a:latin typeface="Calibri" panose="020F0502020204030204" pitchFamily="34" charset="0"/>
-                  <a:cs typeface="Calibri" panose="020F0502020204030204" pitchFamily="34" charset="0"/>
-                </a:rPr>
-                <a:t>Softmax</a:t>
-              </a:r>
-              <a:endParaRPr lang="en-US" b="1" dirty="0">
-                <a:solidFill>
-                  <a:schemeClr val="bg1">
-                    <a:lumMod val="95000"/>
-                  </a:schemeClr>
-                </a:solidFill>
-              </a:endParaRPr>
-            </a:p>
-          </p:txBody>
-        </p:sp>
-      </p:grpSp>
-    </p:spTree>
-    <p:extLst>
-      <p:ext uri="{BB962C8B-B14F-4D97-AF65-F5344CB8AC3E}">
-        <p14:creationId xmlns:p14="http://schemas.microsoft.com/office/powerpoint/2010/main" val="1675804312"/>
-      </p:ext>
-    </p:extLst>
-  </p:cSld>
-  <p:clrMapOvr>
-    <a:masterClrMapping/>
-  </p:clrMapOvr>
-</p:sld>
-</file>
-
-<file path=ppt/slides/slide13.xml><?xml version="1.0" encoding="utf-8"?>
-<p:sld xmlns:a="http://schemas.openxmlformats.org/drawingml/2006/main" xmlns:r="http://schemas.openxmlformats.org/officeDocument/2006/relationships" xmlns:p="http://schemas.openxmlformats.org/presentationml/2006/main">
-  <p:cSld>
-    <p:spTree>
-      <p:nvGrpSpPr>
-        <p:cNvPr id="1" name=""/>
-        <p:cNvGrpSpPr/>
-        <p:nvPr/>
-      </p:nvGrpSpPr>
-      <p:grpSpPr>
-        <a:xfrm>
-          <a:off x="0" y="0"/>
-          <a:ext cx="0" cy="0"/>
-          <a:chOff x="0" y="0"/>
-          <a:chExt cx="0" cy="0"/>
-        </a:xfrm>
-      </p:grpSpPr>
-      <p:sp>
-        <p:nvSpPr>
-          <p:cNvPr id="2" name="Titel 1">
-            <a:extLst>
-              <a:ext uri="{FF2B5EF4-FFF2-40B4-BE49-F238E27FC236}">
-                <a16:creationId xmlns:a16="http://schemas.microsoft.com/office/drawing/2014/main" id="{CE787B25-9DB3-4CF5-AD94-E3378A137150}"/>
-              </a:ext>
-            </a:extLst>
-          </p:cNvPr>
-          <p:cNvSpPr>
-            <a:spLocks noGrp="1"/>
-          </p:cNvSpPr>
-          <p:nvPr>
-            <p:ph type="title"/>
-          </p:nvPr>
-        </p:nvSpPr>
-        <p:spPr/>
-        <p:txBody>
-          <a:bodyPr/>
-          <a:lstStyle/>
-          <a:p>
-            <a:endParaRPr lang="de-DE"/>
-          </a:p>
-        </p:txBody>
-      </p:sp>
-      <p:sp>
-        <p:nvSpPr>
-          <p:cNvPr id="3" name="Inhaltsplatzhalter 2">
-            <a:extLst>
-              <a:ext uri="{FF2B5EF4-FFF2-40B4-BE49-F238E27FC236}">
-                <a16:creationId xmlns:a16="http://schemas.microsoft.com/office/drawing/2014/main" id="{0BD80818-1CA7-4256-8A7A-C0645BF9737B}"/>
-              </a:ext>
-            </a:extLst>
-          </p:cNvPr>
-          <p:cNvSpPr>
-            <a:spLocks noGrp="1"/>
-          </p:cNvSpPr>
-          <p:nvPr>
-            <p:ph idx="1"/>
-          </p:nvPr>
-        </p:nvSpPr>
-        <p:spPr/>
-        <p:txBody>
-          <a:bodyPr/>
-          <a:lstStyle/>
-          <a:p>
-            <a:endParaRPr lang="de-DE"/>
-          </a:p>
-        </p:txBody>
-      </p:sp>
-      <p:sp>
-        <p:nvSpPr>
-          <p:cNvPr id="4" name="Rechteck 3">
-            <a:extLst>
-              <a:ext uri="{FF2B5EF4-FFF2-40B4-BE49-F238E27FC236}">
-                <a16:creationId xmlns:a16="http://schemas.microsoft.com/office/drawing/2014/main" id="{E25EF50D-F0CD-4727-AFB6-041294F40813}"/>
-              </a:ext>
-            </a:extLst>
-          </p:cNvPr>
-          <p:cNvSpPr/>
-          <p:nvPr/>
-        </p:nvSpPr>
-        <p:spPr>
-          <a:xfrm>
-            <a:off x="0" y="6350696"/>
-            <a:ext cx="10058400" cy="501573"/>
-          </a:xfrm>
-          <a:prstGeom prst="rect">
-            <a:avLst/>
-          </a:prstGeom>
-          <a:solidFill>
-            <a:schemeClr val="bg1">
-              <a:lumMod val="75000"/>
-            </a:schemeClr>
-          </a:solidFill>
-          <a:ln>
-            <a:solidFill>
-              <a:schemeClr val="bg1">
-                <a:lumMod val="75000"/>
-              </a:schemeClr>
-            </a:solidFill>
-          </a:ln>
-        </p:spPr>
-        <p:style>
-          <a:lnRef idx="2">
-            <a:schemeClr val="accent1">
-              <a:shade val="50000"/>
-            </a:schemeClr>
-          </a:lnRef>
-          <a:fillRef idx="1">
-            <a:schemeClr val="accent1"/>
-          </a:fillRef>
-          <a:effectRef idx="0">
-            <a:schemeClr val="accent1"/>
-          </a:effectRef>
-          <a:fontRef idx="minor">
-            <a:schemeClr val="lt1"/>
-          </a:fontRef>
-        </p:style>
-        <p:txBody>
-          <a:bodyPr rtlCol="0" anchor="ctr"/>
-          <a:lstStyle/>
-          <a:p>
-            <a:pPr algn="ctr"/>
-            <a:endParaRPr lang="de-DE"/>
-          </a:p>
-        </p:txBody>
-      </p:sp>
-      <p:pic>
-        <p:nvPicPr>
-          <p:cNvPr id="5" name="Inhaltsplatzhalter 4">
-            <a:extLst>
-              <a:ext uri="{FF2B5EF4-FFF2-40B4-BE49-F238E27FC236}">
-                <a16:creationId xmlns:a16="http://schemas.microsoft.com/office/drawing/2014/main" id="{4A1327ED-C79B-4435-9F7D-BB034D66DF67}"/>
-              </a:ext>
-            </a:extLst>
-          </p:cNvPr>
-          <p:cNvPicPr>
-            <a:picLocks noChangeAspect="1"/>
-          </p:cNvPicPr>
-          <p:nvPr/>
-        </p:nvPicPr>
-        <p:blipFill>
-          <a:blip r:embed="rId2">
-            <a:extLst>
-              <a:ext uri="{28A0092B-C50C-407E-A947-70E740481C1C}">
-                <a14:useLocalDpi xmlns:a14="http://schemas.microsoft.com/office/drawing/2010/main" val="0"/>
-              </a:ext>
-              <a:ext uri="{96DAC541-7B7A-43D3-8B79-37D633B846F1}">
-                <asvg:svgBlip xmlns:asvg="http://schemas.microsoft.com/office/drawing/2016/SVG/main" r:embed="rId3"/>
-              </a:ext>
-            </a:extLst>
-          </a:blip>
-          <a:stretch>
-            <a:fillRect/>
-          </a:stretch>
-        </p:blipFill>
-        <p:spPr>
-          <a:xfrm>
-            <a:off x="9138258" y="5539232"/>
-            <a:ext cx="3053742" cy="1325563"/>
-          </a:xfrm>
-          <a:prstGeom prst="rect">
-            <a:avLst/>
-          </a:prstGeom>
-        </p:spPr>
-      </p:pic>
-    </p:spTree>
-    <p:extLst>
-      <p:ext uri="{BB962C8B-B14F-4D97-AF65-F5344CB8AC3E}">
-        <p14:creationId xmlns:p14="http://schemas.microsoft.com/office/powerpoint/2010/main" val="2132712095"/>
-      </p:ext>
-    </p:extLst>
-  </p:cSld>
-  <p:clrMapOvr>
-    <a:masterClrMapping/>
-  </p:clrMapOvr>
-</p:sld>
-</file>
-
-<file path=ppt/slides/slide2.xml><?xml version="1.0" encoding="utf-8"?>
-<p:sld xmlns:a="http://schemas.openxmlformats.org/drawingml/2006/main" xmlns:r="http://schemas.openxmlformats.org/officeDocument/2006/relationships" xmlns:p="http://schemas.openxmlformats.org/presentationml/2006/main">
-  <p:cSld>
-    <p:spTree>
-      <p:nvGrpSpPr>
-        <p:cNvPr id="1" name=""/>
-        <p:cNvGrpSpPr/>
-        <p:nvPr/>
-      </p:nvGrpSpPr>
-      <p:grpSpPr>
-        <a:xfrm>
-          <a:off x="0" y="0"/>
-          <a:ext cx="0" cy="0"/>
-          <a:chOff x="0" y="0"/>
-          <a:chExt cx="0" cy="0"/>
-        </a:xfrm>
-      </p:grpSpPr>
-      <p:sp>
-        <p:nvSpPr>
-          <p:cNvPr id="3" name="Inhaltsplatzhalter 2">
-            <a:extLst>
-              <a:ext uri="{FF2B5EF4-FFF2-40B4-BE49-F238E27FC236}">
-                <a16:creationId xmlns:a16="http://schemas.microsoft.com/office/drawing/2014/main" id="{0BD80818-1CA7-4256-8A7A-C0645BF9737B}"/>
-              </a:ext>
-            </a:extLst>
-          </p:cNvPr>
-          <p:cNvSpPr>
-            <a:spLocks noGrp="1"/>
-          </p:cNvSpPr>
-          <p:nvPr>
-            <p:ph idx="1"/>
-          </p:nvPr>
-        </p:nvSpPr>
-        <p:spPr/>
-        <p:txBody>
-          <a:bodyPr/>
-          <a:lstStyle/>
-          <a:p>
-            <a:pPr marL="0" indent="0">
-              <a:buNone/>
-            </a:pPr>
-            <a:r>
-              <a:rPr lang="de-DE" dirty="0"/>
-              <a:t>Ansätze von Machine Learning</a:t>
-            </a:r>
-          </a:p>
-          <a:p>
-            <a:r>
-              <a:rPr lang="de-DE" dirty="0" err="1"/>
-              <a:t>Supervised</a:t>
-            </a:r>
-            <a:r>
-              <a:rPr lang="de-DE" dirty="0"/>
-              <a:t> Learning</a:t>
-            </a:r>
-          </a:p>
-          <a:p>
-            <a:pPr lvl="1"/>
-            <a:r>
-              <a:rPr lang="de-DE" dirty="0"/>
-              <a:t>Input und Target sind bekannt</a:t>
-            </a:r>
-          </a:p>
-          <a:p>
-            <a:r>
-              <a:rPr lang="de-DE" dirty="0" err="1"/>
-              <a:t>Unsupervised</a:t>
-            </a:r>
-            <a:r>
-              <a:rPr lang="de-DE" dirty="0"/>
-              <a:t> Learning</a:t>
-            </a:r>
-          </a:p>
-          <a:p>
-            <a:pPr lvl="1"/>
-            <a:r>
-              <a:rPr lang="de-DE" dirty="0"/>
-              <a:t>Nur Input bekannt, Target unbekannt</a:t>
-            </a:r>
-          </a:p>
-          <a:p>
-            <a:r>
-              <a:rPr lang="de-DE" dirty="0"/>
-              <a:t>Reinforcement Learning</a:t>
-            </a:r>
-          </a:p>
-          <a:p>
-            <a:pPr lvl="1"/>
-            <a:r>
-              <a:rPr lang="de-DE" dirty="0"/>
-              <a:t>Target unbekannt, aber Feedback von außen zu ausgewählten Aktionen</a:t>
-            </a:r>
-          </a:p>
-        </p:txBody>
-      </p:sp>
-      <p:sp>
-        <p:nvSpPr>
-          <p:cNvPr id="4" name="Rechteck 3">
-            <a:extLst>
-              <a:ext uri="{FF2B5EF4-FFF2-40B4-BE49-F238E27FC236}">
-                <a16:creationId xmlns:a16="http://schemas.microsoft.com/office/drawing/2014/main" id="{E25EF50D-F0CD-4727-AFB6-041294F40813}"/>
-              </a:ext>
-            </a:extLst>
-          </p:cNvPr>
-          <p:cNvSpPr/>
-          <p:nvPr/>
-        </p:nvSpPr>
-        <p:spPr>
-          <a:xfrm>
-            <a:off x="0" y="6350696"/>
-            <a:ext cx="10058400" cy="501573"/>
-          </a:xfrm>
-          <a:prstGeom prst="rect">
-            <a:avLst/>
-          </a:prstGeom>
-          <a:solidFill>
-            <a:schemeClr val="bg1">
-              <a:lumMod val="75000"/>
-            </a:schemeClr>
-          </a:solidFill>
-          <a:ln>
-            <a:solidFill>
-              <a:schemeClr val="bg1">
-                <a:lumMod val="75000"/>
-              </a:schemeClr>
-            </a:solidFill>
-          </a:ln>
-        </p:spPr>
-        <p:style>
-          <a:lnRef idx="2">
-            <a:schemeClr val="accent1">
-              <a:shade val="50000"/>
-            </a:schemeClr>
-          </a:lnRef>
-          <a:fillRef idx="1">
-            <a:schemeClr val="accent1"/>
-          </a:fillRef>
-          <a:effectRef idx="0">
-            <a:schemeClr val="accent1"/>
-          </a:effectRef>
-          <a:fontRef idx="minor">
-            <a:schemeClr val="lt1"/>
-          </a:fontRef>
-        </p:style>
-        <p:txBody>
-          <a:bodyPr rtlCol="0" anchor="ctr"/>
-          <a:lstStyle/>
-          <a:p>
-            <a:pPr algn="ctr"/>
-            <a:endParaRPr lang="de-DE"/>
-          </a:p>
-        </p:txBody>
-      </p:sp>
-      <p:pic>
-        <p:nvPicPr>
-          <p:cNvPr id="5" name="Inhaltsplatzhalter 4">
-            <a:extLst>
-              <a:ext uri="{FF2B5EF4-FFF2-40B4-BE49-F238E27FC236}">
-                <a16:creationId xmlns:a16="http://schemas.microsoft.com/office/drawing/2014/main" id="{4A1327ED-C79B-4435-9F7D-BB034D66DF67}"/>
-              </a:ext>
-            </a:extLst>
-          </p:cNvPr>
-          <p:cNvPicPr>
-            <a:picLocks noChangeAspect="1"/>
-          </p:cNvPicPr>
-          <p:nvPr/>
-        </p:nvPicPr>
-        <p:blipFill>
-          <a:blip r:embed="rId2">
-            <a:extLst>
-              <a:ext uri="{28A0092B-C50C-407E-A947-70E740481C1C}">
-                <a14:useLocalDpi xmlns:a14="http://schemas.microsoft.com/office/drawing/2010/main" val="0"/>
-              </a:ext>
-              <a:ext uri="{96DAC541-7B7A-43D3-8B79-37D633B846F1}">
-                <asvg:svgBlip xmlns:asvg="http://schemas.microsoft.com/office/drawing/2016/SVG/main" r:embed="rId3"/>
-              </a:ext>
-            </a:extLst>
-          </a:blip>
-          <a:stretch>
-            <a:fillRect/>
-          </a:stretch>
-        </p:blipFill>
-        <p:spPr>
-          <a:xfrm>
-            <a:off x="9138258" y="5539232"/>
-            <a:ext cx="3053742" cy="1325563"/>
-          </a:xfrm>
-          <a:prstGeom prst="rect">
-            <a:avLst/>
-          </a:prstGeom>
-        </p:spPr>
-      </p:pic>
-      <p:grpSp>
-        <p:nvGrpSpPr>
-          <p:cNvPr id="14" name="Gruppieren 13">
-            <a:extLst>
-              <a:ext uri="{FF2B5EF4-FFF2-40B4-BE49-F238E27FC236}">
-                <a16:creationId xmlns:a16="http://schemas.microsoft.com/office/drawing/2014/main" id="{13484F85-1E3D-4EAE-B33D-456512BC1A4B}"/>
-              </a:ext>
-            </a:extLst>
-          </p:cNvPr>
-          <p:cNvGrpSpPr/>
-          <p:nvPr/>
-        </p:nvGrpSpPr>
-        <p:grpSpPr>
-          <a:xfrm>
-            <a:off x="0" y="-12526"/>
-            <a:ext cx="12192000" cy="588439"/>
-            <a:chOff x="0" y="-12526"/>
-            <a:chExt cx="12192000" cy="588439"/>
-          </a:xfrm>
-        </p:grpSpPr>
-        <p:sp>
-          <p:nvSpPr>
-            <p:cNvPr id="11" name="Rechteck 10">
-              <a:extLst>
-                <a:ext uri="{FF2B5EF4-FFF2-40B4-BE49-F238E27FC236}">
-                  <a16:creationId xmlns:a16="http://schemas.microsoft.com/office/drawing/2014/main" id="{A01413A9-C769-47A6-B933-A1A1198906FD}"/>
-                </a:ext>
-              </a:extLst>
-            </p:cNvPr>
-            <p:cNvSpPr/>
-            <p:nvPr/>
-          </p:nvSpPr>
-          <p:spPr>
-            <a:xfrm>
-              <a:off x="0" y="-12526"/>
-              <a:ext cx="12192000" cy="501573"/>
-            </a:xfrm>
-            <a:prstGeom prst="rect">
-              <a:avLst/>
-            </a:prstGeom>
-            <a:solidFill>
-              <a:schemeClr val="bg1">
-                <a:lumMod val="65000"/>
-              </a:schemeClr>
-            </a:solidFill>
-            <a:ln>
-              <a:solidFill>
-                <a:schemeClr val="bg1">
-                  <a:lumMod val="75000"/>
-                </a:schemeClr>
-              </a:solidFill>
-            </a:ln>
-          </p:spPr>
-          <p:style>
-            <a:lnRef idx="2">
-              <a:schemeClr val="accent1">
-                <a:shade val="50000"/>
-              </a:schemeClr>
-            </a:lnRef>
-            <a:fillRef idx="1">
-              <a:schemeClr val="accent1"/>
-            </a:fillRef>
-            <a:effectRef idx="0">
-              <a:schemeClr val="accent1"/>
-            </a:effectRef>
-            <a:fontRef idx="minor">
-              <a:schemeClr val="lt1"/>
-            </a:fontRef>
-          </p:style>
-          <p:txBody>
-            <a:bodyPr rtlCol="0" anchor="ctr"/>
-            <a:lstStyle/>
-            <a:p>
-              <a:pPr algn="ctr"/>
-              <a:endParaRPr lang="de-DE"/>
-            </a:p>
-          </p:txBody>
-        </p:sp>
-        <p:sp>
-          <p:nvSpPr>
-            <p:cNvPr id="8" name="Titel 1">
-              <a:extLst>
-                <a:ext uri="{FF2B5EF4-FFF2-40B4-BE49-F238E27FC236}">
-                  <a16:creationId xmlns:a16="http://schemas.microsoft.com/office/drawing/2014/main" id="{056AE779-A4BB-4446-BDB7-5527E850770D}"/>
-                </a:ext>
-              </a:extLst>
-            </p:cNvPr>
-            <p:cNvSpPr txBox="1">
-              <a:spLocks/>
-            </p:cNvSpPr>
-            <p:nvPr/>
-          </p:nvSpPr>
-          <p:spPr>
-            <a:xfrm>
-              <a:off x="162045" y="74340"/>
-              <a:ext cx="9734309" cy="501573"/>
-            </a:xfrm>
-            <a:prstGeom prst="rect">
-              <a:avLst/>
-            </a:prstGeom>
-          </p:spPr>
-          <p:txBody>
-            <a:bodyPr vert="horz" lIns="91440" tIns="45720" rIns="91440" bIns="45720" rtlCol="0" anchor="ctr">
-              <a:normAutofit fontScale="82500" lnSpcReduction="20000"/>
-            </a:bodyPr>
-            <a:lstStyle>
-              <a:lvl1pPr algn="l" defTabSz="914400" rtl="0" eaLnBrk="1" latinLnBrk="0" hangingPunct="1">
-                <a:lnSpc>
-                  <a:spcPct val="90000"/>
-                </a:lnSpc>
-                <a:spcBef>
-                  <a:spcPct val="0"/>
-                </a:spcBef>
-                <a:buNone/>
-                <a:defRPr sz="4400" kern="1200">
-                  <a:solidFill>
-                    <a:schemeClr val="tx1"/>
-                  </a:solidFill>
-                  <a:latin typeface="+mj-lt"/>
-                  <a:ea typeface="+mj-ea"/>
-                  <a:cs typeface="+mj-cs"/>
-                </a:defRPr>
-              </a:lvl1pPr>
-            </a:lstStyle>
-            <a:p>
-              <a:r>
-                <a:rPr lang="de-DE" b="1" dirty="0">
-                  <a:solidFill>
-                    <a:schemeClr val="bg1">
-                      <a:lumMod val="95000"/>
-                    </a:schemeClr>
-                  </a:solidFill>
-                </a:rPr>
-                <a:t>Was ist Reinforcement Learning?</a:t>
-              </a:r>
-            </a:p>
-          </p:txBody>
-        </p:sp>
-      </p:grpSp>
-    </p:spTree>
-    <p:extLst>
-      <p:ext uri="{BB962C8B-B14F-4D97-AF65-F5344CB8AC3E}">
-        <p14:creationId xmlns:p14="http://schemas.microsoft.com/office/powerpoint/2010/main" val="2091982899"/>
-      </p:ext>
-    </p:extLst>
-  </p:cSld>
-  <p:clrMapOvr>
-    <a:masterClrMapping/>
-  </p:clrMapOvr>
-</p:sld>
-</file>
-
-<file path=ppt/slides/slide3.xml><?xml version="1.0" encoding="utf-8"?>
-<p:sld xmlns:a="http://schemas.openxmlformats.org/drawingml/2006/main" xmlns:r="http://schemas.openxmlformats.org/officeDocument/2006/relationships" xmlns:p="http://schemas.openxmlformats.org/presentationml/2006/main">
-  <p:cSld>
-    <p:spTree>
-      <p:nvGrpSpPr>
-        <p:cNvPr id="1" name=""/>
-        <p:cNvGrpSpPr/>
-        <p:nvPr/>
-      </p:nvGrpSpPr>
-      <p:grpSpPr>
-        <a:xfrm>
-          <a:off x="0" y="0"/>
-          <a:ext cx="0" cy="0"/>
-          <a:chOff x="0" y="0"/>
-          <a:chExt cx="0" cy="0"/>
-        </a:xfrm>
-      </p:grpSpPr>
-      <p:sp>
-        <p:nvSpPr>
-          <p:cNvPr id="3" name="Inhaltsplatzhalter 2">
-            <a:extLst>
-              <a:ext uri="{FF2B5EF4-FFF2-40B4-BE49-F238E27FC236}">
-                <a16:creationId xmlns:a16="http://schemas.microsoft.com/office/drawing/2014/main" id="{0BD80818-1CA7-4256-8A7A-C0645BF9737B}"/>
-              </a:ext>
-            </a:extLst>
-          </p:cNvPr>
-          <p:cNvSpPr>
-            <a:spLocks noGrp="1"/>
-          </p:cNvSpPr>
-          <p:nvPr>
-            <p:ph idx="1"/>
-          </p:nvPr>
-        </p:nvSpPr>
-        <p:spPr>
-          <a:xfrm>
-            <a:off x="537258" y="1387377"/>
-            <a:ext cx="6291805" cy="4351338"/>
-          </a:xfrm>
-        </p:spPr>
-        <p:txBody>
-          <a:bodyPr/>
-          <a:lstStyle/>
-          <a:p>
-            <a:r>
-              <a:rPr lang="de-DE" dirty="0"/>
-              <a:t>Es gibt keine Daten von denen gelernt werden kann</a:t>
-            </a:r>
-          </a:p>
-          <a:p>
-            <a:r>
-              <a:rPr lang="de-DE" dirty="0"/>
-              <a:t>Es gibt zu viele mögliche Ausgänge</a:t>
-            </a:r>
-          </a:p>
-          <a:p>
-            <a:r>
-              <a:rPr lang="de-DE" dirty="0"/>
-              <a:t>Die Umgebung ist zu komplex um analytisch modelliert werden zu können</a:t>
-            </a:r>
-          </a:p>
-          <a:p>
-            <a:pPr marL="0" indent="0">
-              <a:buNone/>
-            </a:pPr>
-            <a:r>
-              <a:rPr lang="de-DE" dirty="0">
-                <a:latin typeface="Calibri" panose="020F0502020204030204" pitchFamily="34" charset="0"/>
-                <a:cs typeface="Calibri" panose="020F0502020204030204" pitchFamily="34" charset="0"/>
-              </a:rPr>
-              <a:t>→ Lernen durch Interaktion</a:t>
-            </a:r>
-            <a:endParaRPr lang="de-DE" dirty="0"/>
-          </a:p>
-        </p:txBody>
-      </p:sp>
-      <p:sp>
-        <p:nvSpPr>
-          <p:cNvPr id="4" name="Rechteck 3">
-            <a:extLst>
-              <a:ext uri="{FF2B5EF4-FFF2-40B4-BE49-F238E27FC236}">
-                <a16:creationId xmlns:a16="http://schemas.microsoft.com/office/drawing/2014/main" id="{E25EF50D-F0CD-4727-AFB6-041294F40813}"/>
-              </a:ext>
-            </a:extLst>
-          </p:cNvPr>
-          <p:cNvSpPr/>
-          <p:nvPr/>
-        </p:nvSpPr>
-        <p:spPr>
-          <a:xfrm>
-            <a:off x="0" y="6350696"/>
-            <a:ext cx="10058400" cy="501573"/>
-          </a:xfrm>
-          <a:prstGeom prst="rect">
-            <a:avLst/>
-          </a:prstGeom>
-          <a:solidFill>
-            <a:schemeClr val="bg1">
-              <a:lumMod val="75000"/>
-            </a:schemeClr>
-          </a:solidFill>
-          <a:ln>
-            <a:solidFill>
-              <a:schemeClr val="bg1">
-                <a:lumMod val="75000"/>
-              </a:schemeClr>
-            </a:solidFill>
-          </a:ln>
-        </p:spPr>
-        <p:style>
-          <a:lnRef idx="2">
-            <a:schemeClr val="accent1">
-              <a:shade val="50000"/>
-            </a:schemeClr>
-          </a:lnRef>
-          <a:fillRef idx="1">
-            <a:schemeClr val="accent1"/>
-          </a:fillRef>
-          <a:effectRef idx="0">
-            <a:schemeClr val="accent1"/>
-          </a:effectRef>
-          <a:fontRef idx="minor">
-            <a:schemeClr val="lt1"/>
-          </a:fontRef>
-        </p:style>
-        <p:txBody>
-          <a:bodyPr rtlCol="0" anchor="ctr"/>
-          <a:lstStyle/>
-          <a:p>
-            <a:pPr algn="ctr"/>
-            <a:endParaRPr lang="de-DE"/>
-          </a:p>
-        </p:txBody>
-      </p:sp>
-      <p:pic>
-        <p:nvPicPr>
-          <p:cNvPr id="5" name="Inhaltsplatzhalter 4">
-            <a:extLst>
-              <a:ext uri="{FF2B5EF4-FFF2-40B4-BE49-F238E27FC236}">
-                <a16:creationId xmlns:a16="http://schemas.microsoft.com/office/drawing/2014/main" id="{4A1327ED-C79B-4435-9F7D-BB034D66DF67}"/>
-              </a:ext>
-            </a:extLst>
-          </p:cNvPr>
-          <p:cNvPicPr>
-            <a:picLocks noChangeAspect="1"/>
-          </p:cNvPicPr>
-          <p:nvPr/>
-        </p:nvPicPr>
-        <p:blipFill>
-          <a:blip r:embed="rId2">
-            <a:extLst>
-              <a:ext uri="{28A0092B-C50C-407E-A947-70E740481C1C}">
-                <a14:useLocalDpi xmlns:a14="http://schemas.microsoft.com/office/drawing/2010/main" val="0"/>
-              </a:ext>
-              <a:ext uri="{96DAC541-7B7A-43D3-8B79-37D633B846F1}">
-                <asvg:svgBlip xmlns:asvg="http://schemas.microsoft.com/office/drawing/2016/SVG/main" r:embed="rId3"/>
-              </a:ext>
-            </a:extLst>
-          </a:blip>
-          <a:stretch>
-            <a:fillRect/>
-          </a:stretch>
-        </p:blipFill>
-        <p:spPr>
-          <a:xfrm>
-            <a:off x="9138258" y="5539232"/>
-            <a:ext cx="3053742" cy="1325563"/>
-          </a:xfrm>
-          <a:prstGeom prst="rect">
-            <a:avLst/>
-          </a:prstGeom>
-        </p:spPr>
-      </p:pic>
-      <p:grpSp>
-        <p:nvGrpSpPr>
-          <p:cNvPr id="11" name="Gruppieren 10">
-            <a:extLst>
-              <a:ext uri="{FF2B5EF4-FFF2-40B4-BE49-F238E27FC236}">
-                <a16:creationId xmlns:a16="http://schemas.microsoft.com/office/drawing/2014/main" id="{1561B2BB-A425-40DA-AF8F-ADFD78B2BD63}"/>
-              </a:ext>
-            </a:extLst>
-          </p:cNvPr>
-          <p:cNvGrpSpPr/>
-          <p:nvPr/>
-        </p:nvGrpSpPr>
-        <p:grpSpPr>
-          <a:xfrm>
-            <a:off x="0" y="-12526"/>
-            <a:ext cx="12192000" cy="588439"/>
-            <a:chOff x="0" y="-12526"/>
-            <a:chExt cx="12192000" cy="588439"/>
-          </a:xfrm>
-        </p:grpSpPr>
-        <p:sp>
-          <p:nvSpPr>
-            <p:cNvPr id="12" name="Rechteck 11">
-              <a:extLst>
-                <a:ext uri="{FF2B5EF4-FFF2-40B4-BE49-F238E27FC236}">
-                  <a16:creationId xmlns:a16="http://schemas.microsoft.com/office/drawing/2014/main" id="{A5DFB29A-6A6E-4202-8456-89484C6F9E49}"/>
-                </a:ext>
-              </a:extLst>
-            </p:cNvPr>
-            <p:cNvSpPr/>
-            <p:nvPr/>
-          </p:nvSpPr>
-          <p:spPr>
-            <a:xfrm>
-              <a:off x="0" y="-12526"/>
-              <a:ext cx="12192000" cy="501573"/>
-            </a:xfrm>
-            <a:prstGeom prst="rect">
-              <a:avLst/>
-            </a:prstGeom>
-            <a:solidFill>
-              <a:schemeClr val="bg1">
-                <a:lumMod val="65000"/>
-              </a:schemeClr>
-            </a:solidFill>
-            <a:ln>
-              <a:solidFill>
-                <a:schemeClr val="bg1">
-                  <a:lumMod val="75000"/>
-                </a:schemeClr>
-              </a:solidFill>
-            </a:ln>
-          </p:spPr>
-          <p:style>
-            <a:lnRef idx="2">
-              <a:schemeClr val="accent1">
-                <a:shade val="50000"/>
-              </a:schemeClr>
-            </a:lnRef>
-            <a:fillRef idx="1">
-              <a:schemeClr val="accent1"/>
-            </a:fillRef>
-            <a:effectRef idx="0">
-              <a:schemeClr val="accent1"/>
-            </a:effectRef>
-            <a:fontRef idx="minor">
-              <a:schemeClr val="lt1"/>
-            </a:fontRef>
-          </p:style>
-          <p:txBody>
-            <a:bodyPr rtlCol="0" anchor="ctr"/>
-            <a:lstStyle/>
-            <a:p>
-              <a:pPr algn="ctr"/>
-              <a:endParaRPr lang="de-DE"/>
-            </a:p>
-          </p:txBody>
-        </p:sp>
-        <p:sp>
-          <p:nvSpPr>
-            <p:cNvPr id="13" name="Titel 1">
-              <a:extLst>
-                <a:ext uri="{FF2B5EF4-FFF2-40B4-BE49-F238E27FC236}">
-                  <a16:creationId xmlns:a16="http://schemas.microsoft.com/office/drawing/2014/main" id="{A61AA3AF-2F03-4319-86E8-ADA58FB09710}"/>
-                </a:ext>
-              </a:extLst>
-            </p:cNvPr>
-            <p:cNvSpPr txBox="1">
-              <a:spLocks/>
-            </p:cNvSpPr>
-            <p:nvPr/>
-          </p:nvSpPr>
-          <p:spPr>
-            <a:xfrm>
-              <a:off x="162045" y="74340"/>
-              <a:ext cx="9734309" cy="501573"/>
-            </a:xfrm>
-            <a:prstGeom prst="rect">
-              <a:avLst/>
-            </a:prstGeom>
-          </p:spPr>
-          <p:txBody>
-            <a:bodyPr vert="horz" lIns="91440" tIns="45720" rIns="91440" bIns="45720" rtlCol="0" anchor="ctr">
-              <a:normAutofit fontScale="82500" lnSpcReduction="20000"/>
-            </a:bodyPr>
-            <a:lstStyle>
-              <a:lvl1pPr algn="l" defTabSz="914400" rtl="0" eaLnBrk="1" latinLnBrk="0" hangingPunct="1">
-                <a:lnSpc>
-                  <a:spcPct val="90000"/>
-                </a:lnSpc>
-                <a:spcBef>
-                  <a:spcPct val="0"/>
-                </a:spcBef>
-                <a:buNone/>
-                <a:defRPr sz="4400" kern="1200">
-                  <a:solidFill>
-                    <a:schemeClr val="tx1"/>
-                  </a:solidFill>
-                  <a:latin typeface="+mj-lt"/>
-                  <a:ea typeface="+mj-ea"/>
-                  <a:cs typeface="+mj-cs"/>
-                </a:defRPr>
-              </a:lvl1pPr>
-            </a:lstStyle>
-            <a:p>
-              <a:r>
-                <a:rPr lang="de-DE" b="1" dirty="0">
-                  <a:solidFill>
-                    <a:schemeClr val="bg1">
-                      <a:lumMod val="95000"/>
-                    </a:schemeClr>
-                  </a:solidFill>
-                </a:rPr>
-                <a:t>Warum Reinforcement Learning?</a:t>
-              </a:r>
-            </a:p>
-          </p:txBody>
-        </p:sp>
-      </p:grpSp>
-    </p:spTree>
-    <p:extLst>
-      <p:ext uri="{BB962C8B-B14F-4D97-AF65-F5344CB8AC3E}">
-        <p14:creationId xmlns:p14="http://schemas.microsoft.com/office/powerpoint/2010/main" val="552890368"/>
-      </p:ext>
-    </p:extLst>
-  </p:cSld>
-  <p:clrMapOvr>
-    <a:masterClrMapping/>
-  </p:clrMapOvr>
-</p:sld>
-</file>
-
-<file path=ppt/slides/slide4.xml><?xml version="1.0" encoding="utf-8"?>
-<p:sld xmlns:a="http://schemas.openxmlformats.org/drawingml/2006/main" xmlns:r="http://schemas.openxmlformats.org/officeDocument/2006/relationships" xmlns:p="http://schemas.openxmlformats.org/presentationml/2006/main">
-  <p:cSld>
-    <p:spTree>
-      <p:nvGrpSpPr>
-        <p:cNvPr id="1" name=""/>
-        <p:cNvGrpSpPr/>
-        <p:nvPr/>
-      </p:nvGrpSpPr>
-      <p:grpSpPr>
-        <a:xfrm>
-          <a:off x="0" y="0"/>
-          <a:ext cx="0" cy="0"/>
-          <a:chOff x="0" y="0"/>
-          <a:chExt cx="0" cy="0"/>
-        </a:xfrm>
-      </p:grpSpPr>
-      <p:sp>
-        <p:nvSpPr>
-          <p:cNvPr id="3" name="Inhaltsplatzhalter 2">
-            <a:extLst>
-              <a:ext uri="{FF2B5EF4-FFF2-40B4-BE49-F238E27FC236}">
-                <a16:creationId xmlns:a16="http://schemas.microsoft.com/office/drawing/2014/main" id="{0BD80818-1CA7-4256-8A7A-C0645BF9737B}"/>
-              </a:ext>
-            </a:extLst>
-          </p:cNvPr>
-          <p:cNvSpPr>
-            <a:spLocks noGrp="1"/>
-          </p:cNvSpPr>
-          <p:nvPr>
-            <p:ph idx="1"/>
-          </p:nvPr>
-        </p:nvSpPr>
-        <p:spPr>
-          <a:xfrm>
-            <a:off x="537258" y="1387377"/>
-            <a:ext cx="6291805" cy="4351338"/>
-          </a:xfrm>
-        </p:spPr>
-        <p:txBody>
-          <a:bodyPr/>
-          <a:lstStyle/>
-          <a:p>
-            <a:r>
-              <a:rPr lang="de-DE" dirty="0"/>
-              <a:t>Es gibt keine Daten von denen gelernt werden kann</a:t>
-            </a:r>
-          </a:p>
-          <a:p>
-            <a:r>
-              <a:rPr lang="de-DE" dirty="0"/>
-              <a:t>Es gibt zu viele mögliche Ausgänge</a:t>
-            </a:r>
-          </a:p>
-          <a:p>
-            <a:r>
-              <a:rPr lang="de-DE" dirty="0"/>
-              <a:t>Die Umgebung ist zu komplex um analytisch modelliert werden zu können</a:t>
-            </a:r>
-          </a:p>
-          <a:p>
-            <a:pPr marL="0" indent="0">
-              <a:buNone/>
-            </a:pPr>
-            <a:r>
-              <a:rPr lang="de-DE" dirty="0">
-                <a:latin typeface="Calibri" panose="020F0502020204030204" pitchFamily="34" charset="0"/>
-                <a:cs typeface="Calibri" panose="020F0502020204030204" pitchFamily="34" charset="0"/>
-              </a:rPr>
-              <a:t>→ Lernen durch Interaktion</a:t>
-            </a:r>
-            <a:endParaRPr lang="de-DE" dirty="0"/>
-          </a:p>
-        </p:txBody>
-      </p:sp>
-      <p:sp>
-        <p:nvSpPr>
-          <p:cNvPr id="4" name="Rechteck 3">
-            <a:extLst>
-              <a:ext uri="{FF2B5EF4-FFF2-40B4-BE49-F238E27FC236}">
-                <a16:creationId xmlns:a16="http://schemas.microsoft.com/office/drawing/2014/main" id="{E25EF50D-F0CD-4727-AFB6-041294F40813}"/>
-              </a:ext>
-            </a:extLst>
-          </p:cNvPr>
-          <p:cNvSpPr/>
-          <p:nvPr/>
-        </p:nvSpPr>
-        <p:spPr>
-          <a:xfrm>
-            <a:off x="0" y="6350696"/>
-            <a:ext cx="10058400" cy="501573"/>
-          </a:xfrm>
-          <a:prstGeom prst="rect">
-            <a:avLst/>
-          </a:prstGeom>
-          <a:solidFill>
-            <a:schemeClr val="bg1">
-              <a:lumMod val="75000"/>
-            </a:schemeClr>
-          </a:solidFill>
-          <a:ln>
-            <a:solidFill>
-              <a:schemeClr val="bg1">
-                <a:lumMod val="75000"/>
-              </a:schemeClr>
-            </a:solidFill>
-          </a:ln>
-        </p:spPr>
-        <p:style>
-          <a:lnRef idx="2">
-            <a:schemeClr val="accent1">
-              <a:shade val="50000"/>
-            </a:schemeClr>
-          </a:lnRef>
-          <a:fillRef idx="1">
-            <a:schemeClr val="accent1"/>
-          </a:fillRef>
-          <a:effectRef idx="0">
-            <a:schemeClr val="accent1"/>
-          </a:effectRef>
-          <a:fontRef idx="minor">
-            <a:schemeClr val="lt1"/>
-          </a:fontRef>
-        </p:style>
-        <p:txBody>
-          <a:bodyPr rtlCol="0" anchor="ctr"/>
-          <a:lstStyle/>
-          <a:p>
-            <a:pPr algn="ctr"/>
-            <a:endParaRPr lang="de-DE"/>
-          </a:p>
-        </p:txBody>
-      </p:sp>
-      <p:pic>
-        <p:nvPicPr>
-          <p:cNvPr id="5" name="Inhaltsplatzhalter 4">
-            <a:extLst>
-              <a:ext uri="{FF2B5EF4-FFF2-40B4-BE49-F238E27FC236}">
-                <a16:creationId xmlns:a16="http://schemas.microsoft.com/office/drawing/2014/main" id="{4A1327ED-C79B-4435-9F7D-BB034D66DF67}"/>
-              </a:ext>
-            </a:extLst>
-          </p:cNvPr>
-          <p:cNvPicPr>
-            <a:picLocks noChangeAspect="1"/>
-          </p:cNvPicPr>
-          <p:nvPr/>
-        </p:nvPicPr>
-        <p:blipFill>
-          <a:blip r:embed="rId2">
-            <a:extLst>
-              <a:ext uri="{28A0092B-C50C-407E-A947-70E740481C1C}">
-                <a14:useLocalDpi xmlns:a14="http://schemas.microsoft.com/office/drawing/2010/main" val="0"/>
-              </a:ext>
-              <a:ext uri="{96DAC541-7B7A-43D3-8B79-37D633B846F1}">
-                <asvg:svgBlip xmlns:asvg="http://schemas.microsoft.com/office/drawing/2016/SVG/main" r:embed="rId3"/>
-              </a:ext>
-            </a:extLst>
-          </a:blip>
-          <a:stretch>
-            <a:fillRect/>
-          </a:stretch>
-        </p:blipFill>
-        <p:spPr>
-          <a:xfrm>
-            <a:off x="9138258" y="5539232"/>
-            <a:ext cx="3053742" cy="1325563"/>
-          </a:xfrm>
-          <a:prstGeom prst="rect">
-            <a:avLst/>
-          </a:prstGeom>
-        </p:spPr>
-      </p:pic>
-      <p:grpSp>
-        <p:nvGrpSpPr>
-          <p:cNvPr id="11" name="Gruppieren 10">
-            <a:extLst>
-              <a:ext uri="{FF2B5EF4-FFF2-40B4-BE49-F238E27FC236}">
-                <a16:creationId xmlns:a16="http://schemas.microsoft.com/office/drawing/2014/main" id="{1561B2BB-A425-40DA-AF8F-ADFD78B2BD63}"/>
-              </a:ext>
-            </a:extLst>
-          </p:cNvPr>
-          <p:cNvGrpSpPr/>
-          <p:nvPr/>
-        </p:nvGrpSpPr>
-        <p:grpSpPr>
-          <a:xfrm>
-            <a:off x="0" y="-12526"/>
-            <a:ext cx="12192000" cy="588439"/>
-            <a:chOff x="0" y="-12526"/>
-            <a:chExt cx="12192000" cy="588439"/>
-          </a:xfrm>
-        </p:grpSpPr>
-        <p:sp>
-          <p:nvSpPr>
-            <p:cNvPr id="12" name="Rechteck 11">
-              <a:extLst>
-                <a:ext uri="{FF2B5EF4-FFF2-40B4-BE49-F238E27FC236}">
-                  <a16:creationId xmlns:a16="http://schemas.microsoft.com/office/drawing/2014/main" id="{A5DFB29A-6A6E-4202-8456-89484C6F9E49}"/>
-                </a:ext>
-              </a:extLst>
-            </p:cNvPr>
-            <p:cNvSpPr/>
-            <p:nvPr/>
-          </p:nvSpPr>
-          <p:spPr>
-            <a:xfrm>
-              <a:off x="0" y="-12526"/>
-              <a:ext cx="12192000" cy="501573"/>
-            </a:xfrm>
-            <a:prstGeom prst="rect">
-              <a:avLst/>
-            </a:prstGeom>
-            <a:solidFill>
-              <a:schemeClr val="bg1">
-                <a:lumMod val="65000"/>
-              </a:schemeClr>
-            </a:solidFill>
-            <a:ln>
-              <a:solidFill>
-                <a:schemeClr val="bg1">
-                  <a:lumMod val="75000"/>
-                </a:schemeClr>
-              </a:solidFill>
-            </a:ln>
-          </p:spPr>
-          <p:style>
-            <a:lnRef idx="2">
-              <a:schemeClr val="accent1">
-                <a:shade val="50000"/>
-              </a:schemeClr>
-            </a:lnRef>
-            <a:fillRef idx="1">
-              <a:schemeClr val="accent1"/>
-            </a:fillRef>
-            <a:effectRef idx="0">
-              <a:schemeClr val="accent1"/>
-            </a:effectRef>
-            <a:fontRef idx="minor">
-              <a:schemeClr val="lt1"/>
-            </a:fontRef>
-          </p:style>
-          <p:txBody>
-            <a:bodyPr rtlCol="0" anchor="ctr"/>
-            <a:lstStyle/>
-            <a:p>
-              <a:pPr algn="ctr"/>
-              <a:endParaRPr lang="de-DE"/>
-            </a:p>
-          </p:txBody>
-        </p:sp>
-        <p:sp>
-          <p:nvSpPr>
-            <p:cNvPr id="13" name="Titel 1">
-              <a:extLst>
-                <a:ext uri="{FF2B5EF4-FFF2-40B4-BE49-F238E27FC236}">
-                  <a16:creationId xmlns:a16="http://schemas.microsoft.com/office/drawing/2014/main" id="{A61AA3AF-2F03-4319-86E8-ADA58FB09710}"/>
-                </a:ext>
-              </a:extLst>
-            </p:cNvPr>
-            <p:cNvSpPr txBox="1">
-              <a:spLocks/>
-            </p:cNvSpPr>
-            <p:nvPr/>
-          </p:nvSpPr>
-          <p:spPr>
-            <a:xfrm>
-              <a:off x="162045" y="74340"/>
-              <a:ext cx="9734309" cy="501573"/>
-            </a:xfrm>
-            <a:prstGeom prst="rect">
-              <a:avLst/>
-            </a:prstGeom>
-          </p:spPr>
-          <p:txBody>
-            <a:bodyPr vert="horz" lIns="91440" tIns="45720" rIns="91440" bIns="45720" rtlCol="0" anchor="ctr">
-              <a:normAutofit fontScale="82500" lnSpcReduction="20000"/>
-            </a:bodyPr>
-            <a:lstStyle>
-              <a:lvl1pPr algn="l" defTabSz="914400" rtl="0" eaLnBrk="1" latinLnBrk="0" hangingPunct="1">
-                <a:lnSpc>
-                  <a:spcPct val="90000"/>
-                </a:lnSpc>
-                <a:spcBef>
-                  <a:spcPct val="0"/>
-                </a:spcBef>
-                <a:buNone/>
-                <a:defRPr sz="4400" kern="1200">
-                  <a:solidFill>
-                    <a:schemeClr val="tx1"/>
-                  </a:solidFill>
-                  <a:latin typeface="+mj-lt"/>
-                  <a:ea typeface="+mj-ea"/>
-                  <a:cs typeface="+mj-cs"/>
-                </a:defRPr>
-              </a:lvl1pPr>
-            </a:lstStyle>
-            <a:p>
-              <a:r>
-                <a:rPr lang="de-DE" b="1" dirty="0">
-                  <a:solidFill>
-                    <a:schemeClr val="bg1">
-                      <a:lumMod val="95000"/>
-                    </a:schemeClr>
-                  </a:solidFill>
-                </a:rPr>
-                <a:t>Warum Reinforcement Learning?</a:t>
-              </a:r>
-            </a:p>
-          </p:txBody>
-        </p:sp>
-      </p:grpSp>
-      <p:pic>
-        <p:nvPicPr>
-          <p:cNvPr id="20" name="Grafik 19">
-            <a:extLst>
-              <a:ext uri="{FF2B5EF4-FFF2-40B4-BE49-F238E27FC236}">
-                <a16:creationId xmlns:a16="http://schemas.microsoft.com/office/drawing/2014/main" id="{81CF5505-E052-412E-A891-2844E4989232}"/>
-              </a:ext>
-            </a:extLst>
-          </p:cNvPr>
-          <p:cNvPicPr>
-            <a:picLocks noChangeAspect="1"/>
-          </p:cNvPicPr>
-          <p:nvPr/>
-        </p:nvPicPr>
-        <p:blipFill>
-          <a:blip r:embed="rId4">
-            <a:extLst>
-              <a:ext uri="{28A0092B-C50C-407E-A947-70E740481C1C}">
-                <a14:useLocalDpi xmlns:a14="http://schemas.microsoft.com/office/drawing/2010/main" val="0"/>
-              </a:ext>
-            </a:extLst>
-          </a:blip>
-          <a:stretch>
-            <a:fillRect/>
-          </a:stretch>
-        </p:blipFill>
-        <p:spPr>
-          <a:xfrm>
-            <a:off x="7384648" y="1137793"/>
-            <a:ext cx="3334131" cy="4452104"/>
-          </a:xfrm>
-          <a:prstGeom prst="rect">
-            <a:avLst/>
-          </a:prstGeom>
-        </p:spPr>
-      </p:pic>
-    </p:spTree>
-    <p:extLst>
-      <p:ext uri="{BB962C8B-B14F-4D97-AF65-F5344CB8AC3E}">
-        <p14:creationId xmlns:p14="http://schemas.microsoft.com/office/powerpoint/2010/main" val="3631492492"/>
-      </p:ext>
-    </p:extLst>
-  </p:cSld>
-  <p:clrMapOvr>
-    <a:masterClrMapping/>
-  </p:clrMapOvr>
-</p:sld>
-</file>
-
-<file path=ppt/slides/slide5.xml><?xml version="1.0" encoding="utf-8"?>
-<p:sld xmlns:a="http://schemas.openxmlformats.org/drawingml/2006/main" xmlns:r="http://schemas.openxmlformats.org/officeDocument/2006/relationships" xmlns:p="http://schemas.openxmlformats.org/presentationml/2006/main">
-  <p:cSld>
-    <p:spTree>
-      <p:nvGrpSpPr>
-        <p:cNvPr id="1" name=""/>
-        <p:cNvGrpSpPr/>
-        <p:nvPr/>
-      </p:nvGrpSpPr>
-      <p:grpSpPr>
-        <a:xfrm>
-          <a:off x="0" y="0"/>
-          <a:ext cx="0" cy="0"/>
-          <a:chOff x="0" y="0"/>
-          <a:chExt cx="0" cy="0"/>
-        </a:xfrm>
-      </p:grpSpPr>
-      <p:sp>
-        <p:nvSpPr>
-          <p:cNvPr id="4" name="Rechteck 3">
-            <a:extLst>
-              <a:ext uri="{FF2B5EF4-FFF2-40B4-BE49-F238E27FC236}">
-                <a16:creationId xmlns:a16="http://schemas.microsoft.com/office/drawing/2014/main" id="{E25EF50D-F0CD-4727-AFB6-041294F40813}"/>
-              </a:ext>
-            </a:extLst>
-          </p:cNvPr>
-          <p:cNvSpPr/>
-          <p:nvPr/>
-        </p:nvSpPr>
-        <p:spPr>
-          <a:xfrm>
-            <a:off x="0" y="6350696"/>
-            <a:ext cx="10058400" cy="501573"/>
-          </a:xfrm>
-          <a:prstGeom prst="rect">
-            <a:avLst/>
-          </a:prstGeom>
-          <a:solidFill>
-            <a:schemeClr val="bg1">
-              <a:lumMod val="75000"/>
-            </a:schemeClr>
-          </a:solidFill>
-          <a:ln>
-            <a:solidFill>
-              <a:schemeClr val="bg1">
-                <a:lumMod val="75000"/>
-              </a:schemeClr>
-            </a:solidFill>
-          </a:ln>
-        </p:spPr>
-        <p:style>
-          <a:lnRef idx="2">
-            <a:schemeClr val="accent1">
-              <a:shade val="50000"/>
-            </a:schemeClr>
-          </a:lnRef>
-          <a:fillRef idx="1">
-            <a:schemeClr val="accent1"/>
-          </a:fillRef>
-          <a:effectRef idx="0">
-            <a:schemeClr val="accent1"/>
-          </a:effectRef>
-          <a:fontRef idx="minor">
-            <a:schemeClr val="lt1"/>
-          </a:fontRef>
-        </p:style>
-        <p:txBody>
-          <a:bodyPr rtlCol="0" anchor="ctr"/>
-          <a:lstStyle/>
-          <a:p>
-            <a:pPr algn="ctr"/>
-            <a:endParaRPr lang="de-DE"/>
-          </a:p>
-        </p:txBody>
-      </p:sp>
-      <p:pic>
-        <p:nvPicPr>
-          <p:cNvPr id="5" name="Inhaltsplatzhalter 4">
-            <a:extLst>
-              <a:ext uri="{FF2B5EF4-FFF2-40B4-BE49-F238E27FC236}">
-                <a16:creationId xmlns:a16="http://schemas.microsoft.com/office/drawing/2014/main" id="{4A1327ED-C79B-4435-9F7D-BB034D66DF67}"/>
-              </a:ext>
-            </a:extLst>
-          </p:cNvPr>
-          <p:cNvPicPr>
-            <a:picLocks noChangeAspect="1"/>
-          </p:cNvPicPr>
-          <p:nvPr/>
-        </p:nvPicPr>
-        <p:blipFill>
-          <a:blip r:embed="rId2">
-            <a:extLst>
-              <a:ext uri="{28A0092B-C50C-407E-A947-70E740481C1C}">
-                <a14:useLocalDpi xmlns:a14="http://schemas.microsoft.com/office/drawing/2010/main" val="0"/>
-              </a:ext>
-              <a:ext uri="{96DAC541-7B7A-43D3-8B79-37D633B846F1}">
-                <asvg:svgBlip xmlns:asvg="http://schemas.microsoft.com/office/drawing/2016/SVG/main" r:embed="rId3"/>
-              </a:ext>
-            </a:extLst>
-          </a:blip>
-          <a:stretch>
-            <a:fillRect/>
-          </a:stretch>
-        </p:blipFill>
-        <p:spPr>
-          <a:xfrm>
-            <a:off x="9138258" y="5539232"/>
-            <a:ext cx="3053742" cy="1325563"/>
-          </a:xfrm>
-          <a:prstGeom prst="rect">
-            <a:avLst/>
-          </a:prstGeom>
-        </p:spPr>
-      </p:pic>
-      <p:grpSp>
-        <p:nvGrpSpPr>
-          <p:cNvPr id="8" name="Gruppieren 7">
-            <a:extLst>
-              <a:ext uri="{FF2B5EF4-FFF2-40B4-BE49-F238E27FC236}">
-                <a16:creationId xmlns:a16="http://schemas.microsoft.com/office/drawing/2014/main" id="{D12F6303-B64A-4DE0-9338-29C545E489D2}"/>
-              </a:ext>
-            </a:extLst>
-          </p:cNvPr>
-          <p:cNvGrpSpPr/>
-          <p:nvPr/>
-        </p:nvGrpSpPr>
-        <p:grpSpPr>
-          <a:xfrm>
-            <a:off x="0" y="-12526"/>
-            <a:ext cx="12192000" cy="588439"/>
-            <a:chOff x="0" y="-12526"/>
-            <a:chExt cx="12192000" cy="588439"/>
-          </a:xfrm>
-        </p:grpSpPr>
-        <p:sp>
-          <p:nvSpPr>
-            <p:cNvPr id="9" name="Rechteck 8">
-              <a:extLst>
-                <a:ext uri="{FF2B5EF4-FFF2-40B4-BE49-F238E27FC236}">
-                  <a16:creationId xmlns:a16="http://schemas.microsoft.com/office/drawing/2014/main" id="{7E0E77A4-3A23-433F-BE05-4662310BB904}"/>
-                </a:ext>
-              </a:extLst>
-            </p:cNvPr>
-            <p:cNvSpPr/>
-            <p:nvPr/>
-          </p:nvSpPr>
-          <p:spPr>
-            <a:xfrm>
-              <a:off x="0" y="-12526"/>
-              <a:ext cx="12192000" cy="501573"/>
-            </a:xfrm>
-            <a:prstGeom prst="rect">
-              <a:avLst/>
-            </a:prstGeom>
-            <a:solidFill>
-              <a:schemeClr val="bg1">
-                <a:lumMod val="65000"/>
-              </a:schemeClr>
-            </a:solidFill>
-            <a:ln>
-              <a:solidFill>
-                <a:schemeClr val="bg1">
-                  <a:lumMod val="75000"/>
-                </a:schemeClr>
-              </a:solidFill>
-            </a:ln>
-          </p:spPr>
-          <p:style>
-            <a:lnRef idx="2">
-              <a:schemeClr val="accent1">
-                <a:shade val="50000"/>
-              </a:schemeClr>
-            </a:lnRef>
-            <a:fillRef idx="1">
-              <a:schemeClr val="accent1"/>
-            </a:fillRef>
-            <a:effectRef idx="0">
-              <a:schemeClr val="accent1"/>
-            </a:effectRef>
-            <a:fontRef idx="minor">
-              <a:schemeClr val="lt1"/>
-            </a:fontRef>
-          </p:style>
-          <p:txBody>
-            <a:bodyPr rtlCol="0" anchor="ctr"/>
-            <a:lstStyle/>
-            <a:p>
-              <a:pPr algn="ctr"/>
-              <a:endParaRPr lang="de-DE"/>
-            </a:p>
-          </p:txBody>
-        </p:sp>
-        <p:sp>
-          <p:nvSpPr>
-            <p:cNvPr id="10" name="Titel 1">
-              <a:extLst>
-                <a:ext uri="{FF2B5EF4-FFF2-40B4-BE49-F238E27FC236}">
-                  <a16:creationId xmlns:a16="http://schemas.microsoft.com/office/drawing/2014/main" id="{E30452C7-9ADA-4F64-A8E5-5A8C65FD6090}"/>
-                </a:ext>
-              </a:extLst>
-            </p:cNvPr>
-            <p:cNvSpPr txBox="1">
-              <a:spLocks/>
-            </p:cNvSpPr>
-            <p:nvPr/>
-          </p:nvSpPr>
-          <p:spPr>
-            <a:xfrm>
-              <a:off x="162045" y="74340"/>
-              <a:ext cx="9734309" cy="501573"/>
-            </a:xfrm>
-            <a:prstGeom prst="rect">
-              <a:avLst/>
-            </a:prstGeom>
-          </p:spPr>
-          <p:txBody>
-            <a:bodyPr vert="horz" lIns="91440" tIns="45720" rIns="91440" bIns="45720" rtlCol="0" anchor="ctr">
-              <a:normAutofit fontScale="82500" lnSpcReduction="20000"/>
-            </a:bodyPr>
-            <a:lstStyle>
-              <a:lvl1pPr algn="l" defTabSz="914400" rtl="0" eaLnBrk="1" latinLnBrk="0" hangingPunct="1">
-                <a:lnSpc>
-                  <a:spcPct val="90000"/>
-                </a:lnSpc>
-                <a:spcBef>
-                  <a:spcPct val="0"/>
-                </a:spcBef>
-                <a:buNone/>
-                <a:defRPr sz="4400" kern="1200">
-                  <a:solidFill>
-                    <a:schemeClr val="tx1"/>
-                  </a:solidFill>
-                  <a:latin typeface="+mj-lt"/>
-                  <a:ea typeface="+mj-ea"/>
-                  <a:cs typeface="+mj-cs"/>
-                </a:defRPr>
-              </a:lvl1pPr>
-            </a:lstStyle>
-            <a:p>
-              <a:r>
-                <a:rPr lang="de-DE" b="1" dirty="0">
-                  <a:solidFill>
-                    <a:schemeClr val="bg1">
-                      <a:lumMod val="95000"/>
-                    </a:schemeClr>
-                  </a:solidFill>
-                </a:rPr>
-                <a:t>Grundlegender Ansatz</a:t>
-              </a:r>
-            </a:p>
-          </p:txBody>
-        </p:sp>
-      </p:grpSp>
-      <p:pic>
-        <p:nvPicPr>
-          <p:cNvPr id="15" name="Grafik 14">
-            <a:extLst>
-              <a:ext uri="{FF2B5EF4-FFF2-40B4-BE49-F238E27FC236}">
-                <a16:creationId xmlns:a16="http://schemas.microsoft.com/office/drawing/2014/main" id="{C2CABF51-BADD-4581-B38C-1D0AC63253EF}"/>
-              </a:ext>
-            </a:extLst>
-          </p:cNvPr>
-          <p:cNvPicPr>
-            <a:picLocks noChangeAspect="1"/>
-          </p:cNvPicPr>
-          <p:nvPr/>
-        </p:nvPicPr>
-        <p:blipFill>
-          <a:blip r:embed="rId4">
-            <a:extLst>
-              <a:ext uri="{28A0092B-C50C-407E-A947-70E740481C1C}">
-                <a14:useLocalDpi xmlns:a14="http://schemas.microsoft.com/office/drawing/2010/main" val="0"/>
-              </a:ext>
-            </a:extLst>
-          </a:blip>
-          <a:stretch>
-            <a:fillRect/>
-          </a:stretch>
-        </p:blipFill>
-        <p:spPr>
-          <a:xfrm>
-            <a:off x="4746503" y="2652155"/>
-            <a:ext cx="1476930" cy="2084377"/>
-          </a:xfrm>
-          <a:prstGeom prst="rect">
-            <a:avLst/>
-          </a:prstGeom>
-        </p:spPr>
-      </p:pic>
-      <p:pic>
-        <p:nvPicPr>
-          <p:cNvPr id="17" name="Grafik 16">
-            <a:extLst>
-              <a:ext uri="{FF2B5EF4-FFF2-40B4-BE49-F238E27FC236}">
-                <a16:creationId xmlns:a16="http://schemas.microsoft.com/office/drawing/2014/main" id="{1EDB5E4E-2CA1-49C5-8014-6E53DB7A5C1B}"/>
-              </a:ext>
-            </a:extLst>
-          </p:cNvPr>
-          <p:cNvPicPr>
-            <a:picLocks noChangeAspect="1"/>
-          </p:cNvPicPr>
-          <p:nvPr/>
-        </p:nvPicPr>
-        <p:blipFill rotWithShape="1">
-          <a:blip r:embed="rId5">
-            <a:extLst>
-              <a:ext uri="{28A0092B-C50C-407E-A947-70E740481C1C}">
-                <a14:useLocalDpi xmlns:a14="http://schemas.microsoft.com/office/drawing/2010/main" val="0"/>
-              </a:ext>
-            </a:extLst>
-          </a:blip>
-          <a:srcRect r="10589"/>
-          <a:stretch/>
-        </p:blipFill>
-        <p:spPr>
-          <a:xfrm>
-            <a:off x="4647298" y="847526"/>
-            <a:ext cx="1675340" cy="1776714"/>
-          </a:xfrm>
-          <a:prstGeom prst="rect">
-            <a:avLst/>
-          </a:prstGeom>
-        </p:spPr>
-      </p:pic>
-      <p:cxnSp>
-        <p:nvCxnSpPr>
-          <p:cNvPr id="19" name="Verbinder: gekrümmt 18">
-            <a:extLst>
-              <a:ext uri="{FF2B5EF4-FFF2-40B4-BE49-F238E27FC236}">
-                <a16:creationId xmlns:a16="http://schemas.microsoft.com/office/drawing/2014/main" id="{72A85A6B-8D8F-471F-B569-2F6AB656027F}"/>
-              </a:ext>
-            </a:extLst>
-          </p:cNvPr>
-          <p:cNvCxnSpPr>
-            <a:cxnSpLocks/>
-            <a:stCxn id="15" idx="1"/>
-            <a:endCxn id="17" idx="1"/>
-          </p:cNvCxnSpPr>
-          <p:nvPr/>
-        </p:nvCxnSpPr>
-        <p:spPr>
-          <a:xfrm rot="10800000">
-            <a:off x="4647299" y="1735884"/>
-            <a:ext cx="99205" cy="1958461"/>
-          </a:xfrm>
-          <a:prstGeom prst="curvedConnector3">
-            <a:avLst>
-              <a:gd name="adj1" fmla="val 1368833"/>
-            </a:avLst>
-          </a:prstGeom>
-          <a:ln w="57150">
-            <a:solidFill>
-              <a:schemeClr val="tx1"/>
-            </a:solidFill>
-            <a:tailEnd type="triangle"/>
-          </a:ln>
-        </p:spPr>
-        <p:style>
-          <a:lnRef idx="1">
-            <a:schemeClr val="accent1"/>
-          </a:lnRef>
-          <a:fillRef idx="0">
-            <a:schemeClr val="accent1"/>
-          </a:fillRef>
-          <a:effectRef idx="0">
-            <a:schemeClr val="accent1"/>
-          </a:effectRef>
-          <a:fontRef idx="minor">
-            <a:schemeClr val="tx1"/>
-          </a:fontRef>
-        </p:style>
-      </p:cxnSp>
-      <p:cxnSp>
-        <p:nvCxnSpPr>
-          <p:cNvPr id="22" name="Verbinder: gekrümmt 21">
-            <a:extLst>
-              <a:ext uri="{FF2B5EF4-FFF2-40B4-BE49-F238E27FC236}">
-                <a16:creationId xmlns:a16="http://schemas.microsoft.com/office/drawing/2014/main" id="{87352A73-490B-437F-9273-A0E5DCF4F5FB}"/>
-              </a:ext>
-            </a:extLst>
-          </p:cNvPr>
-          <p:cNvCxnSpPr>
-            <a:cxnSpLocks/>
-            <a:stCxn id="17" idx="3"/>
-            <a:endCxn id="15" idx="3"/>
-          </p:cNvCxnSpPr>
-          <p:nvPr/>
-        </p:nvCxnSpPr>
-        <p:spPr>
-          <a:xfrm flipH="1">
-            <a:off x="6223433" y="1735883"/>
-            <a:ext cx="99205" cy="1958461"/>
-          </a:xfrm>
-          <a:prstGeom prst="curvedConnector3">
-            <a:avLst>
-              <a:gd name="adj1" fmla="val -1443846"/>
-            </a:avLst>
-          </a:prstGeom>
-          <a:ln w="57150">
-            <a:solidFill>
-              <a:schemeClr val="tx1"/>
-            </a:solidFill>
-            <a:tailEnd type="triangle"/>
-          </a:ln>
-        </p:spPr>
-        <p:style>
-          <a:lnRef idx="1">
-            <a:schemeClr val="accent1"/>
-          </a:lnRef>
-          <a:fillRef idx="0">
-            <a:schemeClr val="accent1"/>
-          </a:fillRef>
-          <a:effectRef idx="0">
-            <a:schemeClr val="accent1"/>
-          </a:effectRef>
-          <a:fontRef idx="minor">
-            <a:schemeClr val="tx1"/>
-          </a:fontRef>
-        </p:style>
-      </p:cxnSp>
-      <p:sp>
-        <p:nvSpPr>
-          <p:cNvPr id="27" name="Textfeld 26">
-            <a:extLst>
-              <a:ext uri="{FF2B5EF4-FFF2-40B4-BE49-F238E27FC236}">
-                <a16:creationId xmlns:a16="http://schemas.microsoft.com/office/drawing/2014/main" id="{5F8FD409-2D6D-46E9-A8BD-7A5B1D5D980C}"/>
-              </a:ext>
-            </a:extLst>
-          </p:cNvPr>
-          <p:cNvSpPr txBox="1"/>
-          <p:nvPr/>
-        </p:nvSpPr>
-        <p:spPr>
-          <a:xfrm>
-            <a:off x="2172852" y="2421322"/>
-            <a:ext cx="997517" cy="461665"/>
-          </a:xfrm>
-          <a:prstGeom prst="rect">
-            <a:avLst/>
-          </a:prstGeom>
-          <a:noFill/>
-        </p:spPr>
-        <p:txBody>
-          <a:bodyPr wrap="none" rtlCol="0">
-            <a:spAutoFit/>
-          </a:bodyPr>
-          <a:lstStyle/>
-          <a:p>
-            <a:r>
-              <a:rPr lang="de-DE" sz="2400" dirty="0"/>
-              <a:t>Aktion</a:t>
-            </a:r>
-          </a:p>
-        </p:txBody>
-      </p:sp>
-      <p:sp>
-        <p:nvSpPr>
-          <p:cNvPr id="28" name="Textfeld 27">
-            <a:extLst>
-              <a:ext uri="{FF2B5EF4-FFF2-40B4-BE49-F238E27FC236}">
-                <a16:creationId xmlns:a16="http://schemas.microsoft.com/office/drawing/2014/main" id="{671825E2-9BFB-4F11-88B5-2CCF0C91963A}"/>
-              </a:ext>
-            </a:extLst>
-          </p:cNvPr>
-          <p:cNvSpPr txBox="1"/>
-          <p:nvPr/>
-        </p:nvSpPr>
-        <p:spPr>
-          <a:xfrm>
-            <a:off x="8022803" y="2031934"/>
-            <a:ext cx="2642326" cy="1200329"/>
-          </a:xfrm>
-          <a:prstGeom prst="rect">
-            <a:avLst/>
-          </a:prstGeom>
-          <a:noFill/>
-        </p:spPr>
-        <p:txBody>
-          <a:bodyPr wrap="none" rtlCol="0">
-            <a:spAutoFit/>
-          </a:bodyPr>
-          <a:lstStyle/>
-          <a:p>
-            <a:r>
-              <a:rPr lang="de-DE" sz="2400" dirty="0"/>
-              <a:t>Feedback,</a:t>
-            </a:r>
-          </a:p>
-          <a:p>
-            <a:r>
-              <a:rPr lang="de-DE" sz="2400" dirty="0"/>
-              <a:t>Neuer Zustand,</a:t>
-            </a:r>
-          </a:p>
-          <a:p>
-            <a:r>
-              <a:rPr lang="de-DE" sz="2400" dirty="0"/>
-              <a:t>Handlungsoptionen</a:t>
-            </a:r>
-          </a:p>
-        </p:txBody>
-      </p:sp>
-      <p:sp>
-        <p:nvSpPr>
-          <p:cNvPr id="62" name="Inhaltsplatzhalter 2">
-            <a:extLst>
-              <a:ext uri="{FF2B5EF4-FFF2-40B4-BE49-F238E27FC236}">
-                <a16:creationId xmlns:a16="http://schemas.microsoft.com/office/drawing/2014/main" id="{5EB7CE11-3CB1-4A22-A57F-A6F26E5A7315}"/>
-              </a:ext>
-            </a:extLst>
-          </p:cNvPr>
-          <p:cNvSpPr>
-            <a:spLocks noGrp="1"/>
-          </p:cNvSpPr>
-          <p:nvPr>
-            <p:ph idx="1"/>
-          </p:nvPr>
-        </p:nvSpPr>
-        <p:spPr>
-          <a:xfrm>
-            <a:off x="1188417" y="4802568"/>
-            <a:ext cx="10502013" cy="1198746"/>
-          </a:xfrm>
-        </p:spPr>
-        <p:txBody>
-          <a:bodyPr/>
-          <a:lstStyle/>
-          <a:p>
-            <a:r>
-              <a:rPr lang="de-DE" dirty="0"/>
-              <a:t>Kein explizites Wissen über die Welt</a:t>
-            </a:r>
-          </a:p>
-          <a:p>
-            <a:r>
-              <a:rPr lang="de-DE" dirty="0"/>
-              <a:t>Kein direkter Zugriff auf die Welt, nur durch Interaktion</a:t>
-            </a:r>
-          </a:p>
-        </p:txBody>
-      </p:sp>
-    </p:spTree>
-    <p:extLst>
-      <p:ext uri="{BB962C8B-B14F-4D97-AF65-F5344CB8AC3E}">
-        <p14:creationId xmlns:p14="http://schemas.microsoft.com/office/powerpoint/2010/main" val="2939196430"/>
-      </p:ext>
-    </p:extLst>
-  </p:cSld>
-  <p:clrMapOvr>
-    <a:masterClrMapping/>
-  </p:clrMapOvr>
-</p:sld>
-</file>
-
-<file path=ppt/slides/slide6.xml><?xml version="1.0" encoding="utf-8"?>
-<p:sld xmlns:a="http://schemas.openxmlformats.org/drawingml/2006/main" xmlns:r="http://schemas.openxmlformats.org/officeDocument/2006/relationships" xmlns:p="http://schemas.openxmlformats.org/presentationml/2006/main">
-  <p:cSld>
-    <p:spTree>
-      <p:nvGrpSpPr>
-        <p:cNvPr id="1" name=""/>
-        <p:cNvGrpSpPr/>
-        <p:nvPr/>
-      </p:nvGrpSpPr>
-      <p:grpSpPr>
-        <a:xfrm>
-          <a:off x="0" y="0"/>
-          <a:ext cx="0" cy="0"/>
-          <a:chOff x="0" y="0"/>
-          <a:chExt cx="0" cy="0"/>
-        </a:xfrm>
-      </p:grpSpPr>
-      <p:sp>
-        <p:nvSpPr>
-          <p:cNvPr id="4" name="Rechteck 3">
-            <a:extLst>
-              <a:ext uri="{FF2B5EF4-FFF2-40B4-BE49-F238E27FC236}">
-                <a16:creationId xmlns:a16="http://schemas.microsoft.com/office/drawing/2014/main" id="{E25EF50D-F0CD-4727-AFB6-041294F40813}"/>
-              </a:ext>
-            </a:extLst>
-          </p:cNvPr>
-          <p:cNvSpPr/>
-          <p:nvPr/>
-        </p:nvSpPr>
-        <p:spPr>
-          <a:xfrm>
-            <a:off x="0" y="6350696"/>
-            <a:ext cx="10058400" cy="501573"/>
-          </a:xfrm>
-          <a:prstGeom prst="rect">
-            <a:avLst/>
-          </a:prstGeom>
-          <a:solidFill>
-            <a:schemeClr val="bg1">
-              <a:lumMod val="75000"/>
-            </a:schemeClr>
-          </a:solidFill>
-          <a:ln>
-            <a:solidFill>
-              <a:schemeClr val="bg1">
-                <a:lumMod val="75000"/>
-              </a:schemeClr>
-            </a:solidFill>
-          </a:ln>
-        </p:spPr>
-        <p:style>
-          <a:lnRef idx="2">
-            <a:schemeClr val="accent1">
-              <a:shade val="50000"/>
-            </a:schemeClr>
-          </a:lnRef>
-          <a:fillRef idx="1">
-            <a:schemeClr val="accent1"/>
-          </a:fillRef>
-          <a:effectRef idx="0">
-            <a:schemeClr val="accent1"/>
-          </a:effectRef>
-          <a:fontRef idx="minor">
-            <a:schemeClr val="lt1"/>
-          </a:fontRef>
-        </p:style>
-        <p:txBody>
-          <a:bodyPr rtlCol="0" anchor="ctr"/>
-          <a:lstStyle/>
-          <a:p>
-            <a:pPr algn="ctr"/>
-            <a:endParaRPr lang="de-DE"/>
-          </a:p>
-        </p:txBody>
-      </p:sp>
-      <p:pic>
-        <p:nvPicPr>
-          <p:cNvPr id="5" name="Inhaltsplatzhalter 4">
-            <a:extLst>
-              <a:ext uri="{FF2B5EF4-FFF2-40B4-BE49-F238E27FC236}">
-                <a16:creationId xmlns:a16="http://schemas.microsoft.com/office/drawing/2014/main" id="{4A1327ED-C79B-4435-9F7D-BB034D66DF67}"/>
-              </a:ext>
-            </a:extLst>
-          </p:cNvPr>
-          <p:cNvPicPr>
-            <a:picLocks noChangeAspect="1"/>
-          </p:cNvPicPr>
-          <p:nvPr/>
-        </p:nvPicPr>
-        <p:blipFill>
-          <a:blip r:embed="rId2">
-            <a:extLst>
-              <a:ext uri="{28A0092B-C50C-407E-A947-70E740481C1C}">
-                <a14:useLocalDpi xmlns:a14="http://schemas.microsoft.com/office/drawing/2010/main" val="0"/>
-              </a:ext>
-              <a:ext uri="{96DAC541-7B7A-43D3-8B79-37D633B846F1}">
-                <asvg:svgBlip xmlns:asvg="http://schemas.microsoft.com/office/drawing/2016/SVG/main" r:embed="rId3"/>
-              </a:ext>
-            </a:extLst>
-          </a:blip>
-          <a:stretch>
-            <a:fillRect/>
-          </a:stretch>
-        </p:blipFill>
-        <p:spPr>
-          <a:xfrm>
-            <a:off x="9138258" y="5539232"/>
-            <a:ext cx="3053742" cy="1325563"/>
-          </a:xfrm>
-          <a:prstGeom prst="rect">
-            <a:avLst/>
-          </a:prstGeom>
-        </p:spPr>
-      </p:pic>
-      <p:grpSp>
-        <p:nvGrpSpPr>
-          <p:cNvPr id="8" name="Gruppieren 7">
-            <a:extLst>
-              <a:ext uri="{FF2B5EF4-FFF2-40B4-BE49-F238E27FC236}">
-                <a16:creationId xmlns:a16="http://schemas.microsoft.com/office/drawing/2014/main" id="{D12F6303-B64A-4DE0-9338-29C545E489D2}"/>
-              </a:ext>
-            </a:extLst>
-          </p:cNvPr>
-          <p:cNvGrpSpPr/>
-          <p:nvPr/>
-        </p:nvGrpSpPr>
-        <p:grpSpPr>
-          <a:xfrm>
-            <a:off x="0" y="-12526"/>
-            <a:ext cx="12192000" cy="588439"/>
-            <a:chOff x="0" y="-12526"/>
-            <a:chExt cx="12192000" cy="588439"/>
-          </a:xfrm>
-        </p:grpSpPr>
-        <p:sp>
-          <p:nvSpPr>
-            <p:cNvPr id="9" name="Rechteck 8">
-              <a:extLst>
-                <a:ext uri="{FF2B5EF4-FFF2-40B4-BE49-F238E27FC236}">
-                  <a16:creationId xmlns:a16="http://schemas.microsoft.com/office/drawing/2014/main" id="{7E0E77A4-3A23-433F-BE05-4662310BB904}"/>
-                </a:ext>
-              </a:extLst>
-            </p:cNvPr>
-            <p:cNvSpPr/>
-            <p:nvPr/>
-          </p:nvSpPr>
-          <p:spPr>
-            <a:xfrm>
-              <a:off x="0" y="-12526"/>
-              <a:ext cx="12192000" cy="501573"/>
-            </a:xfrm>
-            <a:prstGeom prst="rect">
-              <a:avLst/>
-            </a:prstGeom>
-            <a:solidFill>
-              <a:schemeClr val="bg1">
-                <a:lumMod val="65000"/>
-              </a:schemeClr>
-            </a:solidFill>
-            <a:ln>
-              <a:solidFill>
-                <a:schemeClr val="bg1">
-                  <a:lumMod val="75000"/>
-                </a:schemeClr>
-              </a:solidFill>
-            </a:ln>
-          </p:spPr>
-          <p:style>
-            <a:lnRef idx="2">
-              <a:schemeClr val="accent1">
-                <a:shade val="50000"/>
-              </a:schemeClr>
-            </a:lnRef>
-            <a:fillRef idx="1">
-              <a:schemeClr val="accent1"/>
-            </a:fillRef>
-            <a:effectRef idx="0">
-              <a:schemeClr val="accent1"/>
-            </a:effectRef>
-            <a:fontRef idx="minor">
-              <a:schemeClr val="lt1"/>
-            </a:fontRef>
-          </p:style>
-          <p:txBody>
-            <a:bodyPr rtlCol="0" anchor="ctr"/>
-            <a:lstStyle/>
-            <a:p>
-              <a:pPr algn="ctr"/>
-              <a:endParaRPr lang="de-DE" dirty="0"/>
-            </a:p>
-          </p:txBody>
-        </p:sp>
-        <p:sp>
-          <p:nvSpPr>
-            <p:cNvPr id="10" name="Titel 1">
-              <a:extLst>
-                <a:ext uri="{FF2B5EF4-FFF2-40B4-BE49-F238E27FC236}">
-                  <a16:creationId xmlns:a16="http://schemas.microsoft.com/office/drawing/2014/main" id="{E30452C7-9ADA-4F64-A8E5-5A8C65FD6090}"/>
-                </a:ext>
-              </a:extLst>
-            </p:cNvPr>
-            <p:cNvSpPr txBox="1">
-              <a:spLocks/>
-            </p:cNvSpPr>
-            <p:nvPr/>
-          </p:nvSpPr>
-          <p:spPr>
-            <a:xfrm>
-              <a:off x="162045" y="74340"/>
-              <a:ext cx="9734309" cy="501573"/>
-            </a:xfrm>
-            <a:prstGeom prst="rect">
-              <a:avLst/>
-            </a:prstGeom>
-          </p:spPr>
-          <p:txBody>
-            <a:bodyPr vert="horz" lIns="91440" tIns="45720" rIns="91440" bIns="45720" rtlCol="0" anchor="ctr">
-              <a:normAutofit fontScale="82500" lnSpcReduction="20000"/>
-            </a:bodyPr>
-            <a:lstStyle>
-              <a:lvl1pPr algn="l" defTabSz="914400" rtl="0" eaLnBrk="1" latinLnBrk="0" hangingPunct="1">
-                <a:lnSpc>
-                  <a:spcPct val="90000"/>
-                </a:lnSpc>
-                <a:spcBef>
-                  <a:spcPct val="0"/>
-                </a:spcBef>
-                <a:buNone/>
-                <a:defRPr sz="4400" kern="1200">
-                  <a:solidFill>
-                    <a:schemeClr val="tx1"/>
-                  </a:solidFill>
-                  <a:latin typeface="+mj-lt"/>
-                  <a:ea typeface="+mj-ea"/>
-                  <a:cs typeface="+mj-cs"/>
-                </a:defRPr>
-              </a:lvl1pPr>
-            </a:lstStyle>
-            <a:p>
-              <a:r>
-                <a:rPr lang="de-DE" b="1" dirty="0">
-                  <a:solidFill>
-                    <a:schemeClr val="bg1">
-                      <a:lumMod val="95000"/>
-                    </a:schemeClr>
-                  </a:solidFill>
-                </a:rPr>
-                <a:t>Einfachster Ansatz</a:t>
-              </a:r>
-            </a:p>
-          </p:txBody>
-        </p:sp>
-      </p:grpSp>
-      <p:sp>
-        <p:nvSpPr>
-          <p:cNvPr id="13" name="Inhaltsplatzhalter 2">
-            <a:extLst>
-              <a:ext uri="{FF2B5EF4-FFF2-40B4-BE49-F238E27FC236}">
-                <a16:creationId xmlns:a16="http://schemas.microsoft.com/office/drawing/2014/main" id="{1D950FDE-68CC-477D-9D04-B19B6CD6F3F0}"/>
-              </a:ext>
-            </a:extLst>
-          </p:cNvPr>
-          <p:cNvSpPr>
-            <a:spLocks noGrp="1"/>
-          </p:cNvSpPr>
-          <p:nvPr>
-            <p:ph idx="1"/>
-          </p:nvPr>
-        </p:nvSpPr>
-        <p:spPr>
-          <a:xfrm>
-            <a:off x="1236562" y="2012410"/>
-            <a:ext cx="9359096" cy="3219347"/>
-          </a:xfrm>
-        </p:spPr>
-        <p:txBody>
-          <a:bodyPr/>
-          <a:lstStyle/>
-          <a:p>
-            <a:r>
-              <a:rPr lang="de-DE" dirty="0"/>
-              <a:t>Diskrete Zustände</a:t>
-            </a:r>
-          </a:p>
-          <a:p>
-            <a:r>
-              <a:rPr lang="de-DE" dirty="0"/>
-              <a:t>In einer Tabelle verwaltet</a:t>
-            </a:r>
-          </a:p>
-          <a:p>
-            <a:r>
-              <a:rPr lang="de-DE" dirty="0"/>
-              <a:t>Agent lernt die einzelnen Zustände zu bewerten</a:t>
-            </a:r>
-          </a:p>
-          <a:p>
-            <a:pPr marL="0" indent="0">
-              <a:buNone/>
-            </a:pPr>
-            <a:r>
-              <a:rPr lang="de-DE" dirty="0">
-                <a:latin typeface="Calibri" panose="020F0502020204030204" pitchFamily="34" charset="0"/>
-                <a:cs typeface="Calibri" panose="020F0502020204030204" pitchFamily="34" charset="0"/>
-              </a:rPr>
-              <a:t>→ Wie viel Belohnung verspricht er sich von einem Zustand</a:t>
-            </a:r>
-          </a:p>
-          <a:p>
-            <a:pPr marL="0" indent="0">
-              <a:buNone/>
-            </a:pPr>
-            <a:r>
-              <a:rPr lang="de-DE" dirty="0">
-                <a:latin typeface="Calibri" panose="020F0502020204030204" pitchFamily="34" charset="0"/>
-                <a:cs typeface="Calibri" panose="020F0502020204030204" pitchFamily="34" charset="0"/>
-              </a:rPr>
-              <a:t>→ Maximiert die Belohnung</a:t>
-            </a:r>
-            <a:endParaRPr lang="de-DE" dirty="0"/>
-          </a:p>
-        </p:txBody>
-      </p:sp>
-    </p:spTree>
-    <p:extLst>
-      <p:ext uri="{BB962C8B-B14F-4D97-AF65-F5344CB8AC3E}">
-        <p14:creationId xmlns:p14="http://schemas.microsoft.com/office/powerpoint/2010/main" val="3595329108"/>
-      </p:ext>
-    </p:extLst>
-  </p:cSld>
-  <p:clrMapOvr>
-    <a:masterClrMapping/>
-  </p:clrMapOvr>
-</p:sld>
-</file>
-
-<file path=ppt/slides/slide7.xml><?xml version="1.0" encoding="utf-8"?>
 <p:sld xmlns:a="http://schemas.openxmlformats.org/drawingml/2006/main" xmlns:r="http://schemas.openxmlformats.org/officeDocument/2006/relationships" xmlns:p="http://schemas.openxmlformats.org/presentationml/2006/main">
   <p:cSld>
     <p:spTree>
@@ -8919,7 +5479,4443 @@
 </p:sld>
 </file>
 
+<file path=ppt/slides/slide11.xml><?xml version="1.0" encoding="utf-8"?>
+<p:sld xmlns:a="http://schemas.openxmlformats.org/drawingml/2006/main" xmlns:r="http://schemas.openxmlformats.org/officeDocument/2006/relationships" xmlns:p="http://schemas.openxmlformats.org/presentationml/2006/main">
+  <p:cSld>
+    <p:spTree>
+      <p:nvGrpSpPr>
+        <p:cNvPr id="1" name=""/>
+        <p:cNvGrpSpPr/>
+        <p:nvPr/>
+      </p:nvGrpSpPr>
+      <p:grpSpPr>
+        <a:xfrm>
+          <a:off x="0" y="0"/>
+          <a:ext cx="0" cy="0"/>
+          <a:chOff x="0" y="0"/>
+          <a:chExt cx="0" cy="0"/>
+        </a:xfrm>
+      </p:grpSpPr>
+      <p:sp>
+        <p:nvSpPr>
+          <p:cNvPr id="4" name="Rechteck 3">
+            <a:extLst>
+              <a:ext uri="{FF2B5EF4-FFF2-40B4-BE49-F238E27FC236}">
+                <a16:creationId xmlns:a16="http://schemas.microsoft.com/office/drawing/2014/main" id="{E25EF50D-F0CD-4727-AFB6-041294F40813}"/>
+              </a:ext>
+            </a:extLst>
+          </p:cNvPr>
+          <p:cNvSpPr/>
+          <p:nvPr/>
+        </p:nvSpPr>
+        <p:spPr>
+          <a:xfrm>
+            <a:off x="0" y="6350696"/>
+            <a:ext cx="10058400" cy="501573"/>
+          </a:xfrm>
+          <a:prstGeom prst="rect">
+            <a:avLst/>
+          </a:prstGeom>
+          <a:solidFill>
+            <a:schemeClr val="bg1">
+              <a:lumMod val="75000"/>
+            </a:schemeClr>
+          </a:solidFill>
+          <a:ln>
+            <a:solidFill>
+              <a:schemeClr val="bg1">
+                <a:lumMod val="75000"/>
+              </a:schemeClr>
+            </a:solidFill>
+          </a:ln>
+        </p:spPr>
+        <p:style>
+          <a:lnRef idx="2">
+            <a:schemeClr val="accent1">
+              <a:shade val="50000"/>
+            </a:schemeClr>
+          </a:lnRef>
+          <a:fillRef idx="1">
+            <a:schemeClr val="accent1"/>
+          </a:fillRef>
+          <a:effectRef idx="0">
+            <a:schemeClr val="accent1"/>
+          </a:effectRef>
+          <a:fontRef idx="minor">
+            <a:schemeClr val="lt1"/>
+          </a:fontRef>
+        </p:style>
+        <p:txBody>
+          <a:bodyPr rtlCol="0" anchor="ctr"/>
+          <a:lstStyle/>
+          <a:p>
+            <a:pPr algn="ctr"/>
+            <a:endParaRPr lang="en-US"/>
+          </a:p>
+        </p:txBody>
+      </p:sp>
+      <p:pic>
+        <p:nvPicPr>
+          <p:cNvPr id="5" name="Inhaltsplatzhalter 4">
+            <a:extLst>
+              <a:ext uri="{FF2B5EF4-FFF2-40B4-BE49-F238E27FC236}">
+                <a16:creationId xmlns:a16="http://schemas.microsoft.com/office/drawing/2014/main" id="{4A1327ED-C79B-4435-9F7D-BB034D66DF67}"/>
+              </a:ext>
+            </a:extLst>
+          </p:cNvPr>
+          <p:cNvPicPr>
+            <a:picLocks noChangeAspect="1"/>
+          </p:cNvPicPr>
+          <p:nvPr/>
+        </p:nvPicPr>
+        <p:blipFill>
+          <a:blip r:embed="rId2">
+            <a:extLst>
+              <a:ext uri="{28A0092B-C50C-407E-A947-70E740481C1C}">
+                <a14:useLocalDpi xmlns:a14="http://schemas.microsoft.com/office/drawing/2010/main" val="0"/>
+              </a:ext>
+              <a:ext uri="{96DAC541-7B7A-43D3-8B79-37D633B846F1}">
+                <asvg:svgBlip xmlns:asvg="http://schemas.microsoft.com/office/drawing/2016/SVG/main" r:embed="rId3"/>
+              </a:ext>
+            </a:extLst>
+          </a:blip>
+          <a:stretch>
+            <a:fillRect/>
+          </a:stretch>
+        </p:blipFill>
+        <p:spPr>
+          <a:xfrm>
+            <a:off x="9138258" y="5539232"/>
+            <a:ext cx="3053742" cy="1325563"/>
+          </a:xfrm>
+          <a:prstGeom prst="rect">
+            <a:avLst/>
+          </a:prstGeom>
+        </p:spPr>
+      </p:pic>
+      <p:grpSp>
+        <p:nvGrpSpPr>
+          <p:cNvPr id="8" name="Gruppieren 7">
+            <a:extLst>
+              <a:ext uri="{FF2B5EF4-FFF2-40B4-BE49-F238E27FC236}">
+                <a16:creationId xmlns:a16="http://schemas.microsoft.com/office/drawing/2014/main" id="{D12F6303-B64A-4DE0-9338-29C545E489D2}"/>
+              </a:ext>
+            </a:extLst>
+          </p:cNvPr>
+          <p:cNvGrpSpPr/>
+          <p:nvPr/>
+        </p:nvGrpSpPr>
+        <p:grpSpPr>
+          <a:xfrm>
+            <a:off x="0" y="-12526"/>
+            <a:ext cx="12192000" cy="588439"/>
+            <a:chOff x="0" y="-12526"/>
+            <a:chExt cx="12192000" cy="588439"/>
+          </a:xfrm>
+        </p:grpSpPr>
+        <p:sp>
+          <p:nvSpPr>
+            <p:cNvPr id="9" name="Rechteck 8">
+              <a:extLst>
+                <a:ext uri="{FF2B5EF4-FFF2-40B4-BE49-F238E27FC236}">
+                  <a16:creationId xmlns:a16="http://schemas.microsoft.com/office/drawing/2014/main" id="{7E0E77A4-3A23-433F-BE05-4662310BB904}"/>
+                </a:ext>
+              </a:extLst>
+            </p:cNvPr>
+            <p:cNvSpPr/>
+            <p:nvPr/>
+          </p:nvSpPr>
+          <p:spPr>
+            <a:xfrm>
+              <a:off x="0" y="-12526"/>
+              <a:ext cx="12192000" cy="501573"/>
+            </a:xfrm>
+            <a:prstGeom prst="rect">
+              <a:avLst/>
+            </a:prstGeom>
+            <a:solidFill>
+              <a:schemeClr val="bg1">
+                <a:lumMod val="65000"/>
+              </a:schemeClr>
+            </a:solidFill>
+            <a:ln>
+              <a:solidFill>
+                <a:schemeClr val="bg1">
+                  <a:lumMod val="75000"/>
+                </a:schemeClr>
+              </a:solidFill>
+            </a:ln>
+          </p:spPr>
+          <p:style>
+            <a:lnRef idx="2">
+              <a:schemeClr val="accent1">
+                <a:shade val="50000"/>
+              </a:schemeClr>
+            </a:lnRef>
+            <a:fillRef idx="1">
+              <a:schemeClr val="accent1"/>
+            </a:fillRef>
+            <a:effectRef idx="0">
+              <a:schemeClr val="accent1"/>
+            </a:effectRef>
+            <a:fontRef idx="minor">
+              <a:schemeClr val="lt1"/>
+            </a:fontRef>
+          </p:style>
+          <p:txBody>
+            <a:bodyPr rtlCol="0" anchor="ctr"/>
+            <a:lstStyle/>
+            <a:p>
+              <a:pPr algn="ctr"/>
+              <a:endParaRPr lang="en-US"/>
+            </a:p>
+          </p:txBody>
+        </p:sp>
+        <p:sp>
+          <p:nvSpPr>
+            <p:cNvPr id="10" name="Titel 1">
+              <a:extLst>
+                <a:ext uri="{FF2B5EF4-FFF2-40B4-BE49-F238E27FC236}">
+                  <a16:creationId xmlns:a16="http://schemas.microsoft.com/office/drawing/2014/main" id="{E30452C7-9ADA-4F64-A8E5-5A8C65FD6090}"/>
+                </a:ext>
+              </a:extLst>
+            </p:cNvPr>
+            <p:cNvSpPr txBox="1">
+              <a:spLocks/>
+            </p:cNvSpPr>
+            <p:nvPr/>
+          </p:nvSpPr>
+          <p:spPr>
+            <a:xfrm>
+              <a:off x="162045" y="74340"/>
+              <a:ext cx="9734309" cy="501573"/>
+            </a:xfrm>
+            <a:prstGeom prst="rect">
+              <a:avLst/>
+            </a:prstGeom>
+          </p:spPr>
+          <p:txBody>
+            <a:bodyPr vert="horz" lIns="91440" tIns="45720" rIns="91440" bIns="45720" rtlCol="0" anchor="ctr">
+              <a:normAutofit fontScale="82500" lnSpcReduction="20000"/>
+            </a:bodyPr>
+            <a:lstStyle>
+              <a:lvl1pPr algn="l" defTabSz="914400" rtl="0" eaLnBrk="1" latinLnBrk="0" hangingPunct="1">
+                <a:lnSpc>
+                  <a:spcPct val="90000"/>
+                </a:lnSpc>
+                <a:spcBef>
+                  <a:spcPct val="0"/>
+                </a:spcBef>
+                <a:buNone/>
+                <a:defRPr sz="4400" kern="1200">
+                  <a:solidFill>
+                    <a:schemeClr val="tx1"/>
+                  </a:solidFill>
+                  <a:latin typeface="+mj-lt"/>
+                  <a:ea typeface="+mj-ea"/>
+                  <a:cs typeface="+mj-cs"/>
+                </a:defRPr>
+              </a:lvl1pPr>
+            </a:lstStyle>
+            <a:p>
+              <a:r>
+                <a:rPr lang="en-US" b="1" dirty="0">
+                  <a:solidFill>
+                    <a:schemeClr val="bg1">
+                      <a:lumMod val="95000"/>
+                    </a:schemeClr>
+                  </a:solidFill>
+                </a:rPr>
+                <a:t>Selection strategy</a:t>
+              </a:r>
+            </a:p>
+          </p:txBody>
+        </p:sp>
+      </p:grpSp>
+      <p:sp>
+        <p:nvSpPr>
+          <p:cNvPr id="19" name="Textfeld 18">
+            <a:extLst>
+              <a:ext uri="{FF2B5EF4-FFF2-40B4-BE49-F238E27FC236}">
+                <a16:creationId xmlns:a16="http://schemas.microsoft.com/office/drawing/2014/main" id="{D43E4605-7BBF-42C9-B366-20A64B92066E}"/>
+              </a:ext>
+            </a:extLst>
+          </p:cNvPr>
+          <p:cNvSpPr txBox="1"/>
+          <p:nvPr/>
+        </p:nvSpPr>
+        <p:spPr>
+          <a:xfrm>
+            <a:off x="1719262" y="1768070"/>
+            <a:ext cx="9224963" cy="2246769"/>
+          </a:xfrm>
+          <a:prstGeom prst="rect">
+            <a:avLst/>
+          </a:prstGeom>
+          <a:noFill/>
+        </p:spPr>
+        <p:txBody>
+          <a:bodyPr wrap="square" rtlCol="0">
+            <a:spAutoFit/>
+          </a:bodyPr>
+          <a:lstStyle/>
+          <a:p>
+            <a:r>
+              <a:rPr lang="de-DE" sz="2800" dirty="0" err="1"/>
+              <a:t>Selection</a:t>
+            </a:r>
+            <a:r>
+              <a:rPr lang="de-DE" sz="2800" dirty="0"/>
+              <a:t> </a:t>
+            </a:r>
+            <a:r>
+              <a:rPr lang="de-DE" sz="2800" dirty="0" err="1"/>
+              <a:t>strategy</a:t>
+            </a:r>
+            <a:r>
+              <a:rPr lang="de-DE" sz="2800" dirty="0"/>
+              <a:t>: Strategie nach der aus einem gegeben Zustand heraus die nächste Aktion ausgewählt wird</a:t>
+            </a:r>
+          </a:p>
+          <a:p>
+            <a:endParaRPr lang="de-DE" sz="2800" dirty="0"/>
+          </a:p>
+          <a:p>
+            <a:r>
+              <a:rPr lang="de-DE" sz="2800" dirty="0"/>
+              <a:t>Problem: Abwiegen zwischen Erkunden der Umgebung und Ausnutzen des bereits gewonnenen Wissen</a:t>
+            </a:r>
+          </a:p>
+        </p:txBody>
+      </p:sp>
+    </p:spTree>
+    <p:extLst>
+      <p:ext uri="{BB962C8B-B14F-4D97-AF65-F5344CB8AC3E}">
+        <p14:creationId xmlns:p14="http://schemas.microsoft.com/office/powerpoint/2010/main" val="2864195174"/>
+      </p:ext>
+    </p:extLst>
+  </p:cSld>
+  <p:clrMapOvr>
+    <a:masterClrMapping/>
+  </p:clrMapOvr>
+</p:sld>
+</file>
+
+<file path=ppt/slides/slide12.xml><?xml version="1.0" encoding="utf-8"?>
+<p:sld xmlns:a="http://schemas.openxmlformats.org/drawingml/2006/main" xmlns:r="http://schemas.openxmlformats.org/officeDocument/2006/relationships" xmlns:p="http://schemas.openxmlformats.org/presentationml/2006/main">
+  <p:cSld>
+    <p:spTree>
+      <p:nvGrpSpPr>
+        <p:cNvPr id="1" name=""/>
+        <p:cNvGrpSpPr/>
+        <p:nvPr/>
+      </p:nvGrpSpPr>
+      <p:grpSpPr>
+        <a:xfrm>
+          <a:off x="0" y="0"/>
+          <a:ext cx="0" cy="0"/>
+          <a:chOff x="0" y="0"/>
+          <a:chExt cx="0" cy="0"/>
+        </a:xfrm>
+      </p:grpSpPr>
+      <p:sp>
+        <p:nvSpPr>
+          <p:cNvPr id="4" name="Rechteck 3">
+            <a:extLst>
+              <a:ext uri="{FF2B5EF4-FFF2-40B4-BE49-F238E27FC236}">
+                <a16:creationId xmlns:a16="http://schemas.microsoft.com/office/drawing/2014/main" id="{E25EF50D-F0CD-4727-AFB6-041294F40813}"/>
+              </a:ext>
+            </a:extLst>
+          </p:cNvPr>
+          <p:cNvSpPr/>
+          <p:nvPr/>
+        </p:nvSpPr>
+        <p:spPr>
+          <a:xfrm>
+            <a:off x="0" y="6350696"/>
+            <a:ext cx="10058400" cy="501573"/>
+          </a:xfrm>
+          <a:prstGeom prst="rect">
+            <a:avLst/>
+          </a:prstGeom>
+          <a:solidFill>
+            <a:schemeClr val="bg1">
+              <a:lumMod val="75000"/>
+            </a:schemeClr>
+          </a:solidFill>
+          <a:ln>
+            <a:solidFill>
+              <a:schemeClr val="bg1">
+                <a:lumMod val="75000"/>
+              </a:schemeClr>
+            </a:solidFill>
+          </a:ln>
+        </p:spPr>
+        <p:style>
+          <a:lnRef idx="2">
+            <a:schemeClr val="accent1">
+              <a:shade val="50000"/>
+            </a:schemeClr>
+          </a:lnRef>
+          <a:fillRef idx="1">
+            <a:schemeClr val="accent1"/>
+          </a:fillRef>
+          <a:effectRef idx="0">
+            <a:schemeClr val="accent1"/>
+          </a:effectRef>
+          <a:fontRef idx="minor">
+            <a:schemeClr val="lt1"/>
+          </a:fontRef>
+        </p:style>
+        <p:txBody>
+          <a:bodyPr rtlCol="0" anchor="ctr"/>
+          <a:lstStyle/>
+          <a:p>
+            <a:pPr algn="ctr"/>
+            <a:endParaRPr lang="en-US"/>
+          </a:p>
+        </p:txBody>
+      </p:sp>
+      <p:pic>
+        <p:nvPicPr>
+          <p:cNvPr id="5" name="Inhaltsplatzhalter 4">
+            <a:extLst>
+              <a:ext uri="{FF2B5EF4-FFF2-40B4-BE49-F238E27FC236}">
+                <a16:creationId xmlns:a16="http://schemas.microsoft.com/office/drawing/2014/main" id="{4A1327ED-C79B-4435-9F7D-BB034D66DF67}"/>
+              </a:ext>
+            </a:extLst>
+          </p:cNvPr>
+          <p:cNvPicPr>
+            <a:picLocks noChangeAspect="1"/>
+          </p:cNvPicPr>
+          <p:nvPr/>
+        </p:nvPicPr>
+        <p:blipFill>
+          <a:blip r:embed="rId2">
+            <a:extLst>
+              <a:ext uri="{28A0092B-C50C-407E-A947-70E740481C1C}">
+                <a14:useLocalDpi xmlns:a14="http://schemas.microsoft.com/office/drawing/2010/main" val="0"/>
+              </a:ext>
+              <a:ext uri="{96DAC541-7B7A-43D3-8B79-37D633B846F1}">
+                <asvg:svgBlip xmlns:asvg="http://schemas.microsoft.com/office/drawing/2016/SVG/main" r:embed="rId3"/>
+              </a:ext>
+            </a:extLst>
+          </a:blip>
+          <a:stretch>
+            <a:fillRect/>
+          </a:stretch>
+        </p:blipFill>
+        <p:spPr>
+          <a:xfrm>
+            <a:off x="9138258" y="5539232"/>
+            <a:ext cx="3053742" cy="1325563"/>
+          </a:xfrm>
+          <a:prstGeom prst="rect">
+            <a:avLst/>
+          </a:prstGeom>
+        </p:spPr>
+      </p:pic>
+      <p:grpSp>
+        <p:nvGrpSpPr>
+          <p:cNvPr id="8" name="Gruppieren 7">
+            <a:extLst>
+              <a:ext uri="{FF2B5EF4-FFF2-40B4-BE49-F238E27FC236}">
+                <a16:creationId xmlns:a16="http://schemas.microsoft.com/office/drawing/2014/main" id="{D12F6303-B64A-4DE0-9338-29C545E489D2}"/>
+              </a:ext>
+            </a:extLst>
+          </p:cNvPr>
+          <p:cNvGrpSpPr/>
+          <p:nvPr/>
+        </p:nvGrpSpPr>
+        <p:grpSpPr>
+          <a:xfrm>
+            <a:off x="0" y="-12526"/>
+            <a:ext cx="12192000" cy="588439"/>
+            <a:chOff x="0" y="-12526"/>
+            <a:chExt cx="12192000" cy="588439"/>
+          </a:xfrm>
+        </p:grpSpPr>
+        <p:sp>
+          <p:nvSpPr>
+            <p:cNvPr id="9" name="Rechteck 8">
+              <a:extLst>
+                <a:ext uri="{FF2B5EF4-FFF2-40B4-BE49-F238E27FC236}">
+                  <a16:creationId xmlns:a16="http://schemas.microsoft.com/office/drawing/2014/main" id="{7E0E77A4-3A23-433F-BE05-4662310BB904}"/>
+                </a:ext>
+              </a:extLst>
+            </p:cNvPr>
+            <p:cNvSpPr/>
+            <p:nvPr/>
+          </p:nvSpPr>
+          <p:spPr>
+            <a:xfrm>
+              <a:off x="0" y="-12526"/>
+              <a:ext cx="12192000" cy="501573"/>
+            </a:xfrm>
+            <a:prstGeom prst="rect">
+              <a:avLst/>
+            </a:prstGeom>
+            <a:solidFill>
+              <a:schemeClr val="bg1">
+                <a:lumMod val="65000"/>
+              </a:schemeClr>
+            </a:solidFill>
+            <a:ln>
+              <a:solidFill>
+                <a:schemeClr val="bg1">
+                  <a:lumMod val="75000"/>
+                </a:schemeClr>
+              </a:solidFill>
+            </a:ln>
+          </p:spPr>
+          <p:style>
+            <a:lnRef idx="2">
+              <a:schemeClr val="accent1">
+                <a:shade val="50000"/>
+              </a:schemeClr>
+            </a:lnRef>
+            <a:fillRef idx="1">
+              <a:schemeClr val="accent1"/>
+            </a:fillRef>
+            <a:effectRef idx="0">
+              <a:schemeClr val="accent1"/>
+            </a:effectRef>
+            <a:fontRef idx="minor">
+              <a:schemeClr val="lt1"/>
+            </a:fontRef>
+          </p:style>
+          <p:txBody>
+            <a:bodyPr rtlCol="0" anchor="ctr"/>
+            <a:lstStyle/>
+            <a:p>
+              <a:pPr algn="ctr"/>
+              <a:endParaRPr lang="en-US"/>
+            </a:p>
+          </p:txBody>
+        </p:sp>
+        <p:sp>
+          <p:nvSpPr>
+            <p:cNvPr id="10" name="Titel 1">
+              <a:extLst>
+                <a:ext uri="{FF2B5EF4-FFF2-40B4-BE49-F238E27FC236}">
+                  <a16:creationId xmlns:a16="http://schemas.microsoft.com/office/drawing/2014/main" id="{E30452C7-9ADA-4F64-A8E5-5A8C65FD6090}"/>
+                </a:ext>
+              </a:extLst>
+            </p:cNvPr>
+            <p:cNvSpPr txBox="1">
+              <a:spLocks/>
+            </p:cNvSpPr>
+            <p:nvPr/>
+          </p:nvSpPr>
+          <p:spPr>
+            <a:xfrm>
+              <a:off x="162045" y="74340"/>
+              <a:ext cx="9734309" cy="501573"/>
+            </a:xfrm>
+            <a:prstGeom prst="rect">
+              <a:avLst/>
+            </a:prstGeom>
+          </p:spPr>
+          <p:txBody>
+            <a:bodyPr vert="horz" lIns="91440" tIns="45720" rIns="91440" bIns="45720" rtlCol="0" anchor="ctr">
+              <a:normAutofit fontScale="82500" lnSpcReduction="20000"/>
+            </a:bodyPr>
+            <a:lstStyle>
+              <a:lvl1pPr algn="l" defTabSz="914400" rtl="0" eaLnBrk="1" latinLnBrk="0" hangingPunct="1">
+                <a:lnSpc>
+                  <a:spcPct val="90000"/>
+                </a:lnSpc>
+                <a:spcBef>
+                  <a:spcPct val="0"/>
+                </a:spcBef>
+                <a:buNone/>
+                <a:defRPr sz="4400" kern="1200">
+                  <a:solidFill>
+                    <a:schemeClr val="tx1"/>
+                  </a:solidFill>
+                  <a:latin typeface="+mj-lt"/>
+                  <a:ea typeface="+mj-ea"/>
+                  <a:cs typeface="+mj-cs"/>
+                </a:defRPr>
+              </a:lvl1pPr>
+            </a:lstStyle>
+            <a:p>
+              <a:r>
+                <a:rPr lang="en-US" b="1" dirty="0">
+                  <a:solidFill>
+                    <a:schemeClr val="bg1">
+                      <a:lumMod val="95000"/>
+                    </a:schemeClr>
+                  </a:solidFill>
+                </a:rPr>
+                <a:t>Selection strategy – </a:t>
+              </a:r>
+              <a:r>
+                <a:rPr lang="el-GR" b="1" dirty="0">
+                  <a:solidFill>
+                    <a:schemeClr val="bg1">
+                      <a:lumMod val="95000"/>
+                    </a:schemeClr>
+                  </a:solidFill>
+                  <a:latin typeface="Calibri" panose="020F0502020204030204" pitchFamily="34" charset="0"/>
+                  <a:cs typeface="Calibri" panose="020F0502020204030204" pitchFamily="34" charset="0"/>
+                </a:rPr>
+                <a:t>ε</a:t>
+              </a:r>
+              <a:r>
+                <a:rPr lang="de-DE" b="1" dirty="0">
+                  <a:solidFill>
+                    <a:schemeClr val="bg1">
+                      <a:lumMod val="95000"/>
+                    </a:schemeClr>
+                  </a:solidFill>
+                </a:rPr>
+                <a:t>-</a:t>
+              </a:r>
+              <a:r>
+                <a:rPr lang="de-DE" b="1" dirty="0" err="1">
+                  <a:solidFill>
+                    <a:schemeClr val="bg1">
+                      <a:lumMod val="95000"/>
+                    </a:schemeClr>
+                  </a:solidFill>
+                </a:rPr>
+                <a:t>greedy</a:t>
+              </a:r>
+              <a:endParaRPr lang="en-US" b="1" dirty="0">
+                <a:solidFill>
+                  <a:schemeClr val="bg1">
+                    <a:lumMod val="95000"/>
+                  </a:schemeClr>
+                </a:solidFill>
+              </a:endParaRPr>
+            </a:p>
+          </p:txBody>
+        </p:sp>
+      </p:grpSp>
+      <p:sp>
+        <p:nvSpPr>
+          <p:cNvPr id="7" name="Textfeld 6">
+            <a:extLst>
+              <a:ext uri="{FF2B5EF4-FFF2-40B4-BE49-F238E27FC236}">
+                <a16:creationId xmlns:a16="http://schemas.microsoft.com/office/drawing/2014/main" id="{A282DDA6-7248-48A0-9D6D-E9258C1FD1F7}"/>
+              </a:ext>
+            </a:extLst>
+          </p:cNvPr>
+          <p:cNvSpPr txBox="1"/>
+          <p:nvPr/>
+        </p:nvSpPr>
+        <p:spPr>
+          <a:xfrm>
+            <a:off x="3886200" y="3138574"/>
+            <a:ext cx="3942874" cy="2246769"/>
+          </a:xfrm>
+          <a:prstGeom prst="rect">
+            <a:avLst/>
+          </a:prstGeom>
+          <a:noFill/>
+        </p:spPr>
+        <p:txBody>
+          <a:bodyPr wrap="none" rtlCol="0">
+            <a:spAutoFit/>
+          </a:bodyPr>
+          <a:lstStyle/>
+          <a:p>
+            <a:r>
+              <a:rPr lang="en-US" sz="2800" dirty="0"/>
+              <a:t>p ← random(0,1)</a:t>
+            </a:r>
+          </a:p>
+          <a:p>
+            <a:r>
+              <a:rPr lang="en-US" sz="2800" dirty="0"/>
+              <a:t>if</a:t>
+            </a:r>
+            <a:r>
+              <a:rPr lang="de-DE" sz="2800" dirty="0"/>
+              <a:t> p &lt; </a:t>
+            </a:r>
+            <a:r>
+              <a:rPr lang="el-GR" sz="2800" dirty="0">
+                <a:latin typeface="Calibri" panose="020F0502020204030204" pitchFamily="34" charset="0"/>
+                <a:cs typeface="Calibri" panose="020F0502020204030204" pitchFamily="34" charset="0"/>
+              </a:rPr>
+              <a:t>ε</a:t>
+            </a:r>
+            <a:r>
+              <a:rPr lang="de-DE" sz="2800" dirty="0">
+                <a:latin typeface="Calibri" panose="020F0502020204030204" pitchFamily="34" charset="0"/>
+                <a:cs typeface="Calibri" panose="020F0502020204030204" pitchFamily="34" charset="0"/>
+              </a:rPr>
+              <a:t>:</a:t>
+            </a:r>
+          </a:p>
+          <a:p>
+            <a:r>
+              <a:rPr lang="de-DE" sz="2800" dirty="0">
+                <a:latin typeface="Calibri" panose="020F0502020204030204" pitchFamily="34" charset="0"/>
+                <a:cs typeface="Calibri" panose="020F0502020204030204" pitchFamily="34" charset="0"/>
+              </a:rPr>
+              <a:t>	</a:t>
+            </a:r>
+            <a:r>
+              <a:rPr lang="en-US" sz="2800" i="1" dirty="0">
+                <a:latin typeface="Calibri" panose="020F0502020204030204" pitchFamily="34" charset="0"/>
+                <a:cs typeface="Calibri" panose="020F0502020204030204" pitchFamily="34" charset="0"/>
+              </a:rPr>
+              <a:t>take random action</a:t>
+            </a:r>
+          </a:p>
+          <a:p>
+            <a:r>
+              <a:rPr lang="en-US" sz="2800" dirty="0">
+                <a:latin typeface="Calibri" panose="020F0502020204030204" pitchFamily="34" charset="0"/>
+                <a:cs typeface="Calibri" panose="020F0502020204030204" pitchFamily="34" charset="0"/>
+              </a:rPr>
+              <a:t>else</a:t>
+            </a:r>
+            <a:r>
+              <a:rPr lang="de-DE" sz="2800" dirty="0">
+                <a:latin typeface="Calibri" panose="020F0502020204030204" pitchFamily="34" charset="0"/>
+                <a:cs typeface="Calibri" panose="020F0502020204030204" pitchFamily="34" charset="0"/>
+              </a:rPr>
+              <a:t>:</a:t>
+            </a:r>
+          </a:p>
+          <a:p>
+            <a:r>
+              <a:rPr lang="de-DE" sz="2800" dirty="0">
+                <a:latin typeface="Calibri" panose="020F0502020204030204" pitchFamily="34" charset="0"/>
+                <a:cs typeface="Calibri" panose="020F0502020204030204" pitchFamily="34" charset="0"/>
+              </a:rPr>
+              <a:t>	</a:t>
+            </a:r>
+            <a:r>
+              <a:rPr lang="en-US" sz="2800" i="1" dirty="0">
+                <a:latin typeface="Calibri" panose="020F0502020204030204" pitchFamily="34" charset="0"/>
+                <a:cs typeface="Calibri" panose="020F0502020204030204" pitchFamily="34" charset="0"/>
+              </a:rPr>
+              <a:t>take best action</a:t>
+            </a:r>
+            <a:endParaRPr lang="en-US" sz="2800" i="1" dirty="0"/>
+          </a:p>
+        </p:txBody>
+      </p:sp>
+      <p:sp>
+        <p:nvSpPr>
+          <p:cNvPr id="19" name="Textfeld 18">
+            <a:extLst>
+              <a:ext uri="{FF2B5EF4-FFF2-40B4-BE49-F238E27FC236}">
+                <a16:creationId xmlns:a16="http://schemas.microsoft.com/office/drawing/2014/main" id="{D43E4605-7BBF-42C9-B366-20A64B92066E}"/>
+              </a:ext>
+            </a:extLst>
+          </p:cNvPr>
+          <p:cNvSpPr txBox="1"/>
+          <p:nvPr/>
+        </p:nvSpPr>
+        <p:spPr>
+          <a:xfrm>
+            <a:off x="1447800" y="1257079"/>
+            <a:ext cx="10525125" cy="1384995"/>
+          </a:xfrm>
+          <a:prstGeom prst="rect">
+            <a:avLst/>
+          </a:prstGeom>
+          <a:noFill/>
+        </p:spPr>
+        <p:txBody>
+          <a:bodyPr wrap="square" rtlCol="0">
+            <a:spAutoFit/>
+          </a:bodyPr>
+          <a:lstStyle/>
+          <a:p>
+            <a:r>
+              <a:rPr lang="de-DE" sz="2800" dirty="0"/>
+              <a:t>Einfachste Idee:</a:t>
+            </a:r>
+          </a:p>
+          <a:p>
+            <a:r>
+              <a:rPr lang="de-DE" sz="2800" dirty="0"/>
+              <a:t>	Man wählt immer die beste Option und mit einer bestimmten 	Wahrscheinlichkeit eine zufällige</a:t>
+            </a:r>
+          </a:p>
+        </p:txBody>
+      </p:sp>
+    </p:spTree>
+    <p:extLst>
+      <p:ext uri="{BB962C8B-B14F-4D97-AF65-F5344CB8AC3E}">
+        <p14:creationId xmlns:p14="http://schemas.microsoft.com/office/powerpoint/2010/main" val="1500730287"/>
+      </p:ext>
+    </p:extLst>
+  </p:cSld>
+  <p:clrMapOvr>
+    <a:masterClrMapping/>
+  </p:clrMapOvr>
+</p:sld>
+</file>
+
+<file path=ppt/slides/slide13.xml><?xml version="1.0" encoding="utf-8"?>
+<p:sld xmlns:a="http://schemas.openxmlformats.org/drawingml/2006/main" xmlns:r="http://schemas.openxmlformats.org/officeDocument/2006/relationships" xmlns:p="http://schemas.openxmlformats.org/presentationml/2006/main">
+  <p:cSld>
+    <p:spTree>
+      <p:nvGrpSpPr>
+        <p:cNvPr id="1" name=""/>
+        <p:cNvGrpSpPr/>
+        <p:nvPr/>
+      </p:nvGrpSpPr>
+      <p:grpSpPr>
+        <a:xfrm>
+          <a:off x="0" y="0"/>
+          <a:ext cx="0" cy="0"/>
+          <a:chOff x="0" y="0"/>
+          <a:chExt cx="0" cy="0"/>
+        </a:xfrm>
+      </p:grpSpPr>
+      <p:sp>
+        <p:nvSpPr>
+          <p:cNvPr id="4" name="Rechteck 3">
+            <a:extLst>
+              <a:ext uri="{FF2B5EF4-FFF2-40B4-BE49-F238E27FC236}">
+                <a16:creationId xmlns:a16="http://schemas.microsoft.com/office/drawing/2014/main" id="{E25EF50D-F0CD-4727-AFB6-041294F40813}"/>
+              </a:ext>
+            </a:extLst>
+          </p:cNvPr>
+          <p:cNvSpPr/>
+          <p:nvPr/>
+        </p:nvSpPr>
+        <p:spPr>
+          <a:xfrm>
+            <a:off x="0" y="6350696"/>
+            <a:ext cx="10058400" cy="501573"/>
+          </a:xfrm>
+          <a:prstGeom prst="rect">
+            <a:avLst/>
+          </a:prstGeom>
+          <a:solidFill>
+            <a:schemeClr val="bg1">
+              <a:lumMod val="75000"/>
+            </a:schemeClr>
+          </a:solidFill>
+          <a:ln>
+            <a:solidFill>
+              <a:schemeClr val="bg1">
+                <a:lumMod val="75000"/>
+              </a:schemeClr>
+            </a:solidFill>
+          </a:ln>
+        </p:spPr>
+        <p:style>
+          <a:lnRef idx="2">
+            <a:schemeClr val="accent1">
+              <a:shade val="50000"/>
+            </a:schemeClr>
+          </a:lnRef>
+          <a:fillRef idx="1">
+            <a:schemeClr val="accent1"/>
+          </a:fillRef>
+          <a:effectRef idx="0">
+            <a:schemeClr val="accent1"/>
+          </a:effectRef>
+          <a:fontRef idx="minor">
+            <a:schemeClr val="lt1"/>
+          </a:fontRef>
+        </p:style>
+        <p:txBody>
+          <a:bodyPr rtlCol="0" anchor="ctr"/>
+          <a:lstStyle/>
+          <a:p>
+            <a:pPr algn="ctr"/>
+            <a:endParaRPr lang="en-US"/>
+          </a:p>
+        </p:txBody>
+      </p:sp>
+      <p:pic>
+        <p:nvPicPr>
+          <p:cNvPr id="5" name="Inhaltsplatzhalter 4">
+            <a:extLst>
+              <a:ext uri="{FF2B5EF4-FFF2-40B4-BE49-F238E27FC236}">
+                <a16:creationId xmlns:a16="http://schemas.microsoft.com/office/drawing/2014/main" id="{4A1327ED-C79B-4435-9F7D-BB034D66DF67}"/>
+              </a:ext>
+            </a:extLst>
+          </p:cNvPr>
+          <p:cNvPicPr>
+            <a:picLocks noChangeAspect="1"/>
+          </p:cNvPicPr>
+          <p:nvPr/>
+        </p:nvPicPr>
+        <p:blipFill>
+          <a:blip r:embed="rId2">
+            <a:extLst>
+              <a:ext uri="{28A0092B-C50C-407E-A947-70E740481C1C}">
+                <a14:useLocalDpi xmlns:a14="http://schemas.microsoft.com/office/drawing/2010/main" val="0"/>
+              </a:ext>
+              <a:ext uri="{96DAC541-7B7A-43D3-8B79-37D633B846F1}">
+                <asvg:svgBlip xmlns:asvg="http://schemas.microsoft.com/office/drawing/2016/SVG/main" r:embed="rId3"/>
+              </a:ext>
+            </a:extLst>
+          </a:blip>
+          <a:stretch>
+            <a:fillRect/>
+          </a:stretch>
+        </p:blipFill>
+        <p:spPr>
+          <a:xfrm>
+            <a:off x="9138258" y="5539232"/>
+            <a:ext cx="3053742" cy="1325563"/>
+          </a:xfrm>
+          <a:prstGeom prst="rect">
+            <a:avLst/>
+          </a:prstGeom>
+        </p:spPr>
+      </p:pic>
+      <p:grpSp>
+        <p:nvGrpSpPr>
+          <p:cNvPr id="8" name="Gruppieren 7">
+            <a:extLst>
+              <a:ext uri="{FF2B5EF4-FFF2-40B4-BE49-F238E27FC236}">
+                <a16:creationId xmlns:a16="http://schemas.microsoft.com/office/drawing/2014/main" id="{D12F6303-B64A-4DE0-9338-29C545E489D2}"/>
+              </a:ext>
+            </a:extLst>
+          </p:cNvPr>
+          <p:cNvGrpSpPr/>
+          <p:nvPr/>
+        </p:nvGrpSpPr>
+        <p:grpSpPr>
+          <a:xfrm>
+            <a:off x="0" y="-12526"/>
+            <a:ext cx="12192000" cy="588439"/>
+            <a:chOff x="0" y="-12526"/>
+            <a:chExt cx="12192000" cy="588439"/>
+          </a:xfrm>
+        </p:grpSpPr>
+        <p:sp>
+          <p:nvSpPr>
+            <p:cNvPr id="9" name="Rechteck 8">
+              <a:extLst>
+                <a:ext uri="{FF2B5EF4-FFF2-40B4-BE49-F238E27FC236}">
+                  <a16:creationId xmlns:a16="http://schemas.microsoft.com/office/drawing/2014/main" id="{7E0E77A4-3A23-433F-BE05-4662310BB904}"/>
+                </a:ext>
+              </a:extLst>
+            </p:cNvPr>
+            <p:cNvSpPr/>
+            <p:nvPr/>
+          </p:nvSpPr>
+          <p:spPr>
+            <a:xfrm>
+              <a:off x="0" y="-12526"/>
+              <a:ext cx="12192000" cy="501573"/>
+            </a:xfrm>
+            <a:prstGeom prst="rect">
+              <a:avLst/>
+            </a:prstGeom>
+            <a:solidFill>
+              <a:schemeClr val="bg1">
+                <a:lumMod val="65000"/>
+              </a:schemeClr>
+            </a:solidFill>
+            <a:ln>
+              <a:solidFill>
+                <a:schemeClr val="bg1">
+                  <a:lumMod val="75000"/>
+                </a:schemeClr>
+              </a:solidFill>
+            </a:ln>
+          </p:spPr>
+          <p:style>
+            <a:lnRef idx="2">
+              <a:schemeClr val="accent1">
+                <a:shade val="50000"/>
+              </a:schemeClr>
+            </a:lnRef>
+            <a:fillRef idx="1">
+              <a:schemeClr val="accent1"/>
+            </a:fillRef>
+            <a:effectRef idx="0">
+              <a:schemeClr val="accent1"/>
+            </a:effectRef>
+            <a:fontRef idx="minor">
+              <a:schemeClr val="lt1"/>
+            </a:fontRef>
+          </p:style>
+          <p:txBody>
+            <a:bodyPr rtlCol="0" anchor="ctr"/>
+            <a:lstStyle/>
+            <a:p>
+              <a:pPr algn="ctr"/>
+              <a:endParaRPr lang="en-US"/>
+            </a:p>
+          </p:txBody>
+        </p:sp>
+        <p:sp>
+          <p:nvSpPr>
+            <p:cNvPr id="10" name="Titel 1">
+              <a:extLst>
+                <a:ext uri="{FF2B5EF4-FFF2-40B4-BE49-F238E27FC236}">
+                  <a16:creationId xmlns:a16="http://schemas.microsoft.com/office/drawing/2014/main" id="{E30452C7-9ADA-4F64-A8E5-5A8C65FD6090}"/>
+                </a:ext>
+              </a:extLst>
+            </p:cNvPr>
+            <p:cNvSpPr txBox="1">
+              <a:spLocks/>
+            </p:cNvSpPr>
+            <p:nvPr/>
+          </p:nvSpPr>
+          <p:spPr>
+            <a:xfrm>
+              <a:off x="162045" y="74340"/>
+              <a:ext cx="9734309" cy="501573"/>
+            </a:xfrm>
+            <a:prstGeom prst="rect">
+              <a:avLst/>
+            </a:prstGeom>
+          </p:spPr>
+          <p:txBody>
+            <a:bodyPr vert="horz" lIns="91440" tIns="45720" rIns="91440" bIns="45720" rtlCol="0" anchor="ctr">
+              <a:normAutofit fontScale="82500" lnSpcReduction="20000"/>
+            </a:bodyPr>
+            <a:lstStyle>
+              <a:lvl1pPr algn="l" defTabSz="914400" rtl="0" eaLnBrk="1" latinLnBrk="0" hangingPunct="1">
+                <a:lnSpc>
+                  <a:spcPct val="90000"/>
+                </a:lnSpc>
+                <a:spcBef>
+                  <a:spcPct val="0"/>
+                </a:spcBef>
+                <a:buNone/>
+                <a:defRPr sz="4400" kern="1200">
+                  <a:solidFill>
+                    <a:schemeClr val="tx1"/>
+                  </a:solidFill>
+                  <a:latin typeface="+mj-lt"/>
+                  <a:ea typeface="+mj-ea"/>
+                  <a:cs typeface="+mj-cs"/>
+                </a:defRPr>
+              </a:lvl1pPr>
+            </a:lstStyle>
+            <a:p>
+              <a:r>
+                <a:rPr lang="en-US" b="1" dirty="0">
+                  <a:solidFill>
+                    <a:schemeClr val="bg1">
+                      <a:lumMod val="95000"/>
+                    </a:schemeClr>
+                  </a:solidFill>
+                </a:rPr>
+                <a:t>Selection strategy – </a:t>
+              </a:r>
+              <a:r>
+                <a:rPr lang="de-DE" b="1" dirty="0" err="1">
+                  <a:solidFill>
+                    <a:schemeClr val="bg1">
+                      <a:lumMod val="95000"/>
+                    </a:schemeClr>
+                  </a:solidFill>
+                  <a:latin typeface="Calibri" panose="020F0502020204030204" pitchFamily="34" charset="0"/>
+                  <a:cs typeface="Calibri" panose="020F0502020204030204" pitchFamily="34" charset="0"/>
+                </a:rPr>
+                <a:t>Softmax</a:t>
+              </a:r>
+              <a:endParaRPr lang="en-US" b="1" dirty="0">
+                <a:solidFill>
+                  <a:schemeClr val="bg1">
+                    <a:lumMod val="95000"/>
+                  </a:schemeClr>
+                </a:solidFill>
+              </a:endParaRPr>
+            </a:p>
+          </p:txBody>
+        </p:sp>
+      </p:grpSp>
+      <mc:AlternateContent xmlns:mc="http://schemas.openxmlformats.org/markup-compatibility/2006">
+        <mc:Choice xmlns:a14="http://schemas.microsoft.com/office/drawing/2010/main" Requires="a14">
+          <p:sp>
+            <p:nvSpPr>
+              <p:cNvPr id="2" name="Textfeld 1">
+                <a:extLst>
+                  <a:ext uri="{FF2B5EF4-FFF2-40B4-BE49-F238E27FC236}">
+                    <a16:creationId xmlns:a16="http://schemas.microsoft.com/office/drawing/2014/main" id="{3B928A9F-E336-430F-BADE-A096F6DD6B40}"/>
+                  </a:ext>
+                </a:extLst>
+              </p:cNvPr>
+              <p:cNvSpPr txBox="1"/>
+              <p:nvPr/>
+            </p:nvSpPr>
+            <p:spPr>
+              <a:xfrm>
+                <a:off x="3117108" y="2856106"/>
+                <a:ext cx="4048801" cy="1627753"/>
+              </a:xfrm>
+              <a:prstGeom prst="rect">
+                <a:avLst/>
+              </a:prstGeom>
+              <a:noFill/>
+            </p:spPr>
+            <p:txBody>
+              <a:bodyPr wrap="none" rtlCol="0">
+                <a:spAutoFit/>
+              </a:bodyPr>
+              <a:lstStyle/>
+              <a:p>
+                <a:pPr/>
+                <a14:m>
+                  <m:oMathPara xmlns:m="http://schemas.openxmlformats.org/officeDocument/2006/math">
+                    <m:oMathParaPr>
+                      <m:jc m:val="centerGroup"/>
+                    </m:oMathParaPr>
+                    <m:oMath xmlns:m="http://schemas.openxmlformats.org/officeDocument/2006/math">
+                      <m:r>
+                        <a:rPr lang="de-DE" sz="4000" b="0" i="1" smtClean="0">
+                          <a:latin typeface="Cambria Math" panose="02040503050406030204" pitchFamily="18" charset="0"/>
+                        </a:rPr>
+                        <m:t>𝑃</m:t>
+                      </m:r>
+                      <m:d>
+                        <m:dPr>
+                          <m:ctrlPr>
+                            <a:rPr lang="de-DE" sz="4000" b="0" i="1" smtClean="0">
+                              <a:latin typeface="Cambria Math" panose="02040503050406030204" pitchFamily="18" charset="0"/>
+                            </a:rPr>
+                          </m:ctrlPr>
+                        </m:dPr>
+                        <m:e>
+                          <m:sSub>
+                            <m:sSubPr>
+                              <m:ctrlPr>
+                                <a:rPr lang="de-DE" sz="4000" b="0" i="1" smtClean="0">
+                                  <a:latin typeface="Cambria Math" panose="02040503050406030204" pitchFamily="18" charset="0"/>
+                                </a:rPr>
+                              </m:ctrlPr>
+                            </m:sSubPr>
+                            <m:e>
+                              <m:r>
+                                <a:rPr lang="de-DE" sz="4000" b="0" i="1" smtClean="0">
+                                  <a:latin typeface="Cambria Math" panose="02040503050406030204" pitchFamily="18" charset="0"/>
+                                </a:rPr>
+                                <m:t>𝑎</m:t>
+                              </m:r>
+                            </m:e>
+                            <m:sub>
+                              <m:r>
+                                <a:rPr lang="de-DE" sz="4000" b="0" i="1" smtClean="0">
+                                  <a:latin typeface="Cambria Math" panose="02040503050406030204" pitchFamily="18" charset="0"/>
+                                </a:rPr>
+                                <m:t>𝑖</m:t>
+                              </m:r>
+                            </m:sub>
+                          </m:sSub>
+                        </m:e>
+                      </m:d>
+                      <m:r>
+                        <a:rPr lang="de-DE" sz="4000" b="0" i="1" smtClean="0">
+                          <a:latin typeface="Cambria Math" panose="02040503050406030204" pitchFamily="18" charset="0"/>
+                        </a:rPr>
+                        <m:t>=</m:t>
+                      </m:r>
+                      <m:f>
+                        <m:fPr>
+                          <m:ctrlPr>
+                            <a:rPr lang="de-DE" sz="4000" i="1" smtClean="0">
+                              <a:latin typeface="Cambria Math" panose="02040503050406030204" pitchFamily="18" charset="0"/>
+                            </a:rPr>
+                          </m:ctrlPr>
+                        </m:fPr>
+                        <m:num>
+                          <m:sSup>
+                            <m:sSupPr>
+                              <m:ctrlPr>
+                                <a:rPr lang="de-DE" sz="4000" i="1" smtClean="0">
+                                  <a:latin typeface="Cambria Math" panose="02040503050406030204" pitchFamily="18" charset="0"/>
+                                </a:rPr>
+                              </m:ctrlPr>
+                            </m:sSupPr>
+                            <m:e>
+                              <m:r>
+                                <a:rPr lang="de-DE" sz="4000" b="0" i="1" smtClean="0">
+                                  <a:latin typeface="Cambria Math" panose="02040503050406030204" pitchFamily="18" charset="0"/>
+                                </a:rPr>
+                                <m:t>𝑒</m:t>
+                              </m:r>
+                            </m:e>
+                            <m:sup>
+                              <m:sSub>
+                                <m:sSubPr>
+                                  <m:ctrlPr>
+                                    <a:rPr lang="de-DE" sz="4000" i="1">
+                                      <a:latin typeface="Cambria Math" panose="02040503050406030204" pitchFamily="18" charset="0"/>
+                                    </a:rPr>
+                                  </m:ctrlPr>
+                                </m:sSubPr>
+                                <m:e>
+                                  <m:r>
+                                    <a:rPr lang="de-DE" sz="4000" b="0" i="1" smtClean="0">
+                                      <a:latin typeface="Cambria Math" panose="02040503050406030204" pitchFamily="18" charset="0"/>
+                                    </a:rPr>
+                                    <m:t>𝑣</m:t>
+                                  </m:r>
+                                  <m:r>
+                                    <a:rPr lang="de-DE" sz="4000" b="0" i="1" smtClean="0">
+                                      <a:latin typeface="Cambria Math" panose="02040503050406030204" pitchFamily="18" charset="0"/>
+                                    </a:rPr>
+                                    <m:t>(</m:t>
+                                  </m:r>
+                                  <m:r>
+                                    <a:rPr lang="de-DE" sz="4000" b="0" i="1" smtClean="0">
+                                      <a:latin typeface="Cambria Math" panose="02040503050406030204" pitchFamily="18" charset="0"/>
+                                    </a:rPr>
+                                    <m:t>𝑎</m:t>
+                                  </m:r>
+                                </m:e>
+                                <m:sub>
+                                  <m:r>
+                                    <a:rPr lang="de-DE" sz="4000" i="1">
+                                      <a:latin typeface="Cambria Math" panose="02040503050406030204" pitchFamily="18" charset="0"/>
+                                    </a:rPr>
+                                    <m:t>𝑖</m:t>
+                                  </m:r>
+                                </m:sub>
+                              </m:sSub>
+                              <m:r>
+                                <a:rPr lang="de-DE" sz="4000" b="0" i="1" smtClean="0">
+                                  <a:latin typeface="Cambria Math" panose="02040503050406030204" pitchFamily="18" charset="0"/>
+                                </a:rPr>
+                                <m:t>)</m:t>
+                              </m:r>
+                            </m:sup>
+                          </m:sSup>
+                        </m:num>
+                        <m:den>
+                          <m:nary>
+                            <m:naryPr>
+                              <m:chr m:val="∑"/>
+                              <m:supHide m:val="on"/>
+                              <m:ctrlPr>
+                                <a:rPr lang="de-DE" sz="4000" i="1" smtClean="0">
+                                  <a:latin typeface="Cambria Math" panose="02040503050406030204" pitchFamily="18" charset="0"/>
+                                </a:rPr>
+                              </m:ctrlPr>
+                            </m:naryPr>
+                            <m:sub>
+                              <m:r>
+                                <a:rPr lang="de-DE" sz="4000" b="0" i="1" smtClean="0">
+                                  <a:latin typeface="Cambria Math" panose="02040503050406030204" pitchFamily="18" charset="0"/>
+                                </a:rPr>
+                                <m:t>𝑗</m:t>
+                              </m:r>
+                            </m:sub>
+                            <m:sup/>
+                            <m:e>
+                              <m:sSup>
+                                <m:sSupPr>
+                                  <m:ctrlPr>
+                                    <a:rPr lang="de-DE" sz="4000" i="1" smtClean="0">
+                                      <a:latin typeface="Cambria Math" panose="02040503050406030204" pitchFamily="18" charset="0"/>
+                                    </a:rPr>
+                                  </m:ctrlPr>
+                                </m:sSupPr>
+                                <m:e>
+                                  <m:r>
+                                    <a:rPr lang="de-DE" sz="4000" b="0" i="1" smtClean="0">
+                                      <a:latin typeface="Cambria Math" panose="02040503050406030204" pitchFamily="18" charset="0"/>
+                                    </a:rPr>
+                                    <m:t>𝑒</m:t>
+                                  </m:r>
+                                </m:e>
+                                <m:sup>
+                                  <m:r>
+                                    <a:rPr lang="de-DE" sz="4000" b="0" i="1" smtClean="0">
+                                      <a:latin typeface="Cambria Math" panose="02040503050406030204" pitchFamily="18" charset="0"/>
+                                    </a:rPr>
+                                    <m:t>𝑣</m:t>
+                                  </m:r>
+                                  <m:r>
+                                    <a:rPr lang="de-DE" sz="4000" b="0" i="1" smtClean="0">
+                                      <a:latin typeface="Cambria Math" panose="02040503050406030204" pitchFamily="18" charset="0"/>
+                                    </a:rPr>
+                                    <m:t>(</m:t>
+                                  </m:r>
+                                  <m:sSub>
+                                    <m:sSubPr>
+                                      <m:ctrlPr>
+                                        <a:rPr lang="de-DE" sz="4000" i="1" smtClean="0">
+                                          <a:latin typeface="Cambria Math" panose="02040503050406030204" pitchFamily="18" charset="0"/>
+                                        </a:rPr>
+                                      </m:ctrlPr>
+                                    </m:sSubPr>
+                                    <m:e>
+                                      <m:r>
+                                        <a:rPr lang="de-DE" sz="4000" b="0" i="1" smtClean="0">
+                                          <a:latin typeface="Cambria Math" panose="02040503050406030204" pitchFamily="18" charset="0"/>
+                                        </a:rPr>
+                                        <m:t>𝑎</m:t>
+                                      </m:r>
+                                    </m:e>
+                                    <m:sub>
+                                      <m:r>
+                                        <a:rPr lang="de-DE" sz="4000" b="0" i="1" smtClean="0">
+                                          <a:latin typeface="Cambria Math" panose="02040503050406030204" pitchFamily="18" charset="0"/>
+                                        </a:rPr>
+                                        <m:t>𝑗</m:t>
+                                      </m:r>
+                                    </m:sub>
+                                  </m:sSub>
+                                  <m:r>
+                                    <a:rPr lang="de-DE" sz="4000" b="0" i="1" smtClean="0">
+                                      <a:latin typeface="Cambria Math" panose="02040503050406030204" pitchFamily="18" charset="0"/>
+                                    </a:rPr>
+                                    <m:t>)</m:t>
+                                  </m:r>
+                                </m:sup>
+                              </m:sSup>
+                            </m:e>
+                          </m:nary>
+                        </m:den>
+                      </m:f>
+                    </m:oMath>
+                  </m:oMathPara>
+                </a14:m>
+                <a:endParaRPr lang="de-DE" dirty="0"/>
+              </a:p>
+            </p:txBody>
+          </p:sp>
+        </mc:Choice>
+        <mc:Fallback>
+          <p:sp>
+            <p:nvSpPr>
+              <p:cNvPr id="2" name="Textfeld 1">
+                <a:extLst>
+                  <a:ext uri="{FF2B5EF4-FFF2-40B4-BE49-F238E27FC236}">
+                    <a16:creationId xmlns:a16="http://schemas.microsoft.com/office/drawing/2014/main" id="{3B928A9F-E336-430F-BADE-A096F6DD6B40}"/>
+                  </a:ext>
+                </a:extLst>
+              </p:cNvPr>
+              <p:cNvSpPr txBox="1">
+                <a:spLocks noRot="1" noChangeAspect="1" noMove="1" noResize="1" noEditPoints="1" noAdjustHandles="1" noChangeArrowheads="1" noChangeShapeType="1" noTextEdit="1"/>
+              </p:cNvSpPr>
+              <p:nvPr/>
+            </p:nvSpPr>
+            <p:spPr>
+              <a:xfrm>
+                <a:off x="3117108" y="2856106"/>
+                <a:ext cx="4048801" cy="1627753"/>
+              </a:xfrm>
+              <a:prstGeom prst="rect">
+                <a:avLst/>
+              </a:prstGeom>
+              <a:blipFill>
+                <a:blip r:embed="rId4"/>
+                <a:stretch>
+                  <a:fillRect/>
+                </a:stretch>
+              </a:blipFill>
+            </p:spPr>
+            <p:txBody>
+              <a:bodyPr/>
+              <a:lstStyle/>
+              <a:p>
+                <a:r>
+                  <a:rPr lang="de-DE">
+                    <a:noFill/>
+                  </a:rPr>
+                  <a:t> </a:t>
+                </a:r>
+              </a:p>
+            </p:txBody>
+          </p:sp>
+        </mc:Fallback>
+      </mc:AlternateContent>
+      <p:sp>
+        <p:nvSpPr>
+          <p:cNvPr id="23" name="Textfeld 22">
+            <a:extLst>
+              <a:ext uri="{FF2B5EF4-FFF2-40B4-BE49-F238E27FC236}">
+                <a16:creationId xmlns:a16="http://schemas.microsoft.com/office/drawing/2014/main" id="{B86D725C-F28F-4A3D-BE3F-DE6F2F22603C}"/>
+              </a:ext>
+            </a:extLst>
+          </p:cNvPr>
+          <p:cNvSpPr txBox="1"/>
+          <p:nvPr/>
+        </p:nvSpPr>
+        <p:spPr>
+          <a:xfrm>
+            <a:off x="1333500" y="1300511"/>
+            <a:ext cx="10525125" cy="830997"/>
+          </a:xfrm>
+          <a:prstGeom prst="rect">
+            <a:avLst/>
+          </a:prstGeom>
+          <a:noFill/>
+        </p:spPr>
+        <p:txBody>
+          <a:bodyPr wrap="square" rtlCol="0">
+            <a:spAutoFit/>
+          </a:bodyPr>
+          <a:lstStyle/>
+          <a:p>
+            <a:r>
+              <a:rPr lang="de-DE" sz="2400" dirty="0"/>
+              <a:t>Idee:</a:t>
+            </a:r>
+          </a:p>
+          <a:p>
+            <a:r>
+              <a:rPr lang="de-DE" sz="2400" dirty="0"/>
+              <a:t>	Je besser eine Aktion ist umso wahrscheinlicher wird sie</a:t>
+            </a:r>
+          </a:p>
+        </p:txBody>
+      </p:sp>
+    </p:spTree>
+    <p:extLst>
+      <p:ext uri="{BB962C8B-B14F-4D97-AF65-F5344CB8AC3E}">
+        <p14:creationId xmlns:p14="http://schemas.microsoft.com/office/powerpoint/2010/main" val="2046292443"/>
+      </p:ext>
+    </p:extLst>
+  </p:cSld>
+  <p:clrMapOvr>
+    <a:masterClrMapping/>
+  </p:clrMapOvr>
+</p:sld>
+</file>
+
+<file path=ppt/slides/slide14.xml><?xml version="1.0" encoding="utf-8"?>
+<p:sld xmlns:a="http://schemas.openxmlformats.org/drawingml/2006/main" xmlns:r="http://schemas.openxmlformats.org/officeDocument/2006/relationships" xmlns:p="http://schemas.openxmlformats.org/presentationml/2006/main">
+  <p:cSld>
+    <p:spTree>
+      <p:nvGrpSpPr>
+        <p:cNvPr id="1" name=""/>
+        <p:cNvGrpSpPr/>
+        <p:nvPr/>
+      </p:nvGrpSpPr>
+      <p:grpSpPr>
+        <a:xfrm>
+          <a:off x="0" y="0"/>
+          <a:ext cx="0" cy="0"/>
+          <a:chOff x="0" y="0"/>
+          <a:chExt cx="0" cy="0"/>
+        </a:xfrm>
+      </p:grpSpPr>
+      <p:sp>
+        <p:nvSpPr>
+          <p:cNvPr id="4" name="Rechteck 3">
+            <a:extLst>
+              <a:ext uri="{FF2B5EF4-FFF2-40B4-BE49-F238E27FC236}">
+                <a16:creationId xmlns:a16="http://schemas.microsoft.com/office/drawing/2014/main" id="{E25EF50D-F0CD-4727-AFB6-041294F40813}"/>
+              </a:ext>
+            </a:extLst>
+          </p:cNvPr>
+          <p:cNvSpPr/>
+          <p:nvPr/>
+        </p:nvSpPr>
+        <p:spPr>
+          <a:xfrm>
+            <a:off x="0" y="6350696"/>
+            <a:ext cx="10058400" cy="501573"/>
+          </a:xfrm>
+          <a:prstGeom prst="rect">
+            <a:avLst/>
+          </a:prstGeom>
+          <a:solidFill>
+            <a:schemeClr val="bg1">
+              <a:lumMod val="75000"/>
+            </a:schemeClr>
+          </a:solidFill>
+          <a:ln>
+            <a:solidFill>
+              <a:schemeClr val="bg1">
+                <a:lumMod val="75000"/>
+              </a:schemeClr>
+            </a:solidFill>
+          </a:ln>
+        </p:spPr>
+        <p:style>
+          <a:lnRef idx="2">
+            <a:schemeClr val="accent1">
+              <a:shade val="50000"/>
+            </a:schemeClr>
+          </a:lnRef>
+          <a:fillRef idx="1">
+            <a:schemeClr val="accent1"/>
+          </a:fillRef>
+          <a:effectRef idx="0">
+            <a:schemeClr val="accent1"/>
+          </a:effectRef>
+          <a:fontRef idx="minor">
+            <a:schemeClr val="lt1"/>
+          </a:fontRef>
+        </p:style>
+        <p:txBody>
+          <a:bodyPr rtlCol="0" anchor="ctr"/>
+          <a:lstStyle/>
+          <a:p>
+            <a:pPr algn="ctr"/>
+            <a:endParaRPr lang="en-US"/>
+          </a:p>
+        </p:txBody>
+      </p:sp>
+      <p:pic>
+        <p:nvPicPr>
+          <p:cNvPr id="5" name="Inhaltsplatzhalter 4">
+            <a:extLst>
+              <a:ext uri="{FF2B5EF4-FFF2-40B4-BE49-F238E27FC236}">
+                <a16:creationId xmlns:a16="http://schemas.microsoft.com/office/drawing/2014/main" id="{4A1327ED-C79B-4435-9F7D-BB034D66DF67}"/>
+              </a:ext>
+            </a:extLst>
+          </p:cNvPr>
+          <p:cNvPicPr>
+            <a:picLocks noChangeAspect="1"/>
+          </p:cNvPicPr>
+          <p:nvPr/>
+        </p:nvPicPr>
+        <p:blipFill>
+          <a:blip r:embed="rId2">
+            <a:extLst>
+              <a:ext uri="{28A0092B-C50C-407E-A947-70E740481C1C}">
+                <a14:useLocalDpi xmlns:a14="http://schemas.microsoft.com/office/drawing/2010/main" val="0"/>
+              </a:ext>
+              <a:ext uri="{96DAC541-7B7A-43D3-8B79-37D633B846F1}">
+                <asvg:svgBlip xmlns:asvg="http://schemas.microsoft.com/office/drawing/2016/SVG/main" r:embed="rId3"/>
+              </a:ext>
+            </a:extLst>
+          </a:blip>
+          <a:stretch>
+            <a:fillRect/>
+          </a:stretch>
+        </p:blipFill>
+        <p:spPr>
+          <a:xfrm>
+            <a:off x="9138258" y="5539232"/>
+            <a:ext cx="3053742" cy="1325563"/>
+          </a:xfrm>
+          <a:prstGeom prst="rect">
+            <a:avLst/>
+          </a:prstGeom>
+        </p:spPr>
+      </p:pic>
+      <p:grpSp>
+        <p:nvGrpSpPr>
+          <p:cNvPr id="8" name="Gruppieren 7">
+            <a:extLst>
+              <a:ext uri="{FF2B5EF4-FFF2-40B4-BE49-F238E27FC236}">
+                <a16:creationId xmlns:a16="http://schemas.microsoft.com/office/drawing/2014/main" id="{D12F6303-B64A-4DE0-9338-29C545E489D2}"/>
+              </a:ext>
+            </a:extLst>
+          </p:cNvPr>
+          <p:cNvGrpSpPr/>
+          <p:nvPr/>
+        </p:nvGrpSpPr>
+        <p:grpSpPr>
+          <a:xfrm>
+            <a:off x="0" y="-12526"/>
+            <a:ext cx="12192000" cy="588439"/>
+            <a:chOff x="0" y="-12526"/>
+            <a:chExt cx="12192000" cy="588439"/>
+          </a:xfrm>
+        </p:grpSpPr>
+        <p:sp>
+          <p:nvSpPr>
+            <p:cNvPr id="9" name="Rechteck 8">
+              <a:extLst>
+                <a:ext uri="{FF2B5EF4-FFF2-40B4-BE49-F238E27FC236}">
+                  <a16:creationId xmlns:a16="http://schemas.microsoft.com/office/drawing/2014/main" id="{7E0E77A4-3A23-433F-BE05-4662310BB904}"/>
+                </a:ext>
+              </a:extLst>
+            </p:cNvPr>
+            <p:cNvSpPr/>
+            <p:nvPr/>
+          </p:nvSpPr>
+          <p:spPr>
+            <a:xfrm>
+              <a:off x="0" y="-12526"/>
+              <a:ext cx="12192000" cy="501573"/>
+            </a:xfrm>
+            <a:prstGeom prst="rect">
+              <a:avLst/>
+            </a:prstGeom>
+            <a:solidFill>
+              <a:schemeClr val="bg1">
+                <a:lumMod val="65000"/>
+              </a:schemeClr>
+            </a:solidFill>
+            <a:ln>
+              <a:solidFill>
+                <a:schemeClr val="bg1">
+                  <a:lumMod val="75000"/>
+                </a:schemeClr>
+              </a:solidFill>
+            </a:ln>
+          </p:spPr>
+          <p:style>
+            <a:lnRef idx="2">
+              <a:schemeClr val="accent1">
+                <a:shade val="50000"/>
+              </a:schemeClr>
+            </a:lnRef>
+            <a:fillRef idx="1">
+              <a:schemeClr val="accent1"/>
+            </a:fillRef>
+            <a:effectRef idx="0">
+              <a:schemeClr val="accent1"/>
+            </a:effectRef>
+            <a:fontRef idx="minor">
+              <a:schemeClr val="lt1"/>
+            </a:fontRef>
+          </p:style>
+          <p:txBody>
+            <a:bodyPr rtlCol="0" anchor="ctr"/>
+            <a:lstStyle/>
+            <a:p>
+              <a:pPr algn="ctr"/>
+              <a:endParaRPr lang="en-US"/>
+            </a:p>
+          </p:txBody>
+        </p:sp>
+        <p:sp>
+          <p:nvSpPr>
+            <p:cNvPr id="10" name="Titel 1">
+              <a:extLst>
+                <a:ext uri="{FF2B5EF4-FFF2-40B4-BE49-F238E27FC236}">
+                  <a16:creationId xmlns:a16="http://schemas.microsoft.com/office/drawing/2014/main" id="{E30452C7-9ADA-4F64-A8E5-5A8C65FD6090}"/>
+                </a:ext>
+              </a:extLst>
+            </p:cNvPr>
+            <p:cNvSpPr txBox="1">
+              <a:spLocks/>
+            </p:cNvSpPr>
+            <p:nvPr/>
+          </p:nvSpPr>
+          <p:spPr>
+            <a:xfrm>
+              <a:off x="162045" y="74340"/>
+              <a:ext cx="9734309" cy="501573"/>
+            </a:xfrm>
+            <a:prstGeom prst="rect">
+              <a:avLst/>
+            </a:prstGeom>
+          </p:spPr>
+          <p:txBody>
+            <a:bodyPr vert="horz" lIns="91440" tIns="45720" rIns="91440" bIns="45720" rtlCol="0" anchor="ctr">
+              <a:normAutofit fontScale="82500" lnSpcReduction="20000"/>
+            </a:bodyPr>
+            <a:lstStyle>
+              <a:lvl1pPr algn="l" defTabSz="914400" rtl="0" eaLnBrk="1" latinLnBrk="0" hangingPunct="1">
+                <a:lnSpc>
+                  <a:spcPct val="90000"/>
+                </a:lnSpc>
+                <a:spcBef>
+                  <a:spcPct val="0"/>
+                </a:spcBef>
+                <a:buNone/>
+                <a:defRPr sz="4400" kern="1200">
+                  <a:solidFill>
+                    <a:schemeClr val="tx1"/>
+                  </a:solidFill>
+                  <a:latin typeface="+mj-lt"/>
+                  <a:ea typeface="+mj-ea"/>
+                  <a:cs typeface="+mj-cs"/>
+                </a:defRPr>
+              </a:lvl1pPr>
+            </a:lstStyle>
+            <a:p>
+              <a:r>
+                <a:rPr lang="en-US" b="1" dirty="0">
+                  <a:solidFill>
+                    <a:schemeClr val="bg1">
+                      <a:lumMod val="95000"/>
+                    </a:schemeClr>
+                  </a:solidFill>
+                </a:rPr>
+                <a:t>Selection strategy – </a:t>
+              </a:r>
+              <a:r>
+                <a:rPr lang="de-DE" b="1" dirty="0" err="1">
+                  <a:solidFill>
+                    <a:schemeClr val="bg1">
+                      <a:lumMod val="95000"/>
+                    </a:schemeClr>
+                  </a:solidFill>
+                  <a:latin typeface="Calibri" panose="020F0502020204030204" pitchFamily="34" charset="0"/>
+                  <a:cs typeface="Calibri" panose="020F0502020204030204" pitchFamily="34" charset="0"/>
+                </a:rPr>
+                <a:t>Softmax</a:t>
+              </a:r>
+              <a:endParaRPr lang="en-US" b="1" dirty="0">
+                <a:solidFill>
+                  <a:schemeClr val="bg1">
+                    <a:lumMod val="95000"/>
+                  </a:schemeClr>
+                </a:solidFill>
+              </a:endParaRPr>
+            </a:p>
+          </p:txBody>
+        </p:sp>
+      </p:grpSp>
+    </p:spTree>
+    <p:extLst>
+      <p:ext uri="{BB962C8B-B14F-4D97-AF65-F5344CB8AC3E}">
+        <p14:creationId xmlns:p14="http://schemas.microsoft.com/office/powerpoint/2010/main" val="1675804312"/>
+      </p:ext>
+    </p:extLst>
+  </p:cSld>
+  <p:clrMapOvr>
+    <a:masterClrMapping/>
+  </p:clrMapOvr>
+</p:sld>
+</file>
+
+<file path=ppt/slides/slide15.xml><?xml version="1.0" encoding="utf-8"?>
+<p:sld xmlns:a="http://schemas.openxmlformats.org/drawingml/2006/main" xmlns:r="http://schemas.openxmlformats.org/officeDocument/2006/relationships" xmlns:p="http://schemas.openxmlformats.org/presentationml/2006/main">
+  <p:cSld>
+    <p:spTree>
+      <p:nvGrpSpPr>
+        <p:cNvPr id="1" name=""/>
+        <p:cNvGrpSpPr/>
+        <p:nvPr/>
+      </p:nvGrpSpPr>
+      <p:grpSpPr>
+        <a:xfrm>
+          <a:off x="0" y="0"/>
+          <a:ext cx="0" cy="0"/>
+          <a:chOff x="0" y="0"/>
+          <a:chExt cx="0" cy="0"/>
+        </a:xfrm>
+      </p:grpSpPr>
+      <p:sp>
+        <p:nvSpPr>
+          <p:cNvPr id="2" name="Titel 1">
+            <a:extLst>
+              <a:ext uri="{FF2B5EF4-FFF2-40B4-BE49-F238E27FC236}">
+                <a16:creationId xmlns:a16="http://schemas.microsoft.com/office/drawing/2014/main" id="{CE787B25-9DB3-4CF5-AD94-E3378A137150}"/>
+              </a:ext>
+            </a:extLst>
+          </p:cNvPr>
+          <p:cNvSpPr>
+            <a:spLocks noGrp="1"/>
+          </p:cNvSpPr>
+          <p:nvPr>
+            <p:ph type="title"/>
+          </p:nvPr>
+        </p:nvSpPr>
+        <p:spPr/>
+        <p:txBody>
+          <a:bodyPr/>
+          <a:lstStyle/>
+          <a:p>
+            <a:endParaRPr lang="de-DE"/>
+          </a:p>
+        </p:txBody>
+      </p:sp>
+      <p:sp>
+        <p:nvSpPr>
+          <p:cNvPr id="3" name="Inhaltsplatzhalter 2">
+            <a:extLst>
+              <a:ext uri="{FF2B5EF4-FFF2-40B4-BE49-F238E27FC236}">
+                <a16:creationId xmlns:a16="http://schemas.microsoft.com/office/drawing/2014/main" id="{0BD80818-1CA7-4256-8A7A-C0645BF9737B}"/>
+              </a:ext>
+            </a:extLst>
+          </p:cNvPr>
+          <p:cNvSpPr>
+            <a:spLocks noGrp="1"/>
+          </p:cNvSpPr>
+          <p:nvPr>
+            <p:ph idx="1"/>
+          </p:nvPr>
+        </p:nvSpPr>
+        <p:spPr/>
+        <p:txBody>
+          <a:bodyPr/>
+          <a:lstStyle/>
+          <a:p>
+            <a:endParaRPr lang="de-DE"/>
+          </a:p>
+        </p:txBody>
+      </p:sp>
+      <p:sp>
+        <p:nvSpPr>
+          <p:cNvPr id="4" name="Rechteck 3">
+            <a:extLst>
+              <a:ext uri="{FF2B5EF4-FFF2-40B4-BE49-F238E27FC236}">
+                <a16:creationId xmlns:a16="http://schemas.microsoft.com/office/drawing/2014/main" id="{E25EF50D-F0CD-4727-AFB6-041294F40813}"/>
+              </a:ext>
+            </a:extLst>
+          </p:cNvPr>
+          <p:cNvSpPr/>
+          <p:nvPr/>
+        </p:nvSpPr>
+        <p:spPr>
+          <a:xfrm>
+            <a:off x="0" y="6350696"/>
+            <a:ext cx="10058400" cy="501573"/>
+          </a:xfrm>
+          <a:prstGeom prst="rect">
+            <a:avLst/>
+          </a:prstGeom>
+          <a:solidFill>
+            <a:schemeClr val="bg1">
+              <a:lumMod val="75000"/>
+            </a:schemeClr>
+          </a:solidFill>
+          <a:ln>
+            <a:solidFill>
+              <a:schemeClr val="bg1">
+                <a:lumMod val="75000"/>
+              </a:schemeClr>
+            </a:solidFill>
+          </a:ln>
+        </p:spPr>
+        <p:style>
+          <a:lnRef idx="2">
+            <a:schemeClr val="accent1">
+              <a:shade val="50000"/>
+            </a:schemeClr>
+          </a:lnRef>
+          <a:fillRef idx="1">
+            <a:schemeClr val="accent1"/>
+          </a:fillRef>
+          <a:effectRef idx="0">
+            <a:schemeClr val="accent1"/>
+          </a:effectRef>
+          <a:fontRef idx="minor">
+            <a:schemeClr val="lt1"/>
+          </a:fontRef>
+        </p:style>
+        <p:txBody>
+          <a:bodyPr rtlCol="0" anchor="ctr"/>
+          <a:lstStyle/>
+          <a:p>
+            <a:pPr algn="ctr"/>
+            <a:endParaRPr lang="de-DE"/>
+          </a:p>
+        </p:txBody>
+      </p:sp>
+      <p:pic>
+        <p:nvPicPr>
+          <p:cNvPr id="5" name="Inhaltsplatzhalter 4">
+            <a:extLst>
+              <a:ext uri="{FF2B5EF4-FFF2-40B4-BE49-F238E27FC236}">
+                <a16:creationId xmlns:a16="http://schemas.microsoft.com/office/drawing/2014/main" id="{4A1327ED-C79B-4435-9F7D-BB034D66DF67}"/>
+              </a:ext>
+            </a:extLst>
+          </p:cNvPr>
+          <p:cNvPicPr>
+            <a:picLocks noChangeAspect="1"/>
+          </p:cNvPicPr>
+          <p:nvPr/>
+        </p:nvPicPr>
+        <p:blipFill>
+          <a:blip r:embed="rId2">
+            <a:extLst>
+              <a:ext uri="{28A0092B-C50C-407E-A947-70E740481C1C}">
+                <a14:useLocalDpi xmlns:a14="http://schemas.microsoft.com/office/drawing/2010/main" val="0"/>
+              </a:ext>
+              <a:ext uri="{96DAC541-7B7A-43D3-8B79-37D633B846F1}">
+                <asvg:svgBlip xmlns:asvg="http://schemas.microsoft.com/office/drawing/2016/SVG/main" r:embed="rId3"/>
+              </a:ext>
+            </a:extLst>
+          </a:blip>
+          <a:stretch>
+            <a:fillRect/>
+          </a:stretch>
+        </p:blipFill>
+        <p:spPr>
+          <a:xfrm>
+            <a:off x="9138258" y="5539232"/>
+            <a:ext cx="3053742" cy="1325563"/>
+          </a:xfrm>
+          <a:prstGeom prst="rect">
+            <a:avLst/>
+          </a:prstGeom>
+        </p:spPr>
+      </p:pic>
+    </p:spTree>
+    <p:extLst>
+      <p:ext uri="{BB962C8B-B14F-4D97-AF65-F5344CB8AC3E}">
+        <p14:creationId xmlns:p14="http://schemas.microsoft.com/office/powerpoint/2010/main" val="2132712095"/>
+      </p:ext>
+    </p:extLst>
+  </p:cSld>
+  <p:clrMapOvr>
+    <a:masterClrMapping/>
+  </p:clrMapOvr>
+</p:sld>
+</file>
+
+<file path=ppt/slides/slide2.xml><?xml version="1.0" encoding="utf-8"?>
+<p:sld xmlns:a="http://schemas.openxmlformats.org/drawingml/2006/main" xmlns:r="http://schemas.openxmlformats.org/officeDocument/2006/relationships" xmlns:p="http://schemas.openxmlformats.org/presentationml/2006/main">
+  <p:cSld>
+    <p:spTree>
+      <p:nvGrpSpPr>
+        <p:cNvPr id="1" name=""/>
+        <p:cNvGrpSpPr/>
+        <p:nvPr/>
+      </p:nvGrpSpPr>
+      <p:grpSpPr>
+        <a:xfrm>
+          <a:off x="0" y="0"/>
+          <a:ext cx="0" cy="0"/>
+          <a:chOff x="0" y="0"/>
+          <a:chExt cx="0" cy="0"/>
+        </a:xfrm>
+      </p:grpSpPr>
+      <p:sp>
+        <p:nvSpPr>
+          <p:cNvPr id="3" name="Inhaltsplatzhalter 2">
+            <a:extLst>
+              <a:ext uri="{FF2B5EF4-FFF2-40B4-BE49-F238E27FC236}">
+                <a16:creationId xmlns:a16="http://schemas.microsoft.com/office/drawing/2014/main" id="{0BD80818-1CA7-4256-8A7A-C0645BF9737B}"/>
+              </a:ext>
+            </a:extLst>
+          </p:cNvPr>
+          <p:cNvSpPr>
+            <a:spLocks noGrp="1"/>
+          </p:cNvSpPr>
+          <p:nvPr>
+            <p:ph idx="1"/>
+          </p:nvPr>
+        </p:nvSpPr>
+        <p:spPr>
+          <a:xfrm>
+            <a:off x="1029267" y="1529281"/>
+            <a:ext cx="5712725" cy="2500715"/>
+          </a:xfrm>
+        </p:spPr>
+        <p:txBody>
+          <a:bodyPr>
+            <a:normAutofit/>
+          </a:bodyPr>
+          <a:lstStyle/>
+          <a:p>
+            <a:r>
+              <a:rPr lang="de-DE" dirty="0" err="1"/>
+              <a:t>Supervised</a:t>
+            </a:r>
+            <a:r>
+              <a:rPr lang="de-DE" dirty="0"/>
+              <a:t> Learning</a:t>
+            </a:r>
+          </a:p>
+          <a:p>
+            <a:r>
+              <a:rPr lang="de-DE" dirty="0" err="1"/>
+              <a:t>Unsupervised</a:t>
+            </a:r>
+            <a:r>
+              <a:rPr lang="de-DE" dirty="0"/>
+              <a:t> Learning</a:t>
+            </a:r>
+          </a:p>
+          <a:p>
+            <a:r>
+              <a:rPr lang="de-DE" dirty="0"/>
+              <a:t>Reinforcement Learning</a:t>
+            </a:r>
+          </a:p>
+        </p:txBody>
+      </p:sp>
+      <p:sp>
+        <p:nvSpPr>
+          <p:cNvPr id="4" name="Rechteck 3">
+            <a:extLst>
+              <a:ext uri="{FF2B5EF4-FFF2-40B4-BE49-F238E27FC236}">
+                <a16:creationId xmlns:a16="http://schemas.microsoft.com/office/drawing/2014/main" id="{E25EF50D-F0CD-4727-AFB6-041294F40813}"/>
+              </a:ext>
+            </a:extLst>
+          </p:cNvPr>
+          <p:cNvSpPr/>
+          <p:nvPr/>
+        </p:nvSpPr>
+        <p:spPr>
+          <a:xfrm>
+            <a:off x="0" y="6350696"/>
+            <a:ext cx="10058400" cy="501573"/>
+          </a:xfrm>
+          <a:prstGeom prst="rect">
+            <a:avLst/>
+          </a:prstGeom>
+          <a:solidFill>
+            <a:schemeClr val="bg1">
+              <a:lumMod val="75000"/>
+            </a:schemeClr>
+          </a:solidFill>
+          <a:ln>
+            <a:solidFill>
+              <a:schemeClr val="bg1">
+                <a:lumMod val="75000"/>
+              </a:schemeClr>
+            </a:solidFill>
+          </a:ln>
+        </p:spPr>
+        <p:style>
+          <a:lnRef idx="2">
+            <a:schemeClr val="accent1">
+              <a:shade val="50000"/>
+            </a:schemeClr>
+          </a:lnRef>
+          <a:fillRef idx="1">
+            <a:schemeClr val="accent1"/>
+          </a:fillRef>
+          <a:effectRef idx="0">
+            <a:schemeClr val="accent1"/>
+          </a:effectRef>
+          <a:fontRef idx="minor">
+            <a:schemeClr val="lt1"/>
+          </a:fontRef>
+        </p:style>
+        <p:txBody>
+          <a:bodyPr rtlCol="0" anchor="ctr"/>
+          <a:lstStyle/>
+          <a:p>
+            <a:pPr algn="ctr"/>
+            <a:endParaRPr lang="de-DE"/>
+          </a:p>
+        </p:txBody>
+      </p:sp>
+      <p:pic>
+        <p:nvPicPr>
+          <p:cNvPr id="5" name="Inhaltsplatzhalter 4">
+            <a:extLst>
+              <a:ext uri="{FF2B5EF4-FFF2-40B4-BE49-F238E27FC236}">
+                <a16:creationId xmlns:a16="http://schemas.microsoft.com/office/drawing/2014/main" id="{4A1327ED-C79B-4435-9F7D-BB034D66DF67}"/>
+              </a:ext>
+            </a:extLst>
+          </p:cNvPr>
+          <p:cNvPicPr>
+            <a:picLocks noChangeAspect="1"/>
+          </p:cNvPicPr>
+          <p:nvPr/>
+        </p:nvPicPr>
+        <p:blipFill>
+          <a:blip r:embed="rId2">
+            <a:extLst>
+              <a:ext uri="{28A0092B-C50C-407E-A947-70E740481C1C}">
+                <a14:useLocalDpi xmlns:a14="http://schemas.microsoft.com/office/drawing/2010/main" val="0"/>
+              </a:ext>
+              <a:ext uri="{96DAC541-7B7A-43D3-8B79-37D633B846F1}">
+                <asvg:svgBlip xmlns:asvg="http://schemas.microsoft.com/office/drawing/2016/SVG/main" r:embed="rId3"/>
+              </a:ext>
+            </a:extLst>
+          </a:blip>
+          <a:stretch>
+            <a:fillRect/>
+          </a:stretch>
+        </p:blipFill>
+        <p:spPr>
+          <a:xfrm>
+            <a:off x="9138258" y="5539232"/>
+            <a:ext cx="3053742" cy="1325563"/>
+          </a:xfrm>
+          <a:prstGeom prst="rect">
+            <a:avLst/>
+          </a:prstGeom>
+        </p:spPr>
+      </p:pic>
+      <p:grpSp>
+        <p:nvGrpSpPr>
+          <p:cNvPr id="14" name="Gruppieren 13">
+            <a:extLst>
+              <a:ext uri="{FF2B5EF4-FFF2-40B4-BE49-F238E27FC236}">
+                <a16:creationId xmlns:a16="http://schemas.microsoft.com/office/drawing/2014/main" id="{13484F85-1E3D-4EAE-B33D-456512BC1A4B}"/>
+              </a:ext>
+            </a:extLst>
+          </p:cNvPr>
+          <p:cNvGrpSpPr/>
+          <p:nvPr/>
+        </p:nvGrpSpPr>
+        <p:grpSpPr>
+          <a:xfrm>
+            <a:off x="0" y="-12526"/>
+            <a:ext cx="12192000" cy="588439"/>
+            <a:chOff x="0" y="-12526"/>
+            <a:chExt cx="12192000" cy="588439"/>
+          </a:xfrm>
+        </p:grpSpPr>
+        <p:sp>
+          <p:nvSpPr>
+            <p:cNvPr id="11" name="Rechteck 10">
+              <a:extLst>
+                <a:ext uri="{FF2B5EF4-FFF2-40B4-BE49-F238E27FC236}">
+                  <a16:creationId xmlns:a16="http://schemas.microsoft.com/office/drawing/2014/main" id="{A01413A9-C769-47A6-B933-A1A1198906FD}"/>
+                </a:ext>
+              </a:extLst>
+            </p:cNvPr>
+            <p:cNvSpPr/>
+            <p:nvPr/>
+          </p:nvSpPr>
+          <p:spPr>
+            <a:xfrm>
+              <a:off x="0" y="-12526"/>
+              <a:ext cx="12192000" cy="501573"/>
+            </a:xfrm>
+            <a:prstGeom prst="rect">
+              <a:avLst/>
+            </a:prstGeom>
+            <a:solidFill>
+              <a:schemeClr val="bg1">
+                <a:lumMod val="65000"/>
+              </a:schemeClr>
+            </a:solidFill>
+            <a:ln>
+              <a:solidFill>
+                <a:schemeClr val="bg1">
+                  <a:lumMod val="75000"/>
+                </a:schemeClr>
+              </a:solidFill>
+            </a:ln>
+          </p:spPr>
+          <p:style>
+            <a:lnRef idx="2">
+              <a:schemeClr val="accent1">
+                <a:shade val="50000"/>
+              </a:schemeClr>
+            </a:lnRef>
+            <a:fillRef idx="1">
+              <a:schemeClr val="accent1"/>
+            </a:fillRef>
+            <a:effectRef idx="0">
+              <a:schemeClr val="accent1"/>
+            </a:effectRef>
+            <a:fontRef idx="minor">
+              <a:schemeClr val="lt1"/>
+            </a:fontRef>
+          </p:style>
+          <p:txBody>
+            <a:bodyPr rtlCol="0" anchor="ctr"/>
+            <a:lstStyle/>
+            <a:p>
+              <a:pPr algn="ctr"/>
+              <a:endParaRPr lang="de-DE"/>
+            </a:p>
+          </p:txBody>
+        </p:sp>
+        <p:sp>
+          <p:nvSpPr>
+            <p:cNvPr id="8" name="Titel 1">
+              <a:extLst>
+                <a:ext uri="{FF2B5EF4-FFF2-40B4-BE49-F238E27FC236}">
+                  <a16:creationId xmlns:a16="http://schemas.microsoft.com/office/drawing/2014/main" id="{056AE779-A4BB-4446-BDB7-5527E850770D}"/>
+                </a:ext>
+              </a:extLst>
+            </p:cNvPr>
+            <p:cNvSpPr txBox="1">
+              <a:spLocks/>
+            </p:cNvSpPr>
+            <p:nvPr/>
+          </p:nvSpPr>
+          <p:spPr>
+            <a:xfrm>
+              <a:off x="162045" y="74340"/>
+              <a:ext cx="9734309" cy="501573"/>
+            </a:xfrm>
+            <a:prstGeom prst="rect">
+              <a:avLst/>
+            </a:prstGeom>
+          </p:spPr>
+          <p:txBody>
+            <a:bodyPr vert="horz" lIns="91440" tIns="45720" rIns="91440" bIns="45720" rtlCol="0" anchor="ctr">
+              <a:normAutofit fontScale="82500" lnSpcReduction="20000"/>
+            </a:bodyPr>
+            <a:lstStyle>
+              <a:lvl1pPr algn="l" defTabSz="914400" rtl="0" eaLnBrk="1" latinLnBrk="0" hangingPunct="1">
+                <a:lnSpc>
+                  <a:spcPct val="90000"/>
+                </a:lnSpc>
+                <a:spcBef>
+                  <a:spcPct val="0"/>
+                </a:spcBef>
+                <a:buNone/>
+                <a:defRPr sz="4400" kern="1200">
+                  <a:solidFill>
+                    <a:schemeClr val="tx1"/>
+                  </a:solidFill>
+                  <a:latin typeface="+mj-lt"/>
+                  <a:ea typeface="+mj-ea"/>
+                  <a:cs typeface="+mj-cs"/>
+                </a:defRPr>
+              </a:lvl1pPr>
+            </a:lstStyle>
+            <a:p>
+              <a:r>
+                <a:rPr lang="de-DE" b="1" dirty="0">
+                  <a:solidFill>
+                    <a:schemeClr val="bg1">
+                      <a:lumMod val="95000"/>
+                    </a:schemeClr>
+                  </a:solidFill>
+                </a:rPr>
+                <a:t>Ansätze von Machine Learning</a:t>
+              </a:r>
+            </a:p>
+          </p:txBody>
+        </p:sp>
+      </p:grpSp>
+    </p:spTree>
+    <p:extLst>
+      <p:ext uri="{BB962C8B-B14F-4D97-AF65-F5344CB8AC3E}">
+        <p14:creationId xmlns:p14="http://schemas.microsoft.com/office/powerpoint/2010/main" val="2091982899"/>
+      </p:ext>
+    </p:extLst>
+  </p:cSld>
+  <p:clrMapOvr>
+    <a:masterClrMapping/>
+  </p:clrMapOvr>
+</p:sld>
+</file>
+
+<file path=ppt/slides/slide3.xml><?xml version="1.0" encoding="utf-8"?>
+<p:sld xmlns:a="http://schemas.openxmlformats.org/drawingml/2006/main" xmlns:r="http://schemas.openxmlformats.org/officeDocument/2006/relationships" xmlns:p="http://schemas.openxmlformats.org/presentationml/2006/main">
+  <p:cSld>
+    <p:spTree>
+      <p:nvGrpSpPr>
+        <p:cNvPr id="1" name=""/>
+        <p:cNvGrpSpPr/>
+        <p:nvPr/>
+      </p:nvGrpSpPr>
+      <p:grpSpPr>
+        <a:xfrm>
+          <a:off x="0" y="0"/>
+          <a:ext cx="0" cy="0"/>
+          <a:chOff x="0" y="0"/>
+          <a:chExt cx="0" cy="0"/>
+        </a:xfrm>
+      </p:grpSpPr>
+      <p:sp>
+        <p:nvSpPr>
+          <p:cNvPr id="3" name="Inhaltsplatzhalter 2">
+            <a:extLst>
+              <a:ext uri="{FF2B5EF4-FFF2-40B4-BE49-F238E27FC236}">
+                <a16:creationId xmlns:a16="http://schemas.microsoft.com/office/drawing/2014/main" id="{0BD80818-1CA7-4256-8A7A-C0645BF9737B}"/>
+              </a:ext>
+            </a:extLst>
+          </p:cNvPr>
+          <p:cNvSpPr>
+            <a:spLocks noGrp="1"/>
+          </p:cNvSpPr>
+          <p:nvPr>
+            <p:ph idx="1"/>
+          </p:nvPr>
+        </p:nvSpPr>
+        <p:spPr>
+          <a:xfrm>
+            <a:off x="1134415" y="1066405"/>
+            <a:ext cx="10515600" cy="2399578"/>
+          </a:xfrm>
+        </p:spPr>
+        <p:txBody>
+          <a:bodyPr/>
+          <a:lstStyle/>
+          <a:p>
+            <a:r>
+              <a:rPr lang="de-DE" dirty="0"/>
+              <a:t>Input und Target sind bekannt</a:t>
+            </a:r>
+          </a:p>
+          <a:p>
+            <a:r>
+              <a:rPr lang="de-DE" dirty="0"/>
+              <a:t>Daten sind gelabelt </a:t>
+            </a:r>
+          </a:p>
+          <a:p>
+            <a:r>
+              <a:rPr lang="de-DE" dirty="0"/>
+              <a:t>Aufteilung in Trainings- und Testdatensatz</a:t>
+            </a:r>
+          </a:p>
+        </p:txBody>
+      </p:sp>
+      <p:sp>
+        <p:nvSpPr>
+          <p:cNvPr id="4" name="Rechteck 3">
+            <a:extLst>
+              <a:ext uri="{FF2B5EF4-FFF2-40B4-BE49-F238E27FC236}">
+                <a16:creationId xmlns:a16="http://schemas.microsoft.com/office/drawing/2014/main" id="{E25EF50D-F0CD-4727-AFB6-041294F40813}"/>
+              </a:ext>
+            </a:extLst>
+          </p:cNvPr>
+          <p:cNvSpPr/>
+          <p:nvPr/>
+        </p:nvSpPr>
+        <p:spPr>
+          <a:xfrm>
+            <a:off x="0" y="6350696"/>
+            <a:ext cx="10058400" cy="501573"/>
+          </a:xfrm>
+          <a:prstGeom prst="rect">
+            <a:avLst/>
+          </a:prstGeom>
+          <a:solidFill>
+            <a:schemeClr val="bg1">
+              <a:lumMod val="75000"/>
+            </a:schemeClr>
+          </a:solidFill>
+          <a:ln>
+            <a:solidFill>
+              <a:schemeClr val="bg1">
+                <a:lumMod val="75000"/>
+              </a:schemeClr>
+            </a:solidFill>
+          </a:ln>
+        </p:spPr>
+        <p:style>
+          <a:lnRef idx="2">
+            <a:schemeClr val="accent1">
+              <a:shade val="50000"/>
+            </a:schemeClr>
+          </a:lnRef>
+          <a:fillRef idx="1">
+            <a:schemeClr val="accent1"/>
+          </a:fillRef>
+          <a:effectRef idx="0">
+            <a:schemeClr val="accent1"/>
+          </a:effectRef>
+          <a:fontRef idx="minor">
+            <a:schemeClr val="lt1"/>
+          </a:fontRef>
+        </p:style>
+        <p:txBody>
+          <a:bodyPr rtlCol="0" anchor="ctr"/>
+          <a:lstStyle/>
+          <a:p>
+            <a:pPr algn="ctr"/>
+            <a:endParaRPr lang="de-DE"/>
+          </a:p>
+        </p:txBody>
+      </p:sp>
+      <p:pic>
+        <p:nvPicPr>
+          <p:cNvPr id="5" name="Inhaltsplatzhalter 4">
+            <a:extLst>
+              <a:ext uri="{FF2B5EF4-FFF2-40B4-BE49-F238E27FC236}">
+                <a16:creationId xmlns:a16="http://schemas.microsoft.com/office/drawing/2014/main" id="{4A1327ED-C79B-4435-9F7D-BB034D66DF67}"/>
+              </a:ext>
+            </a:extLst>
+          </p:cNvPr>
+          <p:cNvPicPr>
+            <a:picLocks noChangeAspect="1"/>
+          </p:cNvPicPr>
+          <p:nvPr/>
+        </p:nvPicPr>
+        <p:blipFill>
+          <a:blip r:embed="rId2">
+            <a:extLst>
+              <a:ext uri="{28A0092B-C50C-407E-A947-70E740481C1C}">
+                <a14:useLocalDpi xmlns:a14="http://schemas.microsoft.com/office/drawing/2010/main" val="0"/>
+              </a:ext>
+              <a:ext uri="{96DAC541-7B7A-43D3-8B79-37D633B846F1}">
+                <asvg:svgBlip xmlns:asvg="http://schemas.microsoft.com/office/drawing/2016/SVG/main" r:embed="rId3"/>
+              </a:ext>
+            </a:extLst>
+          </a:blip>
+          <a:stretch>
+            <a:fillRect/>
+          </a:stretch>
+        </p:blipFill>
+        <p:spPr>
+          <a:xfrm>
+            <a:off x="9138258" y="5539232"/>
+            <a:ext cx="3053742" cy="1325563"/>
+          </a:xfrm>
+          <a:prstGeom prst="rect">
+            <a:avLst/>
+          </a:prstGeom>
+        </p:spPr>
+      </p:pic>
+      <p:grpSp>
+        <p:nvGrpSpPr>
+          <p:cNvPr id="14" name="Gruppieren 13">
+            <a:extLst>
+              <a:ext uri="{FF2B5EF4-FFF2-40B4-BE49-F238E27FC236}">
+                <a16:creationId xmlns:a16="http://schemas.microsoft.com/office/drawing/2014/main" id="{13484F85-1E3D-4EAE-B33D-456512BC1A4B}"/>
+              </a:ext>
+            </a:extLst>
+          </p:cNvPr>
+          <p:cNvGrpSpPr/>
+          <p:nvPr/>
+        </p:nvGrpSpPr>
+        <p:grpSpPr>
+          <a:xfrm>
+            <a:off x="0" y="-217242"/>
+            <a:ext cx="12192000" cy="588439"/>
+            <a:chOff x="0" y="-12526"/>
+            <a:chExt cx="12192000" cy="588439"/>
+          </a:xfrm>
+        </p:grpSpPr>
+        <p:sp>
+          <p:nvSpPr>
+            <p:cNvPr id="11" name="Rechteck 10">
+              <a:extLst>
+                <a:ext uri="{FF2B5EF4-FFF2-40B4-BE49-F238E27FC236}">
+                  <a16:creationId xmlns:a16="http://schemas.microsoft.com/office/drawing/2014/main" id="{A01413A9-C769-47A6-B933-A1A1198906FD}"/>
+                </a:ext>
+              </a:extLst>
+            </p:cNvPr>
+            <p:cNvSpPr/>
+            <p:nvPr/>
+          </p:nvSpPr>
+          <p:spPr>
+            <a:xfrm>
+              <a:off x="0" y="-12526"/>
+              <a:ext cx="12192000" cy="501573"/>
+            </a:xfrm>
+            <a:prstGeom prst="rect">
+              <a:avLst/>
+            </a:prstGeom>
+            <a:solidFill>
+              <a:schemeClr val="bg1">
+                <a:lumMod val="65000"/>
+              </a:schemeClr>
+            </a:solidFill>
+            <a:ln>
+              <a:solidFill>
+                <a:schemeClr val="bg1">
+                  <a:lumMod val="75000"/>
+                </a:schemeClr>
+              </a:solidFill>
+            </a:ln>
+          </p:spPr>
+          <p:style>
+            <a:lnRef idx="2">
+              <a:schemeClr val="accent1">
+                <a:shade val="50000"/>
+              </a:schemeClr>
+            </a:lnRef>
+            <a:fillRef idx="1">
+              <a:schemeClr val="accent1"/>
+            </a:fillRef>
+            <a:effectRef idx="0">
+              <a:schemeClr val="accent1"/>
+            </a:effectRef>
+            <a:fontRef idx="minor">
+              <a:schemeClr val="lt1"/>
+            </a:fontRef>
+          </p:style>
+          <p:txBody>
+            <a:bodyPr rtlCol="0" anchor="ctr"/>
+            <a:lstStyle/>
+            <a:p>
+              <a:pPr algn="ctr"/>
+              <a:endParaRPr lang="de-DE"/>
+            </a:p>
+          </p:txBody>
+        </p:sp>
+        <p:sp>
+          <p:nvSpPr>
+            <p:cNvPr id="8" name="Titel 1">
+              <a:extLst>
+                <a:ext uri="{FF2B5EF4-FFF2-40B4-BE49-F238E27FC236}">
+                  <a16:creationId xmlns:a16="http://schemas.microsoft.com/office/drawing/2014/main" id="{056AE779-A4BB-4446-BDB7-5527E850770D}"/>
+                </a:ext>
+              </a:extLst>
+            </p:cNvPr>
+            <p:cNvSpPr txBox="1">
+              <a:spLocks/>
+            </p:cNvSpPr>
+            <p:nvPr/>
+          </p:nvSpPr>
+          <p:spPr>
+            <a:xfrm>
+              <a:off x="162045" y="74340"/>
+              <a:ext cx="9734309" cy="501573"/>
+            </a:xfrm>
+            <a:prstGeom prst="rect">
+              <a:avLst/>
+            </a:prstGeom>
+          </p:spPr>
+          <p:txBody>
+            <a:bodyPr vert="horz" lIns="91440" tIns="45720" rIns="91440" bIns="45720" rtlCol="0" anchor="ctr">
+              <a:normAutofit fontScale="82500" lnSpcReduction="20000"/>
+            </a:bodyPr>
+            <a:lstStyle>
+              <a:lvl1pPr algn="l" defTabSz="914400" rtl="0" eaLnBrk="1" latinLnBrk="0" hangingPunct="1">
+                <a:lnSpc>
+                  <a:spcPct val="90000"/>
+                </a:lnSpc>
+                <a:spcBef>
+                  <a:spcPct val="0"/>
+                </a:spcBef>
+                <a:buNone/>
+                <a:defRPr sz="4400" kern="1200">
+                  <a:solidFill>
+                    <a:schemeClr val="tx1"/>
+                  </a:solidFill>
+                  <a:latin typeface="+mj-lt"/>
+                  <a:ea typeface="+mj-ea"/>
+                  <a:cs typeface="+mj-cs"/>
+                </a:defRPr>
+              </a:lvl1pPr>
+            </a:lstStyle>
+            <a:p>
+              <a:r>
+                <a:rPr lang="de-DE" b="1" dirty="0" err="1">
+                  <a:solidFill>
+                    <a:schemeClr val="bg1">
+                      <a:lumMod val="95000"/>
+                    </a:schemeClr>
+                  </a:solidFill>
+                </a:rPr>
+                <a:t>Supervised</a:t>
+              </a:r>
+              <a:r>
+                <a:rPr lang="de-DE" b="1" dirty="0">
+                  <a:solidFill>
+                    <a:schemeClr val="bg1">
+                      <a:lumMod val="95000"/>
+                    </a:schemeClr>
+                  </a:solidFill>
+                </a:rPr>
+                <a:t> Learning</a:t>
+              </a:r>
+            </a:p>
+          </p:txBody>
+        </p:sp>
+      </p:grpSp>
+      <p:pic>
+        <p:nvPicPr>
+          <p:cNvPr id="6" name="Grafik 5">
+            <a:extLst>
+              <a:ext uri="{FF2B5EF4-FFF2-40B4-BE49-F238E27FC236}">
+                <a16:creationId xmlns:a16="http://schemas.microsoft.com/office/drawing/2014/main" id="{9D372639-7E5A-4D72-B3D4-411CBA74518F}"/>
+              </a:ext>
+            </a:extLst>
+          </p:cNvPr>
+          <p:cNvPicPr>
+            <a:picLocks noChangeAspect="1"/>
+          </p:cNvPicPr>
+          <p:nvPr/>
+        </p:nvPicPr>
+        <p:blipFill rotWithShape="1">
+          <a:blip r:embed="rId4">
+            <a:extLst>
+              <a:ext uri="{28A0092B-C50C-407E-A947-70E740481C1C}">
+                <a14:useLocalDpi xmlns:a14="http://schemas.microsoft.com/office/drawing/2010/main" val="0"/>
+              </a:ext>
+            </a:extLst>
+          </a:blip>
+          <a:srcRect b="59521"/>
+          <a:stretch/>
+        </p:blipFill>
+        <p:spPr>
+          <a:xfrm>
+            <a:off x="1134415" y="2944335"/>
+            <a:ext cx="10289954" cy="2050079"/>
+          </a:xfrm>
+          <a:prstGeom prst="rect">
+            <a:avLst/>
+          </a:prstGeom>
+        </p:spPr>
+      </p:pic>
+    </p:spTree>
+    <p:extLst>
+      <p:ext uri="{BB962C8B-B14F-4D97-AF65-F5344CB8AC3E}">
+        <p14:creationId xmlns:p14="http://schemas.microsoft.com/office/powerpoint/2010/main" val="2071173758"/>
+      </p:ext>
+    </p:extLst>
+  </p:cSld>
+  <p:clrMapOvr>
+    <a:masterClrMapping/>
+  </p:clrMapOvr>
+</p:sld>
+</file>
+
+<file path=ppt/slides/slide4.xml><?xml version="1.0" encoding="utf-8"?>
+<p:sld xmlns:a="http://schemas.openxmlformats.org/drawingml/2006/main" xmlns:r="http://schemas.openxmlformats.org/officeDocument/2006/relationships" xmlns:p="http://schemas.openxmlformats.org/presentationml/2006/main">
+  <p:cSld>
+    <p:spTree>
+      <p:nvGrpSpPr>
+        <p:cNvPr id="1" name=""/>
+        <p:cNvGrpSpPr/>
+        <p:nvPr/>
+      </p:nvGrpSpPr>
+      <p:grpSpPr>
+        <a:xfrm>
+          <a:off x="0" y="0"/>
+          <a:ext cx="0" cy="0"/>
+          <a:chOff x="0" y="0"/>
+          <a:chExt cx="0" cy="0"/>
+        </a:xfrm>
+      </p:grpSpPr>
+      <p:sp>
+        <p:nvSpPr>
+          <p:cNvPr id="3" name="Inhaltsplatzhalter 2">
+            <a:extLst>
+              <a:ext uri="{FF2B5EF4-FFF2-40B4-BE49-F238E27FC236}">
+                <a16:creationId xmlns:a16="http://schemas.microsoft.com/office/drawing/2014/main" id="{0BD80818-1CA7-4256-8A7A-C0645BF9737B}"/>
+              </a:ext>
+            </a:extLst>
+          </p:cNvPr>
+          <p:cNvSpPr>
+            <a:spLocks noGrp="1"/>
+          </p:cNvSpPr>
+          <p:nvPr>
+            <p:ph idx="1"/>
+          </p:nvPr>
+        </p:nvSpPr>
+        <p:spPr/>
+        <p:txBody>
+          <a:bodyPr>
+            <a:normAutofit/>
+          </a:bodyPr>
+          <a:lstStyle/>
+          <a:p>
+            <a:pPr lvl="1"/>
+            <a:r>
+              <a:rPr lang="de-DE" sz="2800" dirty="0"/>
+              <a:t>Nur Input bekannt, Target unbekannt</a:t>
+            </a:r>
+          </a:p>
+          <a:p>
+            <a:pPr lvl="1"/>
+            <a:r>
+              <a:rPr lang="de-DE" sz="2800" dirty="0"/>
+              <a:t>Keine Aufteilung in Test und Trainingsdatensatz nötig</a:t>
+            </a:r>
+          </a:p>
+          <a:p>
+            <a:pPr lvl="1"/>
+            <a:r>
+              <a:rPr lang="de-DE" sz="2800" dirty="0"/>
+              <a:t>Daten sind nicht gelabelt</a:t>
+            </a:r>
+          </a:p>
+        </p:txBody>
+      </p:sp>
+      <p:sp>
+        <p:nvSpPr>
+          <p:cNvPr id="4" name="Rechteck 3">
+            <a:extLst>
+              <a:ext uri="{FF2B5EF4-FFF2-40B4-BE49-F238E27FC236}">
+                <a16:creationId xmlns:a16="http://schemas.microsoft.com/office/drawing/2014/main" id="{E25EF50D-F0CD-4727-AFB6-041294F40813}"/>
+              </a:ext>
+            </a:extLst>
+          </p:cNvPr>
+          <p:cNvSpPr/>
+          <p:nvPr/>
+        </p:nvSpPr>
+        <p:spPr>
+          <a:xfrm>
+            <a:off x="0" y="6350696"/>
+            <a:ext cx="10058400" cy="501573"/>
+          </a:xfrm>
+          <a:prstGeom prst="rect">
+            <a:avLst/>
+          </a:prstGeom>
+          <a:solidFill>
+            <a:schemeClr val="bg1">
+              <a:lumMod val="75000"/>
+            </a:schemeClr>
+          </a:solidFill>
+          <a:ln>
+            <a:solidFill>
+              <a:schemeClr val="bg1">
+                <a:lumMod val="75000"/>
+              </a:schemeClr>
+            </a:solidFill>
+          </a:ln>
+        </p:spPr>
+        <p:style>
+          <a:lnRef idx="2">
+            <a:schemeClr val="accent1">
+              <a:shade val="50000"/>
+            </a:schemeClr>
+          </a:lnRef>
+          <a:fillRef idx="1">
+            <a:schemeClr val="accent1"/>
+          </a:fillRef>
+          <a:effectRef idx="0">
+            <a:schemeClr val="accent1"/>
+          </a:effectRef>
+          <a:fontRef idx="minor">
+            <a:schemeClr val="lt1"/>
+          </a:fontRef>
+        </p:style>
+        <p:txBody>
+          <a:bodyPr rtlCol="0" anchor="ctr"/>
+          <a:lstStyle/>
+          <a:p>
+            <a:pPr algn="ctr"/>
+            <a:endParaRPr lang="de-DE"/>
+          </a:p>
+        </p:txBody>
+      </p:sp>
+      <p:pic>
+        <p:nvPicPr>
+          <p:cNvPr id="5" name="Inhaltsplatzhalter 4">
+            <a:extLst>
+              <a:ext uri="{FF2B5EF4-FFF2-40B4-BE49-F238E27FC236}">
+                <a16:creationId xmlns:a16="http://schemas.microsoft.com/office/drawing/2014/main" id="{4A1327ED-C79B-4435-9F7D-BB034D66DF67}"/>
+              </a:ext>
+            </a:extLst>
+          </p:cNvPr>
+          <p:cNvPicPr>
+            <a:picLocks noChangeAspect="1"/>
+          </p:cNvPicPr>
+          <p:nvPr/>
+        </p:nvPicPr>
+        <p:blipFill>
+          <a:blip r:embed="rId2">
+            <a:extLst>
+              <a:ext uri="{28A0092B-C50C-407E-A947-70E740481C1C}">
+                <a14:useLocalDpi xmlns:a14="http://schemas.microsoft.com/office/drawing/2010/main" val="0"/>
+              </a:ext>
+              <a:ext uri="{96DAC541-7B7A-43D3-8B79-37D633B846F1}">
+                <asvg:svgBlip xmlns:asvg="http://schemas.microsoft.com/office/drawing/2016/SVG/main" r:embed="rId3"/>
+              </a:ext>
+            </a:extLst>
+          </a:blip>
+          <a:stretch>
+            <a:fillRect/>
+          </a:stretch>
+        </p:blipFill>
+        <p:spPr>
+          <a:xfrm>
+            <a:off x="9138258" y="5539232"/>
+            <a:ext cx="3053742" cy="1325563"/>
+          </a:xfrm>
+          <a:prstGeom prst="rect">
+            <a:avLst/>
+          </a:prstGeom>
+        </p:spPr>
+      </p:pic>
+      <p:grpSp>
+        <p:nvGrpSpPr>
+          <p:cNvPr id="14" name="Gruppieren 13">
+            <a:extLst>
+              <a:ext uri="{FF2B5EF4-FFF2-40B4-BE49-F238E27FC236}">
+                <a16:creationId xmlns:a16="http://schemas.microsoft.com/office/drawing/2014/main" id="{13484F85-1E3D-4EAE-B33D-456512BC1A4B}"/>
+              </a:ext>
+            </a:extLst>
+          </p:cNvPr>
+          <p:cNvGrpSpPr/>
+          <p:nvPr/>
+        </p:nvGrpSpPr>
+        <p:grpSpPr>
+          <a:xfrm>
+            <a:off x="0" y="-12526"/>
+            <a:ext cx="12192000" cy="588439"/>
+            <a:chOff x="0" y="-12526"/>
+            <a:chExt cx="12192000" cy="588439"/>
+          </a:xfrm>
+        </p:grpSpPr>
+        <p:sp>
+          <p:nvSpPr>
+            <p:cNvPr id="11" name="Rechteck 10">
+              <a:extLst>
+                <a:ext uri="{FF2B5EF4-FFF2-40B4-BE49-F238E27FC236}">
+                  <a16:creationId xmlns:a16="http://schemas.microsoft.com/office/drawing/2014/main" id="{A01413A9-C769-47A6-B933-A1A1198906FD}"/>
+                </a:ext>
+              </a:extLst>
+            </p:cNvPr>
+            <p:cNvSpPr/>
+            <p:nvPr/>
+          </p:nvSpPr>
+          <p:spPr>
+            <a:xfrm>
+              <a:off x="0" y="-12526"/>
+              <a:ext cx="12192000" cy="501573"/>
+            </a:xfrm>
+            <a:prstGeom prst="rect">
+              <a:avLst/>
+            </a:prstGeom>
+            <a:solidFill>
+              <a:schemeClr val="bg1">
+                <a:lumMod val="65000"/>
+              </a:schemeClr>
+            </a:solidFill>
+            <a:ln>
+              <a:solidFill>
+                <a:schemeClr val="bg1">
+                  <a:lumMod val="75000"/>
+                </a:schemeClr>
+              </a:solidFill>
+            </a:ln>
+          </p:spPr>
+          <p:style>
+            <a:lnRef idx="2">
+              <a:schemeClr val="accent1">
+                <a:shade val="50000"/>
+              </a:schemeClr>
+            </a:lnRef>
+            <a:fillRef idx="1">
+              <a:schemeClr val="accent1"/>
+            </a:fillRef>
+            <a:effectRef idx="0">
+              <a:schemeClr val="accent1"/>
+            </a:effectRef>
+            <a:fontRef idx="minor">
+              <a:schemeClr val="lt1"/>
+            </a:fontRef>
+          </p:style>
+          <p:txBody>
+            <a:bodyPr rtlCol="0" anchor="ctr"/>
+            <a:lstStyle/>
+            <a:p>
+              <a:pPr algn="ctr"/>
+              <a:endParaRPr lang="de-DE" dirty="0"/>
+            </a:p>
+          </p:txBody>
+        </p:sp>
+        <p:sp>
+          <p:nvSpPr>
+            <p:cNvPr id="8" name="Titel 1">
+              <a:extLst>
+                <a:ext uri="{FF2B5EF4-FFF2-40B4-BE49-F238E27FC236}">
+                  <a16:creationId xmlns:a16="http://schemas.microsoft.com/office/drawing/2014/main" id="{056AE779-A4BB-4446-BDB7-5527E850770D}"/>
+                </a:ext>
+              </a:extLst>
+            </p:cNvPr>
+            <p:cNvSpPr txBox="1">
+              <a:spLocks/>
+            </p:cNvSpPr>
+            <p:nvPr/>
+          </p:nvSpPr>
+          <p:spPr>
+            <a:xfrm>
+              <a:off x="162045" y="74340"/>
+              <a:ext cx="9734309" cy="501573"/>
+            </a:xfrm>
+            <a:prstGeom prst="rect">
+              <a:avLst/>
+            </a:prstGeom>
+          </p:spPr>
+          <p:txBody>
+            <a:bodyPr vert="horz" lIns="91440" tIns="45720" rIns="91440" bIns="45720" rtlCol="0" anchor="ctr">
+              <a:normAutofit fontScale="82500" lnSpcReduction="20000"/>
+            </a:bodyPr>
+            <a:lstStyle>
+              <a:lvl1pPr algn="l" defTabSz="914400" rtl="0" eaLnBrk="1" latinLnBrk="0" hangingPunct="1">
+                <a:lnSpc>
+                  <a:spcPct val="90000"/>
+                </a:lnSpc>
+                <a:spcBef>
+                  <a:spcPct val="0"/>
+                </a:spcBef>
+                <a:buNone/>
+                <a:defRPr sz="4400" kern="1200">
+                  <a:solidFill>
+                    <a:schemeClr val="tx1"/>
+                  </a:solidFill>
+                  <a:latin typeface="+mj-lt"/>
+                  <a:ea typeface="+mj-ea"/>
+                  <a:cs typeface="+mj-cs"/>
+                </a:defRPr>
+              </a:lvl1pPr>
+            </a:lstStyle>
+            <a:p>
+              <a:r>
+                <a:rPr lang="de-DE" b="1" dirty="0" err="1">
+                  <a:solidFill>
+                    <a:schemeClr val="bg1">
+                      <a:lumMod val="95000"/>
+                    </a:schemeClr>
+                  </a:solidFill>
+                </a:rPr>
+                <a:t>Unsupervised</a:t>
+              </a:r>
+              <a:r>
+                <a:rPr lang="de-DE" b="1" dirty="0">
+                  <a:solidFill>
+                    <a:schemeClr val="bg1">
+                      <a:lumMod val="95000"/>
+                    </a:schemeClr>
+                  </a:solidFill>
+                </a:rPr>
+                <a:t> Learning</a:t>
+              </a:r>
+            </a:p>
+          </p:txBody>
+        </p:sp>
+      </p:grpSp>
+    </p:spTree>
+    <p:extLst>
+      <p:ext uri="{BB962C8B-B14F-4D97-AF65-F5344CB8AC3E}">
+        <p14:creationId xmlns:p14="http://schemas.microsoft.com/office/powerpoint/2010/main" val="916872871"/>
+      </p:ext>
+    </p:extLst>
+  </p:cSld>
+  <p:clrMapOvr>
+    <a:masterClrMapping/>
+  </p:clrMapOvr>
+</p:sld>
+</file>
+
+<file path=ppt/slides/slide5.xml><?xml version="1.0" encoding="utf-8"?>
+<p:sld xmlns:a="http://schemas.openxmlformats.org/drawingml/2006/main" xmlns:r="http://schemas.openxmlformats.org/officeDocument/2006/relationships" xmlns:p="http://schemas.openxmlformats.org/presentationml/2006/main">
+  <p:cSld>
+    <p:spTree>
+      <p:nvGrpSpPr>
+        <p:cNvPr id="1" name=""/>
+        <p:cNvGrpSpPr/>
+        <p:nvPr/>
+      </p:nvGrpSpPr>
+      <p:grpSpPr>
+        <a:xfrm>
+          <a:off x="0" y="0"/>
+          <a:ext cx="0" cy="0"/>
+          <a:chOff x="0" y="0"/>
+          <a:chExt cx="0" cy="0"/>
+        </a:xfrm>
+      </p:grpSpPr>
+      <p:sp>
+        <p:nvSpPr>
+          <p:cNvPr id="3" name="Inhaltsplatzhalter 2">
+            <a:extLst>
+              <a:ext uri="{FF2B5EF4-FFF2-40B4-BE49-F238E27FC236}">
+                <a16:creationId xmlns:a16="http://schemas.microsoft.com/office/drawing/2014/main" id="{0BD80818-1CA7-4256-8A7A-C0645BF9737B}"/>
+              </a:ext>
+            </a:extLst>
+          </p:cNvPr>
+          <p:cNvSpPr>
+            <a:spLocks noGrp="1"/>
+          </p:cNvSpPr>
+          <p:nvPr>
+            <p:ph idx="1"/>
+          </p:nvPr>
+        </p:nvSpPr>
+        <p:spPr>
+          <a:xfrm>
+            <a:off x="537258" y="1387377"/>
+            <a:ext cx="6291805" cy="4351338"/>
+          </a:xfrm>
+        </p:spPr>
+        <p:txBody>
+          <a:bodyPr/>
+          <a:lstStyle/>
+          <a:p>
+            <a:r>
+              <a:rPr lang="de-DE" dirty="0"/>
+              <a:t>Es gibt keine Daten von denen gelernt werden kann</a:t>
+            </a:r>
+          </a:p>
+          <a:p>
+            <a:r>
+              <a:rPr lang="de-DE" dirty="0"/>
+              <a:t>Es gibt zu viele mögliche Ausgänge</a:t>
+            </a:r>
+          </a:p>
+          <a:p>
+            <a:r>
+              <a:rPr lang="de-DE" dirty="0"/>
+              <a:t>Die Umgebung ist zu komplex um analytisch modelliert werden zu können</a:t>
+            </a:r>
+          </a:p>
+          <a:p>
+            <a:pPr marL="0" indent="0">
+              <a:buNone/>
+            </a:pPr>
+            <a:r>
+              <a:rPr lang="de-DE" dirty="0">
+                <a:latin typeface="Calibri" panose="020F0502020204030204" pitchFamily="34" charset="0"/>
+                <a:cs typeface="Calibri" panose="020F0502020204030204" pitchFamily="34" charset="0"/>
+              </a:rPr>
+              <a:t>→ Lernen durch Interaktion</a:t>
+            </a:r>
+            <a:endParaRPr lang="de-DE" dirty="0"/>
+          </a:p>
+        </p:txBody>
+      </p:sp>
+      <p:sp>
+        <p:nvSpPr>
+          <p:cNvPr id="4" name="Rechteck 3">
+            <a:extLst>
+              <a:ext uri="{FF2B5EF4-FFF2-40B4-BE49-F238E27FC236}">
+                <a16:creationId xmlns:a16="http://schemas.microsoft.com/office/drawing/2014/main" id="{E25EF50D-F0CD-4727-AFB6-041294F40813}"/>
+              </a:ext>
+            </a:extLst>
+          </p:cNvPr>
+          <p:cNvSpPr/>
+          <p:nvPr/>
+        </p:nvSpPr>
+        <p:spPr>
+          <a:xfrm>
+            <a:off x="0" y="6350696"/>
+            <a:ext cx="10058400" cy="501573"/>
+          </a:xfrm>
+          <a:prstGeom prst="rect">
+            <a:avLst/>
+          </a:prstGeom>
+          <a:solidFill>
+            <a:schemeClr val="bg1">
+              <a:lumMod val="75000"/>
+            </a:schemeClr>
+          </a:solidFill>
+          <a:ln>
+            <a:solidFill>
+              <a:schemeClr val="bg1">
+                <a:lumMod val="75000"/>
+              </a:schemeClr>
+            </a:solidFill>
+          </a:ln>
+        </p:spPr>
+        <p:style>
+          <a:lnRef idx="2">
+            <a:schemeClr val="accent1">
+              <a:shade val="50000"/>
+            </a:schemeClr>
+          </a:lnRef>
+          <a:fillRef idx="1">
+            <a:schemeClr val="accent1"/>
+          </a:fillRef>
+          <a:effectRef idx="0">
+            <a:schemeClr val="accent1"/>
+          </a:effectRef>
+          <a:fontRef idx="minor">
+            <a:schemeClr val="lt1"/>
+          </a:fontRef>
+        </p:style>
+        <p:txBody>
+          <a:bodyPr rtlCol="0" anchor="ctr"/>
+          <a:lstStyle/>
+          <a:p>
+            <a:pPr algn="ctr"/>
+            <a:endParaRPr lang="de-DE"/>
+          </a:p>
+        </p:txBody>
+      </p:sp>
+      <p:pic>
+        <p:nvPicPr>
+          <p:cNvPr id="5" name="Inhaltsplatzhalter 4">
+            <a:extLst>
+              <a:ext uri="{FF2B5EF4-FFF2-40B4-BE49-F238E27FC236}">
+                <a16:creationId xmlns:a16="http://schemas.microsoft.com/office/drawing/2014/main" id="{4A1327ED-C79B-4435-9F7D-BB034D66DF67}"/>
+              </a:ext>
+            </a:extLst>
+          </p:cNvPr>
+          <p:cNvPicPr>
+            <a:picLocks noChangeAspect="1"/>
+          </p:cNvPicPr>
+          <p:nvPr/>
+        </p:nvPicPr>
+        <p:blipFill>
+          <a:blip r:embed="rId2">
+            <a:extLst>
+              <a:ext uri="{28A0092B-C50C-407E-A947-70E740481C1C}">
+                <a14:useLocalDpi xmlns:a14="http://schemas.microsoft.com/office/drawing/2010/main" val="0"/>
+              </a:ext>
+              <a:ext uri="{96DAC541-7B7A-43D3-8B79-37D633B846F1}">
+                <asvg:svgBlip xmlns:asvg="http://schemas.microsoft.com/office/drawing/2016/SVG/main" r:embed="rId3"/>
+              </a:ext>
+            </a:extLst>
+          </a:blip>
+          <a:stretch>
+            <a:fillRect/>
+          </a:stretch>
+        </p:blipFill>
+        <p:spPr>
+          <a:xfrm>
+            <a:off x="9138258" y="5539232"/>
+            <a:ext cx="3053742" cy="1325563"/>
+          </a:xfrm>
+          <a:prstGeom prst="rect">
+            <a:avLst/>
+          </a:prstGeom>
+        </p:spPr>
+      </p:pic>
+      <p:grpSp>
+        <p:nvGrpSpPr>
+          <p:cNvPr id="11" name="Gruppieren 10">
+            <a:extLst>
+              <a:ext uri="{FF2B5EF4-FFF2-40B4-BE49-F238E27FC236}">
+                <a16:creationId xmlns:a16="http://schemas.microsoft.com/office/drawing/2014/main" id="{1561B2BB-A425-40DA-AF8F-ADFD78B2BD63}"/>
+              </a:ext>
+            </a:extLst>
+          </p:cNvPr>
+          <p:cNvGrpSpPr/>
+          <p:nvPr/>
+        </p:nvGrpSpPr>
+        <p:grpSpPr>
+          <a:xfrm>
+            <a:off x="0" y="-12526"/>
+            <a:ext cx="12192000" cy="588439"/>
+            <a:chOff x="0" y="-12526"/>
+            <a:chExt cx="12192000" cy="588439"/>
+          </a:xfrm>
+        </p:grpSpPr>
+        <p:sp>
+          <p:nvSpPr>
+            <p:cNvPr id="12" name="Rechteck 11">
+              <a:extLst>
+                <a:ext uri="{FF2B5EF4-FFF2-40B4-BE49-F238E27FC236}">
+                  <a16:creationId xmlns:a16="http://schemas.microsoft.com/office/drawing/2014/main" id="{A5DFB29A-6A6E-4202-8456-89484C6F9E49}"/>
+                </a:ext>
+              </a:extLst>
+            </p:cNvPr>
+            <p:cNvSpPr/>
+            <p:nvPr/>
+          </p:nvSpPr>
+          <p:spPr>
+            <a:xfrm>
+              <a:off x="0" y="-12526"/>
+              <a:ext cx="12192000" cy="501573"/>
+            </a:xfrm>
+            <a:prstGeom prst="rect">
+              <a:avLst/>
+            </a:prstGeom>
+            <a:solidFill>
+              <a:schemeClr val="bg1">
+                <a:lumMod val="65000"/>
+              </a:schemeClr>
+            </a:solidFill>
+            <a:ln>
+              <a:solidFill>
+                <a:schemeClr val="bg1">
+                  <a:lumMod val="75000"/>
+                </a:schemeClr>
+              </a:solidFill>
+            </a:ln>
+          </p:spPr>
+          <p:style>
+            <a:lnRef idx="2">
+              <a:schemeClr val="accent1">
+                <a:shade val="50000"/>
+              </a:schemeClr>
+            </a:lnRef>
+            <a:fillRef idx="1">
+              <a:schemeClr val="accent1"/>
+            </a:fillRef>
+            <a:effectRef idx="0">
+              <a:schemeClr val="accent1"/>
+            </a:effectRef>
+            <a:fontRef idx="minor">
+              <a:schemeClr val="lt1"/>
+            </a:fontRef>
+          </p:style>
+          <p:txBody>
+            <a:bodyPr rtlCol="0" anchor="ctr"/>
+            <a:lstStyle/>
+            <a:p>
+              <a:pPr algn="ctr"/>
+              <a:endParaRPr lang="de-DE"/>
+            </a:p>
+          </p:txBody>
+        </p:sp>
+        <p:sp>
+          <p:nvSpPr>
+            <p:cNvPr id="13" name="Titel 1">
+              <a:extLst>
+                <a:ext uri="{FF2B5EF4-FFF2-40B4-BE49-F238E27FC236}">
+                  <a16:creationId xmlns:a16="http://schemas.microsoft.com/office/drawing/2014/main" id="{A61AA3AF-2F03-4319-86E8-ADA58FB09710}"/>
+                </a:ext>
+              </a:extLst>
+            </p:cNvPr>
+            <p:cNvSpPr txBox="1">
+              <a:spLocks/>
+            </p:cNvSpPr>
+            <p:nvPr/>
+          </p:nvSpPr>
+          <p:spPr>
+            <a:xfrm>
+              <a:off x="162045" y="74340"/>
+              <a:ext cx="9734309" cy="501573"/>
+            </a:xfrm>
+            <a:prstGeom prst="rect">
+              <a:avLst/>
+            </a:prstGeom>
+          </p:spPr>
+          <p:txBody>
+            <a:bodyPr vert="horz" lIns="91440" tIns="45720" rIns="91440" bIns="45720" rtlCol="0" anchor="ctr">
+              <a:normAutofit fontScale="82500" lnSpcReduction="20000"/>
+            </a:bodyPr>
+            <a:lstStyle>
+              <a:lvl1pPr algn="l" defTabSz="914400" rtl="0" eaLnBrk="1" latinLnBrk="0" hangingPunct="1">
+                <a:lnSpc>
+                  <a:spcPct val="90000"/>
+                </a:lnSpc>
+                <a:spcBef>
+                  <a:spcPct val="0"/>
+                </a:spcBef>
+                <a:buNone/>
+                <a:defRPr sz="4400" kern="1200">
+                  <a:solidFill>
+                    <a:schemeClr val="tx1"/>
+                  </a:solidFill>
+                  <a:latin typeface="+mj-lt"/>
+                  <a:ea typeface="+mj-ea"/>
+                  <a:cs typeface="+mj-cs"/>
+                </a:defRPr>
+              </a:lvl1pPr>
+            </a:lstStyle>
+            <a:p>
+              <a:r>
+                <a:rPr lang="de-DE" b="1" dirty="0">
+                  <a:solidFill>
+                    <a:schemeClr val="bg1">
+                      <a:lumMod val="95000"/>
+                    </a:schemeClr>
+                  </a:solidFill>
+                </a:rPr>
+                <a:t>Warum Reinforcement Learning?</a:t>
+              </a:r>
+            </a:p>
+          </p:txBody>
+        </p:sp>
+      </p:grpSp>
+    </p:spTree>
+    <p:extLst>
+      <p:ext uri="{BB962C8B-B14F-4D97-AF65-F5344CB8AC3E}">
+        <p14:creationId xmlns:p14="http://schemas.microsoft.com/office/powerpoint/2010/main" val="3631492492"/>
+      </p:ext>
+    </p:extLst>
+  </p:cSld>
+  <p:clrMapOvr>
+    <a:masterClrMapping/>
+  </p:clrMapOvr>
+</p:sld>
+</file>
+
+<file path=ppt/slides/slide6.xml><?xml version="1.0" encoding="utf-8"?>
+<p:sld xmlns:a="http://schemas.openxmlformats.org/drawingml/2006/main" xmlns:r="http://schemas.openxmlformats.org/officeDocument/2006/relationships" xmlns:p="http://schemas.openxmlformats.org/presentationml/2006/main">
+  <p:cSld>
+    <p:spTree>
+      <p:nvGrpSpPr>
+        <p:cNvPr id="1" name=""/>
+        <p:cNvGrpSpPr/>
+        <p:nvPr/>
+      </p:nvGrpSpPr>
+      <p:grpSpPr>
+        <a:xfrm>
+          <a:off x="0" y="0"/>
+          <a:ext cx="0" cy="0"/>
+          <a:chOff x="0" y="0"/>
+          <a:chExt cx="0" cy="0"/>
+        </a:xfrm>
+      </p:grpSpPr>
+      <p:sp>
+        <p:nvSpPr>
+          <p:cNvPr id="3" name="Inhaltsplatzhalter 2">
+            <a:extLst>
+              <a:ext uri="{FF2B5EF4-FFF2-40B4-BE49-F238E27FC236}">
+                <a16:creationId xmlns:a16="http://schemas.microsoft.com/office/drawing/2014/main" id="{0BD80818-1CA7-4256-8A7A-C0645BF9737B}"/>
+              </a:ext>
+            </a:extLst>
+          </p:cNvPr>
+          <p:cNvSpPr>
+            <a:spLocks noGrp="1"/>
+          </p:cNvSpPr>
+          <p:nvPr>
+            <p:ph idx="1"/>
+          </p:nvPr>
+        </p:nvSpPr>
+        <p:spPr>
+          <a:xfrm>
+            <a:off x="537258" y="1387377"/>
+            <a:ext cx="6291805" cy="4351338"/>
+          </a:xfrm>
+        </p:spPr>
+        <p:txBody>
+          <a:bodyPr/>
+          <a:lstStyle/>
+          <a:p>
+            <a:r>
+              <a:rPr lang="de-DE" dirty="0"/>
+              <a:t>Es gibt keine Daten von denen gelernt werden kann</a:t>
+            </a:r>
+          </a:p>
+          <a:p>
+            <a:r>
+              <a:rPr lang="de-DE" dirty="0"/>
+              <a:t>Es gibt zu viele mögliche Ausgänge</a:t>
+            </a:r>
+          </a:p>
+          <a:p>
+            <a:r>
+              <a:rPr lang="de-DE" dirty="0"/>
+              <a:t>Die Umgebung ist zu komplex um analytisch modelliert werden zu können</a:t>
+            </a:r>
+          </a:p>
+          <a:p>
+            <a:pPr marL="0" indent="0">
+              <a:buNone/>
+            </a:pPr>
+            <a:r>
+              <a:rPr lang="de-DE" dirty="0">
+                <a:latin typeface="Calibri" panose="020F0502020204030204" pitchFamily="34" charset="0"/>
+                <a:cs typeface="Calibri" panose="020F0502020204030204" pitchFamily="34" charset="0"/>
+              </a:rPr>
+              <a:t>→ Lernen durch Interaktion</a:t>
+            </a:r>
+            <a:endParaRPr lang="de-DE" dirty="0"/>
+          </a:p>
+        </p:txBody>
+      </p:sp>
+      <p:sp>
+        <p:nvSpPr>
+          <p:cNvPr id="4" name="Rechteck 3">
+            <a:extLst>
+              <a:ext uri="{FF2B5EF4-FFF2-40B4-BE49-F238E27FC236}">
+                <a16:creationId xmlns:a16="http://schemas.microsoft.com/office/drawing/2014/main" id="{E25EF50D-F0CD-4727-AFB6-041294F40813}"/>
+              </a:ext>
+            </a:extLst>
+          </p:cNvPr>
+          <p:cNvSpPr/>
+          <p:nvPr/>
+        </p:nvSpPr>
+        <p:spPr>
+          <a:xfrm>
+            <a:off x="0" y="6350696"/>
+            <a:ext cx="10058400" cy="501573"/>
+          </a:xfrm>
+          <a:prstGeom prst="rect">
+            <a:avLst/>
+          </a:prstGeom>
+          <a:solidFill>
+            <a:schemeClr val="bg1">
+              <a:lumMod val="75000"/>
+            </a:schemeClr>
+          </a:solidFill>
+          <a:ln>
+            <a:solidFill>
+              <a:schemeClr val="bg1">
+                <a:lumMod val="75000"/>
+              </a:schemeClr>
+            </a:solidFill>
+          </a:ln>
+        </p:spPr>
+        <p:style>
+          <a:lnRef idx="2">
+            <a:schemeClr val="accent1">
+              <a:shade val="50000"/>
+            </a:schemeClr>
+          </a:lnRef>
+          <a:fillRef idx="1">
+            <a:schemeClr val="accent1"/>
+          </a:fillRef>
+          <a:effectRef idx="0">
+            <a:schemeClr val="accent1"/>
+          </a:effectRef>
+          <a:fontRef idx="minor">
+            <a:schemeClr val="lt1"/>
+          </a:fontRef>
+        </p:style>
+        <p:txBody>
+          <a:bodyPr rtlCol="0" anchor="ctr"/>
+          <a:lstStyle/>
+          <a:p>
+            <a:pPr algn="ctr"/>
+            <a:endParaRPr lang="de-DE"/>
+          </a:p>
+        </p:txBody>
+      </p:sp>
+      <p:pic>
+        <p:nvPicPr>
+          <p:cNvPr id="5" name="Inhaltsplatzhalter 4">
+            <a:extLst>
+              <a:ext uri="{FF2B5EF4-FFF2-40B4-BE49-F238E27FC236}">
+                <a16:creationId xmlns:a16="http://schemas.microsoft.com/office/drawing/2014/main" id="{4A1327ED-C79B-4435-9F7D-BB034D66DF67}"/>
+              </a:ext>
+            </a:extLst>
+          </p:cNvPr>
+          <p:cNvPicPr>
+            <a:picLocks noChangeAspect="1"/>
+          </p:cNvPicPr>
+          <p:nvPr/>
+        </p:nvPicPr>
+        <p:blipFill>
+          <a:blip r:embed="rId2">
+            <a:extLst>
+              <a:ext uri="{28A0092B-C50C-407E-A947-70E740481C1C}">
+                <a14:useLocalDpi xmlns:a14="http://schemas.microsoft.com/office/drawing/2010/main" val="0"/>
+              </a:ext>
+              <a:ext uri="{96DAC541-7B7A-43D3-8B79-37D633B846F1}">
+                <asvg:svgBlip xmlns:asvg="http://schemas.microsoft.com/office/drawing/2016/SVG/main" r:embed="rId3"/>
+              </a:ext>
+            </a:extLst>
+          </a:blip>
+          <a:stretch>
+            <a:fillRect/>
+          </a:stretch>
+        </p:blipFill>
+        <p:spPr>
+          <a:xfrm>
+            <a:off x="9138258" y="5539232"/>
+            <a:ext cx="3053742" cy="1325563"/>
+          </a:xfrm>
+          <a:prstGeom prst="rect">
+            <a:avLst/>
+          </a:prstGeom>
+        </p:spPr>
+      </p:pic>
+      <p:grpSp>
+        <p:nvGrpSpPr>
+          <p:cNvPr id="11" name="Gruppieren 10">
+            <a:extLst>
+              <a:ext uri="{FF2B5EF4-FFF2-40B4-BE49-F238E27FC236}">
+                <a16:creationId xmlns:a16="http://schemas.microsoft.com/office/drawing/2014/main" id="{1561B2BB-A425-40DA-AF8F-ADFD78B2BD63}"/>
+              </a:ext>
+            </a:extLst>
+          </p:cNvPr>
+          <p:cNvGrpSpPr/>
+          <p:nvPr/>
+        </p:nvGrpSpPr>
+        <p:grpSpPr>
+          <a:xfrm>
+            <a:off x="0" y="-12526"/>
+            <a:ext cx="12192000" cy="588439"/>
+            <a:chOff x="0" y="-12526"/>
+            <a:chExt cx="12192000" cy="588439"/>
+          </a:xfrm>
+        </p:grpSpPr>
+        <p:sp>
+          <p:nvSpPr>
+            <p:cNvPr id="12" name="Rechteck 11">
+              <a:extLst>
+                <a:ext uri="{FF2B5EF4-FFF2-40B4-BE49-F238E27FC236}">
+                  <a16:creationId xmlns:a16="http://schemas.microsoft.com/office/drawing/2014/main" id="{A5DFB29A-6A6E-4202-8456-89484C6F9E49}"/>
+                </a:ext>
+              </a:extLst>
+            </p:cNvPr>
+            <p:cNvSpPr/>
+            <p:nvPr/>
+          </p:nvSpPr>
+          <p:spPr>
+            <a:xfrm>
+              <a:off x="0" y="-12526"/>
+              <a:ext cx="12192000" cy="501573"/>
+            </a:xfrm>
+            <a:prstGeom prst="rect">
+              <a:avLst/>
+            </a:prstGeom>
+            <a:solidFill>
+              <a:schemeClr val="bg1">
+                <a:lumMod val="65000"/>
+              </a:schemeClr>
+            </a:solidFill>
+            <a:ln>
+              <a:solidFill>
+                <a:schemeClr val="bg1">
+                  <a:lumMod val="75000"/>
+                </a:schemeClr>
+              </a:solidFill>
+            </a:ln>
+          </p:spPr>
+          <p:style>
+            <a:lnRef idx="2">
+              <a:schemeClr val="accent1">
+                <a:shade val="50000"/>
+              </a:schemeClr>
+            </a:lnRef>
+            <a:fillRef idx="1">
+              <a:schemeClr val="accent1"/>
+            </a:fillRef>
+            <a:effectRef idx="0">
+              <a:schemeClr val="accent1"/>
+            </a:effectRef>
+            <a:fontRef idx="minor">
+              <a:schemeClr val="lt1"/>
+            </a:fontRef>
+          </p:style>
+          <p:txBody>
+            <a:bodyPr rtlCol="0" anchor="ctr"/>
+            <a:lstStyle/>
+            <a:p>
+              <a:pPr algn="ctr"/>
+              <a:endParaRPr lang="de-DE"/>
+            </a:p>
+          </p:txBody>
+        </p:sp>
+        <p:sp>
+          <p:nvSpPr>
+            <p:cNvPr id="13" name="Titel 1">
+              <a:extLst>
+                <a:ext uri="{FF2B5EF4-FFF2-40B4-BE49-F238E27FC236}">
+                  <a16:creationId xmlns:a16="http://schemas.microsoft.com/office/drawing/2014/main" id="{A61AA3AF-2F03-4319-86E8-ADA58FB09710}"/>
+                </a:ext>
+              </a:extLst>
+            </p:cNvPr>
+            <p:cNvSpPr txBox="1">
+              <a:spLocks/>
+            </p:cNvSpPr>
+            <p:nvPr/>
+          </p:nvSpPr>
+          <p:spPr>
+            <a:xfrm>
+              <a:off x="162045" y="74340"/>
+              <a:ext cx="9734309" cy="501573"/>
+            </a:xfrm>
+            <a:prstGeom prst="rect">
+              <a:avLst/>
+            </a:prstGeom>
+          </p:spPr>
+          <p:txBody>
+            <a:bodyPr vert="horz" lIns="91440" tIns="45720" rIns="91440" bIns="45720" rtlCol="0" anchor="ctr">
+              <a:normAutofit fontScale="82500" lnSpcReduction="20000"/>
+            </a:bodyPr>
+            <a:lstStyle>
+              <a:lvl1pPr algn="l" defTabSz="914400" rtl="0" eaLnBrk="1" latinLnBrk="0" hangingPunct="1">
+                <a:lnSpc>
+                  <a:spcPct val="90000"/>
+                </a:lnSpc>
+                <a:spcBef>
+                  <a:spcPct val="0"/>
+                </a:spcBef>
+                <a:buNone/>
+                <a:defRPr sz="4400" kern="1200">
+                  <a:solidFill>
+                    <a:schemeClr val="tx1"/>
+                  </a:solidFill>
+                  <a:latin typeface="+mj-lt"/>
+                  <a:ea typeface="+mj-ea"/>
+                  <a:cs typeface="+mj-cs"/>
+                </a:defRPr>
+              </a:lvl1pPr>
+            </a:lstStyle>
+            <a:p>
+              <a:r>
+                <a:rPr lang="de-DE" b="1" dirty="0">
+                  <a:solidFill>
+                    <a:schemeClr val="bg1">
+                      <a:lumMod val="95000"/>
+                    </a:schemeClr>
+                  </a:solidFill>
+                </a:rPr>
+                <a:t>Warum Reinforcement Learning?</a:t>
+              </a:r>
+            </a:p>
+          </p:txBody>
+        </p:sp>
+      </p:grpSp>
+      <p:pic>
+        <p:nvPicPr>
+          <p:cNvPr id="20" name="Grafik 19">
+            <a:extLst>
+              <a:ext uri="{FF2B5EF4-FFF2-40B4-BE49-F238E27FC236}">
+                <a16:creationId xmlns:a16="http://schemas.microsoft.com/office/drawing/2014/main" id="{81CF5505-E052-412E-A891-2844E4989232}"/>
+              </a:ext>
+            </a:extLst>
+          </p:cNvPr>
+          <p:cNvPicPr>
+            <a:picLocks noChangeAspect="1"/>
+          </p:cNvPicPr>
+          <p:nvPr/>
+        </p:nvPicPr>
+        <p:blipFill>
+          <a:blip r:embed="rId4">
+            <a:extLst>
+              <a:ext uri="{28A0092B-C50C-407E-A947-70E740481C1C}">
+                <a14:useLocalDpi xmlns:a14="http://schemas.microsoft.com/office/drawing/2010/main" val="0"/>
+              </a:ext>
+            </a:extLst>
+          </a:blip>
+          <a:stretch>
+            <a:fillRect/>
+          </a:stretch>
+        </p:blipFill>
+        <p:spPr>
+          <a:xfrm>
+            <a:off x="7384648" y="1137793"/>
+            <a:ext cx="3334131" cy="4452104"/>
+          </a:xfrm>
+          <a:prstGeom prst="rect">
+            <a:avLst/>
+          </a:prstGeom>
+        </p:spPr>
+      </p:pic>
+    </p:spTree>
+    <p:extLst>
+      <p:ext uri="{BB962C8B-B14F-4D97-AF65-F5344CB8AC3E}">
+        <p14:creationId xmlns:p14="http://schemas.microsoft.com/office/powerpoint/2010/main" val="2427196429"/>
+      </p:ext>
+    </p:extLst>
+  </p:cSld>
+  <p:clrMapOvr>
+    <a:masterClrMapping/>
+  </p:clrMapOvr>
+</p:sld>
+</file>
+
+<file path=ppt/slides/slide7.xml><?xml version="1.0" encoding="utf-8"?>
+<p:sld xmlns:a="http://schemas.openxmlformats.org/drawingml/2006/main" xmlns:r="http://schemas.openxmlformats.org/officeDocument/2006/relationships" xmlns:p="http://schemas.openxmlformats.org/presentationml/2006/main">
+  <p:cSld>
+    <p:spTree>
+      <p:nvGrpSpPr>
+        <p:cNvPr id="1" name=""/>
+        <p:cNvGrpSpPr/>
+        <p:nvPr/>
+      </p:nvGrpSpPr>
+      <p:grpSpPr>
+        <a:xfrm>
+          <a:off x="0" y="0"/>
+          <a:ext cx="0" cy="0"/>
+          <a:chOff x="0" y="0"/>
+          <a:chExt cx="0" cy="0"/>
+        </a:xfrm>
+      </p:grpSpPr>
+      <p:pic>
+        <p:nvPicPr>
+          <p:cNvPr id="12" name="Grafik 11">
+            <a:extLst>
+              <a:ext uri="{FF2B5EF4-FFF2-40B4-BE49-F238E27FC236}">
+                <a16:creationId xmlns:a16="http://schemas.microsoft.com/office/drawing/2014/main" id="{C82D2D37-C0A7-4F66-8E2B-640D3AC2E8A9}"/>
+              </a:ext>
+            </a:extLst>
+          </p:cNvPr>
+          <p:cNvPicPr>
+            <a:picLocks noChangeAspect="1"/>
+          </p:cNvPicPr>
+          <p:nvPr/>
+        </p:nvPicPr>
+        <p:blipFill>
+          <a:blip r:embed="rId2">
+            <a:extLst>
+              <a:ext uri="{28A0092B-C50C-407E-A947-70E740481C1C}">
+                <a14:useLocalDpi xmlns:a14="http://schemas.microsoft.com/office/drawing/2010/main" val="0"/>
+              </a:ext>
+            </a:extLst>
+          </a:blip>
+          <a:stretch>
+            <a:fillRect/>
+          </a:stretch>
+        </p:blipFill>
+        <p:spPr>
+          <a:xfrm>
+            <a:off x="4611679" y="618852"/>
+            <a:ext cx="1738255" cy="1751228"/>
+          </a:xfrm>
+          <a:prstGeom prst="rect">
+            <a:avLst/>
+          </a:prstGeom>
+        </p:spPr>
+      </p:pic>
+      <p:pic>
+        <p:nvPicPr>
+          <p:cNvPr id="7" name="Grafik 6">
+            <a:extLst>
+              <a:ext uri="{FF2B5EF4-FFF2-40B4-BE49-F238E27FC236}">
+                <a16:creationId xmlns:a16="http://schemas.microsoft.com/office/drawing/2014/main" id="{600070E0-4937-419F-88FA-EA3F9FD74369}"/>
+              </a:ext>
+            </a:extLst>
+          </p:cNvPr>
+          <p:cNvPicPr>
+            <a:picLocks noChangeAspect="1"/>
+          </p:cNvPicPr>
+          <p:nvPr/>
+        </p:nvPicPr>
+        <p:blipFill>
+          <a:blip r:embed="rId3">
+            <a:extLst>
+              <a:ext uri="{28A0092B-C50C-407E-A947-70E740481C1C}">
+                <a14:useLocalDpi xmlns:a14="http://schemas.microsoft.com/office/drawing/2010/main" val="0"/>
+              </a:ext>
+            </a:extLst>
+          </a:blip>
+          <a:stretch>
+            <a:fillRect/>
+          </a:stretch>
+        </p:blipFill>
+        <p:spPr>
+          <a:xfrm>
+            <a:off x="4528624" y="2719462"/>
+            <a:ext cx="1974489" cy="1968566"/>
+          </a:xfrm>
+          <a:prstGeom prst="rect">
+            <a:avLst/>
+          </a:prstGeom>
+        </p:spPr>
+      </p:pic>
+      <p:sp>
+        <p:nvSpPr>
+          <p:cNvPr id="4" name="Rechteck 3">
+            <a:extLst>
+              <a:ext uri="{FF2B5EF4-FFF2-40B4-BE49-F238E27FC236}">
+                <a16:creationId xmlns:a16="http://schemas.microsoft.com/office/drawing/2014/main" id="{E25EF50D-F0CD-4727-AFB6-041294F40813}"/>
+              </a:ext>
+            </a:extLst>
+          </p:cNvPr>
+          <p:cNvSpPr/>
+          <p:nvPr/>
+        </p:nvSpPr>
+        <p:spPr>
+          <a:xfrm>
+            <a:off x="0" y="6350696"/>
+            <a:ext cx="10058400" cy="501573"/>
+          </a:xfrm>
+          <a:prstGeom prst="rect">
+            <a:avLst/>
+          </a:prstGeom>
+          <a:solidFill>
+            <a:schemeClr val="bg1">
+              <a:lumMod val="75000"/>
+            </a:schemeClr>
+          </a:solidFill>
+          <a:ln>
+            <a:solidFill>
+              <a:schemeClr val="bg1">
+                <a:lumMod val="75000"/>
+              </a:schemeClr>
+            </a:solidFill>
+          </a:ln>
+        </p:spPr>
+        <p:style>
+          <a:lnRef idx="2">
+            <a:schemeClr val="accent1">
+              <a:shade val="50000"/>
+            </a:schemeClr>
+          </a:lnRef>
+          <a:fillRef idx="1">
+            <a:schemeClr val="accent1"/>
+          </a:fillRef>
+          <a:effectRef idx="0">
+            <a:schemeClr val="accent1"/>
+          </a:effectRef>
+          <a:fontRef idx="minor">
+            <a:schemeClr val="lt1"/>
+          </a:fontRef>
+        </p:style>
+        <p:txBody>
+          <a:bodyPr rtlCol="0" anchor="ctr"/>
+          <a:lstStyle/>
+          <a:p>
+            <a:pPr algn="ctr"/>
+            <a:endParaRPr lang="de-DE"/>
+          </a:p>
+        </p:txBody>
+      </p:sp>
+      <p:pic>
+        <p:nvPicPr>
+          <p:cNvPr id="5" name="Inhaltsplatzhalter 4">
+            <a:extLst>
+              <a:ext uri="{FF2B5EF4-FFF2-40B4-BE49-F238E27FC236}">
+                <a16:creationId xmlns:a16="http://schemas.microsoft.com/office/drawing/2014/main" id="{4A1327ED-C79B-4435-9F7D-BB034D66DF67}"/>
+              </a:ext>
+            </a:extLst>
+          </p:cNvPr>
+          <p:cNvPicPr>
+            <a:picLocks noChangeAspect="1"/>
+          </p:cNvPicPr>
+          <p:nvPr/>
+        </p:nvPicPr>
+        <p:blipFill>
+          <a:blip r:embed="rId4">
+            <a:extLst>
+              <a:ext uri="{28A0092B-C50C-407E-A947-70E740481C1C}">
+                <a14:useLocalDpi xmlns:a14="http://schemas.microsoft.com/office/drawing/2010/main" val="0"/>
+              </a:ext>
+              <a:ext uri="{96DAC541-7B7A-43D3-8B79-37D633B846F1}">
+                <asvg:svgBlip xmlns:asvg="http://schemas.microsoft.com/office/drawing/2016/SVG/main" r:embed="rId5"/>
+              </a:ext>
+            </a:extLst>
+          </a:blip>
+          <a:stretch>
+            <a:fillRect/>
+          </a:stretch>
+        </p:blipFill>
+        <p:spPr>
+          <a:xfrm>
+            <a:off x="9138258" y="5539232"/>
+            <a:ext cx="3053742" cy="1325563"/>
+          </a:xfrm>
+          <a:prstGeom prst="rect">
+            <a:avLst/>
+          </a:prstGeom>
+        </p:spPr>
+      </p:pic>
+      <p:grpSp>
+        <p:nvGrpSpPr>
+          <p:cNvPr id="8" name="Gruppieren 7">
+            <a:extLst>
+              <a:ext uri="{FF2B5EF4-FFF2-40B4-BE49-F238E27FC236}">
+                <a16:creationId xmlns:a16="http://schemas.microsoft.com/office/drawing/2014/main" id="{D12F6303-B64A-4DE0-9338-29C545E489D2}"/>
+              </a:ext>
+            </a:extLst>
+          </p:cNvPr>
+          <p:cNvGrpSpPr/>
+          <p:nvPr/>
+        </p:nvGrpSpPr>
+        <p:grpSpPr>
+          <a:xfrm>
+            <a:off x="0" y="-12526"/>
+            <a:ext cx="12192000" cy="588439"/>
+            <a:chOff x="0" y="-12526"/>
+            <a:chExt cx="12192000" cy="588439"/>
+          </a:xfrm>
+        </p:grpSpPr>
+        <p:sp>
+          <p:nvSpPr>
+            <p:cNvPr id="9" name="Rechteck 8">
+              <a:extLst>
+                <a:ext uri="{FF2B5EF4-FFF2-40B4-BE49-F238E27FC236}">
+                  <a16:creationId xmlns:a16="http://schemas.microsoft.com/office/drawing/2014/main" id="{7E0E77A4-3A23-433F-BE05-4662310BB904}"/>
+                </a:ext>
+              </a:extLst>
+            </p:cNvPr>
+            <p:cNvSpPr/>
+            <p:nvPr/>
+          </p:nvSpPr>
+          <p:spPr>
+            <a:xfrm>
+              <a:off x="0" y="-12526"/>
+              <a:ext cx="12192000" cy="501573"/>
+            </a:xfrm>
+            <a:prstGeom prst="rect">
+              <a:avLst/>
+            </a:prstGeom>
+            <a:solidFill>
+              <a:schemeClr val="bg1">
+                <a:lumMod val="65000"/>
+              </a:schemeClr>
+            </a:solidFill>
+            <a:ln>
+              <a:solidFill>
+                <a:schemeClr val="bg1">
+                  <a:lumMod val="75000"/>
+                </a:schemeClr>
+              </a:solidFill>
+            </a:ln>
+          </p:spPr>
+          <p:style>
+            <a:lnRef idx="2">
+              <a:schemeClr val="accent1">
+                <a:shade val="50000"/>
+              </a:schemeClr>
+            </a:lnRef>
+            <a:fillRef idx="1">
+              <a:schemeClr val="accent1"/>
+            </a:fillRef>
+            <a:effectRef idx="0">
+              <a:schemeClr val="accent1"/>
+            </a:effectRef>
+            <a:fontRef idx="minor">
+              <a:schemeClr val="lt1"/>
+            </a:fontRef>
+          </p:style>
+          <p:txBody>
+            <a:bodyPr rtlCol="0" anchor="ctr"/>
+            <a:lstStyle/>
+            <a:p>
+              <a:pPr algn="ctr"/>
+              <a:endParaRPr lang="de-DE"/>
+            </a:p>
+          </p:txBody>
+        </p:sp>
+        <p:sp>
+          <p:nvSpPr>
+            <p:cNvPr id="10" name="Titel 1">
+              <a:extLst>
+                <a:ext uri="{FF2B5EF4-FFF2-40B4-BE49-F238E27FC236}">
+                  <a16:creationId xmlns:a16="http://schemas.microsoft.com/office/drawing/2014/main" id="{E30452C7-9ADA-4F64-A8E5-5A8C65FD6090}"/>
+                </a:ext>
+              </a:extLst>
+            </p:cNvPr>
+            <p:cNvSpPr txBox="1">
+              <a:spLocks/>
+            </p:cNvSpPr>
+            <p:nvPr/>
+          </p:nvSpPr>
+          <p:spPr>
+            <a:xfrm>
+              <a:off x="162045" y="74340"/>
+              <a:ext cx="9734309" cy="501573"/>
+            </a:xfrm>
+            <a:prstGeom prst="rect">
+              <a:avLst/>
+            </a:prstGeom>
+          </p:spPr>
+          <p:txBody>
+            <a:bodyPr vert="horz" lIns="91440" tIns="45720" rIns="91440" bIns="45720" rtlCol="0" anchor="ctr">
+              <a:normAutofit fontScale="82500" lnSpcReduction="20000"/>
+            </a:bodyPr>
+            <a:lstStyle>
+              <a:lvl1pPr algn="l" defTabSz="914400" rtl="0" eaLnBrk="1" latinLnBrk="0" hangingPunct="1">
+                <a:lnSpc>
+                  <a:spcPct val="90000"/>
+                </a:lnSpc>
+                <a:spcBef>
+                  <a:spcPct val="0"/>
+                </a:spcBef>
+                <a:buNone/>
+                <a:defRPr sz="4400" kern="1200">
+                  <a:solidFill>
+                    <a:schemeClr val="tx1"/>
+                  </a:solidFill>
+                  <a:latin typeface="+mj-lt"/>
+                  <a:ea typeface="+mj-ea"/>
+                  <a:cs typeface="+mj-cs"/>
+                </a:defRPr>
+              </a:lvl1pPr>
+            </a:lstStyle>
+            <a:p>
+              <a:r>
+                <a:rPr lang="de-DE" b="1" dirty="0">
+                  <a:solidFill>
+                    <a:schemeClr val="bg1">
+                      <a:lumMod val="95000"/>
+                    </a:schemeClr>
+                  </a:solidFill>
+                </a:rPr>
+                <a:t>Grundlegender Ansatz</a:t>
+              </a:r>
+            </a:p>
+          </p:txBody>
+        </p:sp>
+      </p:grpSp>
+      <p:cxnSp>
+        <p:nvCxnSpPr>
+          <p:cNvPr id="19" name="Verbinder: gekrümmt 18">
+            <a:extLst>
+              <a:ext uri="{FF2B5EF4-FFF2-40B4-BE49-F238E27FC236}">
+                <a16:creationId xmlns:a16="http://schemas.microsoft.com/office/drawing/2014/main" id="{72A85A6B-8D8F-471F-B569-2F6AB656027F}"/>
+              </a:ext>
+            </a:extLst>
+          </p:cNvPr>
+          <p:cNvCxnSpPr>
+            <a:cxnSpLocks/>
+          </p:cNvCxnSpPr>
+          <p:nvPr/>
+        </p:nvCxnSpPr>
+        <p:spPr>
+          <a:xfrm rot="10800000">
+            <a:off x="4647299" y="1735884"/>
+            <a:ext cx="99205" cy="1958461"/>
+          </a:xfrm>
+          <a:prstGeom prst="curvedConnector3">
+            <a:avLst>
+              <a:gd name="adj1" fmla="val 1368833"/>
+            </a:avLst>
+          </a:prstGeom>
+          <a:ln w="57150">
+            <a:solidFill>
+              <a:schemeClr val="tx1"/>
+            </a:solidFill>
+            <a:tailEnd type="triangle"/>
+          </a:ln>
+        </p:spPr>
+        <p:style>
+          <a:lnRef idx="1">
+            <a:schemeClr val="accent1"/>
+          </a:lnRef>
+          <a:fillRef idx="0">
+            <a:schemeClr val="accent1"/>
+          </a:fillRef>
+          <a:effectRef idx="0">
+            <a:schemeClr val="accent1"/>
+          </a:effectRef>
+          <a:fontRef idx="minor">
+            <a:schemeClr val="tx1"/>
+          </a:fontRef>
+        </p:style>
+      </p:cxnSp>
+      <p:cxnSp>
+        <p:nvCxnSpPr>
+          <p:cNvPr id="22" name="Verbinder: gekrümmt 21">
+            <a:extLst>
+              <a:ext uri="{FF2B5EF4-FFF2-40B4-BE49-F238E27FC236}">
+                <a16:creationId xmlns:a16="http://schemas.microsoft.com/office/drawing/2014/main" id="{87352A73-490B-437F-9273-A0E5DCF4F5FB}"/>
+              </a:ext>
+            </a:extLst>
+          </p:cNvPr>
+          <p:cNvCxnSpPr>
+            <a:cxnSpLocks/>
+          </p:cNvCxnSpPr>
+          <p:nvPr/>
+        </p:nvCxnSpPr>
+        <p:spPr>
+          <a:xfrm flipH="1">
+            <a:off x="6223433" y="1735883"/>
+            <a:ext cx="99205" cy="1958461"/>
+          </a:xfrm>
+          <a:prstGeom prst="curvedConnector3">
+            <a:avLst>
+              <a:gd name="adj1" fmla="val -1443846"/>
+            </a:avLst>
+          </a:prstGeom>
+          <a:ln w="57150">
+            <a:solidFill>
+              <a:schemeClr val="tx1"/>
+            </a:solidFill>
+            <a:tailEnd type="triangle"/>
+          </a:ln>
+        </p:spPr>
+        <p:style>
+          <a:lnRef idx="1">
+            <a:schemeClr val="accent1"/>
+          </a:lnRef>
+          <a:fillRef idx="0">
+            <a:schemeClr val="accent1"/>
+          </a:fillRef>
+          <a:effectRef idx="0">
+            <a:schemeClr val="accent1"/>
+          </a:effectRef>
+          <a:fontRef idx="minor">
+            <a:schemeClr val="tx1"/>
+          </a:fontRef>
+        </p:style>
+      </p:cxnSp>
+      <p:sp>
+        <p:nvSpPr>
+          <p:cNvPr id="27" name="Textfeld 26">
+            <a:extLst>
+              <a:ext uri="{FF2B5EF4-FFF2-40B4-BE49-F238E27FC236}">
+                <a16:creationId xmlns:a16="http://schemas.microsoft.com/office/drawing/2014/main" id="{5F8FD409-2D6D-46E9-A8BD-7A5B1D5D980C}"/>
+              </a:ext>
+            </a:extLst>
+          </p:cNvPr>
+          <p:cNvSpPr txBox="1"/>
+          <p:nvPr/>
+        </p:nvSpPr>
+        <p:spPr>
+          <a:xfrm>
+            <a:off x="2172852" y="2421322"/>
+            <a:ext cx="997517" cy="461665"/>
+          </a:xfrm>
+          <a:prstGeom prst="rect">
+            <a:avLst/>
+          </a:prstGeom>
+          <a:noFill/>
+        </p:spPr>
+        <p:txBody>
+          <a:bodyPr wrap="none" rtlCol="0">
+            <a:spAutoFit/>
+          </a:bodyPr>
+          <a:lstStyle/>
+          <a:p>
+            <a:r>
+              <a:rPr lang="de-DE" sz="2400" dirty="0"/>
+              <a:t>Aktion</a:t>
+            </a:r>
+          </a:p>
+        </p:txBody>
+      </p:sp>
+      <p:sp>
+        <p:nvSpPr>
+          <p:cNvPr id="28" name="Textfeld 27">
+            <a:extLst>
+              <a:ext uri="{FF2B5EF4-FFF2-40B4-BE49-F238E27FC236}">
+                <a16:creationId xmlns:a16="http://schemas.microsoft.com/office/drawing/2014/main" id="{671825E2-9BFB-4F11-88B5-2CCF0C91963A}"/>
+              </a:ext>
+            </a:extLst>
+          </p:cNvPr>
+          <p:cNvSpPr txBox="1"/>
+          <p:nvPr/>
+        </p:nvSpPr>
+        <p:spPr>
+          <a:xfrm>
+            <a:off x="8022803" y="2031934"/>
+            <a:ext cx="2729914" cy="1569660"/>
+          </a:xfrm>
+          <a:prstGeom prst="rect">
+            <a:avLst/>
+          </a:prstGeom>
+          <a:noFill/>
+        </p:spPr>
+        <p:txBody>
+          <a:bodyPr wrap="none" rtlCol="0">
+            <a:spAutoFit/>
+          </a:bodyPr>
+          <a:lstStyle/>
+          <a:p>
+            <a:r>
+              <a:rPr lang="de-DE" sz="2400" dirty="0"/>
+              <a:t>Feedback:</a:t>
+            </a:r>
+          </a:p>
+          <a:p>
+            <a:r>
+              <a:rPr lang="de-DE" sz="2400" dirty="0"/>
+              <a:t>Belohnung (Leckerli)</a:t>
+            </a:r>
+          </a:p>
+          <a:p>
+            <a:r>
+              <a:rPr lang="de-DE" sz="2400" dirty="0"/>
+              <a:t>Neuer Zustand,</a:t>
+            </a:r>
+          </a:p>
+          <a:p>
+            <a:r>
+              <a:rPr lang="de-DE" sz="2400" dirty="0"/>
+              <a:t>Handlungsoptionen</a:t>
+            </a:r>
+          </a:p>
+        </p:txBody>
+      </p:sp>
+      <p:sp>
+        <p:nvSpPr>
+          <p:cNvPr id="62" name="Inhaltsplatzhalter 2">
+            <a:extLst>
+              <a:ext uri="{FF2B5EF4-FFF2-40B4-BE49-F238E27FC236}">
+                <a16:creationId xmlns:a16="http://schemas.microsoft.com/office/drawing/2014/main" id="{5EB7CE11-3CB1-4A22-A57F-A6F26E5A7315}"/>
+              </a:ext>
+            </a:extLst>
+          </p:cNvPr>
+          <p:cNvSpPr>
+            <a:spLocks noGrp="1"/>
+          </p:cNvSpPr>
+          <p:nvPr>
+            <p:ph idx="1"/>
+          </p:nvPr>
+        </p:nvSpPr>
+        <p:spPr>
+          <a:xfrm>
+            <a:off x="1188417" y="4802568"/>
+            <a:ext cx="10502013" cy="1198746"/>
+          </a:xfrm>
+        </p:spPr>
+        <p:txBody>
+          <a:bodyPr/>
+          <a:lstStyle/>
+          <a:p>
+            <a:r>
+              <a:rPr lang="de-DE" dirty="0"/>
+              <a:t>Kein explizites Wissen über die Welt</a:t>
+            </a:r>
+          </a:p>
+          <a:p>
+            <a:r>
+              <a:rPr lang="de-DE" dirty="0"/>
+              <a:t>Kein direkter Zugriff auf die Welt, nur durch Interaktion</a:t>
+            </a:r>
+          </a:p>
+        </p:txBody>
+      </p:sp>
+    </p:spTree>
+    <p:extLst>
+      <p:ext uri="{BB962C8B-B14F-4D97-AF65-F5344CB8AC3E}">
+        <p14:creationId xmlns:p14="http://schemas.microsoft.com/office/powerpoint/2010/main" val="2939196430"/>
+      </p:ext>
+    </p:extLst>
+  </p:cSld>
+  <p:clrMapOvr>
+    <a:masterClrMapping/>
+  </p:clrMapOvr>
+</p:sld>
+</file>
+
 <file path=ppt/slides/slide8.xml><?xml version="1.0" encoding="utf-8"?>
+<p:sld xmlns:a="http://schemas.openxmlformats.org/drawingml/2006/main" xmlns:r="http://schemas.openxmlformats.org/officeDocument/2006/relationships" xmlns:p="http://schemas.openxmlformats.org/presentationml/2006/main">
+  <p:cSld>
+    <p:spTree>
+      <p:nvGrpSpPr>
+        <p:cNvPr id="1" name=""/>
+        <p:cNvGrpSpPr/>
+        <p:nvPr/>
+      </p:nvGrpSpPr>
+      <p:grpSpPr>
+        <a:xfrm>
+          <a:off x="0" y="0"/>
+          <a:ext cx="0" cy="0"/>
+          <a:chOff x="0" y="0"/>
+          <a:chExt cx="0" cy="0"/>
+        </a:xfrm>
+      </p:grpSpPr>
+      <p:sp>
+        <p:nvSpPr>
+          <p:cNvPr id="4" name="Rechteck 3">
+            <a:extLst>
+              <a:ext uri="{FF2B5EF4-FFF2-40B4-BE49-F238E27FC236}">
+                <a16:creationId xmlns:a16="http://schemas.microsoft.com/office/drawing/2014/main" id="{E25EF50D-F0CD-4727-AFB6-041294F40813}"/>
+              </a:ext>
+            </a:extLst>
+          </p:cNvPr>
+          <p:cNvSpPr/>
+          <p:nvPr/>
+        </p:nvSpPr>
+        <p:spPr>
+          <a:xfrm>
+            <a:off x="0" y="6350696"/>
+            <a:ext cx="10058400" cy="501573"/>
+          </a:xfrm>
+          <a:prstGeom prst="rect">
+            <a:avLst/>
+          </a:prstGeom>
+          <a:solidFill>
+            <a:schemeClr val="bg1">
+              <a:lumMod val="75000"/>
+            </a:schemeClr>
+          </a:solidFill>
+          <a:ln>
+            <a:solidFill>
+              <a:schemeClr val="bg1">
+                <a:lumMod val="75000"/>
+              </a:schemeClr>
+            </a:solidFill>
+          </a:ln>
+        </p:spPr>
+        <p:style>
+          <a:lnRef idx="2">
+            <a:schemeClr val="accent1">
+              <a:shade val="50000"/>
+            </a:schemeClr>
+          </a:lnRef>
+          <a:fillRef idx="1">
+            <a:schemeClr val="accent1"/>
+          </a:fillRef>
+          <a:effectRef idx="0">
+            <a:schemeClr val="accent1"/>
+          </a:effectRef>
+          <a:fontRef idx="minor">
+            <a:schemeClr val="lt1"/>
+          </a:fontRef>
+        </p:style>
+        <p:txBody>
+          <a:bodyPr rtlCol="0" anchor="ctr"/>
+          <a:lstStyle/>
+          <a:p>
+            <a:pPr algn="ctr"/>
+            <a:endParaRPr lang="de-DE"/>
+          </a:p>
+        </p:txBody>
+      </p:sp>
+      <p:pic>
+        <p:nvPicPr>
+          <p:cNvPr id="5" name="Inhaltsplatzhalter 4">
+            <a:extLst>
+              <a:ext uri="{FF2B5EF4-FFF2-40B4-BE49-F238E27FC236}">
+                <a16:creationId xmlns:a16="http://schemas.microsoft.com/office/drawing/2014/main" id="{4A1327ED-C79B-4435-9F7D-BB034D66DF67}"/>
+              </a:ext>
+            </a:extLst>
+          </p:cNvPr>
+          <p:cNvPicPr>
+            <a:picLocks noChangeAspect="1"/>
+          </p:cNvPicPr>
+          <p:nvPr/>
+        </p:nvPicPr>
+        <p:blipFill>
+          <a:blip r:embed="rId2">
+            <a:extLst>
+              <a:ext uri="{28A0092B-C50C-407E-A947-70E740481C1C}">
+                <a14:useLocalDpi xmlns:a14="http://schemas.microsoft.com/office/drawing/2010/main" val="0"/>
+              </a:ext>
+              <a:ext uri="{96DAC541-7B7A-43D3-8B79-37D633B846F1}">
+                <asvg:svgBlip xmlns:asvg="http://schemas.microsoft.com/office/drawing/2016/SVG/main" r:embed="rId3"/>
+              </a:ext>
+            </a:extLst>
+          </a:blip>
+          <a:stretch>
+            <a:fillRect/>
+          </a:stretch>
+        </p:blipFill>
+        <p:spPr>
+          <a:xfrm>
+            <a:off x="9138258" y="5539232"/>
+            <a:ext cx="3053742" cy="1325563"/>
+          </a:xfrm>
+          <a:prstGeom prst="rect">
+            <a:avLst/>
+          </a:prstGeom>
+        </p:spPr>
+      </p:pic>
+      <p:grpSp>
+        <p:nvGrpSpPr>
+          <p:cNvPr id="8" name="Gruppieren 7">
+            <a:extLst>
+              <a:ext uri="{FF2B5EF4-FFF2-40B4-BE49-F238E27FC236}">
+                <a16:creationId xmlns:a16="http://schemas.microsoft.com/office/drawing/2014/main" id="{D12F6303-B64A-4DE0-9338-29C545E489D2}"/>
+              </a:ext>
+            </a:extLst>
+          </p:cNvPr>
+          <p:cNvGrpSpPr/>
+          <p:nvPr/>
+        </p:nvGrpSpPr>
+        <p:grpSpPr>
+          <a:xfrm>
+            <a:off x="0" y="-12526"/>
+            <a:ext cx="12192000" cy="588439"/>
+            <a:chOff x="0" y="-12526"/>
+            <a:chExt cx="12192000" cy="588439"/>
+          </a:xfrm>
+        </p:grpSpPr>
+        <p:sp>
+          <p:nvSpPr>
+            <p:cNvPr id="9" name="Rechteck 8">
+              <a:extLst>
+                <a:ext uri="{FF2B5EF4-FFF2-40B4-BE49-F238E27FC236}">
+                  <a16:creationId xmlns:a16="http://schemas.microsoft.com/office/drawing/2014/main" id="{7E0E77A4-3A23-433F-BE05-4662310BB904}"/>
+                </a:ext>
+              </a:extLst>
+            </p:cNvPr>
+            <p:cNvSpPr/>
+            <p:nvPr/>
+          </p:nvSpPr>
+          <p:spPr>
+            <a:xfrm>
+              <a:off x="0" y="-12526"/>
+              <a:ext cx="12192000" cy="501573"/>
+            </a:xfrm>
+            <a:prstGeom prst="rect">
+              <a:avLst/>
+            </a:prstGeom>
+            <a:solidFill>
+              <a:schemeClr val="bg1">
+                <a:lumMod val="65000"/>
+              </a:schemeClr>
+            </a:solidFill>
+            <a:ln>
+              <a:solidFill>
+                <a:schemeClr val="bg1">
+                  <a:lumMod val="75000"/>
+                </a:schemeClr>
+              </a:solidFill>
+            </a:ln>
+          </p:spPr>
+          <p:style>
+            <a:lnRef idx="2">
+              <a:schemeClr val="accent1">
+                <a:shade val="50000"/>
+              </a:schemeClr>
+            </a:lnRef>
+            <a:fillRef idx="1">
+              <a:schemeClr val="accent1"/>
+            </a:fillRef>
+            <a:effectRef idx="0">
+              <a:schemeClr val="accent1"/>
+            </a:effectRef>
+            <a:fontRef idx="minor">
+              <a:schemeClr val="lt1"/>
+            </a:fontRef>
+          </p:style>
+          <p:txBody>
+            <a:bodyPr rtlCol="0" anchor="ctr"/>
+            <a:lstStyle/>
+            <a:p>
+              <a:pPr algn="ctr"/>
+              <a:endParaRPr lang="de-DE" dirty="0"/>
+            </a:p>
+          </p:txBody>
+        </p:sp>
+        <p:sp>
+          <p:nvSpPr>
+            <p:cNvPr id="10" name="Titel 1">
+              <a:extLst>
+                <a:ext uri="{FF2B5EF4-FFF2-40B4-BE49-F238E27FC236}">
+                  <a16:creationId xmlns:a16="http://schemas.microsoft.com/office/drawing/2014/main" id="{E30452C7-9ADA-4F64-A8E5-5A8C65FD6090}"/>
+                </a:ext>
+              </a:extLst>
+            </p:cNvPr>
+            <p:cNvSpPr txBox="1">
+              <a:spLocks/>
+            </p:cNvSpPr>
+            <p:nvPr/>
+          </p:nvSpPr>
+          <p:spPr>
+            <a:xfrm>
+              <a:off x="162045" y="74340"/>
+              <a:ext cx="9734309" cy="501573"/>
+            </a:xfrm>
+            <a:prstGeom prst="rect">
+              <a:avLst/>
+            </a:prstGeom>
+          </p:spPr>
+          <p:txBody>
+            <a:bodyPr vert="horz" lIns="91440" tIns="45720" rIns="91440" bIns="45720" rtlCol="0" anchor="ctr">
+              <a:normAutofit fontScale="82500" lnSpcReduction="20000"/>
+            </a:bodyPr>
+            <a:lstStyle>
+              <a:lvl1pPr algn="l" defTabSz="914400" rtl="0" eaLnBrk="1" latinLnBrk="0" hangingPunct="1">
+                <a:lnSpc>
+                  <a:spcPct val="90000"/>
+                </a:lnSpc>
+                <a:spcBef>
+                  <a:spcPct val="0"/>
+                </a:spcBef>
+                <a:buNone/>
+                <a:defRPr sz="4400" kern="1200">
+                  <a:solidFill>
+                    <a:schemeClr val="tx1"/>
+                  </a:solidFill>
+                  <a:latin typeface="+mj-lt"/>
+                  <a:ea typeface="+mj-ea"/>
+                  <a:cs typeface="+mj-cs"/>
+                </a:defRPr>
+              </a:lvl1pPr>
+            </a:lstStyle>
+            <a:p>
+              <a:r>
+                <a:rPr lang="de-DE" b="1" dirty="0">
+                  <a:solidFill>
+                    <a:schemeClr val="bg1">
+                      <a:lumMod val="95000"/>
+                    </a:schemeClr>
+                  </a:solidFill>
+                </a:rPr>
+                <a:t>Einfachster Ansatz</a:t>
+              </a:r>
+            </a:p>
+          </p:txBody>
+        </p:sp>
+      </p:grpSp>
+      <p:sp>
+        <p:nvSpPr>
+          <p:cNvPr id="13" name="Inhaltsplatzhalter 2">
+            <a:extLst>
+              <a:ext uri="{FF2B5EF4-FFF2-40B4-BE49-F238E27FC236}">
+                <a16:creationId xmlns:a16="http://schemas.microsoft.com/office/drawing/2014/main" id="{1D950FDE-68CC-477D-9D04-B19B6CD6F3F0}"/>
+              </a:ext>
+            </a:extLst>
+          </p:cNvPr>
+          <p:cNvSpPr>
+            <a:spLocks noGrp="1"/>
+          </p:cNvSpPr>
+          <p:nvPr>
+            <p:ph idx="1"/>
+          </p:nvPr>
+        </p:nvSpPr>
+        <p:spPr>
+          <a:xfrm>
+            <a:off x="1236562" y="2012410"/>
+            <a:ext cx="9359096" cy="3219347"/>
+          </a:xfrm>
+        </p:spPr>
+        <p:txBody>
+          <a:bodyPr/>
+          <a:lstStyle/>
+          <a:p>
+            <a:r>
+              <a:rPr lang="de-DE" dirty="0"/>
+              <a:t>Diskrete Zustände</a:t>
+            </a:r>
+          </a:p>
+          <a:p>
+            <a:r>
+              <a:rPr lang="de-DE" dirty="0"/>
+              <a:t>In einer Tabelle verwaltet</a:t>
+            </a:r>
+          </a:p>
+          <a:p>
+            <a:r>
+              <a:rPr lang="de-DE" dirty="0"/>
+              <a:t>Agent lernt die einzelnen Zustände zu bewerten</a:t>
+            </a:r>
+          </a:p>
+          <a:p>
+            <a:pPr marL="0" indent="0">
+              <a:buNone/>
+            </a:pPr>
+            <a:r>
+              <a:rPr lang="de-DE" dirty="0">
+                <a:latin typeface="Calibri" panose="020F0502020204030204" pitchFamily="34" charset="0"/>
+                <a:cs typeface="Calibri" panose="020F0502020204030204" pitchFamily="34" charset="0"/>
+              </a:rPr>
+              <a:t>→ Wie viel Belohnung verspricht er sich von einem Zustand</a:t>
+            </a:r>
+          </a:p>
+          <a:p>
+            <a:pPr marL="0" indent="0">
+              <a:buNone/>
+            </a:pPr>
+            <a:r>
+              <a:rPr lang="de-DE" dirty="0">
+                <a:latin typeface="Calibri" panose="020F0502020204030204" pitchFamily="34" charset="0"/>
+                <a:cs typeface="Calibri" panose="020F0502020204030204" pitchFamily="34" charset="0"/>
+              </a:rPr>
+              <a:t>→ Maximiert die Belohnung</a:t>
+            </a:r>
+            <a:endParaRPr lang="de-DE" dirty="0"/>
+          </a:p>
+        </p:txBody>
+      </p:sp>
+    </p:spTree>
+    <p:extLst>
+      <p:ext uri="{BB962C8B-B14F-4D97-AF65-F5344CB8AC3E}">
+        <p14:creationId xmlns:p14="http://schemas.microsoft.com/office/powerpoint/2010/main" val="3595329108"/>
+      </p:ext>
+    </p:extLst>
+  </p:cSld>
+  <p:clrMapOvr>
+    <a:masterClrMapping/>
+  </p:clrMapOvr>
+</p:sld>
+</file>
+
+<file path=ppt/slides/slide9.xml><?xml version="1.0" encoding="utf-8"?>
 <p:sld xmlns:a="http://schemas.openxmlformats.org/drawingml/2006/main" xmlns:r="http://schemas.openxmlformats.org/officeDocument/2006/relationships" xmlns:p="http://schemas.openxmlformats.org/presentationml/2006/main">
   <p:cSld>
     <p:spTree>
@@ -9218,10 +10214,10 @@
       </p:grpSp>
       <p:pic>
         <p:nvPicPr>
-          <p:cNvPr id="11" name="Grafik 10">
-            <a:extLst>
-              <a:ext uri="{FF2B5EF4-FFF2-40B4-BE49-F238E27FC236}">
-                <a16:creationId xmlns:a16="http://schemas.microsoft.com/office/drawing/2014/main" id="{56EC1BB6-0D29-4898-8B7F-A364A422B63D}"/>
+          <p:cNvPr id="13" name="Grafik 12">
+            <a:extLst>
+              <a:ext uri="{FF2B5EF4-FFF2-40B4-BE49-F238E27FC236}">
+                <a16:creationId xmlns:a16="http://schemas.microsoft.com/office/drawing/2014/main" id="{AF854F94-6451-4377-8308-1B76E71EEF36}"/>
               </a:ext>
             </a:extLst>
           </p:cNvPr>
@@ -9232,42 +10228,6 @@
         </p:nvPicPr>
         <p:blipFill>
           <a:blip r:embed="rId4">
-            <a:extLst>
-              <a:ext uri="{28A0092B-C50C-407E-A947-70E740481C1C}">
-                <a14:useLocalDpi xmlns:a14="http://schemas.microsoft.com/office/drawing/2010/main" val="0"/>
-              </a:ext>
-            </a:extLst>
-          </a:blip>
-          <a:stretch>
-            <a:fillRect/>
-          </a:stretch>
-        </p:blipFill>
-        <p:spPr>
-          <a:xfrm>
-            <a:off x="5800132" y="1376561"/>
-            <a:ext cx="1476930" cy="2084377"/>
-          </a:xfrm>
-          <a:prstGeom prst="rect">
-            <a:avLst/>
-          </a:prstGeom>
-        </p:spPr>
-      </p:pic>
-      <p:pic>
-        <p:nvPicPr>
-          <p:cNvPr id="13" name="Grafik 12">
-            <a:extLst>
-              <a:ext uri="{FF2B5EF4-FFF2-40B4-BE49-F238E27FC236}">
-                <a16:creationId xmlns:a16="http://schemas.microsoft.com/office/drawing/2014/main" id="{AF854F94-6451-4377-8308-1B76E71EEF36}"/>
-              </a:ext>
-            </a:extLst>
-          </p:cNvPr>
-          <p:cNvPicPr>
-            <a:picLocks noChangeAspect="1"/>
-          </p:cNvPicPr>
-          <p:nvPr/>
-        </p:nvPicPr>
-        <p:blipFill>
-          <a:blip r:embed="rId5">
             <a:extLst>
               <a:ext uri="{28A0092B-C50C-407E-A947-70E740481C1C}">
                 <a14:useLocalDpi xmlns:a14="http://schemas.microsoft.com/office/drawing/2010/main" val="0"/>
@@ -9583,7 +10543,7 @@
           <p:nvPr/>
         </p:nvPicPr>
         <p:blipFill>
-          <a:blip r:embed="rId6">
+          <a:blip r:embed="rId5">
             <a:extLst>
               <a:ext uri="{28A0092B-C50C-407E-A947-70E740481C1C}">
                 <a14:useLocalDpi xmlns:a14="http://schemas.microsoft.com/office/drawing/2010/main" val="0"/>
@@ -9619,7 +10579,7 @@
           <p:nvPr/>
         </p:nvPicPr>
         <p:blipFill rotWithShape="1">
-          <a:blip r:embed="rId7">
+          <a:blip r:embed="rId6">
             <a:extLst>
               <a:ext uri="{28A0092B-C50C-407E-A947-70E740481C1C}">
                 <a14:useLocalDpi xmlns:a14="http://schemas.microsoft.com/office/drawing/2010/main" val="0"/>
@@ -9654,7 +10614,7 @@
           <p:nvPr/>
         </p:nvPicPr>
         <p:blipFill>
-          <a:blip r:embed="rId8">
+          <a:blip r:embed="rId7">
             <a:extLst>
               <a:ext uri="{28A0092B-C50C-407E-A947-70E740481C1C}">
                 <a14:useLocalDpi xmlns:a14="http://schemas.microsoft.com/office/drawing/2010/main" val="0"/>
@@ -9690,7 +10650,7 @@
           <p:nvPr/>
         </p:nvPicPr>
         <p:blipFill rotWithShape="1">
-          <a:blip r:embed="rId9">
+          <a:blip r:embed="rId8">
             <a:extLst>
               <a:ext uri="{28A0092B-C50C-407E-A947-70E740481C1C}">
                 <a14:useLocalDpi xmlns:a14="http://schemas.microsoft.com/office/drawing/2010/main" val="0"/>
@@ -9745,100 +10705,12 @@
           </a:p>
         </p:txBody>
       </p:sp>
-    </p:spTree>
-    <p:extLst>
-      <p:ext uri="{BB962C8B-B14F-4D97-AF65-F5344CB8AC3E}">
-        <p14:creationId xmlns:p14="http://schemas.microsoft.com/office/powerpoint/2010/main" val="246939741"/>
-      </p:ext>
-    </p:extLst>
-  </p:cSld>
-  <p:clrMapOvr>
-    <a:masterClrMapping/>
-  </p:clrMapOvr>
-</p:sld>
-</file>
-
-<file path=ppt/slides/slide9.xml><?xml version="1.0" encoding="utf-8"?>
-<p:sld xmlns:a="http://schemas.openxmlformats.org/drawingml/2006/main" xmlns:r="http://schemas.openxmlformats.org/officeDocument/2006/relationships" xmlns:p="http://schemas.openxmlformats.org/presentationml/2006/main">
-  <p:cSld>
-    <p:spTree>
-      <p:nvGrpSpPr>
-        <p:cNvPr id="1" name=""/>
-        <p:cNvGrpSpPr/>
-        <p:nvPr/>
-      </p:nvGrpSpPr>
-      <p:grpSpPr>
-        <a:xfrm>
-          <a:off x="0" y="0"/>
-          <a:ext cx="0" cy="0"/>
-          <a:chOff x="0" y="0"/>
-          <a:chExt cx="0" cy="0"/>
-        </a:xfrm>
-      </p:grpSpPr>
-      <p:sp>
-        <p:nvSpPr>
-          <p:cNvPr id="4" name="Rechteck 3">
-            <a:extLst>
-              <a:ext uri="{FF2B5EF4-FFF2-40B4-BE49-F238E27FC236}">
-                <a16:creationId xmlns:a16="http://schemas.microsoft.com/office/drawing/2014/main" id="{E25EF50D-F0CD-4727-AFB6-041294F40813}"/>
-              </a:ext>
-            </a:extLst>
-          </p:cNvPr>
-          <p:cNvSpPr/>
-          <p:nvPr/>
-        </p:nvSpPr>
-        <p:spPr>
-          <a:xfrm>
-            <a:off x="0" y="6350696"/>
-            <a:ext cx="10058400" cy="501573"/>
-          </a:xfrm>
-          <a:prstGeom prst="rect">
-            <a:avLst/>
-          </a:prstGeom>
-          <a:solidFill>
-            <a:schemeClr val="bg1">
-              <a:lumMod val="75000"/>
-            </a:schemeClr>
-          </a:solidFill>
-          <a:ln>
-            <a:solidFill>
-              <a:schemeClr val="bg1">
-                <a:lumMod val="75000"/>
-              </a:schemeClr>
-            </a:solidFill>
-          </a:ln>
-        </p:spPr>
-        <p:style>
-          <a:lnRef idx="2">
-            <a:schemeClr val="accent1">
-              <a:shade val="50000"/>
-            </a:schemeClr>
-          </a:lnRef>
-          <a:fillRef idx="1">
-            <a:schemeClr val="accent1"/>
-          </a:fillRef>
-          <a:effectRef idx="0">
-            <a:schemeClr val="accent1"/>
-          </a:effectRef>
-          <a:fontRef idx="minor">
-            <a:schemeClr val="lt1"/>
-          </a:fontRef>
-        </p:style>
-        <p:txBody>
-          <a:bodyPr rtlCol="0" anchor="ctr"/>
-          <a:lstStyle/>
-          <a:p>
-            <a:pPr algn="ctr"/>
-            <a:endParaRPr lang="en-US"/>
-          </a:p>
-        </p:txBody>
-      </p:sp>
       <p:pic>
         <p:nvPicPr>
-          <p:cNvPr id="5" name="Inhaltsplatzhalter 4">
-            <a:extLst>
-              <a:ext uri="{FF2B5EF4-FFF2-40B4-BE49-F238E27FC236}">
-                <a16:creationId xmlns:a16="http://schemas.microsoft.com/office/drawing/2014/main" id="{4A1327ED-C79B-4435-9F7D-BB034D66DF67}"/>
+          <p:cNvPr id="23" name="Grafik 22">
+            <a:extLst>
+              <a:ext uri="{FF2B5EF4-FFF2-40B4-BE49-F238E27FC236}">
+                <a16:creationId xmlns:a16="http://schemas.microsoft.com/office/drawing/2014/main" id="{1F89E7F7-058E-4399-B598-424139BA15FF}"/>
               </a:ext>
             </a:extLst>
           </p:cNvPr>
@@ -9848,13 +10720,10 @@
           <p:nvPr/>
         </p:nvPicPr>
         <p:blipFill>
-          <a:blip r:embed="rId2">
+          <a:blip r:embed="rId9">
             <a:extLst>
               <a:ext uri="{28A0092B-C50C-407E-A947-70E740481C1C}">
                 <a14:useLocalDpi xmlns:a14="http://schemas.microsoft.com/office/drawing/2010/main" val="0"/>
-              </a:ext>
-              <a:ext uri="{96DAC541-7B7A-43D3-8B79-37D633B846F1}">
-                <asvg:svgBlip xmlns:asvg="http://schemas.microsoft.com/office/drawing/2016/SVG/main" r:embed="rId3"/>
               </a:ext>
             </a:extLst>
           </a:blip>
@@ -9864,213 +10733,18 @@
         </p:blipFill>
         <p:spPr>
           <a:xfrm>
-            <a:off x="9138258" y="5539232"/>
-            <a:ext cx="3053742" cy="1325563"/>
+            <a:off x="5189048" y="1508386"/>
+            <a:ext cx="1974489" cy="1968566"/>
           </a:xfrm>
           <a:prstGeom prst="rect">
             <a:avLst/>
           </a:prstGeom>
         </p:spPr>
       </p:pic>
-      <p:grpSp>
-        <p:nvGrpSpPr>
-          <p:cNvPr id="8" name="Gruppieren 7">
-            <a:extLst>
-              <a:ext uri="{FF2B5EF4-FFF2-40B4-BE49-F238E27FC236}">
-                <a16:creationId xmlns:a16="http://schemas.microsoft.com/office/drawing/2014/main" id="{D12F6303-B64A-4DE0-9338-29C545E489D2}"/>
-              </a:ext>
-            </a:extLst>
-          </p:cNvPr>
-          <p:cNvGrpSpPr/>
-          <p:nvPr/>
-        </p:nvGrpSpPr>
-        <p:grpSpPr>
-          <a:xfrm>
-            <a:off x="0" y="-12526"/>
-            <a:ext cx="12192000" cy="588439"/>
-            <a:chOff x="0" y="-12526"/>
-            <a:chExt cx="12192000" cy="588439"/>
-          </a:xfrm>
-        </p:grpSpPr>
-        <p:sp>
-          <p:nvSpPr>
-            <p:cNvPr id="9" name="Rechteck 8">
-              <a:extLst>
-                <a:ext uri="{FF2B5EF4-FFF2-40B4-BE49-F238E27FC236}">
-                  <a16:creationId xmlns:a16="http://schemas.microsoft.com/office/drawing/2014/main" id="{7E0E77A4-3A23-433F-BE05-4662310BB904}"/>
-                </a:ext>
-              </a:extLst>
-            </p:cNvPr>
-            <p:cNvSpPr/>
-            <p:nvPr/>
-          </p:nvSpPr>
-          <p:spPr>
-            <a:xfrm>
-              <a:off x="0" y="-12526"/>
-              <a:ext cx="12192000" cy="501573"/>
-            </a:xfrm>
-            <a:prstGeom prst="rect">
-              <a:avLst/>
-            </a:prstGeom>
-            <a:solidFill>
-              <a:schemeClr val="bg1">
-                <a:lumMod val="65000"/>
-              </a:schemeClr>
-            </a:solidFill>
-            <a:ln>
-              <a:solidFill>
-                <a:schemeClr val="bg1">
-                  <a:lumMod val="75000"/>
-                </a:schemeClr>
-              </a:solidFill>
-            </a:ln>
-          </p:spPr>
-          <p:style>
-            <a:lnRef idx="2">
-              <a:schemeClr val="accent1">
-                <a:shade val="50000"/>
-              </a:schemeClr>
-            </a:lnRef>
-            <a:fillRef idx="1">
-              <a:schemeClr val="accent1"/>
-            </a:fillRef>
-            <a:effectRef idx="0">
-              <a:schemeClr val="accent1"/>
-            </a:effectRef>
-            <a:fontRef idx="minor">
-              <a:schemeClr val="lt1"/>
-            </a:fontRef>
-          </p:style>
-          <p:txBody>
-            <a:bodyPr rtlCol="0" anchor="ctr"/>
-            <a:lstStyle/>
-            <a:p>
-              <a:pPr algn="ctr"/>
-              <a:endParaRPr lang="en-US"/>
-            </a:p>
-          </p:txBody>
-        </p:sp>
-        <p:sp>
-          <p:nvSpPr>
-            <p:cNvPr id="10" name="Titel 1">
-              <a:extLst>
-                <a:ext uri="{FF2B5EF4-FFF2-40B4-BE49-F238E27FC236}">
-                  <a16:creationId xmlns:a16="http://schemas.microsoft.com/office/drawing/2014/main" id="{E30452C7-9ADA-4F64-A8E5-5A8C65FD6090}"/>
-                </a:ext>
-              </a:extLst>
-            </p:cNvPr>
-            <p:cNvSpPr txBox="1">
-              <a:spLocks/>
-            </p:cNvSpPr>
-            <p:nvPr/>
-          </p:nvSpPr>
-          <p:spPr>
-            <a:xfrm>
-              <a:off x="162045" y="74340"/>
-              <a:ext cx="9734309" cy="501573"/>
-            </a:xfrm>
-            <a:prstGeom prst="rect">
-              <a:avLst/>
-            </a:prstGeom>
-          </p:spPr>
-          <p:txBody>
-            <a:bodyPr vert="horz" lIns="91440" tIns="45720" rIns="91440" bIns="45720" rtlCol="0" anchor="ctr">
-              <a:normAutofit fontScale="82500" lnSpcReduction="20000"/>
-            </a:bodyPr>
-            <a:lstStyle>
-              <a:lvl1pPr algn="l" defTabSz="914400" rtl="0" eaLnBrk="1" latinLnBrk="0" hangingPunct="1">
-                <a:lnSpc>
-                  <a:spcPct val="90000"/>
-                </a:lnSpc>
-                <a:spcBef>
-                  <a:spcPct val="0"/>
-                </a:spcBef>
-                <a:buNone/>
-                <a:defRPr sz="4400" kern="1200">
-                  <a:solidFill>
-                    <a:schemeClr val="tx1"/>
-                  </a:solidFill>
-                  <a:latin typeface="+mj-lt"/>
-                  <a:ea typeface="+mj-ea"/>
-                  <a:cs typeface="+mj-cs"/>
-                </a:defRPr>
-              </a:lvl1pPr>
-            </a:lstStyle>
-            <a:p>
-              <a:r>
-                <a:rPr lang="en-US" b="1" dirty="0">
-                  <a:solidFill>
-                    <a:schemeClr val="bg1">
-                      <a:lumMod val="95000"/>
-                    </a:schemeClr>
-                  </a:solidFill>
-                </a:rPr>
-                <a:t>Selection strategy</a:t>
-              </a:r>
-            </a:p>
-          </p:txBody>
-        </p:sp>
-      </p:grpSp>
-      <p:sp>
-        <p:nvSpPr>
-          <p:cNvPr id="19" name="Textfeld 18">
-            <a:extLst>
-              <a:ext uri="{FF2B5EF4-FFF2-40B4-BE49-F238E27FC236}">
-                <a16:creationId xmlns:a16="http://schemas.microsoft.com/office/drawing/2014/main" id="{D43E4605-7BBF-42C9-B366-20A64B92066E}"/>
-              </a:ext>
-            </a:extLst>
-          </p:cNvPr>
-          <p:cNvSpPr txBox="1"/>
-          <p:nvPr/>
-        </p:nvSpPr>
-        <p:spPr>
-          <a:xfrm>
-            <a:off x="1719262" y="1768070"/>
-            <a:ext cx="9224963" cy="1938992"/>
-          </a:xfrm>
-          <a:prstGeom prst="rect">
-            <a:avLst/>
-          </a:prstGeom>
-          <a:noFill/>
-        </p:spPr>
-        <p:txBody>
-          <a:bodyPr wrap="square" rtlCol="0">
-            <a:spAutoFit/>
-          </a:bodyPr>
-          <a:lstStyle/>
-          <a:p>
-            <a:r>
-              <a:rPr lang="de-DE" sz="2400" dirty="0" err="1"/>
-              <a:t>Selection</a:t>
-            </a:r>
-            <a:r>
-              <a:rPr lang="de-DE" sz="2400" dirty="0"/>
-              <a:t> </a:t>
-            </a:r>
-            <a:r>
-              <a:rPr lang="de-DE" sz="2400" dirty="0" err="1"/>
-              <a:t>strategy</a:t>
-            </a:r>
-            <a:r>
-              <a:rPr lang="de-DE" sz="2400" dirty="0"/>
-              <a:t>: Strategie nach der aus einem gegeben Zustand heraus die nächste Aktion ausgewählt wird</a:t>
-            </a:r>
-          </a:p>
-          <a:p>
-            <a:endParaRPr lang="de-DE" sz="2400" dirty="0"/>
-          </a:p>
-          <a:p>
-            <a:r>
-              <a:rPr lang="de-DE" sz="2400" dirty="0"/>
-              <a:t>Problem: Abwiegen zwischen Erkunden der Umgebung und Ausnutzen des bereits gewonnenen Wissen</a:t>
-            </a:r>
-          </a:p>
-        </p:txBody>
-      </p:sp>
     </p:spTree>
     <p:extLst>
       <p:ext uri="{BB962C8B-B14F-4D97-AF65-F5344CB8AC3E}">
-        <p14:creationId xmlns:p14="http://schemas.microsoft.com/office/powerpoint/2010/main" val="2864195174"/>
+        <p14:creationId xmlns:p14="http://schemas.microsoft.com/office/powerpoint/2010/main" val="246939741"/>
       </p:ext>
     </p:extLst>
   </p:cSld>

--- a/Reinforcement Learning.pptx
+++ b/Reinforcement Learning.pptx
@@ -5,24 +5,26 @@
     <p:sldMasterId id="2147483648" r:id="rId1"/>
   </p:sldMasterIdLst>
   <p:notesMasterIdLst>
-    <p:notesMasterId r:id="rId17"/>
+    <p:notesMasterId r:id="rId19"/>
   </p:notesMasterIdLst>
   <p:sldIdLst>
     <p:sldId id="256" r:id="rId2"/>
     <p:sldId id="259" r:id="rId3"/>
     <p:sldId id="274" r:id="rId4"/>
     <p:sldId id="275" r:id="rId5"/>
-    <p:sldId id="273" r:id="rId6"/>
-    <p:sldId id="276" r:id="rId7"/>
-    <p:sldId id="261" r:id="rId8"/>
-    <p:sldId id="264" r:id="rId9"/>
-    <p:sldId id="267" r:id="rId10"/>
-    <p:sldId id="265" r:id="rId11"/>
-    <p:sldId id="269" r:id="rId12"/>
-    <p:sldId id="271" r:id="rId13"/>
-    <p:sldId id="270" r:id="rId14"/>
-    <p:sldId id="272" r:id="rId15"/>
-    <p:sldId id="268" r:id="rId16"/>
+    <p:sldId id="277" r:id="rId6"/>
+    <p:sldId id="278" r:id="rId7"/>
+    <p:sldId id="273" r:id="rId8"/>
+    <p:sldId id="276" r:id="rId9"/>
+    <p:sldId id="261" r:id="rId10"/>
+    <p:sldId id="264" r:id="rId11"/>
+    <p:sldId id="267" r:id="rId12"/>
+    <p:sldId id="265" r:id="rId13"/>
+    <p:sldId id="269" r:id="rId14"/>
+    <p:sldId id="271" r:id="rId15"/>
+    <p:sldId id="270" r:id="rId16"/>
+    <p:sldId id="272" r:id="rId17"/>
+    <p:sldId id="268" r:id="rId18"/>
   </p:sldIdLst>
   <p:sldSz cx="12192000" cy="6858000"/>
   <p:notesSz cx="6858000" cy="9144000"/>
@@ -1041,7 +1043,7 @@
           <a:p>
             <a:fld id="{43BBFE21-B8EB-453B-A223-C09310F29918}" type="datetimeFigureOut">
               <a:rPr lang="de-DE" smtClean="0"/>
-              <a:t>16.06.2018</a:t>
+              <a:t>17.06.2018</a:t>
             </a:fld>
             <a:endParaRPr lang="de-DE"/>
           </a:p>
@@ -1455,7 +1457,7 @@
           <a:p>
             <a:fld id="{D64A1032-9E6D-4FDC-8E75-3D85D5898962}" type="datetimeFigureOut">
               <a:rPr lang="de-DE" smtClean="0"/>
-              <a:t>16.06.2018</a:t>
+              <a:t>17.06.2018</a:t>
             </a:fld>
             <a:endParaRPr lang="de-DE"/>
           </a:p>
@@ -1653,7 +1655,7 @@
           <a:p>
             <a:fld id="{D64A1032-9E6D-4FDC-8E75-3D85D5898962}" type="datetimeFigureOut">
               <a:rPr lang="de-DE" smtClean="0"/>
-              <a:t>16.06.2018</a:t>
+              <a:t>17.06.2018</a:t>
             </a:fld>
             <a:endParaRPr lang="de-DE"/>
           </a:p>
@@ -1861,7 +1863,7 @@
           <a:p>
             <a:fld id="{D64A1032-9E6D-4FDC-8E75-3D85D5898962}" type="datetimeFigureOut">
               <a:rPr lang="de-DE" smtClean="0"/>
-              <a:t>16.06.2018</a:t>
+              <a:t>17.06.2018</a:t>
             </a:fld>
             <a:endParaRPr lang="de-DE"/>
           </a:p>
@@ -2059,7 +2061,7 @@
           <a:p>
             <a:fld id="{D64A1032-9E6D-4FDC-8E75-3D85D5898962}" type="datetimeFigureOut">
               <a:rPr lang="de-DE" smtClean="0"/>
-              <a:t>16.06.2018</a:t>
+              <a:t>17.06.2018</a:t>
             </a:fld>
             <a:endParaRPr lang="de-DE"/>
           </a:p>
@@ -2334,7 +2336,7 @@
           <a:p>
             <a:fld id="{D64A1032-9E6D-4FDC-8E75-3D85D5898962}" type="datetimeFigureOut">
               <a:rPr lang="de-DE" smtClean="0"/>
-              <a:t>16.06.2018</a:t>
+              <a:t>17.06.2018</a:t>
             </a:fld>
             <a:endParaRPr lang="de-DE"/>
           </a:p>
@@ -2599,7 +2601,7 @@
           <a:p>
             <a:fld id="{D64A1032-9E6D-4FDC-8E75-3D85D5898962}" type="datetimeFigureOut">
               <a:rPr lang="de-DE" smtClean="0"/>
-              <a:t>16.06.2018</a:t>
+              <a:t>17.06.2018</a:t>
             </a:fld>
             <a:endParaRPr lang="de-DE"/>
           </a:p>
@@ -3011,7 +3013,7 @@
           <a:p>
             <a:fld id="{D64A1032-9E6D-4FDC-8E75-3D85D5898962}" type="datetimeFigureOut">
               <a:rPr lang="de-DE" smtClean="0"/>
-              <a:t>16.06.2018</a:t>
+              <a:t>17.06.2018</a:t>
             </a:fld>
             <a:endParaRPr lang="de-DE"/>
           </a:p>
@@ -3152,7 +3154,7 @@
           <a:p>
             <a:fld id="{D64A1032-9E6D-4FDC-8E75-3D85D5898962}" type="datetimeFigureOut">
               <a:rPr lang="de-DE" smtClean="0"/>
-              <a:t>16.06.2018</a:t>
+              <a:t>17.06.2018</a:t>
             </a:fld>
             <a:endParaRPr lang="de-DE"/>
           </a:p>
@@ -3265,7 +3267,7 @@
           <a:p>
             <a:fld id="{D64A1032-9E6D-4FDC-8E75-3D85D5898962}" type="datetimeFigureOut">
               <a:rPr lang="de-DE" smtClean="0"/>
-              <a:t>16.06.2018</a:t>
+              <a:t>17.06.2018</a:t>
             </a:fld>
             <a:endParaRPr lang="de-DE"/>
           </a:p>
@@ -3576,7 +3578,7 @@
           <a:p>
             <a:fld id="{D64A1032-9E6D-4FDC-8E75-3D85D5898962}" type="datetimeFigureOut">
               <a:rPr lang="de-DE" smtClean="0"/>
-              <a:t>16.06.2018</a:t>
+              <a:t>17.06.2018</a:t>
             </a:fld>
             <a:endParaRPr lang="de-DE"/>
           </a:p>
@@ -3864,7 +3866,7 @@
           <a:p>
             <a:fld id="{D64A1032-9E6D-4FDC-8E75-3D85D5898962}" type="datetimeFigureOut">
               <a:rPr lang="de-DE" smtClean="0"/>
-              <a:t>16.06.2018</a:t>
+              <a:t>17.06.2018</a:t>
             </a:fld>
             <a:endParaRPr lang="de-DE"/>
           </a:p>
@@ -4105,7 +4107,7 @@
           <a:p>
             <a:fld id="{D64A1032-9E6D-4FDC-8E75-3D85D5898962}" type="datetimeFigureOut">
               <a:rPr lang="de-DE" smtClean="0"/>
-              <a:t>16.06.2018</a:t>
+              <a:t>17.06.2018</a:t>
             </a:fld>
             <a:endParaRPr lang="de-DE"/>
           </a:p>
@@ -4703,6 +4705,1181 @@
 </file>
 
 <file path=ppt/slides/slide10.xml><?xml version="1.0" encoding="utf-8"?>
+<p:sld xmlns:a="http://schemas.openxmlformats.org/drawingml/2006/main" xmlns:r="http://schemas.openxmlformats.org/officeDocument/2006/relationships" xmlns:p="http://schemas.openxmlformats.org/presentationml/2006/main">
+  <p:cSld>
+    <p:spTree>
+      <p:nvGrpSpPr>
+        <p:cNvPr id="1" name=""/>
+        <p:cNvGrpSpPr/>
+        <p:nvPr/>
+      </p:nvGrpSpPr>
+      <p:grpSpPr>
+        <a:xfrm>
+          <a:off x="0" y="0"/>
+          <a:ext cx="0" cy="0"/>
+          <a:chOff x="0" y="0"/>
+          <a:chExt cx="0" cy="0"/>
+        </a:xfrm>
+      </p:grpSpPr>
+      <p:sp>
+        <p:nvSpPr>
+          <p:cNvPr id="4" name="Rechteck 3">
+            <a:extLst>
+              <a:ext uri="{FF2B5EF4-FFF2-40B4-BE49-F238E27FC236}">
+                <a16:creationId xmlns:a16="http://schemas.microsoft.com/office/drawing/2014/main" id="{E25EF50D-F0CD-4727-AFB6-041294F40813}"/>
+              </a:ext>
+            </a:extLst>
+          </p:cNvPr>
+          <p:cNvSpPr/>
+          <p:nvPr/>
+        </p:nvSpPr>
+        <p:spPr>
+          <a:xfrm>
+            <a:off x="0" y="6350696"/>
+            <a:ext cx="10058400" cy="501573"/>
+          </a:xfrm>
+          <a:prstGeom prst="rect">
+            <a:avLst/>
+          </a:prstGeom>
+          <a:solidFill>
+            <a:schemeClr val="bg1">
+              <a:lumMod val="75000"/>
+            </a:schemeClr>
+          </a:solidFill>
+          <a:ln>
+            <a:solidFill>
+              <a:schemeClr val="bg1">
+                <a:lumMod val="75000"/>
+              </a:schemeClr>
+            </a:solidFill>
+          </a:ln>
+        </p:spPr>
+        <p:style>
+          <a:lnRef idx="2">
+            <a:schemeClr val="accent1">
+              <a:shade val="50000"/>
+            </a:schemeClr>
+          </a:lnRef>
+          <a:fillRef idx="1">
+            <a:schemeClr val="accent1"/>
+          </a:fillRef>
+          <a:effectRef idx="0">
+            <a:schemeClr val="accent1"/>
+          </a:effectRef>
+          <a:fontRef idx="minor">
+            <a:schemeClr val="lt1"/>
+          </a:fontRef>
+        </p:style>
+        <p:txBody>
+          <a:bodyPr rtlCol="0" anchor="ctr"/>
+          <a:lstStyle/>
+          <a:p>
+            <a:pPr algn="ctr"/>
+            <a:endParaRPr lang="de-DE"/>
+          </a:p>
+        </p:txBody>
+      </p:sp>
+      <p:pic>
+        <p:nvPicPr>
+          <p:cNvPr id="5" name="Inhaltsplatzhalter 4">
+            <a:extLst>
+              <a:ext uri="{FF2B5EF4-FFF2-40B4-BE49-F238E27FC236}">
+                <a16:creationId xmlns:a16="http://schemas.microsoft.com/office/drawing/2014/main" id="{4A1327ED-C79B-4435-9F7D-BB034D66DF67}"/>
+              </a:ext>
+            </a:extLst>
+          </p:cNvPr>
+          <p:cNvPicPr>
+            <a:picLocks noChangeAspect="1"/>
+          </p:cNvPicPr>
+          <p:nvPr/>
+        </p:nvPicPr>
+        <p:blipFill>
+          <a:blip r:embed="rId2">
+            <a:extLst>
+              <a:ext uri="{28A0092B-C50C-407E-A947-70E740481C1C}">
+                <a14:useLocalDpi xmlns:a14="http://schemas.microsoft.com/office/drawing/2010/main" val="0"/>
+              </a:ext>
+              <a:ext uri="{96DAC541-7B7A-43D3-8B79-37D633B846F1}">
+                <asvg:svgBlip xmlns:asvg="http://schemas.microsoft.com/office/drawing/2016/SVG/main" r:embed="rId3"/>
+              </a:ext>
+            </a:extLst>
+          </a:blip>
+          <a:stretch>
+            <a:fillRect/>
+          </a:stretch>
+        </p:blipFill>
+        <p:spPr>
+          <a:xfrm>
+            <a:off x="9138258" y="5539232"/>
+            <a:ext cx="3053742" cy="1325563"/>
+          </a:xfrm>
+          <a:prstGeom prst="rect">
+            <a:avLst/>
+          </a:prstGeom>
+        </p:spPr>
+      </p:pic>
+      <p:grpSp>
+        <p:nvGrpSpPr>
+          <p:cNvPr id="8" name="Gruppieren 7">
+            <a:extLst>
+              <a:ext uri="{FF2B5EF4-FFF2-40B4-BE49-F238E27FC236}">
+                <a16:creationId xmlns:a16="http://schemas.microsoft.com/office/drawing/2014/main" id="{D12F6303-B64A-4DE0-9338-29C545E489D2}"/>
+              </a:ext>
+            </a:extLst>
+          </p:cNvPr>
+          <p:cNvGrpSpPr/>
+          <p:nvPr/>
+        </p:nvGrpSpPr>
+        <p:grpSpPr>
+          <a:xfrm>
+            <a:off x="0" y="-12526"/>
+            <a:ext cx="12192000" cy="588439"/>
+            <a:chOff x="0" y="-12526"/>
+            <a:chExt cx="12192000" cy="588439"/>
+          </a:xfrm>
+        </p:grpSpPr>
+        <p:sp>
+          <p:nvSpPr>
+            <p:cNvPr id="9" name="Rechteck 8">
+              <a:extLst>
+                <a:ext uri="{FF2B5EF4-FFF2-40B4-BE49-F238E27FC236}">
+                  <a16:creationId xmlns:a16="http://schemas.microsoft.com/office/drawing/2014/main" id="{7E0E77A4-3A23-433F-BE05-4662310BB904}"/>
+                </a:ext>
+              </a:extLst>
+            </p:cNvPr>
+            <p:cNvSpPr/>
+            <p:nvPr/>
+          </p:nvSpPr>
+          <p:spPr>
+            <a:xfrm>
+              <a:off x="0" y="-12526"/>
+              <a:ext cx="12192000" cy="501573"/>
+            </a:xfrm>
+            <a:prstGeom prst="rect">
+              <a:avLst/>
+            </a:prstGeom>
+            <a:solidFill>
+              <a:schemeClr val="bg1">
+                <a:lumMod val="65000"/>
+              </a:schemeClr>
+            </a:solidFill>
+            <a:ln>
+              <a:solidFill>
+                <a:schemeClr val="bg1">
+                  <a:lumMod val="75000"/>
+                </a:schemeClr>
+              </a:solidFill>
+            </a:ln>
+          </p:spPr>
+          <p:style>
+            <a:lnRef idx="2">
+              <a:schemeClr val="accent1">
+                <a:shade val="50000"/>
+              </a:schemeClr>
+            </a:lnRef>
+            <a:fillRef idx="1">
+              <a:schemeClr val="accent1"/>
+            </a:fillRef>
+            <a:effectRef idx="0">
+              <a:schemeClr val="accent1"/>
+            </a:effectRef>
+            <a:fontRef idx="minor">
+              <a:schemeClr val="lt1"/>
+            </a:fontRef>
+          </p:style>
+          <p:txBody>
+            <a:bodyPr rtlCol="0" anchor="ctr"/>
+            <a:lstStyle/>
+            <a:p>
+              <a:pPr algn="ctr"/>
+              <a:endParaRPr lang="de-DE" dirty="0"/>
+            </a:p>
+          </p:txBody>
+        </p:sp>
+        <p:sp>
+          <p:nvSpPr>
+            <p:cNvPr id="10" name="Titel 1">
+              <a:extLst>
+                <a:ext uri="{FF2B5EF4-FFF2-40B4-BE49-F238E27FC236}">
+                  <a16:creationId xmlns:a16="http://schemas.microsoft.com/office/drawing/2014/main" id="{E30452C7-9ADA-4F64-A8E5-5A8C65FD6090}"/>
+                </a:ext>
+              </a:extLst>
+            </p:cNvPr>
+            <p:cNvSpPr txBox="1">
+              <a:spLocks/>
+            </p:cNvSpPr>
+            <p:nvPr/>
+          </p:nvSpPr>
+          <p:spPr>
+            <a:xfrm>
+              <a:off x="162045" y="74340"/>
+              <a:ext cx="9734309" cy="501573"/>
+            </a:xfrm>
+            <a:prstGeom prst="rect">
+              <a:avLst/>
+            </a:prstGeom>
+          </p:spPr>
+          <p:txBody>
+            <a:bodyPr vert="horz" lIns="91440" tIns="45720" rIns="91440" bIns="45720" rtlCol="0" anchor="ctr">
+              <a:normAutofit fontScale="82500" lnSpcReduction="20000"/>
+            </a:bodyPr>
+            <a:lstStyle>
+              <a:lvl1pPr algn="l" defTabSz="914400" rtl="0" eaLnBrk="1" latinLnBrk="0" hangingPunct="1">
+                <a:lnSpc>
+                  <a:spcPct val="90000"/>
+                </a:lnSpc>
+                <a:spcBef>
+                  <a:spcPct val="0"/>
+                </a:spcBef>
+                <a:buNone/>
+                <a:defRPr sz="4400" kern="1200">
+                  <a:solidFill>
+                    <a:schemeClr val="tx1"/>
+                  </a:solidFill>
+                  <a:latin typeface="+mj-lt"/>
+                  <a:ea typeface="+mj-ea"/>
+                  <a:cs typeface="+mj-cs"/>
+                </a:defRPr>
+              </a:lvl1pPr>
+            </a:lstStyle>
+            <a:p>
+              <a:r>
+                <a:rPr lang="de-DE" b="1" dirty="0">
+                  <a:solidFill>
+                    <a:schemeClr val="bg1">
+                      <a:lumMod val="95000"/>
+                    </a:schemeClr>
+                  </a:solidFill>
+                </a:rPr>
+                <a:t>Einfachster Ansatz</a:t>
+              </a:r>
+            </a:p>
+          </p:txBody>
+        </p:sp>
+      </p:grpSp>
+      <p:sp>
+        <p:nvSpPr>
+          <p:cNvPr id="13" name="Inhaltsplatzhalter 2">
+            <a:extLst>
+              <a:ext uri="{FF2B5EF4-FFF2-40B4-BE49-F238E27FC236}">
+                <a16:creationId xmlns:a16="http://schemas.microsoft.com/office/drawing/2014/main" id="{1D950FDE-68CC-477D-9D04-B19B6CD6F3F0}"/>
+              </a:ext>
+            </a:extLst>
+          </p:cNvPr>
+          <p:cNvSpPr>
+            <a:spLocks noGrp="1"/>
+          </p:cNvSpPr>
+          <p:nvPr>
+            <p:ph idx="1"/>
+          </p:nvPr>
+        </p:nvSpPr>
+        <p:spPr>
+          <a:xfrm>
+            <a:off x="1236562" y="2012410"/>
+            <a:ext cx="9359096" cy="3219347"/>
+          </a:xfrm>
+        </p:spPr>
+        <p:txBody>
+          <a:bodyPr/>
+          <a:lstStyle/>
+          <a:p>
+            <a:r>
+              <a:rPr lang="de-DE" dirty="0"/>
+              <a:t>Diskrete Zustände</a:t>
+            </a:r>
+          </a:p>
+          <a:p>
+            <a:r>
+              <a:rPr lang="de-DE" dirty="0"/>
+              <a:t>In einer Tabelle verwaltet</a:t>
+            </a:r>
+          </a:p>
+          <a:p>
+            <a:r>
+              <a:rPr lang="de-DE" dirty="0"/>
+              <a:t>Agent lernt die einzelnen Zustände zu bewerten</a:t>
+            </a:r>
+          </a:p>
+          <a:p>
+            <a:pPr marL="0" indent="0">
+              <a:buNone/>
+            </a:pPr>
+            <a:r>
+              <a:rPr lang="de-DE" dirty="0">
+                <a:latin typeface="Calibri" panose="020F0502020204030204" pitchFamily="34" charset="0"/>
+                <a:cs typeface="Calibri" panose="020F0502020204030204" pitchFamily="34" charset="0"/>
+              </a:rPr>
+              <a:t>→ Wie viel Belohnung verspricht er sich von einem Zustand</a:t>
+            </a:r>
+          </a:p>
+          <a:p>
+            <a:pPr marL="0" indent="0">
+              <a:buNone/>
+            </a:pPr>
+            <a:r>
+              <a:rPr lang="de-DE" dirty="0">
+                <a:latin typeface="Calibri" panose="020F0502020204030204" pitchFamily="34" charset="0"/>
+                <a:cs typeface="Calibri" panose="020F0502020204030204" pitchFamily="34" charset="0"/>
+              </a:rPr>
+              <a:t>→ Maximiert die Belohnung</a:t>
+            </a:r>
+            <a:endParaRPr lang="de-DE" dirty="0"/>
+          </a:p>
+        </p:txBody>
+      </p:sp>
+    </p:spTree>
+    <p:extLst>
+      <p:ext uri="{BB962C8B-B14F-4D97-AF65-F5344CB8AC3E}">
+        <p14:creationId xmlns:p14="http://schemas.microsoft.com/office/powerpoint/2010/main" val="3595329108"/>
+      </p:ext>
+    </p:extLst>
+  </p:cSld>
+  <p:clrMapOvr>
+    <a:masterClrMapping/>
+  </p:clrMapOvr>
+</p:sld>
+</file>
+
+<file path=ppt/slides/slide11.xml><?xml version="1.0" encoding="utf-8"?>
+<p:sld xmlns:a="http://schemas.openxmlformats.org/drawingml/2006/main" xmlns:r="http://schemas.openxmlformats.org/officeDocument/2006/relationships" xmlns:p="http://schemas.openxmlformats.org/presentationml/2006/main">
+  <p:cSld>
+    <p:spTree>
+      <p:nvGrpSpPr>
+        <p:cNvPr id="1" name=""/>
+        <p:cNvGrpSpPr/>
+        <p:nvPr/>
+      </p:nvGrpSpPr>
+      <p:grpSpPr>
+        <a:xfrm>
+          <a:off x="0" y="0"/>
+          <a:ext cx="0" cy="0"/>
+          <a:chOff x="0" y="0"/>
+          <a:chExt cx="0" cy="0"/>
+        </a:xfrm>
+      </p:grpSpPr>
+      <p:cxnSp>
+        <p:nvCxnSpPr>
+          <p:cNvPr id="12" name="Gerade Verbindung mit Pfeil 11">
+            <a:extLst>
+              <a:ext uri="{FF2B5EF4-FFF2-40B4-BE49-F238E27FC236}">
+                <a16:creationId xmlns:a16="http://schemas.microsoft.com/office/drawing/2014/main" id="{8C34F528-BECB-4332-AF83-049649890AB2}"/>
+              </a:ext>
+            </a:extLst>
+          </p:cNvPr>
+          <p:cNvCxnSpPr>
+            <a:endCxn id="13" idx="1"/>
+          </p:cNvCxnSpPr>
+          <p:nvPr/>
+        </p:nvCxnSpPr>
+        <p:spPr>
+          <a:xfrm>
+            <a:off x="4884516" y="3747729"/>
+            <a:ext cx="2442258" cy="2"/>
+          </a:xfrm>
+          <a:prstGeom prst="straightConnector1">
+            <a:avLst/>
+          </a:prstGeom>
+          <a:ln w="76200">
+            <a:solidFill>
+              <a:schemeClr val="tx1"/>
+            </a:solidFill>
+            <a:tailEnd type="triangle"/>
+          </a:ln>
+        </p:spPr>
+        <p:style>
+          <a:lnRef idx="1">
+            <a:schemeClr val="accent1"/>
+          </a:lnRef>
+          <a:fillRef idx="0">
+            <a:schemeClr val="accent1"/>
+          </a:fillRef>
+          <a:effectRef idx="0">
+            <a:schemeClr val="accent1"/>
+          </a:effectRef>
+          <a:fontRef idx="minor">
+            <a:schemeClr val="tx1"/>
+          </a:fontRef>
+        </p:style>
+      </p:cxnSp>
+      <p:sp>
+        <p:nvSpPr>
+          <p:cNvPr id="4" name="Rechteck 3">
+            <a:extLst>
+              <a:ext uri="{FF2B5EF4-FFF2-40B4-BE49-F238E27FC236}">
+                <a16:creationId xmlns:a16="http://schemas.microsoft.com/office/drawing/2014/main" id="{E25EF50D-F0CD-4727-AFB6-041294F40813}"/>
+              </a:ext>
+            </a:extLst>
+          </p:cNvPr>
+          <p:cNvSpPr/>
+          <p:nvPr/>
+        </p:nvSpPr>
+        <p:spPr>
+          <a:xfrm>
+            <a:off x="0" y="6350696"/>
+            <a:ext cx="10058400" cy="501573"/>
+          </a:xfrm>
+          <a:prstGeom prst="rect">
+            <a:avLst/>
+          </a:prstGeom>
+          <a:solidFill>
+            <a:schemeClr val="bg1">
+              <a:lumMod val="75000"/>
+            </a:schemeClr>
+          </a:solidFill>
+          <a:ln>
+            <a:solidFill>
+              <a:schemeClr val="bg1">
+                <a:lumMod val="75000"/>
+              </a:schemeClr>
+            </a:solidFill>
+          </a:ln>
+        </p:spPr>
+        <p:style>
+          <a:lnRef idx="2">
+            <a:schemeClr val="accent1">
+              <a:shade val="50000"/>
+            </a:schemeClr>
+          </a:lnRef>
+          <a:fillRef idx="1">
+            <a:schemeClr val="accent1"/>
+          </a:fillRef>
+          <a:effectRef idx="0">
+            <a:schemeClr val="accent1"/>
+          </a:effectRef>
+          <a:fontRef idx="minor">
+            <a:schemeClr val="lt1"/>
+          </a:fontRef>
+        </p:style>
+        <p:txBody>
+          <a:bodyPr rtlCol="0" anchor="ctr"/>
+          <a:lstStyle/>
+          <a:p>
+            <a:pPr algn="ctr"/>
+            <a:endParaRPr lang="de-DE"/>
+          </a:p>
+        </p:txBody>
+      </p:sp>
+      <p:pic>
+        <p:nvPicPr>
+          <p:cNvPr id="5" name="Inhaltsplatzhalter 4">
+            <a:extLst>
+              <a:ext uri="{FF2B5EF4-FFF2-40B4-BE49-F238E27FC236}">
+                <a16:creationId xmlns:a16="http://schemas.microsoft.com/office/drawing/2014/main" id="{4A1327ED-C79B-4435-9F7D-BB034D66DF67}"/>
+              </a:ext>
+            </a:extLst>
+          </p:cNvPr>
+          <p:cNvPicPr>
+            <a:picLocks noChangeAspect="1"/>
+          </p:cNvPicPr>
+          <p:nvPr/>
+        </p:nvPicPr>
+        <p:blipFill>
+          <a:blip r:embed="rId2">
+            <a:extLst>
+              <a:ext uri="{28A0092B-C50C-407E-A947-70E740481C1C}">
+                <a14:useLocalDpi xmlns:a14="http://schemas.microsoft.com/office/drawing/2010/main" val="0"/>
+              </a:ext>
+              <a:ext uri="{96DAC541-7B7A-43D3-8B79-37D633B846F1}">
+                <asvg:svgBlip xmlns:asvg="http://schemas.microsoft.com/office/drawing/2016/SVG/main" r:embed="rId3"/>
+              </a:ext>
+            </a:extLst>
+          </a:blip>
+          <a:stretch>
+            <a:fillRect/>
+          </a:stretch>
+        </p:blipFill>
+        <p:spPr>
+          <a:xfrm>
+            <a:off x="9138258" y="5539232"/>
+            <a:ext cx="3053742" cy="1325563"/>
+          </a:xfrm>
+          <a:prstGeom prst="rect">
+            <a:avLst/>
+          </a:prstGeom>
+        </p:spPr>
+      </p:pic>
+      <p:grpSp>
+        <p:nvGrpSpPr>
+          <p:cNvPr id="8" name="Gruppieren 7">
+            <a:extLst>
+              <a:ext uri="{FF2B5EF4-FFF2-40B4-BE49-F238E27FC236}">
+                <a16:creationId xmlns:a16="http://schemas.microsoft.com/office/drawing/2014/main" id="{D12F6303-B64A-4DE0-9338-29C545E489D2}"/>
+              </a:ext>
+            </a:extLst>
+          </p:cNvPr>
+          <p:cNvGrpSpPr/>
+          <p:nvPr/>
+        </p:nvGrpSpPr>
+        <p:grpSpPr>
+          <a:xfrm>
+            <a:off x="0" y="-12526"/>
+            <a:ext cx="12192000" cy="588439"/>
+            <a:chOff x="0" y="-12526"/>
+            <a:chExt cx="12192000" cy="588439"/>
+          </a:xfrm>
+        </p:grpSpPr>
+        <p:sp>
+          <p:nvSpPr>
+            <p:cNvPr id="9" name="Rechteck 8">
+              <a:extLst>
+                <a:ext uri="{FF2B5EF4-FFF2-40B4-BE49-F238E27FC236}">
+                  <a16:creationId xmlns:a16="http://schemas.microsoft.com/office/drawing/2014/main" id="{7E0E77A4-3A23-433F-BE05-4662310BB904}"/>
+                </a:ext>
+              </a:extLst>
+            </p:cNvPr>
+            <p:cNvSpPr/>
+            <p:nvPr/>
+          </p:nvSpPr>
+          <p:spPr>
+            <a:xfrm>
+              <a:off x="0" y="-12526"/>
+              <a:ext cx="12192000" cy="501573"/>
+            </a:xfrm>
+            <a:prstGeom prst="rect">
+              <a:avLst/>
+            </a:prstGeom>
+            <a:solidFill>
+              <a:schemeClr val="bg1">
+                <a:lumMod val="65000"/>
+              </a:schemeClr>
+            </a:solidFill>
+            <a:ln>
+              <a:solidFill>
+                <a:schemeClr val="bg1">
+                  <a:lumMod val="75000"/>
+                </a:schemeClr>
+              </a:solidFill>
+            </a:ln>
+          </p:spPr>
+          <p:style>
+            <a:lnRef idx="2">
+              <a:schemeClr val="accent1">
+                <a:shade val="50000"/>
+              </a:schemeClr>
+            </a:lnRef>
+            <a:fillRef idx="1">
+              <a:schemeClr val="accent1"/>
+            </a:fillRef>
+            <a:effectRef idx="0">
+              <a:schemeClr val="accent1"/>
+            </a:effectRef>
+            <a:fontRef idx="minor">
+              <a:schemeClr val="lt1"/>
+            </a:fontRef>
+          </p:style>
+          <p:txBody>
+            <a:bodyPr rtlCol="0" anchor="ctr"/>
+            <a:lstStyle/>
+            <a:p>
+              <a:pPr algn="ctr"/>
+              <a:endParaRPr lang="de-DE" dirty="0"/>
+            </a:p>
+          </p:txBody>
+        </p:sp>
+        <p:sp>
+          <p:nvSpPr>
+            <p:cNvPr id="10" name="Titel 1">
+              <a:extLst>
+                <a:ext uri="{FF2B5EF4-FFF2-40B4-BE49-F238E27FC236}">
+                  <a16:creationId xmlns:a16="http://schemas.microsoft.com/office/drawing/2014/main" id="{E30452C7-9ADA-4F64-A8E5-5A8C65FD6090}"/>
+                </a:ext>
+              </a:extLst>
+            </p:cNvPr>
+            <p:cNvSpPr txBox="1">
+              <a:spLocks/>
+            </p:cNvSpPr>
+            <p:nvPr/>
+          </p:nvSpPr>
+          <p:spPr>
+            <a:xfrm>
+              <a:off x="162045" y="74340"/>
+              <a:ext cx="9734309" cy="501573"/>
+            </a:xfrm>
+            <a:prstGeom prst="rect">
+              <a:avLst/>
+            </a:prstGeom>
+          </p:spPr>
+          <p:txBody>
+            <a:bodyPr vert="horz" lIns="91440" tIns="45720" rIns="91440" bIns="45720" rtlCol="0" anchor="ctr">
+              <a:normAutofit fontScale="82500" lnSpcReduction="20000"/>
+            </a:bodyPr>
+            <a:lstStyle>
+              <a:lvl1pPr algn="l" defTabSz="914400" rtl="0" eaLnBrk="1" latinLnBrk="0" hangingPunct="1">
+                <a:lnSpc>
+                  <a:spcPct val="90000"/>
+                </a:lnSpc>
+                <a:spcBef>
+                  <a:spcPct val="0"/>
+                </a:spcBef>
+                <a:buNone/>
+                <a:defRPr sz="4400" kern="1200">
+                  <a:solidFill>
+                    <a:schemeClr val="tx1"/>
+                  </a:solidFill>
+                  <a:latin typeface="+mj-lt"/>
+                  <a:ea typeface="+mj-ea"/>
+                  <a:cs typeface="+mj-cs"/>
+                </a:defRPr>
+              </a:lvl1pPr>
+            </a:lstStyle>
+            <a:p>
+              <a:r>
+                <a:rPr lang="de-DE" b="1" dirty="0">
+                  <a:solidFill>
+                    <a:schemeClr val="bg1">
+                      <a:lumMod val="95000"/>
+                    </a:schemeClr>
+                  </a:solidFill>
+                </a:rPr>
+                <a:t>Value Table</a:t>
+              </a:r>
+            </a:p>
+          </p:txBody>
+        </p:sp>
+      </p:grpSp>
+      <p:pic>
+        <p:nvPicPr>
+          <p:cNvPr id="13" name="Grafik 12">
+            <a:extLst>
+              <a:ext uri="{FF2B5EF4-FFF2-40B4-BE49-F238E27FC236}">
+                <a16:creationId xmlns:a16="http://schemas.microsoft.com/office/drawing/2014/main" id="{AF854F94-6451-4377-8308-1B76E71EEF36}"/>
+              </a:ext>
+            </a:extLst>
+          </p:cNvPr>
+          <p:cNvPicPr>
+            <a:picLocks noChangeAspect="1"/>
+          </p:cNvPicPr>
+          <p:nvPr/>
+        </p:nvPicPr>
+        <p:blipFill>
+          <a:blip r:embed="rId4">
+            <a:extLst>
+              <a:ext uri="{28A0092B-C50C-407E-A947-70E740481C1C}">
+                <a14:useLocalDpi xmlns:a14="http://schemas.microsoft.com/office/drawing/2010/main" val="0"/>
+              </a:ext>
+            </a:extLst>
+          </a:blip>
+          <a:stretch>
+            <a:fillRect/>
+          </a:stretch>
+        </p:blipFill>
+        <p:spPr>
+          <a:xfrm>
+            <a:off x="7326774" y="1956230"/>
+            <a:ext cx="4495443" cy="3583002"/>
+          </a:xfrm>
+          <a:prstGeom prst="rect">
+            <a:avLst/>
+          </a:prstGeom>
+        </p:spPr>
+      </p:pic>
+      <p:grpSp>
+        <p:nvGrpSpPr>
+          <p:cNvPr id="18" name="Gruppieren 17">
+            <a:extLst>
+              <a:ext uri="{FF2B5EF4-FFF2-40B4-BE49-F238E27FC236}">
+                <a16:creationId xmlns:a16="http://schemas.microsoft.com/office/drawing/2014/main" id="{8097A39C-53EA-4883-95A2-2D4A4362144D}"/>
+              </a:ext>
+            </a:extLst>
+          </p:cNvPr>
+          <p:cNvGrpSpPr/>
+          <p:nvPr/>
+        </p:nvGrpSpPr>
+        <p:grpSpPr>
+          <a:xfrm>
+            <a:off x="717631" y="2243464"/>
+            <a:ext cx="3975188" cy="3008533"/>
+            <a:chOff x="3449256" y="2251496"/>
+            <a:chExt cx="3975188" cy="3008533"/>
+          </a:xfrm>
+        </p:grpSpPr>
+        <p:sp>
+          <p:nvSpPr>
+            <p:cNvPr id="2" name="Rechteck 1">
+              <a:extLst>
+                <a:ext uri="{FF2B5EF4-FFF2-40B4-BE49-F238E27FC236}">
+                  <a16:creationId xmlns:a16="http://schemas.microsoft.com/office/drawing/2014/main" id="{0D270662-C4D4-4F51-911B-7323EB6D6728}"/>
+                </a:ext>
+              </a:extLst>
+            </p:cNvPr>
+            <p:cNvSpPr/>
+            <p:nvPr/>
+          </p:nvSpPr>
+          <p:spPr>
+            <a:xfrm>
+              <a:off x="3449256" y="2251496"/>
+              <a:ext cx="3975188" cy="3008533"/>
+            </a:xfrm>
+            <a:prstGeom prst="rect">
+              <a:avLst/>
+            </a:prstGeom>
+            <a:solidFill>
+              <a:schemeClr val="bg1"/>
+            </a:solidFill>
+            <a:ln>
+              <a:solidFill>
+                <a:schemeClr val="tx1"/>
+              </a:solidFill>
+            </a:ln>
+          </p:spPr>
+          <p:style>
+            <a:lnRef idx="2">
+              <a:schemeClr val="accent1">
+                <a:shade val="50000"/>
+              </a:schemeClr>
+            </a:lnRef>
+            <a:fillRef idx="1">
+              <a:schemeClr val="accent1"/>
+            </a:fillRef>
+            <a:effectRef idx="0">
+              <a:schemeClr val="accent1"/>
+            </a:effectRef>
+            <a:fontRef idx="minor">
+              <a:schemeClr val="lt1"/>
+            </a:fontRef>
+          </p:style>
+          <p:txBody>
+            <a:bodyPr rtlCol="0" anchor="ctr"/>
+            <a:lstStyle/>
+            <a:p>
+              <a:pPr algn="ctr"/>
+              <a:endParaRPr lang="de-DE"/>
+            </a:p>
+          </p:txBody>
+        </p:sp>
+        <p:cxnSp>
+          <p:nvCxnSpPr>
+            <p:cNvPr id="6" name="Gerader Verbinder 5">
+              <a:extLst>
+                <a:ext uri="{FF2B5EF4-FFF2-40B4-BE49-F238E27FC236}">
+                  <a16:creationId xmlns:a16="http://schemas.microsoft.com/office/drawing/2014/main" id="{EDFEE87F-8750-43A5-9B67-76B6587372E4}"/>
+                </a:ext>
+              </a:extLst>
+            </p:cNvPr>
+            <p:cNvCxnSpPr/>
+            <p:nvPr/>
+          </p:nvCxnSpPr>
+          <p:spPr>
+            <a:xfrm flipV="1">
+              <a:off x="4467828" y="2280212"/>
+              <a:ext cx="0" cy="2979817"/>
+            </a:xfrm>
+            <a:prstGeom prst="line">
+              <a:avLst/>
+            </a:prstGeom>
+            <a:ln>
+              <a:solidFill>
+                <a:schemeClr val="tx1"/>
+              </a:solidFill>
+            </a:ln>
+          </p:spPr>
+          <p:style>
+            <a:lnRef idx="1">
+              <a:schemeClr val="accent1"/>
+            </a:lnRef>
+            <a:fillRef idx="0">
+              <a:schemeClr val="accent1"/>
+            </a:fillRef>
+            <a:effectRef idx="0">
+              <a:schemeClr val="accent1"/>
+            </a:effectRef>
+            <a:fontRef idx="minor">
+              <a:schemeClr val="tx1"/>
+            </a:fontRef>
+          </p:style>
+        </p:cxnSp>
+        <p:cxnSp>
+          <p:nvCxnSpPr>
+            <p:cNvPr id="14" name="Gerader Verbinder 13">
+              <a:extLst>
+                <a:ext uri="{FF2B5EF4-FFF2-40B4-BE49-F238E27FC236}">
+                  <a16:creationId xmlns:a16="http://schemas.microsoft.com/office/drawing/2014/main" id="{634D6555-134F-4792-ADA9-54068C44EB35}"/>
+                </a:ext>
+              </a:extLst>
+            </p:cNvPr>
+            <p:cNvCxnSpPr/>
+            <p:nvPr/>
+          </p:nvCxnSpPr>
+          <p:spPr>
+            <a:xfrm flipV="1">
+              <a:off x="5460000" y="2280212"/>
+              <a:ext cx="0" cy="2979817"/>
+            </a:xfrm>
+            <a:prstGeom prst="line">
+              <a:avLst/>
+            </a:prstGeom>
+            <a:ln>
+              <a:solidFill>
+                <a:schemeClr val="tx1"/>
+              </a:solidFill>
+            </a:ln>
+          </p:spPr>
+          <p:style>
+            <a:lnRef idx="1">
+              <a:schemeClr val="accent1"/>
+            </a:lnRef>
+            <a:fillRef idx="0">
+              <a:schemeClr val="accent1"/>
+            </a:fillRef>
+            <a:effectRef idx="0">
+              <a:schemeClr val="accent1"/>
+            </a:effectRef>
+            <a:fontRef idx="minor">
+              <a:schemeClr val="tx1"/>
+            </a:fontRef>
+          </p:style>
+        </p:cxnSp>
+        <p:cxnSp>
+          <p:nvCxnSpPr>
+            <p:cNvPr id="15" name="Gerader Verbinder 14">
+              <a:extLst>
+                <a:ext uri="{FF2B5EF4-FFF2-40B4-BE49-F238E27FC236}">
+                  <a16:creationId xmlns:a16="http://schemas.microsoft.com/office/drawing/2014/main" id="{D41F2AC3-19F7-4A52-8B52-E16751288AA8}"/>
+                </a:ext>
+              </a:extLst>
+            </p:cNvPr>
+            <p:cNvCxnSpPr/>
+            <p:nvPr/>
+          </p:nvCxnSpPr>
+          <p:spPr>
+            <a:xfrm flipV="1">
+              <a:off x="6460603" y="2265853"/>
+              <a:ext cx="0" cy="2979817"/>
+            </a:xfrm>
+            <a:prstGeom prst="line">
+              <a:avLst/>
+            </a:prstGeom>
+            <a:ln>
+              <a:solidFill>
+                <a:schemeClr val="tx1"/>
+              </a:solidFill>
+            </a:ln>
+          </p:spPr>
+          <p:style>
+            <a:lnRef idx="1">
+              <a:schemeClr val="accent1"/>
+            </a:lnRef>
+            <a:fillRef idx="0">
+              <a:schemeClr val="accent1"/>
+            </a:fillRef>
+            <a:effectRef idx="0">
+              <a:schemeClr val="accent1"/>
+            </a:effectRef>
+            <a:fontRef idx="minor">
+              <a:schemeClr val="tx1"/>
+            </a:fontRef>
+          </p:style>
+        </p:cxnSp>
+        <p:cxnSp>
+          <p:nvCxnSpPr>
+            <p:cNvPr id="16" name="Gerader Verbinder 15">
+              <a:extLst>
+                <a:ext uri="{FF2B5EF4-FFF2-40B4-BE49-F238E27FC236}">
+                  <a16:creationId xmlns:a16="http://schemas.microsoft.com/office/drawing/2014/main" id="{D0C36C30-DFB8-49DC-90A6-E0F5FD2524F0}"/>
+                </a:ext>
+              </a:extLst>
+            </p:cNvPr>
+            <p:cNvCxnSpPr/>
+            <p:nvPr/>
+          </p:nvCxnSpPr>
+          <p:spPr>
+            <a:xfrm flipH="1">
+              <a:off x="3449256" y="3275635"/>
+              <a:ext cx="3970116" cy="0"/>
+            </a:xfrm>
+            <a:prstGeom prst="line">
+              <a:avLst/>
+            </a:prstGeom>
+            <a:ln>
+              <a:solidFill>
+                <a:schemeClr val="tx1"/>
+              </a:solidFill>
+            </a:ln>
+          </p:spPr>
+          <p:style>
+            <a:lnRef idx="1">
+              <a:schemeClr val="accent1"/>
+            </a:lnRef>
+            <a:fillRef idx="0">
+              <a:schemeClr val="accent1"/>
+            </a:fillRef>
+            <a:effectRef idx="0">
+              <a:schemeClr val="accent1"/>
+            </a:effectRef>
+            <a:fontRef idx="minor">
+              <a:schemeClr val="tx1"/>
+            </a:fontRef>
+          </p:style>
+        </p:cxnSp>
+        <p:cxnSp>
+          <p:nvCxnSpPr>
+            <p:cNvPr id="17" name="Gerader Verbinder 16">
+              <a:extLst>
+                <a:ext uri="{FF2B5EF4-FFF2-40B4-BE49-F238E27FC236}">
+                  <a16:creationId xmlns:a16="http://schemas.microsoft.com/office/drawing/2014/main" id="{2FF69711-827F-4637-9903-859EE9F95AE7}"/>
+                </a:ext>
+              </a:extLst>
+            </p:cNvPr>
+            <p:cNvCxnSpPr/>
+            <p:nvPr/>
+          </p:nvCxnSpPr>
+          <p:spPr>
+            <a:xfrm flipH="1">
+              <a:off x="3449256" y="4249837"/>
+              <a:ext cx="3970116" cy="0"/>
+            </a:xfrm>
+            <a:prstGeom prst="line">
+              <a:avLst/>
+            </a:prstGeom>
+            <a:ln>
+              <a:solidFill>
+                <a:schemeClr val="tx1"/>
+              </a:solidFill>
+            </a:ln>
+          </p:spPr>
+          <p:style>
+            <a:lnRef idx="1">
+              <a:schemeClr val="accent1"/>
+            </a:lnRef>
+            <a:fillRef idx="0">
+              <a:schemeClr val="accent1"/>
+            </a:fillRef>
+            <a:effectRef idx="0">
+              <a:schemeClr val="accent1"/>
+            </a:effectRef>
+            <a:fontRef idx="minor">
+              <a:schemeClr val="tx1"/>
+            </a:fontRef>
+          </p:style>
+        </p:cxnSp>
+      </p:grpSp>
+      <p:pic>
+        <p:nvPicPr>
+          <p:cNvPr id="20" name="Grafik 19">
+            <a:extLst>
+              <a:ext uri="{FF2B5EF4-FFF2-40B4-BE49-F238E27FC236}">
+                <a16:creationId xmlns:a16="http://schemas.microsoft.com/office/drawing/2014/main" id="{A35F3F40-05BB-4D6F-B816-C9E4CE7993CD}"/>
+              </a:ext>
+            </a:extLst>
+          </p:cNvPr>
+          <p:cNvPicPr>
+            <a:picLocks noChangeAspect="1"/>
+          </p:cNvPicPr>
+          <p:nvPr/>
+        </p:nvPicPr>
+        <p:blipFill>
+          <a:blip r:embed="rId5">
+            <a:extLst>
+              <a:ext uri="{28A0092B-C50C-407E-A947-70E740481C1C}">
+                <a14:useLocalDpi xmlns:a14="http://schemas.microsoft.com/office/drawing/2010/main" val="0"/>
+              </a:ext>
+            </a:extLst>
+          </a:blip>
+          <a:stretch>
+            <a:fillRect/>
+          </a:stretch>
+        </p:blipFill>
+        <p:spPr>
+          <a:xfrm>
+            <a:off x="1804053" y="3396898"/>
+            <a:ext cx="889377" cy="769500"/>
+          </a:xfrm>
+          <a:prstGeom prst="rect">
+            <a:avLst/>
+          </a:prstGeom>
+        </p:spPr>
+      </p:pic>
+      <p:pic>
+        <p:nvPicPr>
+          <p:cNvPr id="22" name="Grafik 21">
+            <a:extLst>
+              <a:ext uri="{FF2B5EF4-FFF2-40B4-BE49-F238E27FC236}">
+                <a16:creationId xmlns:a16="http://schemas.microsoft.com/office/drawing/2014/main" id="{2D2F53D7-B1BC-4933-A391-13D4638124FE}"/>
+              </a:ext>
+            </a:extLst>
+          </p:cNvPr>
+          <p:cNvPicPr>
+            <a:picLocks noChangeAspect="1"/>
+          </p:cNvPicPr>
+          <p:nvPr/>
+        </p:nvPicPr>
+        <p:blipFill rotWithShape="1">
+          <a:blip r:embed="rId6">
+            <a:extLst>
+              <a:ext uri="{28A0092B-C50C-407E-A947-70E740481C1C}">
+                <a14:useLocalDpi xmlns:a14="http://schemas.microsoft.com/office/drawing/2010/main" val="0"/>
+              </a:ext>
+            </a:extLst>
+          </a:blip>
+          <a:srcRect l="15572" t="1486" r="5616" b="7368"/>
+          <a:stretch/>
+        </p:blipFill>
+        <p:spPr>
+          <a:xfrm>
+            <a:off x="3887143" y="3376234"/>
+            <a:ext cx="642439" cy="742990"/>
+          </a:xfrm>
+          <a:prstGeom prst="rect">
+            <a:avLst/>
+          </a:prstGeom>
+        </p:spPr>
+      </p:pic>
+      <p:pic>
+        <p:nvPicPr>
+          <p:cNvPr id="24" name="Grafik 23">
+            <a:extLst>
+              <a:ext uri="{FF2B5EF4-FFF2-40B4-BE49-F238E27FC236}">
+                <a16:creationId xmlns:a16="http://schemas.microsoft.com/office/drawing/2014/main" id="{87845966-AA34-4982-ACEF-CFCAFD78FA87}"/>
+              </a:ext>
+            </a:extLst>
+          </p:cNvPr>
+          <p:cNvPicPr>
+            <a:picLocks noChangeAspect="1"/>
+          </p:cNvPicPr>
+          <p:nvPr/>
+        </p:nvPicPr>
+        <p:blipFill>
+          <a:blip r:embed="rId7">
+            <a:extLst>
+              <a:ext uri="{28A0092B-C50C-407E-A947-70E740481C1C}">
+                <a14:useLocalDpi xmlns:a14="http://schemas.microsoft.com/office/drawing/2010/main" val="0"/>
+              </a:ext>
+            </a:extLst>
+          </a:blip>
+          <a:stretch>
+            <a:fillRect/>
+          </a:stretch>
+        </p:blipFill>
+        <p:spPr>
+          <a:xfrm>
+            <a:off x="860293" y="4385683"/>
+            <a:ext cx="768900" cy="726070"/>
+          </a:xfrm>
+          <a:prstGeom prst="rect">
+            <a:avLst/>
+          </a:prstGeom>
+        </p:spPr>
+      </p:pic>
+      <p:pic>
+        <p:nvPicPr>
+          <p:cNvPr id="26" name="Grafik 25">
+            <a:extLst>
+              <a:ext uri="{FF2B5EF4-FFF2-40B4-BE49-F238E27FC236}">
+                <a16:creationId xmlns:a16="http://schemas.microsoft.com/office/drawing/2014/main" id="{7958B43D-8798-4372-A3CE-8BBEB7DF95FF}"/>
+              </a:ext>
+            </a:extLst>
+          </p:cNvPr>
+          <p:cNvPicPr>
+            <a:picLocks noChangeAspect="1"/>
+          </p:cNvPicPr>
+          <p:nvPr/>
+        </p:nvPicPr>
+        <p:blipFill rotWithShape="1">
+          <a:blip r:embed="rId8">
+            <a:extLst>
+              <a:ext uri="{28A0092B-C50C-407E-A947-70E740481C1C}">
+                <a14:useLocalDpi xmlns:a14="http://schemas.microsoft.com/office/drawing/2010/main" val="0"/>
+              </a:ext>
+            </a:extLst>
+          </a:blip>
+          <a:srcRect t="9581" b="5938"/>
+          <a:stretch/>
+        </p:blipFill>
+        <p:spPr>
+          <a:xfrm>
+            <a:off x="3839975" y="2482908"/>
+            <a:ext cx="736775" cy="545251"/>
+          </a:xfrm>
+          <a:prstGeom prst="rect">
+            <a:avLst/>
+          </a:prstGeom>
+        </p:spPr>
+      </p:pic>
+      <p:sp>
+        <p:nvSpPr>
+          <p:cNvPr id="3" name="Textfeld 2">
+            <a:extLst>
+              <a:ext uri="{FF2B5EF4-FFF2-40B4-BE49-F238E27FC236}">
+                <a16:creationId xmlns:a16="http://schemas.microsoft.com/office/drawing/2014/main" id="{6FDD038E-59D3-4CB5-9662-5DFAFE9F7FD3}"/>
+              </a:ext>
+            </a:extLst>
+          </p:cNvPr>
+          <p:cNvSpPr txBox="1"/>
+          <p:nvPr/>
+        </p:nvSpPr>
+        <p:spPr>
+          <a:xfrm>
+            <a:off x="1816800" y="1660148"/>
+            <a:ext cx="1532792" cy="523220"/>
+          </a:xfrm>
+          <a:prstGeom prst="rect">
+            <a:avLst/>
+          </a:prstGeom>
+          <a:noFill/>
+        </p:spPr>
+        <p:txBody>
+          <a:bodyPr wrap="none" rtlCol="0">
+            <a:spAutoFit/>
+          </a:bodyPr>
+          <a:lstStyle/>
+          <a:p>
+            <a:r>
+              <a:rPr lang="de-DE" sz="2800" b="1" dirty="0"/>
+              <a:t>Das Spiel</a:t>
+            </a:r>
+          </a:p>
+        </p:txBody>
+      </p:sp>
+      <p:pic>
+        <p:nvPicPr>
+          <p:cNvPr id="23" name="Grafik 22">
+            <a:extLst>
+              <a:ext uri="{FF2B5EF4-FFF2-40B4-BE49-F238E27FC236}">
+                <a16:creationId xmlns:a16="http://schemas.microsoft.com/office/drawing/2014/main" id="{1F89E7F7-058E-4399-B598-424139BA15FF}"/>
+              </a:ext>
+            </a:extLst>
+          </p:cNvPr>
+          <p:cNvPicPr>
+            <a:picLocks noChangeAspect="1"/>
+          </p:cNvPicPr>
+          <p:nvPr/>
+        </p:nvPicPr>
+        <p:blipFill>
+          <a:blip r:embed="rId9">
+            <a:extLst>
+              <a:ext uri="{28A0092B-C50C-407E-A947-70E740481C1C}">
+                <a14:useLocalDpi xmlns:a14="http://schemas.microsoft.com/office/drawing/2010/main" val="0"/>
+              </a:ext>
+            </a:extLst>
+          </a:blip>
+          <a:stretch>
+            <a:fillRect/>
+          </a:stretch>
+        </p:blipFill>
+        <p:spPr>
+          <a:xfrm>
+            <a:off x="5189048" y="1508386"/>
+            <a:ext cx="1974489" cy="1968566"/>
+          </a:xfrm>
+          <a:prstGeom prst="rect">
+            <a:avLst/>
+          </a:prstGeom>
+        </p:spPr>
+      </p:pic>
+    </p:spTree>
+    <p:extLst>
+      <p:ext uri="{BB962C8B-B14F-4D97-AF65-F5344CB8AC3E}">
+        <p14:creationId xmlns:p14="http://schemas.microsoft.com/office/powerpoint/2010/main" val="246939741"/>
+      </p:ext>
+    </p:extLst>
+  </p:cSld>
+  <p:clrMapOvr>
+    <a:masterClrMapping/>
+  </p:clrMapOvr>
+</p:sld>
+</file>
+
+<file path=ppt/slides/slide12.xml><?xml version="1.0" encoding="utf-8"?>
 <p:sld xmlns:a="http://schemas.openxmlformats.org/drawingml/2006/main" xmlns:r="http://schemas.openxmlformats.org/officeDocument/2006/relationships" xmlns:p="http://schemas.openxmlformats.org/presentationml/2006/main">
   <p:cSld>
     <p:spTree>
@@ -5479,7 +6656,7 @@
 </p:sld>
 </file>
 
-<file path=ppt/slides/slide11.xml><?xml version="1.0" encoding="utf-8"?>
+<file path=ppt/slides/slide13.xml><?xml version="1.0" encoding="utf-8"?>
 <p:sld xmlns:a="http://schemas.openxmlformats.org/drawingml/2006/main" xmlns:r="http://schemas.openxmlformats.org/officeDocument/2006/relationships" xmlns:p="http://schemas.openxmlformats.org/presentationml/2006/main">
   <p:cSld>
     <p:spTree>
@@ -5801,7 +6978,7 @@
 </p:sld>
 </file>
 
-<file path=ppt/slides/slide12.xml><?xml version="1.0" encoding="utf-8"?>
+<file path=ppt/slides/slide14.xml><?xml version="1.0" encoding="utf-8"?>
 <p:sld xmlns:a="http://schemas.openxmlformats.org/drawingml/2006/main" xmlns:r="http://schemas.openxmlformats.org/officeDocument/2006/relationships" xmlns:p="http://schemas.openxmlformats.org/presentationml/2006/main">
   <p:cSld>
     <p:spTree>
@@ -6255,7 +7432,7 @@
 </p:sld>
 </file>
 
-<file path=ppt/slides/slide13.xml><?xml version="1.0" encoding="utf-8"?>
+<file path=ppt/slides/slide15.xml><?xml version="1.0" encoding="utf-8"?>
 <p:sld xmlns:a="http://schemas.openxmlformats.org/drawingml/2006/main" xmlns:r="http://schemas.openxmlformats.org/officeDocument/2006/relationships" xmlns:p="http://schemas.openxmlformats.org/presentationml/2006/main">
   <p:cSld>
     <p:spTree>
@@ -6527,8 +7704,8 @@
           </p:txBody>
         </p:sp>
       </p:grpSp>
-      <mc:AlternateContent xmlns:mc="http://schemas.openxmlformats.org/markup-compatibility/2006">
-        <mc:Choice xmlns:a14="http://schemas.microsoft.com/office/drawing/2010/main" Requires="a14">
+      <mc:AlternateContent xmlns:mc="http://schemas.openxmlformats.org/markup-compatibility/2006" xmlns:a14="http://schemas.microsoft.com/office/drawing/2010/main">
+        <mc:Choice Requires="a14">
           <p:sp>
             <p:nvSpPr>
               <p:cNvPr id="2" name="Textfeld 1">
@@ -6779,7 +7956,7 @@
             </p:txBody>
           </p:sp>
         </mc:Choice>
-        <mc:Fallback>
+        <mc:Fallback xmlns="">
           <p:sp>
             <p:nvSpPr>
               <p:cNvPr id="2" name="Textfeld 1">
@@ -6878,7 +8055,7 @@
 </p:sld>
 </file>
 
-<file path=ppt/slides/slide14.xml><?xml version="1.0" encoding="utf-8"?>
+<file path=ppt/slides/slide16.xml><?xml version="1.0" encoding="utf-8"?>
 <p:sld xmlns:a="http://schemas.openxmlformats.org/drawingml/2006/main" xmlns:r="http://schemas.openxmlformats.org/officeDocument/2006/relationships" xmlns:p="http://schemas.openxmlformats.org/presentationml/2006/main">
   <p:cSld>
     <p:spTree>
@@ -7163,7 +8340,7 @@
 </p:sld>
 </file>
 
-<file path=ppt/slides/slide15.xml><?xml version="1.0" encoding="utf-8"?>
+<file path=ppt/slides/slide17.xml><?xml version="1.0" encoding="utf-8"?>
 <p:sld xmlns:a="http://schemas.openxmlformats.org/drawingml/2006/main" xmlns:r="http://schemas.openxmlformats.org/officeDocument/2006/relationships" xmlns:p="http://schemas.openxmlformats.org/presentationml/2006/main">
   <p:cSld>
     <p:spTree>
@@ -8050,7 +9227,12 @@
             <p:ph idx="1"/>
           </p:nvPr>
         </p:nvSpPr>
-        <p:spPr/>
+        <p:spPr>
+          <a:xfrm>
+            <a:off x="284018" y="782162"/>
+            <a:ext cx="10515600" cy="1610056"/>
+          </a:xfrm>
+        </p:spPr>
         <p:txBody>
           <a:bodyPr>
             <a:normAutofit/>
@@ -8325,6 +9507,188 @@
           </p:txBody>
         </p:sp>
       </p:grpSp>
+      <p:pic>
+        <p:nvPicPr>
+          <p:cNvPr id="2049" name="Picture 1" descr="C:\Users\Caro\AppData\Local\Packages\Microsoft.Office.OneNote_8wekyb3d8bbwe\TempState\msohtmlclip\clip_image001.png">
+            <a:extLst>
+              <a:ext uri="{FF2B5EF4-FFF2-40B4-BE49-F238E27FC236}">
+                <a16:creationId xmlns:a16="http://schemas.microsoft.com/office/drawing/2014/main" id="{6F8B87B9-9B31-4D9D-8EE3-9309C84F8932}"/>
+              </a:ext>
+            </a:extLst>
+          </p:cNvPr>
+          <p:cNvPicPr>
+            <a:picLocks noChangeAspect="1" noChangeArrowheads="1"/>
+          </p:cNvPicPr>
+          <p:nvPr/>
+        </p:nvPicPr>
+        <p:blipFill>
+          <a:blip r:embed="rId4">
+            <a:extLst>
+              <a:ext uri="{28A0092B-C50C-407E-A947-70E740481C1C}">
+                <a14:useLocalDpi xmlns:a14="http://schemas.microsoft.com/office/drawing/2010/main" val="0"/>
+              </a:ext>
+            </a:extLst>
+          </a:blip>
+          <a:srcRect/>
+          <a:stretch>
+            <a:fillRect/>
+          </a:stretch>
+        </p:blipFill>
+        <p:spPr bwMode="auto">
+          <a:xfrm>
+            <a:off x="1505527" y="2240976"/>
+            <a:ext cx="5022320" cy="3957987"/>
+          </a:xfrm>
+          <a:prstGeom prst="rect">
+            <a:avLst/>
+          </a:prstGeom>
+          <a:noFill/>
+          <a:extLst>
+            <a:ext uri="{909E8E84-426E-40DD-AFC4-6F175D3DCCD1}">
+              <a14:hiddenFill xmlns:a14="http://schemas.microsoft.com/office/drawing/2010/main">
+                <a:solidFill>
+                  <a:srgbClr val="FFFFFF"/>
+                </a:solidFill>
+              </a14:hiddenFill>
+            </a:ext>
+          </a:extLst>
+        </p:spPr>
+      </p:pic>
+      <p:pic>
+        <p:nvPicPr>
+          <p:cNvPr id="12" name="Picture 5" descr="C:\Users\Caro\AppData\Local\Packages\Microsoft.Office.OneNote_8wekyb3d8bbwe\TempState\msohtmlclip\clip_image001.png">
+            <a:extLst>
+              <a:ext uri="{FF2B5EF4-FFF2-40B4-BE49-F238E27FC236}">
+                <a16:creationId xmlns:a16="http://schemas.microsoft.com/office/drawing/2014/main" id="{A000FA97-A7A6-4D61-8DB2-5FA376D10071}"/>
+              </a:ext>
+            </a:extLst>
+          </p:cNvPr>
+          <p:cNvPicPr>
+            <a:picLocks noChangeAspect="1" noChangeArrowheads="1"/>
+          </p:cNvPicPr>
+          <p:nvPr/>
+        </p:nvPicPr>
+        <p:blipFill>
+          <a:blip r:embed="rId5">
+            <a:extLst>
+              <a:ext uri="{28A0092B-C50C-407E-A947-70E740481C1C}">
+                <a14:useLocalDpi xmlns:a14="http://schemas.microsoft.com/office/drawing/2010/main" val="0"/>
+              </a:ext>
+            </a:extLst>
+          </a:blip>
+          <a:srcRect/>
+          <a:stretch>
+            <a:fillRect/>
+          </a:stretch>
+        </p:blipFill>
+        <p:spPr bwMode="auto">
+          <a:xfrm>
+            <a:off x="7653129" y="3112655"/>
+            <a:ext cx="428689" cy="1200329"/>
+          </a:xfrm>
+          <a:prstGeom prst="rect">
+            <a:avLst/>
+          </a:prstGeom>
+          <a:noFill/>
+          <a:extLst>
+            <a:ext uri="{909E8E84-426E-40DD-AFC4-6F175D3DCCD1}">
+              <a14:hiddenFill xmlns:a14="http://schemas.microsoft.com/office/drawing/2010/main">
+                <a:solidFill>
+                  <a:srgbClr val="FFFFFF"/>
+                </a:solidFill>
+              </a14:hiddenFill>
+            </a:ext>
+          </a:extLst>
+        </p:spPr>
+      </p:pic>
+      <p:sp>
+        <p:nvSpPr>
+          <p:cNvPr id="13" name="Textfeld 12">
+            <a:extLst>
+              <a:ext uri="{FF2B5EF4-FFF2-40B4-BE49-F238E27FC236}">
+                <a16:creationId xmlns:a16="http://schemas.microsoft.com/office/drawing/2014/main" id="{29A4E00C-9EA5-4CAC-8423-C560DCF2D6E5}"/>
+              </a:ext>
+            </a:extLst>
+          </p:cNvPr>
+          <p:cNvSpPr txBox="1"/>
+          <p:nvPr/>
+        </p:nvSpPr>
+        <p:spPr>
+          <a:xfrm>
+            <a:off x="8081818" y="3112655"/>
+            <a:ext cx="3277179" cy="1200329"/>
+          </a:xfrm>
+          <a:prstGeom prst="rect">
+            <a:avLst/>
+          </a:prstGeom>
+          <a:noFill/>
+        </p:spPr>
+        <p:txBody>
+          <a:bodyPr wrap="none" rtlCol="0">
+            <a:spAutoFit/>
+          </a:bodyPr>
+          <a:lstStyle/>
+          <a:p>
+            <a:r>
+              <a:rPr lang="en-GB" dirty="0"/>
+              <a:t>Gruppen  (</a:t>
+            </a:r>
+            <a:r>
+              <a:rPr lang="en-GB" dirty="0" err="1"/>
+              <a:t>Anzahl</a:t>
+            </a:r>
+            <a:r>
+              <a:rPr lang="en-GB" dirty="0"/>
+              <a:t> </a:t>
+            </a:r>
+            <a:r>
+              <a:rPr lang="en-GB" dirty="0" err="1"/>
+              <a:t>meist</a:t>
+            </a:r>
+            <a:r>
+              <a:rPr lang="en-GB" dirty="0"/>
+              <a:t> </a:t>
+            </a:r>
+            <a:r>
+              <a:rPr lang="en-GB" dirty="0" err="1"/>
+              <a:t>bekannt</a:t>
+            </a:r>
+            <a:r>
+              <a:rPr lang="en-GB" dirty="0"/>
+              <a:t>)</a:t>
+            </a:r>
+          </a:p>
+          <a:p>
+            <a:endParaRPr lang="en-GB" dirty="0"/>
+          </a:p>
+          <a:p>
+            <a:endParaRPr lang="en-GB" dirty="0"/>
+          </a:p>
+          <a:p>
+            <a:r>
+              <a:rPr lang="en-GB" dirty="0" err="1"/>
+              <a:t>Daten</a:t>
+            </a:r>
+            <a:r>
+              <a:rPr lang="en-GB" dirty="0"/>
+              <a:t>, die </a:t>
+            </a:r>
+            <a:r>
+              <a:rPr lang="en-GB" dirty="0" err="1"/>
+              <a:t>zugeordnet</a:t>
+            </a:r>
+            <a:r>
+              <a:rPr lang="en-GB" dirty="0"/>
+              <a:t> </a:t>
+            </a:r>
+            <a:r>
+              <a:rPr lang="en-GB" dirty="0" err="1"/>
+              <a:t>werden</a:t>
+            </a:r>
+            <a:endParaRPr lang="de-DE" dirty="0"/>
+          </a:p>
+        </p:txBody>
+      </p:sp>
     </p:spTree>
     <p:extLst>
       <p:ext uri="{BB962C8B-B14F-4D97-AF65-F5344CB8AC3E}">
@@ -8339,6 +9703,1022 @@
 </file>
 
 <file path=ppt/slides/slide5.xml><?xml version="1.0" encoding="utf-8"?>
+<p:sld xmlns:a="http://schemas.openxmlformats.org/drawingml/2006/main" xmlns:r="http://schemas.openxmlformats.org/officeDocument/2006/relationships" xmlns:p="http://schemas.openxmlformats.org/presentationml/2006/main">
+  <p:cSld>
+    <p:spTree>
+      <p:nvGrpSpPr>
+        <p:cNvPr id="1" name=""/>
+        <p:cNvGrpSpPr/>
+        <p:nvPr/>
+      </p:nvGrpSpPr>
+      <p:grpSpPr>
+        <a:xfrm>
+          <a:off x="0" y="0"/>
+          <a:ext cx="0" cy="0"/>
+          <a:chOff x="0" y="0"/>
+          <a:chExt cx="0" cy="0"/>
+        </a:xfrm>
+      </p:grpSpPr>
+      <p:sp>
+        <p:nvSpPr>
+          <p:cNvPr id="3" name="Inhaltsplatzhalter 2">
+            <a:extLst>
+              <a:ext uri="{FF2B5EF4-FFF2-40B4-BE49-F238E27FC236}">
+                <a16:creationId xmlns:a16="http://schemas.microsoft.com/office/drawing/2014/main" id="{0BD80818-1CA7-4256-8A7A-C0645BF9737B}"/>
+              </a:ext>
+            </a:extLst>
+          </p:cNvPr>
+          <p:cNvSpPr>
+            <a:spLocks noGrp="1"/>
+          </p:cNvSpPr>
+          <p:nvPr>
+            <p:ph idx="1"/>
+          </p:nvPr>
+        </p:nvSpPr>
+        <p:spPr>
+          <a:xfrm>
+            <a:off x="838200" y="858044"/>
+            <a:ext cx="10515600" cy="1372033"/>
+          </a:xfrm>
+        </p:spPr>
+        <p:txBody>
+          <a:bodyPr>
+            <a:normAutofit/>
+          </a:bodyPr>
+          <a:lstStyle/>
+          <a:p>
+            <a:pPr lvl="1"/>
+            <a:r>
+              <a:rPr lang="de-DE" sz="2800" dirty="0"/>
+              <a:t>Nur Input bekannt, Target unbekannt</a:t>
+            </a:r>
+          </a:p>
+          <a:p>
+            <a:pPr lvl="1"/>
+            <a:r>
+              <a:rPr lang="de-DE" sz="2800" dirty="0"/>
+              <a:t>Keine Aufteilung in Test und Trainingsdatensatz nötig</a:t>
+            </a:r>
+          </a:p>
+          <a:p>
+            <a:pPr lvl="1"/>
+            <a:r>
+              <a:rPr lang="de-DE" sz="2800" dirty="0"/>
+              <a:t>Daten sind nicht gelabelt</a:t>
+            </a:r>
+          </a:p>
+        </p:txBody>
+      </p:sp>
+      <p:sp>
+        <p:nvSpPr>
+          <p:cNvPr id="4" name="Rechteck 3">
+            <a:extLst>
+              <a:ext uri="{FF2B5EF4-FFF2-40B4-BE49-F238E27FC236}">
+                <a16:creationId xmlns:a16="http://schemas.microsoft.com/office/drawing/2014/main" id="{E25EF50D-F0CD-4727-AFB6-041294F40813}"/>
+              </a:ext>
+            </a:extLst>
+          </p:cNvPr>
+          <p:cNvSpPr/>
+          <p:nvPr/>
+        </p:nvSpPr>
+        <p:spPr>
+          <a:xfrm>
+            <a:off x="0" y="6350696"/>
+            <a:ext cx="10058400" cy="501573"/>
+          </a:xfrm>
+          <a:prstGeom prst="rect">
+            <a:avLst/>
+          </a:prstGeom>
+          <a:solidFill>
+            <a:schemeClr val="bg1">
+              <a:lumMod val="75000"/>
+            </a:schemeClr>
+          </a:solidFill>
+          <a:ln>
+            <a:solidFill>
+              <a:schemeClr val="bg1">
+                <a:lumMod val="75000"/>
+              </a:schemeClr>
+            </a:solidFill>
+          </a:ln>
+        </p:spPr>
+        <p:style>
+          <a:lnRef idx="2">
+            <a:schemeClr val="accent1">
+              <a:shade val="50000"/>
+            </a:schemeClr>
+          </a:lnRef>
+          <a:fillRef idx="1">
+            <a:schemeClr val="accent1"/>
+          </a:fillRef>
+          <a:effectRef idx="0">
+            <a:schemeClr val="accent1"/>
+          </a:effectRef>
+          <a:fontRef idx="minor">
+            <a:schemeClr val="lt1"/>
+          </a:fontRef>
+        </p:style>
+        <p:txBody>
+          <a:bodyPr rtlCol="0" anchor="ctr"/>
+          <a:lstStyle/>
+          <a:p>
+            <a:pPr algn="ctr"/>
+            <a:endParaRPr lang="de-DE"/>
+          </a:p>
+        </p:txBody>
+      </p:sp>
+      <p:pic>
+        <p:nvPicPr>
+          <p:cNvPr id="5" name="Inhaltsplatzhalter 4">
+            <a:extLst>
+              <a:ext uri="{FF2B5EF4-FFF2-40B4-BE49-F238E27FC236}">
+                <a16:creationId xmlns:a16="http://schemas.microsoft.com/office/drawing/2014/main" id="{4A1327ED-C79B-4435-9F7D-BB034D66DF67}"/>
+              </a:ext>
+            </a:extLst>
+          </p:cNvPr>
+          <p:cNvPicPr>
+            <a:picLocks noChangeAspect="1"/>
+          </p:cNvPicPr>
+          <p:nvPr/>
+        </p:nvPicPr>
+        <p:blipFill>
+          <a:blip r:embed="rId2">
+            <a:extLst>
+              <a:ext uri="{28A0092B-C50C-407E-A947-70E740481C1C}">
+                <a14:useLocalDpi xmlns:a14="http://schemas.microsoft.com/office/drawing/2010/main" val="0"/>
+              </a:ext>
+              <a:ext uri="{96DAC541-7B7A-43D3-8B79-37D633B846F1}">
+                <asvg:svgBlip xmlns:asvg="http://schemas.microsoft.com/office/drawing/2016/SVG/main" r:embed="rId3"/>
+              </a:ext>
+            </a:extLst>
+          </a:blip>
+          <a:stretch>
+            <a:fillRect/>
+          </a:stretch>
+        </p:blipFill>
+        <p:spPr>
+          <a:xfrm>
+            <a:off x="9138258" y="5539232"/>
+            <a:ext cx="3053742" cy="1325563"/>
+          </a:xfrm>
+          <a:prstGeom prst="rect">
+            <a:avLst/>
+          </a:prstGeom>
+        </p:spPr>
+      </p:pic>
+      <p:grpSp>
+        <p:nvGrpSpPr>
+          <p:cNvPr id="14" name="Gruppieren 13">
+            <a:extLst>
+              <a:ext uri="{FF2B5EF4-FFF2-40B4-BE49-F238E27FC236}">
+                <a16:creationId xmlns:a16="http://schemas.microsoft.com/office/drawing/2014/main" id="{13484F85-1E3D-4EAE-B33D-456512BC1A4B}"/>
+              </a:ext>
+            </a:extLst>
+          </p:cNvPr>
+          <p:cNvGrpSpPr/>
+          <p:nvPr/>
+        </p:nvGrpSpPr>
+        <p:grpSpPr>
+          <a:xfrm>
+            <a:off x="0" y="5731"/>
+            <a:ext cx="12192000" cy="690255"/>
+            <a:chOff x="0" y="-114342"/>
+            <a:chExt cx="12192000" cy="690255"/>
+          </a:xfrm>
+        </p:grpSpPr>
+        <p:sp>
+          <p:nvSpPr>
+            <p:cNvPr id="11" name="Rechteck 10">
+              <a:extLst>
+                <a:ext uri="{FF2B5EF4-FFF2-40B4-BE49-F238E27FC236}">
+                  <a16:creationId xmlns:a16="http://schemas.microsoft.com/office/drawing/2014/main" id="{A01413A9-C769-47A6-B933-A1A1198906FD}"/>
+                </a:ext>
+              </a:extLst>
+            </p:cNvPr>
+            <p:cNvSpPr/>
+            <p:nvPr/>
+          </p:nvSpPr>
+          <p:spPr>
+            <a:xfrm>
+              <a:off x="0" y="-114342"/>
+              <a:ext cx="12192000" cy="501573"/>
+            </a:xfrm>
+            <a:prstGeom prst="rect">
+              <a:avLst/>
+            </a:prstGeom>
+            <a:solidFill>
+              <a:schemeClr val="bg1">
+                <a:lumMod val="65000"/>
+              </a:schemeClr>
+            </a:solidFill>
+            <a:ln>
+              <a:solidFill>
+                <a:schemeClr val="bg1">
+                  <a:lumMod val="75000"/>
+                </a:schemeClr>
+              </a:solidFill>
+            </a:ln>
+          </p:spPr>
+          <p:style>
+            <a:lnRef idx="2">
+              <a:schemeClr val="accent1">
+                <a:shade val="50000"/>
+              </a:schemeClr>
+            </a:lnRef>
+            <a:fillRef idx="1">
+              <a:schemeClr val="accent1"/>
+            </a:fillRef>
+            <a:effectRef idx="0">
+              <a:schemeClr val="accent1"/>
+            </a:effectRef>
+            <a:fontRef idx="minor">
+              <a:schemeClr val="lt1"/>
+            </a:fontRef>
+          </p:style>
+          <p:txBody>
+            <a:bodyPr rtlCol="0" anchor="ctr"/>
+            <a:lstStyle/>
+            <a:p>
+              <a:pPr algn="ctr"/>
+              <a:endParaRPr lang="de-DE" dirty="0"/>
+            </a:p>
+          </p:txBody>
+        </p:sp>
+        <p:sp>
+          <p:nvSpPr>
+            <p:cNvPr id="8" name="Titel 1">
+              <a:extLst>
+                <a:ext uri="{FF2B5EF4-FFF2-40B4-BE49-F238E27FC236}">
+                  <a16:creationId xmlns:a16="http://schemas.microsoft.com/office/drawing/2014/main" id="{056AE779-A4BB-4446-BDB7-5527E850770D}"/>
+                </a:ext>
+              </a:extLst>
+            </p:cNvPr>
+            <p:cNvSpPr txBox="1">
+              <a:spLocks/>
+            </p:cNvSpPr>
+            <p:nvPr/>
+          </p:nvSpPr>
+          <p:spPr>
+            <a:xfrm>
+              <a:off x="162045" y="74340"/>
+              <a:ext cx="9734309" cy="501573"/>
+            </a:xfrm>
+            <a:prstGeom prst="rect">
+              <a:avLst/>
+            </a:prstGeom>
+          </p:spPr>
+          <p:txBody>
+            <a:bodyPr vert="horz" lIns="91440" tIns="45720" rIns="91440" bIns="45720" rtlCol="0" anchor="ctr">
+              <a:normAutofit fontScale="82500" lnSpcReduction="20000"/>
+            </a:bodyPr>
+            <a:lstStyle>
+              <a:lvl1pPr algn="l" defTabSz="914400" rtl="0" eaLnBrk="1" latinLnBrk="0" hangingPunct="1">
+                <a:lnSpc>
+                  <a:spcPct val="90000"/>
+                </a:lnSpc>
+                <a:spcBef>
+                  <a:spcPct val="0"/>
+                </a:spcBef>
+                <a:buNone/>
+                <a:defRPr sz="4400" kern="1200">
+                  <a:solidFill>
+                    <a:schemeClr val="tx1"/>
+                  </a:solidFill>
+                  <a:latin typeface="+mj-lt"/>
+                  <a:ea typeface="+mj-ea"/>
+                  <a:cs typeface="+mj-cs"/>
+                </a:defRPr>
+              </a:lvl1pPr>
+            </a:lstStyle>
+            <a:p>
+              <a:r>
+                <a:rPr lang="de-DE" b="1" dirty="0" err="1">
+                  <a:solidFill>
+                    <a:schemeClr val="bg1">
+                      <a:lumMod val="95000"/>
+                    </a:schemeClr>
+                  </a:solidFill>
+                </a:rPr>
+                <a:t>Unsupervised</a:t>
+              </a:r>
+              <a:r>
+                <a:rPr lang="de-DE" b="1" dirty="0">
+                  <a:solidFill>
+                    <a:schemeClr val="bg1">
+                      <a:lumMod val="95000"/>
+                    </a:schemeClr>
+                  </a:solidFill>
+                </a:rPr>
+                <a:t> Learning</a:t>
+              </a:r>
+            </a:p>
+          </p:txBody>
+        </p:sp>
+      </p:grpSp>
+      <p:pic>
+        <p:nvPicPr>
+          <p:cNvPr id="1027" name="Picture 3" descr="C:\Users\Caro\AppData\Local\Packages\Microsoft.Office.OneNote_8wekyb3d8bbwe\TempState\msohtmlclip\clip_image001.png">
+            <a:extLst>
+              <a:ext uri="{FF2B5EF4-FFF2-40B4-BE49-F238E27FC236}">
+                <a16:creationId xmlns:a16="http://schemas.microsoft.com/office/drawing/2014/main" id="{BE78B019-DA62-4699-99FD-B44F66D186EA}"/>
+              </a:ext>
+            </a:extLst>
+          </p:cNvPr>
+          <p:cNvPicPr>
+            <a:picLocks noChangeAspect="1" noChangeArrowheads="1"/>
+          </p:cNvPicPr>
+          <p:nvPr/>
+        </p:nvPicPr>
+        <p:blipFill>
+          <a:blip r:embed="rId4">
+            <a:extLst>
+              <a:ext uri="{28A0092B-C50C-407E-A947-70E740481C1C}">
+                <a14:useLocalDpi xmlns:a14="http://schemas.microsoft.com/office/drawing/2010/main" val="0"/>
+              </a:ext>
+            </a:extLst>
+          </a:blip>
+          <a:srcRect/>
+          <a:stretch>
+            <a:fillRect/>
+          </a:stretch>
+        </p:blipFill>
+        <p:spPr bwMode="auto">
+          <a:xfrm>
+            <a:off x="1468582" y="2447273"/>
+            <a:ext cx="4488873" cy="3686227"/>
+          </a:xfrm>
+          <a:prstGeom prst="rect">
+            <a:avLst/>
+          </a:prstGeom>
+          <a:noFill/>
+          <a:extLst>
+            <a:ext uri="{909E8E84-426E-40DD-AFC4-6F175D3DCCD1}">
+              <a14:hiddenFill xmlns:a14="http://schemas.microsoft.com/office/drawing/2010/main">
+                <a:solidFill>
+                  <a:srgbClr val="FFFFFF"/>
+                </a:solidFill>
+              </a14:hiddenFill>
+            </a:ext>
+          </a:extLst>
+        </p:spPr>
+      </p:pic>
+      <p:pic>
+        <p:nvPicPr>
+          <p:cNvPr id="1029" name="Picture 5" descr="C:\Users\Caro\AppData\Local\Packages\Microsoft.Office.OneNote_8wekyb3d8bbwe\TempState\msohtmlclip\clip_image001.png">
+            <a:extLst>
+              <a:ext uri="{FF2B5EF4-FFF2-40B4-BE49-F238E27FC236}">
+                <a16:creationId xmlns:a16="http://schemas.microsoft.com/office/drawing/2014/main" id="{EAC9773B-023C-4A0A-B5AC-66E9B4AF8C1E}"/>
+              </a:ext>
+            </a:extLst>
+          </p:cNvPr>
+          <p:cNvPicPr>
+            <a:picLocks noChangeAspect="1" noChangeArrowheads="1"/>
+          </p:cNvPicPr>
+          <p:nvPr/>
+        </p:nvPicPr>
+        <p:blipFill>
+          <a:blip r:embed="rId5">
+            <a:extLst>
+              <a:ext uri="{28A0092B-C50C-407E-A947-70E740481C1C}">
+                <a14:useLocalDpi xmlns:a14="http://schemas.microsoft.com/office/drawing/2010/main" val="0"/>
+              </a:ext>
+            </a:extLst>
+          </a:blip>
+          <a:srcRect/>
+          <a:stretch>
+            <a:fillRect/>
+          </a:stretch>
+        </p:blipFill>
+        <p:spPr bwMode="auto">
+          <a:xfrm>
+            <a:off x="7653129" y="3112655"/>
+            <a:ext cx="428689" cy="1200329"/>
+          </a:xfrm>
+          <a:prstGeom prst="rect">
+            <a:avLst/>
+          </a:prstGeom>
+          <a:noFill/>
+          <a:extLst>
+            <a:ext uri="{909E8E84-426E-40DD-AFC4-6F175D3DCCD1}">
+              <a14:hiddenFill xmlns:a14="http://schemas.microsoft.com/office/drawing/2010/main">
+                <a:solidFill>
+                  <a:srgbClr val="FFFFFF"/>
+                </a:solidFill>
+              </a14:hiddenFill>
+            </a:ext>
+          </a:extLst>
+        </p:spPr>
+      </p:pic>
+      <p:sp>
+        <p:nvSpPr>
+          <p:cNvPr id="2" name="Textfeld 1">
+            <a:extLst>
+              <a:ext uri="{FF2B5EF4-FFF2-40B4-BE49-F238E27FC236}">
+                <a16:creationId xmlns:a16="http://schemas.microsoft.com/office/drawing/2014/main" id="{2CED2276-16C2-488F-90EA-1F54C5E36CA9}"/>
+              </a:ext>
+            </a:extLst>
+          </p:cNvPr>
+          <p:cNvSpPr txBox="1"/>
+          <p:nvPr/>
+        </p:nvSpPr>
+        <p:spPr>
+          <a:xfrm>
+            <a:off x="8081818" y="3112655"/>
+            <a:ext cx="3277179" cy="1200329"/>
+          </a:xfrm>
+          <a:prstGeom prst="rect">
+            <a:avLst/>
+          </a:prstGeom>
+          <a:noFill/>
+        </p:spPr>
+        <p:txBody>
+          <a:bodyPr wrap="none" rtlCol="0">
+            <a:spAutoFit/>
+          </a:bodyPr>
+          <a:lstStyle/>
+          <a:p>
+            <a:r>
+              <a:rPr lang="en-GB" dirty="0"/>
+              <a:t>Gruppen  (</a:t>
+            </a:r>
+            <a:r>
+              <a:rPr lang="en-GB" dirty="0" err="1"/>
+              <a:t>Anzahl</a:t>
+            </a:r>
+            <a:r>
+              <a:rPr lang="en-GB" dirty="0"/>
+              <a:t> </a:t>
+            </a:r>
+            <a:r>
+              <a:rPr lang="en-GB" dirty="0" err="1"/>
+              <a:t>meist</a:t>
+            </a:r>
+            <a:r>
+              <a:rPr lang="en-GB" dirty="0"/>
+              <a:t> </a:t>
+            </a:r>
+            <a:r>
+              <a:rPr lang="en-GB" dirty="0" err="1"/>
+              <a:t>bekannt</a:t>
+            </a:r>
+            <a:r>
+              <a:rPr lang="en-GB" dirty="0"/>
+              <a:t>)</a:t>
+            </a:r>
+          </a:p>
+          <a:p>
+            <a:endParaRPr lang="en-GB" dirty="0"/>
+          </a:p>
+          <a:p>
+            <a:endParaRPr lang="en-GB" dirty="0"/>
+          </a:p>
+          <a:p>
+            <a:r>
+              <a:rPr lang="en-GB" dirty="0" err="1"/>
+              <a:t>Daten</a:t>
+            </a:r>
+            <a:r>
+              <a:rPr lang="en-GB" dirty="0"/>
+              <a:t>, die </a:t>
+            </a:r>
+            <a:r>
+              <a:rPr lang="en-GB" dirty="0" err="1"/>
+              <a:t>zugeordnet</a:t>
+            </a:r>
+            <a:r>
+              <a:rPr lang="en-GB" dirty="0"/>
+              <a:t> </a:t>
+            </a:r>
+            <a:r>
+              <a:rPr lang="en-GB" dirty="0" err="1"/>
+              <a:t>werden</a:t>
+            </a:r>
+            <a:endParaRPr lang="de-DE" dirty="0"/>
+          </a:p>
+        </p:txBody>
+      </p:sp>
+    </p:spTree>
+    <p:extLst>
+      <p:ext uri="{BB962C8B-B14F-4D97-AF65-F5344CB8AC3E}">
+        <p14:creationId xmlns:p14="http://schemas.microsoft.com/office/powerpoint/2010/main" val="1858177701"/>
+      </p:ext>
+    </p:extLst>
+  </p:cSld>
+  <p:clrMapOvr>
+    <a:masterClrMapping/>
+  </p:clrMapOvr>
+</p:sld>
+</file>
+
+<file path=ppt/slides/slide6.xml><?xml version="1.0" encoding="utf-8"?>
+<p:sld xmlns:a="http://schemas.openxmlformats.org/drawingml/2006/main" xmlns:r="http://schemas.openxmlformats.org/officeDocument/2006/relationships" xmlns:p="http://schemas.openxmlformats.org/presentationml/2006/main">
+  <p:cSld>
+    <p:spTree>
+      <p:nvGrpSpPr>
+        <p:cNvPr id="1" name=""/>
+        <p:cNvGrpSpPr/>
+        <p:nvPr/>
+      </p:nvGrpSpPr>
+      <p:grpSpPr>
+        <a:xfrm>
+          <a:off x="0" y="0"/>
+          <a:ext cx="0" cy="0"/>
+          <a:chOff x="0" y="0"/>
+          <a:chExt cx="0" cy="0"/>
+        </a:xfrm>
+      </p:grpSpPr>
+      <p:sp>
+        <p:nvSpPr>
+          <p:cNvPr id="3" name="Inhaltsplatzhalter 2">
+            <a:extLst>
+              <a:ext uri="{FF2B5EF4-FFF2-40B4-BE49-F238E27FC236}">
+                <a16:creationId xmlns:a16="http://schemas.microsoft.com/office/drawing/2014/main" id="{0BD80818-1CA7-4256-8A7A-C0645BF9737B}"/>
+              </a:ext>
+            </a:extLst>
+          </p:cNvPr>
+          <p:cNvSpPr>
+            <a:spLocks noGrp="1"/>
+          </p:cNvSpPr>
+          <p:nvPr>
+            <p:ph idx="1"/>
+          </p:nvPr>
+        </p:nvSpPr>
+        <p:spPr>
+          <a:xfrm>
+            <a:off x="838200" y="858044"/>
+            <a:ext cx="10515600" cy="1460283"/>
+          </a:xfrm>
+        </p:spPr>
+        <p:txBody>
+          <a:bodyPr>
+            <a:normAutofit/>
+          </a:bodyPr>
+          <a:lstStyle/>
+          <a:p>
+            <a:pPr lvl="1"/>
+            <a:r>
+              <a:rPr lang="de-DE" sz="2800" dirty="0"/>
+              <a:t>Nur Input bekannt, Target unbekannt</a:t>
+            </a:r>
+          </a:p>
+          <a:p>
+            <a:pPr lvl="1"/>
+            <a:r>
+              <a:rPr lang="de-DE" sz="2800" dirty="0"/>
+              <a:t>Keine Aufteilung in Test und Trainingsdatensatz nötig</a:t>
+            </a:r>
+          </a:p>
+          <a:p>
+            <a:pPr lvl="1"/>
+            <a:r>
+              <a:rPr lang="de-DE" sz="2800" dirty="0"/>
+              <a:t>Daten sind nicht gelabelt</a:t>
+            </a:r>
+          </a:p>
+        </p:txBody>
+      </p:sp>
+      <p:sp>
+        <p:nvSpPr>
+          <p:cNvPr id="4" name="Rechteck 3">
+            <a:extLst>
+              <a:ext uri="{FF2B5EF4-FFF2-40B4-BE49-F238E27FC236}">
+                <a16:creationId xmlns:a16="http://schemas.microsoft.com/office/drawing/2014/main" id="{E25EF50D-F0CD-4727-AFB6-041294F40813}"/>
+              </a:ext>
+            </a:extLst>
+          </p:cNvPr>
+          <p:cNvSpPr/>
+          <p:nvPr/>
+        </p:nvSpPr>
+        <p:spPr>
+          <a:xfrm>
+            <a:off x="0" y="6350696"/>
+            <a:ext cx="10058400" cy="501573"/>
+          </a:xfrm>
+          <a:prstGeom prst="rect">
+            <a:avLst/>
+          </a:prstGeom>
+          <a:solidFill>
+            <a:schemeClr val="bg1">
+              <a:lumMod val="75000"/>
+            </a:schemeClr>
+          </a:solidFill>
+          <a:ln>
+            <a:solidFill>
+              <a:schemeClr val="bg1">
+                <a:lumMod val="75000"/>
+              </a:schemeClr>
+            </a:solidFill>
+          </a:ln>
+        </p:spPr>
+        <p:style>
+          <a:lnRef idx="2">
+            <a:schemeClr val="accent1">
+              <a:shade val="50000"/>
+            </a:schemeClr>
+          </a:lnRef>
+          <a:fillRef idx="1">
+            <a:schemeClr val="accent1"/>
+          </a:fillRef>
+          <a:effectRef idx="0">
+            <a:schemeClr val="accent1"/>
+          </a:effectRef>
+          <a:fontRef idx="minor">
+            <a:schemeClr val="lt1"/>
+          </a:fontRef>
+        </p:style>
+        <p:txBody>
+          <a:bodyPr rtlCol="0" anchor="ctr"/>
+          <a:lstStyle/>
+          <a:p>
+            <a:pPr algn="ctr"/>
+            <a:endParaRPr lang="de-DE"/>
+          </a:p>
+        </p:txBody>
+      </p:sp>
+      <p:pic>
+        <p:nvPicPr>
+          <p:cNvPr id="5" name="Inhaltsplatzhalter 4">
+            <a:extLst>
+              <a:ext uri="{FF2B5EF4-FFF2-40B4-BE49-F238E27FC236}">
+                <a16:creationId xmlns:a16="http://schemas.microsoft.com/office/drawing/2014/main" id="{4A1327ED-C79B-4435-9F7D-BB034D66DF67}"/>
+              </a:ext>
+            </a:extLst>
+          </p:cNvPr>
+          <p:cNvPicPr>
+            <a:picLocks noChangeAspect="1"/>
+          </p:cNvPicPr>
+          <p:nvPr/>
+        </p:nvPicPr>
+        <p:blipFill>
+          <a:blip r:embed="rId2">
+            <a:extLst>
+              <a:ext uri="{28A0092B-C50C-407E-A947-70E740481C1C}">
+                <a14:useLocalDpi xmlns:a14="http://schemas.microsoft.com/office/drawing/2010/main" val="0"/>
+              </a:ext>
+              <a:ext uri="{96DAC541-7B7A-43D3-8B79-37D633B846F1}">
+                <asvg:svgBlip xmlns:asvg="http://schemas.microsoft.com/office/drawing/2016/SVG/main" r:embed="rId3"/>
+              </a:ext>
+            </a:extLst>
+          </a:blip>
+          <a:stretch>
+            <a:fillRect/>
+          </a:stretch>
+        </p:blipFill>
+        <p:spPr>
+          <a:xfrm>
+            <a:off x="9138258" y="5539232"/>
+            <a:ext cx="3053742" cy="1325563"/>
+          </a:xfrm>
+          <a:prstGeom prst="rect">
+            <a:avLst/>
+          </a:prstGeom>
+        </p:spPr>
+      </p:pic>
+      <p:grpSp>
+        <p:nvGrpSpPr>
+          <p:cNvPr id="14" name="Gruppieren 13">
+            <a:extLst>
+              <a:ext uri="{FF2B5EF4-FFF2-40B4-BE49-F238E27FC236}">
+                <a16:creationId xmlns:a16="http://schemas.microsoft.com/office/drawing/2014/main" id="{13484F85-1E3D-4EAE-B33D-456512BC1A4B}"/>
+              </a:ext>
+            </a:extLst>
+          </p:cNvPr>
+          <p:cNvGrpSpPr/>
+          <p:nvPr/>
+        </p:nvGrpSpPr>
+        <p:grpSpPr>
+          <a:xfrm>
+            <a:off x="0" y="-12526"/>
+            <a:ext cx="12192000" cy="588439"/>
+            <a:chOff x="0" y="-12526"/>
+            <a:chExt cx="12192000" cy="588439"/>
+          </a:xfrm>
+        </p:grpSpPr>
+        <p:sp>
+          <p:nvSpPr>
+            <p:cNvPr id="11" name="Rechteck 10">
+              <a:extLst>
+                <a:ext uri="{FF2B5EF4-FFF2-40B4-BE49-F238E27FC236}">
+                  <a16:creationId xmlns:a16="http://schemas.microsoft.com/office/drawing/2014/main" id="{A01413A9-C769-47A6-B933-A1A1198906FD}"/>
+                </a:ext>
+              </a:extLst>
+            </p:cNvPr>
+            <p:cNvSpPr/>
+            <p:nvPr/>
+          </p:nvSpPr>
+          <p:spPr>
+            <a:xfrm>
+              <a:off x="0" y="-12526"/>
+              <a:ext cx="12192000" cy="501573"/>
+            </a:xfrm>
+            <a:prstGeom prst="rect">
+              <a:avLst/>
+            </a:prstGeom>
+            <a:solidFill>
+              <a:schemeClr val="bg1">
+                <a:lumMod val="65000"/>
+              </a:schemeClr>
+            </a:solidFill>
+            <a:ln>
+              <a:solidFill>
+                <a:schemeClr val="bg1">
+                  <a:lumMod val="75000"/>
+                </a:schemeClr>
+              </a:solidFill>
+            </a:ln>
+          </p:spPr>
+          <p:style>
+            <a:lnRef idx="2">
+              <a:schemeClr val="accent1">
+                <a:shade val="50000"/>
+              </a:schemeClr>
+            </a:lnRef>
+            <a:fillRef idx="1">
+              <a:schemeClr val="accent1"/>
+            </a:fillRef>
+            <a:effectRef idx="0">
+              <a:schemeClr val="accent1"/>
+            </a:effectRef>
+            <a:fontRef idx="minor">
+              <a:schemeClr val="lt1"/>
+            </a:fontRef>
+          </p:style>
+          <p:txBody>
+            <a:bodyPr rtlCol="0" anchor="ctr"/>
+            <a:lstStyle/>
+            <a:p>
+              <a:pPr algn="ctr"/>
+              <a:endParaRPr lang="de-DE" dirty="0"/>
+            </a:p>
+          </p:txBody>
+        </p:sp>
+        <p:sp>
+          <p:nvSpPr>
+            <p:cNvPr id="8" name="Titel 1">
+              <a:extLst>
+                <a:ext uri="{FF2B5EF4-FFF2-40B4-BE49-F238E27FC236}">
+                  <a16:creationId xmlns:a16="http://schemas.microsoft.com/office/drawing/2014/main" id="{056AE779-A4BB-4446-BDB7-5527E850770D}"/>
+                </a:ext>
+              </a:extLst>
+            </p:cNvPr>
+            <p:cNvSpPr txBox="1">
+              <a:spLocks/>
+            </p:cNvSpPr>
+            <p:nvPr/>
+          </p:nvSpPr>
+          <p:spPr>
+            <a:xfrm>
+              <a:off x="162045" y="74340"/>
+              <a:ext cx="9734309" cy="501573"/>
+            </a:xfrm>
+            <a:prstGeom prst="rect">
+              <a:avLst/>
+            </a:prstGeom>
+          </p:spPr>
+          <p:txBody>
+            <a:bodyPr vert="horz" lIns="91440" tIns="45720" rIns="91440" bIns="45720" rtlCol="0" anchor="ctr">
+              <a:normAutofit fontScale="82500" lnSpcReduction="20000"/>
+            </a:bodyPr>
+            <a:lstStyle>
+              <a:lvl1pPr algn="l" defTabSz="914400" rtl="0" eaLnBrk="1" latinLnBrk="0" hangingPunct="1">
+                <a:lnSpc>
+                  <a:spcPct val="90000"/>
+                </a:lnSpc>
+                <a:spcBef>
+                  <a:spcPct val="0"/>
+                </a:spcBef>
+                <a:buNone/>
+                <a:defRPr sz="4400" kern="1200">
+                  <a:solidFill>
+                    <a:schemeClr val="tx1"/>
+                  </a:solidFill>
+                  <a:latin typeface="+mj-lt"/>
+                  <a:ea typeface="+mj-ea"/>
+                  <a:cs typeface="+mj-cs"/>
+                </a:defRPr>
+              </a:lvl1pPr>
+            </a:lstStyle>
+            <a:p>
+              <a:r>
+                <a:rPr lang="de-DE" b="1" dirty="0" err="1">
+                  <a:solidFill>
+                    <a:schemeClr val="bg1">
+                      <a:lumMod val="95000"/>
+                    </a:schemeClr>
+                  </a:solidFill>
+                </a:rPr>
+                <a:t>Unsupervised</a:t>
+              </a:r>
+              <a:r>
+                <a:rPr lang="de-DE" b="1" dirty="0">
+                  <a:solidFill>
+                    <a:schemeClr val="bg1">
+                      <a:lumMod val="95000"/>
+                    </a:schemeClr>
+                  </a:solidFill>
+                </a:rPr>
+                <a:t> Learning</a:t>
+              </a:r>
+            </a:p>
+          </p:txBody>
+        </p:sp>
+      </p:grpSp>
+      <p:pic>
+        <p:nvPicPr>
+          <p:cNvPr id="3074" name="Picture 2" descr="C:\Users\Caro\AppData\Local\Packages\Microsoft.Office.OneNote_8wekyb3d8bbwe\TempState\msohtmlclip\clip_image001.png">
+            <a:extLst>
+              <a:ext uri="{FF2B5EF4-FFF2-40B4-BE49-F238E27FC236}">
+                <a16:creationId xmlns:a16="http://schemas.microsoft.com/office/drawing/2014/main" id="{563B2BDD-74A5-4674-BA2F-A1D4E15E1F31}"/>
+              </a:ext>
+            </a:extLst>
+          </p:cNvPr>
+          <p:cNvPicPr>
+            <a:picLocks noChangeAspect="1" noChangeArrowheads="1"/>
+          </p:cNvPicPr>
+          <p:nvPr/>
+        </p:nvPicPr>
+        <p:blipFill>
+          <a:blip r:embed="rId4">
+            <a:extLst>
+              <a:ext uri="{28A0092B-C50C-407E-A947-70E740481C1C}">
+                <a14:useLocalDpi xmlns:a14="http://schemas.microsoft.com/office/drawing/2010/main" val="0"/>
+              </a:ext>
+            </a:extLst>
+          </a:blip>
+          <a:srcRect/>
+          <a:stretch>
+            <a:fillRect/>
+          </a:stretch>
+        </p:blipFill>
+        <p:spPr bwMode="auto">
+          <a:xfrm>
+            <a:off x="1597891" y="2206856"/>
+            <a:ext cx="4959928" cy="4056630"/>
+          </a:xfrm>
+          <a:prstGeom prst="rect">
+            <a:avLst/>
+          </a:prstGeom>
+          <a:noFill/>
+          <a:extLst>
+            <a:ext uri="{909E8E84-426E-40DD-AFC4-6F175D3DCCD1}">
+              <a14:hiddenFill xmlns:a14="http://schemas.microsoft.com/office/drawing/2010/main">
+                <a:solidFill>
+                  <a:srgbClr val="FFFFFF"/>
+                </a:solidFill>
+              </a14:hiddenFill>
+            </a:ext>
+          </a:extLst>
+        </p:spPr>
+      </p:pic>
+      <p:pic>
+        <p:nvPicPr>
+          <p:cNvPr id="15" name="Picture 5" descr="C:\Users\Caro\AppData\Local\Packages\Microsoft.Office.OneNote_8wekyb3d8bbwe\TempState\msohtmlclip\clip_image001.png">
+            <a:extLst>
+              <a:ext uri="{FF2B5EF4-FFF2-40B4-BE49-F238E27FC236}">
+                <a16:creationId xmlns:a16="http://schemas.microsoft.com/office/drawing/2014/main" id="{66D25630-D8B7-4C1F-A25E-7C4BE595A2DA}"/>
+              </a:ext>
+            </a:extLst>
+          </p:cNvPr>
+          <p:cNvPicPr>
+            <a:picLocks noChangeAspect="1" noChangeArrowheads="1"/>
+          </p:cNvPicPr>
+          <p:nvPr/>
+        </p:nvPicPr>
+        <p:blipFill>
+          <a:blip r:embed="rId5">
+            <a:extLst>
+              <a:ext uri="{28A0092B-C50C-407E-A947-70E740481C1C}">
+                <a14:useLocalDpi xmlns:a14="http://schemas.microsoft.com/office/drawing/2010/main" val="0"/>
+              </a:ext>
+            </a:extLst>
+          </a:blip>
+          <a:srcRect/>
+          <a:stretch>
+            <a:fillRect/>
+          </a:stretch>
+        </p:blipFill>
+        <p:spPr bwMode="auto">
+          <a:xfrm>
+            <a:off x="7653129" y="3112655"/>
+            <a:ext cx="428689" cy="1200329"/>
+          </a:xfrm>
+          <a:prstGeom prst="rect">
+            <a:avLst/>
+          </a:prstGeom>
+          <a:noFill/>
+          <a:extLst>
+            <a:ext uri="{909E8E84-426E-40DD-AFC4-6F175D3DCCD1}">
+              <a14:hiddenFill xmlns:a14="http://schemas.microsoft.com/office/drawing/2010/main">
+                <a:solidFill>
+                  <a:srgbClr val="FFFFFF"/>
+                </a:solidFill>
+              </a14:hiddenFill>
+            </a:ext>
+          </a:extLst>
+        </p:spPr>
+      </p:pic>
+      <p:sp>
+        <p:nvSpPr>
+          <p:cNvPr id="16" name="Textfeld 15">
+            <a:extLst>
+              <a:ext uri="{FF2B5EF4-FFF2-40B4-BE49-F238E27FC236}">
+                <a16:creationId xmlns:a16="http://schemas.microsoft.com/office/drawing/2014/main" id="{AAEBC70D-EBF8-4D25-A1EA-305D75503817}"/>
+              </a:ext>
+            </a:extLst>
+          </p:cNvPr>
+          <p:cNvSpPr txBox="1"/>
+          <p:nvPr/>
+        </p:nvSpPr>
+        <p:spPr>
+          <a:xfrm>
+            <a:off x="8081818" y="3112655"/>
+            <a:ext cx="3277179" cy="1200329"/>
+          </a:xfrm>
+          <a:prstGeom prst="rect">
+            <a:avLst/>
+          </a:prstGeom>
+          <a:noFill/>
+        </p:spPr>
+        <p:txBody>
+          <a:bodyPr wrap="none" rtlCol="0">
+            <a:spAutoFit/>
+          </a:bodyPr>
+          <a:lstStyle/>
+          <a:p>
+            <a:r>
+              <a:rPr lang="en-GB" dirty="0"/>
+              <a:t>Gruppen  (</a:t>
+            </a:r>
+            <a:r>
+              <a:rPr lang="en-GB" dirty="0" err="1"/>
+              <a:t>Anzahl</a:t>
+            </a:r>
+            <a:r>
+              <a:rPr lang="en-GB" dirty="0"/>
+              <a:t> </a:t>
+            </a:r>
+            <a:r>
+              <a:rPr lang="en-GB" dirty="0" err="1"/>
+              <a:t>meist</a:t>
+            </a:r>
+            <a:r>
+              <a:rPr lang="en-GB" dirty="0"/>
+              <a:t> </a:t>
+            </a:r>
+            <a:r>
+              <a:rPr lang="en-GB" dirty="0" err="1"/>
+              <a:t>bekannt</a:t>
+            </a:r>
+            <a:r>
+              <a:rPr lang="en-GB" dirty="0"/>
+              <a:t>)</a:t>
+            </a:r>
+          </a:p>
+          <a:p>
+            <a:endParaRPr lang="en-GB" dirty="0"/>
+          </a:p>
+          <a:p>
+            <a:endParaRPr lang="en-GB" dirty="0"/>
+          </a:p>
+          <a:p>
+            <a:r>
+              <a:rPr lang="en-GB" dirty="0" err="1"/>
+              <a:t>Daten</a:t>
+            </a:r>
+            <a:r>
+              <a:rPr lang="en-GB" dirty="0"/>
+              <a:t>, die </a:t>
+            </a:r>
+            <a:r>
+              <a:rPr lang="en-GB" dirty="0" err="1"/>
+              <a:t>zugeordnet</a:t>
+            </a:r>
+            <a:r>
+              <a:rPr lang="en-GB" dirty="0"/>
+              <a:t> </a:t>
+            </a:r>
+            <a:r>
+              <a:rPr lang="en-GB" dirty="0" err="1"/>
+              <a:t>werden</a:t>
+            </a:r>
+            <a:endParaRPr lang="de-DE" dirty="0"/>
+          </a:p>
+        </p:txBody>
+      </p:sp>
+    </p:spTree>
+    <p:extLst>
+      <p:ext uri="{BB962C8B-B14F-4D97-AF65-F5344CB8AC3E}">
+        <p14:creationId xmlns:p14="http://schemas.microsoft.com/office/powerpoint/2010/main" val="3437442644"/>
+      </p:ext>
+    </p:extLst>
+  </p:cSld>
+  <p:clrMapOvr>
+    <a:masterClrMapping/>
+  </p:clrMapOvr>
+</p:sld>
+</file>
+
+<file path=ppt/slides/slide7.xml><?xml version="1.0" encoding="utf-8"?>
 <p:sld xmlns:a="http://schemas.openxmlformats.org/drawingml/2006/main" xmlns:r="http://schemas.openxmlformats.org/officeDocument/2006/relationships" xmlns:p="http://schemas.openxmlformats.org/presentationml/2006/main">
   <p:cSld>
     <p:spTree>
@@ -8662,7 +11042,7 @@
 </p:sld>
 </file>
 
-<file path=ppt/slides/slide6.xml><?xml version="1.0" encoding="utf-8"?>
+<file path=ppt/slides/slide8.xml><?xml version="1.0" encoding="utf-8"?>
 <p:sld xmlns:a="http://schemas.openxmlformats.org/drawingml/2006/main" xmlns:r="http://schemas.openxmlformats.org/officeDocument/2006/relationships" xmlns:p="http://schemas.openxmlformats.org/presentationml/2006/main">
   <p:cSld>
     <p:spTree>
@@ -9022,7 +11402,7 @@
 </p:sld>
 </file>
 
-<file path=ppt/slides/slide7.xml><?xml version="1.0" encoding="utf-8"?>
+<file path=ppt/slides/slide9.xml><?xml version="1.0" encoding="utf-8"?>
 <p:sld xmlns:a="http://schemas.openxmlformats.org/drawingml/2006/main" xmlns:r="http://schemas.openxmlformats.org/officeDocument/2006/relationships" xmlns:p="http://schemas.openxmlformats.org/presentationml/2006/main">
   <p:cSld>
     <p:spTree>
@@ -9570,1181 +11950,6 @@
     <p:extLst>
       <p:ext uri="{BB962C8B-B14F-4D97-AF65-F5344CB8AC3E}">
         <p14:creationId xmlns:p14="http://schemas.microsoft.com/office/powerpoint/2010/main" val="2939196430"/>
-      </p:ext>
-    </p:extLst>
-  </p:cSld>
-  <p:clrMapOvr>
-    <a:masterClrMapping/>
-  </p:clrMapOvr>
-</p:sld>
-</file>
-
-<file path=ppt/slides/slide8.xml><?xml version="1.0" encoding="utf-8"?>
-<p:sld xmlns:a="http://schemas.openxmlformats.org/drawingml/2006/main" xmlns:r="http://schemas.openxmlformats.org/officeDocument/2006/relationships" xmlns:p="http://schemas.openxmlformats.org/presentationml/2006/main">
-  <p:cSld>
-    <p:spTree>
-      <p:nvGrpSpPr>
-        <p:cNvPr id="1" name=""/>
-        <p:cNvGrpSpPr/>
-        <p:nvPr/>
-      </p:nvGrpSpPr>
-      <p:grpSpPr>
-        <a:xfrm>
-          <a:off x="0" y="0"/>
-          <a:ext cx="0" cy="0"/>
-          <a:chOff x="0" y="0"/>
-          <a:chExt cx="0" cy="0"/>
-        </a:xfrm>
-      </p:grpSpPr>
-      <p:sp>
-        <p:nvSpPr>
-          <p:cNvPr id="4" name="Rechteck 3">
-            <a:extLst>
-              <a:ext uri="{FF2B5EF4-FFF2-40B4-BE49-F238E27FC236}">
-                <a16:creationId xmlns:a16="http://schemas.microsoft.com/office/drawing/2014/main" id="{E25EF50D-F0CD-4727-AFB6-041294F40813}"/>
-              </a:ext>
-            </a:extLst>
-          </p:cNvPr>
-          <p:cNvSpPr/>
-          <p:nvPr/>
-        </p:nvSpPr>
-        <p:spPr>
-          <a:xfrm>
-            <a:off x="0" y="6350696"/>
-            <a:ext cx="10058400" cy="501573"/>
-          </a:xfrm>
-          <a:prstGeom prst="rect">
-            <a:avLst/>
-          </a:prstGeom>
-          <a:solidFill>
-            <a:schemeClr val="bg1">
-              <a:lumMod val="75000"/>
-            </a:schemeClr>
-          </a:solidFill>
-          <a:ln>
-            <a:solidFill>
-              <a:schemeClr val="bg1">
-                <a:lumMod val="75000"/>
-              </a:schemeClr>
-            </a:solidFill>
-          </a:ln>
-        </p:spPr>
-        <p:style>
-          <a:lnRef idx="2">
-            <a:schemeClr val="accent1">
-              <a:shade val="50000"/>
-            </a:schemeClr>
-          </a:lnRef>
-          <a:fillRef idx="1">
-            <a:schemeClr val="accent1"/>
-          </a:fillRef>
-          <a:effectRef idx="0">
-            <a:schemeClr val="accent1"/>
-          </a:effectRef>
-          <a:fontRef idx="minor">
-            <a:schemeClr val="lt1"/>
-          </a:fontRef>
-        </p:style>
-        <p:txBody>
-          <a:bodyPr rtlCol="0" anchor="ctr"/>
-          <a:lstStyle/>
-          <a:p>
-            <a:pPr algn="ctr"/>
-            <a:endParaRPr lang="de-DE"/>
-          </a:p>
-        </p:txBody>
-      </p:sp>
-      <p:pic>
-        <p:nvPicPr>
-          <p:cNvPr id="5" name="Inhaltsplatzhalter 4">
-            <a:extLst>
-              <a:ext uri="{FF2B5EF4-FFF2-40B4-BE49-F238E27FC236}">
-                <a16:creationId xmlns:a16="http://schemas.microsoft.com/office/drawing/2014/main" id="{4A1327ED-C79B-4435-9F7D-BB034D66DF67}"/>
-              </a:ext>
-            </a:extLst>
-          </p:cNvPr>
-          <p:cNvPicPr>
-            <a:picLocks noChangeAspect="1"/>
-          </p:cNvPicPr>
-          <p:nvPr/>
-        </p:nvPicPr>
-        <p:blipFill>
-          <a:blip r:embed="rId2">
-            <a:extLst>
-              <a:ext uri="{28A0092B-C50C-407E-A947-70E740481C1C}">
-                <a14:useLocalDpi xmlns:a14="http://schemas.microsoft.com/office/drawing/2010/main" val="0"/>
-              </a:ext>
-              <a:ext uri="{96DAC541-7B7A-43D3-8B79-37D633B846F1}">
-                <asvg:svgBlip xmlns:asvg="http://schemas.microsoft.com/office/drawing/2016/SVG/main" r:embed="rId3"/>
-              </a:ext>
-            </a:extLst>
-          </a:blip>
-          <a:stretch>
-            <a:fillRect/>
-          </a:stretch>
-        </p:blipFill>
-        <p:spPr>
-          <a:xfrm>
-            <a:off x="9138258" y="5539232"/>
-            <a:ext cx="3053742" cy="1325563"/>
-          </a:xfrm>
-          <a:prstGeom prst="rect">
-            <a:avLst/>
-          </a:prstGeom>
-        </p:spPr>
-      </p:pic>
-      <p:grpSp>
-        <p:nvGrpSpPr>
-          <p:cNvPr id="8" name="Gruppieren 7">
-            <a:extLst>
-              <a:ext uri="{FF2B5EF4-FFF2-40B4-BE49-F238E27FC236}">
-                <a16:creationId xmlns:a16="http://schemas.microsoft.com/office/drawing/2014/main" id="{D12F6303-B64A-4DE0-9338-29C545E489D2}"/>
-              </a:ext>
-            </a:extLst>
-          </p:cNvPr>
-          <p:cNvGrpSpPr/>
-          <p:nvPr/>
-        </p:nvGrpSpPr>
-        <p:grpSpPr>
-          <a:xfrm>
-            <a:off x="0" y="-12526"/>
-            <a:ext cx="12192000" cy="588439"/>
-            <a:chOff x="0" y="-12526"/>
-            <a:chExt cx="12192000" cy="588439"/>
-          </a:xfrm>
-        </p:grpSpPr>
-        <p:sp>
-          <p:nvSpPr>
-            <p:cNvPr id="9" name="Rechteck 8">
-              <a:extLst>
-                <a:ext uri="{FF2B5EF4-FFF2-40B4-BE49-F238E27FC236}">
-                  <a16:creationId xmlns:a16="http://schemas.microsoft.com/office/drawing/2014/main" id="{7E0E77A4-3A23-433F-BE05-4662310BB904}"/>
-                </a:ext>
-              </a:extLst>
-            </p:cNvPr>
-            <p:cNvSpPr/>
-            <p:nvPr/>
-          </p:nvSpPr>
-          <p:spPr>
-            <a:xfrm>
-              <a:off x="0" y="-12526"/>
-              <a:ext cx="12192000" cy="501573"/>
-            </a:xfrm>
-            <a:prstGeom prst="rect">
-              <a:avLst/>
-            </a:prstGeom>
-            <a:solidFill>
-              <a:schemeClr val="bg1">
-                <a:lumMod val="65000"/>
-              </a:schemeClr>
-            </a:solidFill>
-            <a:ln>
-              <a:solidFill>
-                <a:schemeClr val="bg1">
-                  <a:lumMod val="75000"/>
-                </a:schemeClr>
-              </a:solidFill>
-            </a:ln>
-          </p:spPr>
-          <p:style>
-            <a:lnRef idx="2">
-              <a:schemeClr val="accent1">
-                <a:shade val="50000"/>
-              </a:schemeClr>
-            </a:lnRef>
-            <a:fillRef idx="1">
-              <a:schemeClr val="accent1"/>
-            </a:fillRef>
-            <a:effectRef idx="0">
-              <a:schemeClr val="accent1"/>
-            </a:effectRef>
-            <a:fontRef idx="minor">
-              <a:schemeClr val="lt1"/>
-            </a:fontRef>
-          </p:style>
-          <p:txBody>
-            <a:bodyPr rtlCol="0" anchor="ctr"/>
-            <a:lstStyle/>
-            <a:p>
-              <a:pPr algn="ctr"/>
-              <a:endParaRPr lang="de-DE" dirty="0"/>
-            </a:p>
-          </p:txBody>
-        </p:sp>
-        <p:sp>
-          <p:nvSpPr>
-            <p:cNvPr id="10" name="Titel 1">
-              <a:extLst>
-                <a:ext uri="{FF2B5EF4-FFF2-40B4-BE49-F238E27FC236}">
-                  <a16:creationId xmlns:a16="http://schemas.microsoft.com/office/drawing/2014/main" id="{E30452C7-9ADA-4F64-A8E5-5A8C65FD6090}"/>
-                </a:ext>
-              </a:extLst>
-            </p:cNvPr>
-            <p:cNvSpPr txBox="1">
-              <a:spLocks/>
-            </p:cNvSpPr>
-            <p:nvPr/>
-          </p:nvSpPr>
-          <p:spPr>
-            <a:xfrm>
-              <a:off x="162045" y="74340"/>
-              <a:ext cx="9734309" cy="501573"/>
-            </a:xfrm>
-            <a:prstGeom prst="rect">
-              <a:avLst/>
-            </a:prstGeom>
-          </p:spPr>
-          <p:txBody>
-            <a:bodyPr vert="horz" lIns="91440" tIns="45720" rIns="91440" bIns="45720" rtlCol="0" anchor="ctr">
-              <a:normAutofit fontScale="82500" lnSpcReduction="20000"/>
-            </a:bodyPr>
-            <a:lstStyle>
-              <a:lvl1pPr algn="l" defTabSz="914400" rtl="0" eaLnBrk="1" latinLnBrk="0" hangingPunct="1">
-                <a:lnSpc>
-                  <a:spcPct val="90000"/>
-                </a:lnSpc>
-                <a:spcBef>
-                  <a:spcPct val="0"/>
-                </a:spcBef>
-                <a:buNone/>
-                <a:defRPr sz="4400" kern="1200">
-                  <a:solidFill>
-                    <a:schemeClr val="tx1"/>
-                  </a:solidFill>
-                  <a:latin typeface="+mj-lt"/>
-                  <a:ea typeface="+mj-ea"/>
-                  <a:cs typeface="+mj-cs"/>
-                </a:defRPr>
-              </a:lvl1pPr>
-            </a:lstStyle>
-            <a:p>
-              <a:r>
-                <a:rPr lang="de-DE" b="1" dirty="0">
-                  <a:solidFill>
-                    <a:schemeClr val="bg1">
-                      <a:lumMod val="95000"/>
-                    </a:schemeClr>
-                  </a:solidFill>
-                </a:rPr>
-                <a:t>Einfachster Ansatz</a:t>
-              </a:r>
-            </a:p>
-          </p:txBody>
-        </p:sp>
-      </p:grpSp>
-      <p:sp>
-        <p:nvSpPr>
-          <p:cNvPr id="13" name="Inhaltsplatzhalter 2">
-            <a:extLst>
-              <a:ext uri="{FF2B5EF4-FFF2-40B4-BE49-F238E27FC236}">
-                <a16:creationId xmlns:a16="http://schemas.microsoft.com/office/drawing/2014/main" id="{1D950FDE-68CC-477D-9D04-B19B6CD6F3F0}"/>
-              </a:ext>
-            </a:extLst>
-          </p:cNvPr>
-          <p:cNvSpPr>
-            <a:spLocks noGrp="1"/>
-          </p:cNvSpPr>
-          <p:nvPr>
-            <p:ph idx="1"/>
-          </p:nvPr>
-        </p:nvSpPr>
-        <p:spPr>
-          <a:xfrm>
-            <a:off x="1236562" y="2012410"/>
-            <a:ext cx="9359096" cy="3219347"/>
-          </a:xfrm>
-        </p:spPr>
-        <p:txBody>
-          <a:bodyPr/>
-          <a:lstStyle/>
-          <a:p>
-            <a:r>
-              <a:rPr lang="de-DE" dirty="0"/>
-              <a:t>Diskrete Zustände</a:t>
-            </a:r>
-          </a:p>
-          <a:p>
-            <a:r>
-              <a:rPr lang="de-DE" dirty="0"/>
-              <a:t>In einer Tabelle verwaltet</a:t>
-            </a:r>
-          </a:p>
-          <a:p>
-            <a:r>
-              <a:rPr lang="de-DE" dirty="0"/>
-              <a:t>Agent lernt die einzelnen Zustände zu bewerten</a:t>
-            </a:r>
-          </a:p>
-          <a:p>
-            <a:pPr marL="0" indent="0">
-              <a:buNone/>
-            </a:pPr>
-            <a:r>
-              <a:rPr lang="de-DE" dirty="0">
-                <a:latin typeface="Calibri" panose="020F0502020204030204" pitchFamily="34" charset="0"/>
-                <a:cs typeface="Calibri" panose="020F0502020204030204" pitchFamily="34" charset="0"/>
-              </a:rPr>
-              <a:t>→ Wie viel Belohnung verspricht er sich von einem Zustand</a:t>
-            </a:r>
-          </a:p>
-          <a:p>
-            <a:pPr marL="0" indent="0">
-              <a:buNone/>
-            </a:pPr>
-            <a:r>
-              <a:rPr lang="de-DE" dirty="0">
-                <a:latin typeface="Calibri" panose="020F0502020204030204" pitchFamily="34" charset="0"/>
-                <a:cs typeface="Calibri" panose="020F0502020204030204" pitchFamily="34" charset="0"/>
-              </a:rPr>
-              <a:t>→ Maximiert die Belohnung</a:t>
-            </a:r>
-            <a:endParaRPr lang="de-DE" dirty="0"/>
-          </a:p>
-        </p:txBody>
-      </p:sp>
-    </p:spTree>
-    <p:extLst>
-      <p:ext uri="{BB962C8B-B14F-4D97-AF65-F5344CB8AC3E}">
-        <p14:creationId xmlns:p14="http://schemas.microsoft.com/office/powerpoint/2010/main" val="3595329108"/>
-      </p:ext>
-    </p:extLst>
-  </p:cSld>
-  <p:clrMapOvr>
-    <a:masterClrMapping/>
-  </p:clrMapOvr>
-</p:sld>
-</file>
-
-<file path=ppt/slides/slide9.xml><?xml version="1.0" encoding="utf-8"?>
-<p:sld xmlns:a="http://schemas.openxmlformats.org/drawingml/2006/main" xmlns:r="http://schemas.openxmlformats.org/officeDocument/2006/relationships" xmlns:p="http://schemas.openxmlformats.org/presentationml/2006/main">
-  <p:cSld>
-    <p:spTree>
-      <p:nvGrpSpPr>
-        <p:cNvPr id="1" name=""/>
-        <p:cNvGrpSpPr/>
-        <p:nvPr/>
-      </p:nvGrpSpPr>
-      <p:grpSpPr>
-        <a:xfrm>
-          <a:off x="0" y="0"/>
-          <a:ext cx="0" cy="0"/>
-          <a:chOff x="0" y="0"/>
-          <a:chExt cx="0" cy="0"/>
-        </a:xfrm>
-      </p:grpSpPr>
-      <p:cxnSp>
-        <p:nvCxnSpPr>
-          <p:cNvPr id="12" name="Gerade Verbindung mit Pfeil 11">
-            <a:extLst>
-              <a:ext uri="{FF2B5EF4-FFF2-40B4-BE49-F238E27FC236}">
-                <a16:creationId xmlns:a16="http://schemas.microsoft.com/office/drawing/2014/main" id="{8C34F528-BECB-4332-AF83-049649890AB2}"/>
-              </a:ext>
-            </a:extLst>
-          </p:cNvPr>
-          <p:cNvCxnSpPr>
-            <a:endCxn id="13" idx="1"/>
-          </p:cNvCxnSpPr>
-          <p:nvPr/>
-        </p:nvCxnSpPr>
-        <p:spPr>
-          <a:xfrm>
-            <a:off x="4884516" y="3747729"/>
-            <a:ext cx="2442258" cy="2"/>
-          </a:xfrm>
-          <a:prstGeom prst="straightConnector1">
-            <a:avLst/>
-          </a:prstGeom>
-          <a:ln w="76200">
-            <a:solidFill>
-              <a:schemeClr val="tx1"/>
-            </a:solidFill>
-            <a:tailEnd type="triangle"/>
-          </a:ln>
-        </p:spPr>
-        <p:style>
-          <a:lnRef idx="1">
-            <a:schemeClr val="accent1"/>
-          </a:lnRef>
-          <a:fillRef idx="0">
-            <a:schemeClr val="accent1"/>
-          </a:fillRef>
-          <a:effectRef idx="0">
-            <a:schemeClr val="accent1"/>
-          </a:effectRef>
-          <a:fontRef idx="minor">
-            <a:schemeClr val="tx1"/>
-          </a:fontRef>
-        </p:style>
-      </p:cxnSp>
-      <p:sp>
-        <p:nvSpPr>
-          <p:cNvPr id="4" name="Rechteck 3">
-            <a:extLst>
-              <a:ext uri="{FF2B5EF4-FFF2-40B4-BE49-F238E27FC236}">
-                <a16:creationId xmlns:a16="http://schemas.microsoft.com/office/drawing/2014/main" id="{E25EF50D-F0CD-4727-AFB6-041294F40813}"/>
-              </a:ext>
-            </a:extLst>
-          </p:cNvPr>
-          <p:cNvSpPr/>
-          <p:nvPr/>
-        </p:nvSpPr>
-        <p:spPr>
-          <a:xfrm>
-            <a:off x="0" y="6350696"/>
-            <a:ext cx="10058400" cy="501573"/>
-          </a:xfrm>
-          <a:prstGeom prst="rect">
-            <a:avLst/>
-          </a:prstGeom>
-          <a:solidFill>
-            <a:schemeClr val="bg1">
-              <a:lumMod val="75000"/>
-            </a:schemeClr>
-          </a:solidFill>
-          <a:ln>
-            <a:solidFill>
-              <a:schemeClr val="bg1">
-                <a:lumMod val="75000"/>
-              </a:schemeClr>
-            </a:solidFill>
-          </a:ln>
-        </p:spPr>
-        <p:style>
-          <a:lnRef idx="2">
-            <a:schemeClr val="accent1">
-              <a:shade val="50000"/>
-            </a:schemeClr>
-          </a:lnRef>
-          <a:fillRef idx="1">
-            <a:schemeClr val="accent1"/>
-          </a:fillRef>
-          <a:effectRef idx="0">
-            <a:schemeClr val="accent1"/>
-          </a:effectRef>
-          <a:fontRef idx="minor">
-            <a:schemeClr val="lt1"/>
-          </a:fontRef>
-        </p:style>
-        <p:txBody>
-          <a:bodyPr rtlCol="0" anchor="ctr"/>
-          <a:lstStyle/>
-          <a:p>
-            <a:pPr algn="ctr"/>
-            <a:endParaRPr lang="de-DE"/>
-          </a:p>
-        </p:txBody>
-      </p:sp>
-      <p:pic>
-        <p:nvPicPr>
-          <p:cNvPr id="5" name="Inhaltsplatzhalter 4">
-            <a:extLst>
-              <a:ext uri="{FF2B5EF4-FFF2-40B4-BE49-F238E27FC236}">
-                <a16:creationId xmlns:a16="http://schemas.microsoft.com/office/drawing/2014/main" id="{4A1327ED-C79B-4435-9F7D-BB034D66DF67}"/>
-              </a:ext>
-            </a:extLst>
-          </p:cNvPr>
-          <p:cNvPicPr>
-            <a:picLocks noChangeAspect="1"/>
-          </p:cNvPicPr>
-          <p:nvPr/>
-        </p:nvPicPr>
-        <p:blipFill>
-          <a:blip r:embed="rId2">
-            <a:extLst>
-              <a:ext uri="{28A0092B-C50C-407E-A947-70E740481C1C}">
-                <a14:useLocalDpi xmlns:a14="http://schemas.microsoft.com/office/drawing/2010/main" val="0"/>
-              </a:ext>
-              <a:ext uri="{96DAC541-7B7A-43D3-8B79-37D633B846F1}">
-                <asvg:svgBlip xmlns:asvg="http://schemas.microsoft.com/office/drawing/2016/SVG/main" r:embed="rId3"/>
-              </a:ext>
-            </a:extLst>
-          </a:blip>
-          <a:stretch>
-            <a:fillRect/>
-          </a:stretch>
-        </p:blipFill>
-        <p:spPr>
-          <a:xfrm>
-            <a:off x="9138258" y="5539232"/>
-            <a:ext cx="3053742" cy="1325563"/>
-          </a:xfrm>
-          <a:prstGeom prst="rect">
-            <a:avLst/>
-          </a:prstGeom>
-        </p:spPr>
-      </p:pic>
-      <p:grpSp>
-        <p:nvGrpSpPr>
-          <p:cNvPr id="8" name="Gruppieren 7">
-            <a:extLst>
-              <a:ext uri="{FF2B5EF4-FFF2-40B4-BE49-F238E27FC236}">
-                <a16:creationId xmlns:a16="http://schemas.microsoft.com/office/drawing/2014/main" id="{D12F6303-B64A-4DE0-9338-29C545E489D2}"/>
-              </a:ext>
-            </a:extLst>
-          </p:cNvPr>
-          <p:cNvGrpSpPr/>
-          <p:nvPr/>
-        </p:nvGrpSpPr>
-        <p:grpSpPr>
-          <a:xfrm>
-            <a:off x="0" y="-12526"/>
-            <a:ext cx="12192000" cy="588439"/>
-            <a:chOff x="0" y="-12526"/>
-            <a:chExt cx="12192000" cy="588439"/>
-          </a:xfrm>
-        </p:grpSpPr>
-        <p:sp>
-          <p:nvSpPr>
-            <p:cNvPr id="9" name="Rechteck 8">
-              <a:extLst>
-                <a:ext uri="{FF2B5EF4-FFF2-40B4-BE49-F238E27FC236}">
-                  <a16:creationId xmlns:a16="http://schemas.microsoft.com/office/drawing/2014/main" id="{7E0E77A4-3A23-433F-BE05-4662310BB904}"/>
-                </a:ext>
-              </a:extLst>
-            </p:cNvPr>
-            <p:cNvSpPr/>
-            <p:nvPr/>
-          </p:nvSpPr>
-          <p:spPr>
-            <a:xfrm>
-              <a:off x="0" y="-12526"/>
-              <a:ext cx="12192000" cy="501573"/>
-            </a:xfrm>
-            <a:prstGeom prst="rect">
-              <a:avLst/>
-            </a:prstGeom>
-            <a:solidFill>
-              <a:schemeClr val="bg1">
-                <a:lumMod val="65000"/>
-              </a:schemeClr>
-            </a:solidFill>
-            <a:ln>
-              <a:solidFill>
-                <a:schemeClr val="bg1">
-                  <a:lumMod val="75000"/>
-                </a:schemeClr>
-              </a:solidFill>
-            </a:ln>
-          </p:spPr>
-          <p:style>
-            <a:lnRef idx="2">
-              <a:schemeClr val="accent1">
-                <a:shade val="50000"/>
-              </a:schemeClr>
-            </a:lnRef>
-            <a:fillRef idx="1">
-              <a:schemeClr val="accent1"/>
-            </a:fillRef>
-            <a:effectRef idx="0">
-              <a:schemeClr val="accent1"/>
-            </a:effectRef>
-            <a:fontRef idx="minor">
-              <a:schemeClr val="lt1"/>
-            </a:fontRef>
-          </p:style>
-          <p:txBody>
-            <a:bodyPr rtlCol="0" anchor="ctr"/>
-            <a:lstStyle/>
-            <a:p>
-              <a:pPr algn="ctr"/>
-              <a:endParaRPr lang="de-DE" dirty="0"/>
-            </a:p>
-          </p:txBody>
-        </p:sp>
-        <p:sp>
-          <p:nvSpPr>
-            <p:cNvPr id="10" name="Titel 1">
-              <a:extLst>
-                <a:ext uri="{FF2B5EF4-FFF2-40B4-BE49-F238E27FC236}">
-                  <a16:creationId xmlns:a16="http://schemas.microsoft.com/office/drawing/2014/main" id="{E30452C7-9ADA-4F64-A8E5-5A8C65FD6090}"/>
-                </a:ext>
-              </a:extLst>
-            </p:cNvPr>
-            <p:cNvSpPr txBox="1">
-              <a:spLocks/>
-            </p:cNvSpPr>
-            <p:nvPr/>
-          </p:nvSpPr>
-          <p:spPr>
-            <a:xfrm>
-              <a:off x="162045" y="74340"/>
-              <a:ext cx="9734309" cy="501573"/>
-            </a:xfrm>
-            <a:prstGeom prst="rect">
-              <a:avLst/>
-            </a:prstGeom>
-          </p:spPr>
-          <p:txBody>
-            <a:bodyPr vert="horz" lIns="91440" tIns="45720" rIns="91440" bIns="45720" rtlCol="0" anchor="ctr">
-              <a:normAutofit fontScale="82500" lnSpcReduction="20000"/>
-            </a:bodyPr>
-            <a:lstStyle>
-              <a:lvl1pPr algn="l" defTabSz="914400" rtl="0" eaLnBrk="1" latinLnBrk="0" hangingPunct="1">
-                <a:lnSpc>
-                  <a:spcPct val="90000"/>
-                </a:lnSpc>
-                <a:spcBef>
-                  <a:spcPct val="0"/>
-                </a:spcBef>
-                <a:buNone/>
-                <a:defRPr sz="4400" kern="1200">
-                  <a:solidFill>
-                    <a:schemeClr val="tx1"/>
-                  </a:solidFill>
-                  <a:latin typeface="+mj-lt"/>
-                  <a:ea typeface="+mj-ea"/>
-                  <a:cs typeface="+mj-cs"/>
-                </a:defRPr>
-              </a:lvl1pPr>
-            </a:lstStyle>
-            <a:p>
-              <a:r>
-                <a:rPr lang="de-DE" b="1" dirty="0">
-                  <a:solidFill>
-                    <a:schemeClr val="bg1">
-                      <a:lumMod val="95000"/>
-                    </a:schemeClr>
-                  </a:solidFill>
-                </a:rPr>
-                <a:t>Value Table</a:t>
-              </a:r>
-            </a:p>
-          </p:txBody>
-        </p:sp>
-      </p:grpSp>
-      <p:pic>
-        <p:nvPicPr>
-          <p:cNvPr id="13" name="Grafik 12">
-            <a:extLst>
-              <a:ext uri="{FF2B5EF4-FFF2-40B4-BE49-F238E27FC236}">
-                <a16:creationId xmlns:a16="http://schemas.microsoft.com/office/drawing/2014/main" id="{AF854F94-6451-4377-8308-1B76E71EEF36}"/>
-              </a:ext>
-            </a:extLst>
-          </p:cNvPr>
-          <p:cNvPicPr>
-            <a:picLocks noChangeAspect="1"/>
-          </p:cNvPicPr>
-          <p:nvPr/>
-        </p:nvPicPr>
-        <p:blipFill>
-          <a:blip r:embed="rId4">
-            <a:extLst>
-              <a:ext uri="{28A0092B-C50C-407E-A947-70E740481C1C}">
-                <a14:useLocalDpi xmlns:a14="http://schemas.microsoft.com/office/drawing/2010/main" val="0"/>
-              </a:ext>
-            </a:extLst>
-          </a:blip>
-          <a:stretch>
-            <a:fillRect/>
-          </a:stretch>
-        </p:blipFill>
-        <p:spPr>
-          <a:xfrm>
-            <a:off x="7326774" y="1956230"/>
-            <a:ext cx="4495443" cy="3583002"/>
-          </a:xfrm>
-          <a:prstGeom prst="rect">
-            <a:avLst/>
-          </a:prstGeom>
-        </p:spPr>
-      </p:pic>
-      <p:grpSp>
-        <p:nvGrpSpPr>
-          <p:cNvPr id="18" name="Gruppieren 17">
-            <a:extLst>
-              <a:ext uri="{FF2B5EF4-FFF2-40B4-BE49-F238E27FC236}">
-                <a16:creationId xmlns:a16="http://schemas.microsoft.com/office/drawing/2014/main" id="{8097A39C-53EA-4883-95A2-2D4A4362144D}"/>
-              </a:ext>
-            </a:extLst>
-          </p:cNvPr>
-          <p:cNvGrpSpPr/>
-          <p:nvPr/>
-        </p:nvGrpSpPr>
-        <p:grpSpPr>
-          <a:xfrm>
-            <a:off x="717631" y="2243464"/>
-            <a:ext cx="3975188" cy="3008533"/>
-            <a:chOff x="3449256" y="2251496"/>
-            <a:chExt cx="3975188" cy="3008533"/>
-          </a:xfrm>
-        </p:grpSpPr>
-        <p:sp>
-          <p:nvSpPr>
-            <p:cNvPr id="2" name="Rechteck 1">
-              <a:extLst>
-                <a:ext uri="{FF2B5EF4-FFF2-40B4-BE49-F238E27FC236}">
-                  <a16:creationId xmlns:a16="http://schemas.microsoft.com/office/drawing/2014/main" id="{0D270662-C4D4-4F51-911B-7323EB6D6728}"/>
-                </a:ext>
-              </a:extLst>
-            </p:cNvPr>
-            <p:cNvSpPr/>
-            <p:nvPr/>
-          </p:nvSpPr>
-          <p:spPr>
-            <a:xfrm>
-              <a:off x="3449256" y="2251496"/>
-              <a:ext cx="3975188" cy="3008533"/>
-            </a:xfrm>
-            <a:prstGeom prst="rect">
-              <a:avLst/>
-            </a:prstGeom>
-            <a:solidFill>
-              <a:schemeClr val="bg1"/>
-            </a:solidFill>
-            <a:ln>
-              <a:solidFill>
-                <a:schemeClr val="tx1"/>
-              </a:solidFill>
-            </a:ln>
-          </p:spPr>
-          <p:style>
-            <a:lnRef idx="2">
-              <a:schemeClr val="accent1">
-                <a:shade val="50000"/>
-              </a:schemeClr>
-            </a:lnRef>
-            <a:fillRef idx="1">
-              <a:schemeClr val="accent1"/>
-            </a:fillRef>
-            <a:effectRef idx="0">
-              <a:schemeClr val="accent1"/>
-            </a:effectRef>
-            <a:fontRef idx="minor">
-              <a:schemeClr val="lt1"/>
-            </a:fontRef>
-          </p:style>
-          <p:txBody>
-            <a:bodyPr rtlCol="0" anchor="ctr"/>
-            <a:lstStyle/>
-            <a:p>
-              <a:pPr algn="ctr"/>
-              <a:endParaRPr lang="de-DE"/>
-            </a:p>
-          </p:txBody>
-        </p:sp>
-        <p:cxnSp>
-          <p:nvCxnSpPr>
-            <p:cNvPr id="6" name="Gerader Verbinder 5">
-              <a:extLst>
-                <a:ext uri="{FF2B5EF4-FFF2-40B4-BE49-F238E27FC236}">
-                  <a16:creationId xmlns:a16="http://schemas.microsoft.com/office/drawing/2014/main" id="{EDFEE87F-8750-43A5-9B67-76B6587372E4}"/>
-                </a:ext>
-              </a:extLst>
-            </p:cNvPr>
-            <p:cNvCxnSpPr/>
-            <p:nvPr/>
-          </p:nvCxnSpPr>
-          <p:spPr>
-            <a:xfrm flipV="1">
-              <a:off x="4467828" y="2280212"/>
-              <a:ext cx="0" cy="2979817"/>
-            </a:xfrm>
-            <a:prstGeom prst="line">
-              <a:avLst/>
-            </a:prstGeom>
-            <a:ln>
-              <a:solidFill>
-                <a:schemeClr val="tx1"/>
-              </a:solidFill>
-            </a:ln>
-          </p:spPr>
-          <p:style>
-            <a:lnRef idx="1">
-              <a:schemeClr val="accent1"/>
-            </a:lnRef>
-            <a:fillRef idx="0">
-              <a:schemeClr val="accent1"/>
-            </a:fillRef>
-            <a:effectRef idx="0">
-              <a:schemeClr val="accent1"/>
-            </a:effectRef>
-            <a:fontRef idx="minor">
-              <a:schemeClr val="tx1"/>
-            </a:fontRef>
-          </p:style>
-        </p:cxnSp>
-        <p:cxnSp>
-          <p:nvCxnSpPr>
-            <p:cNvPr id="14" name="Gerader Verbinder 13">
-              <a:extLst>
-                <a:ext uri="{FF2B5EF4-FFF2-40B4-BE49-F238E27FC236}">
-                  <a16:creationId xmlns:a16="http://schemas.microsoft.com/office/drawing/2014/main" id="{634D6555-134F-4792-ADA9-54068C44EB35}"/>
-                </a:ext>
-              </a:extLst>
-            </p:cNvPr>
-            <p:cNvCxnSpPr/>
-            <p:nvPr/>
-          </p:nvCxnSpPr>
-          <p:spPr>
-            <a:xfrm flipV="1">
-              <a:off x="5460000" y="2280212"/>
-              <a:ext cx="0" cy="2979817"/>
-            </a:xfrm>
-            <a:prstGeom prst="line">
-              <a:avLst/>
-            </a:prstGeom>
-            <a:ln>
-              <a:solidFill>
-                <a:schemeClr val="tx1"/>
-              </a:solidFill>
-            </a:ln>
-          </p:spPr>
-          <p:style>
-            <a:lnRef idx="1">
-              <a:schemeClr val="accent1"/>
-            </a:lnRef>
-            <a:fillRef idx="0">
-              <a:schemeClr val="accent1"/>
-            </a:fillRef>
-            <a:effectRef idx="0">
-              <a:schemeClr val="accent1"/>
-            </a:effectRef>
-            <a:fontRef idx="minor">
-              <a:schemeClr val="tx1"/>
-            </a:fontRef>
-          </p:style>
-        </p:cxnSp>
-        <p:cxnSp>
-          <p:nvCxnSpPr>
-            <p:cNvPr id="15" name="Gerader Verbinder 14">
-              <a:extLst>
-                <a:ext uri="{FF2B5EF4-FFF2-40B4-BE49-F238E27FC236}">
-                  <a16:creationId xmlns:a16="http://schemas.microsoft.com/office/drawing/2014/main" id="{D41F2AC3-19F7-4A52-8B52-E16751288AA8}"/>
-                </a:ext>
-              </a:extLst>
-            </p:cNvPr>
-            <p:cNvCxnSpPr/>
-            <p:nvPr/>
-          </p:nvCxnSpPr>
-          <p:spPr>
-            <a:xfrm flipV="1">
-              <a:off x="6460603" y="2265853"/>
-              <a:ext cx="0" cy="2979817"/>
-            </a:xfrm>
-            <a:prstGeom prst="line">
-              <a:avLst/>
-            </a:prstGeom>
-            <a:ln>
-              <a:solidFill>
-                <a:schemeClr val="tx1"/>
-              </a:solidFill>
-            </a:ln>
-          </p:spPr>
-          <p:style>
-            <a:lnRef idx="1">
-              <a:schemeClr val="accent1"/>
-            </a:lnRef>
-            <a:fillRef idx="0">
-              <a:schemeClr val="accent1"/>
-            </a:fillRef>
-            <a:effectRef idx="0">
-              <a:schemeClr val="accent1"/>
-            </a:effectRef>
-            <a:fontRef idx="minor">
-              <a:schemeClr val="tx1"/>
-            </a:fontRef>
-          </p:style>
-        </p:cxnSp>
-        <p:cxnSp>
-          <p:nvCxnSpPr>
-            <p:cNvPr id="16" name="Gerader Verbinder 15">
-              <a:extLst>
-                <a:ext uri="{FF2B5EF4-FFF2-40B4-BE49-F238E27FC236}">
-                  <a16:creationId xmlns:a16="http://schemas.microsoft.com/office/drawing/2014/main" id="{D0C36C30-DFB8-49DC-90A6-E0F5FD2524F0}"/>
-                </a:ext>
-              </a:extLst>
-            </p:cNvPr>
-            <p:cNvCxnSpPr/>
-            <p:nvPr/>
-          </p:nvCxnSpPr>
-          <p:spPr>
-            <a:xfrm flipH="1">
-              <a:off x="3449256" y="3275635"/>
-              <a:ext cx="3970116" cy="0"/>
-            </a:xfrm>
-            <a:prstGeom prst="line">
-              <a:avLst/>
-            </a:prstGeom>
-            <a:ln>
-              <a:solidFill>
-                <a:schemeClr val="tx1"/>
-              </a:solidFill>
-            </a:ln>
-          </p:spPr>
-          <p:style>
-            <a:lnRef idx="1">
-              <a:schemeClr val="accent1"/>
-            </a:lnRef>
-            <a:fillRef idx="0">
-              <a:schemeClr val="accent1"/>
-            </a:fillRef>
-            <a:effectRef idx="0">
-              <a:schemeClr val="accent1"/>
-            </a:effectRef>
-            <a:fontRef idx="minor">
-              <a:schemeClr val="tx1"/>
-            </a:fontRef>
-          </p:style>
-        </p:cxnSp>
-        <p:cxnSp>
-          <p:nvCxnSpPr>
-            <p:cNvPr id="17" name="Gerader Verbinder 16">
-              <a:extLst>
-                <a:ext uri="{FF2B5EF4-FFF2-40B4-BE49-F238E27FC236}">
-                  <a16:creationId xmlns:a16="http://schemas.microsoft.com/office/drawing/2014/main" id="{2FF69711-827F-4637-9903-859EE9F95AE7}"/>
-                </a:ext>
-              </a:extLst>
-            </p:cNvPr>
-            <p:cNvCxnSpPr/>
-            <p:nvPr/>
-          </p:nvCxnSpPr>
-          <p:spPr>
-            <a:xfrm flipH="1">
-              <a:off x="3449256" y="4249837"/>
-              <a:ext cx="3970116" cy="0"/>
-            </a:xfrm>
-            <a:prstGeom prst="line">
-              <a:avLst/>
-            </a:prstGeom>
-            <a:ln>
-              <a:solidFill>
-                <a:schemeClr val="tx1"/>
-              </a:solidFill>
-            </a:ln>
-          </p:spPr>
-          <p:style>
-            <a:lnRef idx="1">
-              <a:schemeClr val="accent1"/>
-            </a:lnRef>
-            <a:fillRef idx="0">
-              <a:schemeClr val="accent1"/>
-            </a:fillRef>
-            <a:effectRef idx="0">
-              <a:schemeClr val="accent1"/>
-            </a:effectRef>
-            <a:fontRef idx="minor">
-              <a:schemeClr val="tx1"/>
-            </a:fontRef>
-          </p:style>
-        </p:cxnSp>
-      </p:grpSp>
-      <p:pic>
-        <p:nvPicPr>
-          <p:cNvPr id="20" name="Grafik 19">
-            <a:extLst>
-              <a:ext uri="{FF2B5EF4-FFF2-40B4-BE49-F238E27FC236}">
-                <a16:creationId xmlns:a16="http://schemas.microsoft.com/office/drawing/2014/main" id="{A35F3F40-05BB-4D6F-B816-C9E4CE7993CD}"/>
-              </a:ext>
-            </a:extLst>
-          </p:cNvPr>
-          <p:cNvPicPr>
-            <a:picLocks noChangeAspect="1"/>
-          </p:cNvPicPr>
-          <p:nvPr/>
-        </p:nvPicPr>
-        <p:blipFill>
-          <a:blip r:embed="rId5">
-            <a:extLst>
-              <a:ext uri="{28A0092B-C50C-407E-A947-70E740481C1C}">
-                <a14:useLocalDpi xmlns:a14="http://schemas.microsoft.com/office/drawing/2010/main" val="0"/>
-              </a:ext>
-            </a:extLst>
-          </a:blip>
-          <a:stretch>
-            <a:fillRect/>
-          </a:stretch>
-        </p:blipFill>
-        <p:spPr>
-          <a:xfrm>
-            <a:off x="1804053" y="3396898"/>
-            <a:ext cx="889377" cy="769500"/>
-          </a:xfrm>
-          <a:prstGeom prst="rect">
-            <a:avLst/>
-          </a:prstGeom>
-        </p:spPr>
-      </p:pic>
-      <p:pic>
-        <p:nvPicPr>
-          <p:cNvPr id="22" name="Grafik 21">
-            <a:extLst>
-              <a:ext uri="{FF2B5EF4-FFF2-40B4-BE49-F238E27FC236}">
-                <a16:creationId xmlns:a16="http://schemas.microsoft.com/office/drawing/2014/main" id="{2D2F53D7-B1BC-4933-A391-13D4638124FE}"/>
-              </a:ext>
-            </a:extLst>
-          </p:cNvPr>
-          <p:cNvPicPr>
-            <a:picLocks noChangeAspect="1"/>
-          </p:cNvPicPr>
-          <p:nvPr/>
-        </p:nvPicPr>
-        <p:blipFill rotWithShape="1">
-          <a:blip r:embed="rId6">
-            <a:extLst>
-              <a:ext uri="{28A0092B-C50C-407E-A947-70E740481C1C}">
-                <a14:useLocalDpi xmlns:a14="http://schemas.microsoft.com/office/drawing/2010/main" val="0"/>
-              </a:ext>
-            </a:extLst>
-          </a:blip>
-          <a:srcRect l="15572" t="1486" r="5616" b="7368"/>
-          <a:stretch/>
-        </p:blipFill>
-        <p:spPr>
-          <a:xfrm>
-            <a:off x="3887143" y="3376234"/>
-            <a:ext cx="642439" cy="742990"/>
-          </a:xfrm>
-          <a:prstGeom prst="rect">
-            <a:avLst/>
-          </a:prstGeom>
-        </p:spPr>
-      </p:pic>
-      <p:pic>
-        <p:nvPicPr>
-          <p:cNvPr id="24" name="Grafik 23">
-            <a:extLst>
-              <a:ext uri="{FF2B5EF4-FFF2-40B4-BE49-F238E27FC236}">
-                <a16:creationId xmlns:a16="http://schemas.microsoft.com/office/drawing/2014/main" id="{87845966-AA34-4982-ACEF-CFCAFD78FA87}"/>
-              </a:ext>
-            </a:extLst>
-          </p:cNvPr>
-          <p:cNvPicPr>
-            <a:picLocks noChangeAspect="1"/>
-          </p:cNvPicPr>
-          <p:nvPr/>
-        </p:nvPicPr>
-        <p:blipFill>
-          <a:blip r:embed="rId7">
-            <a:extLst>
-              <a:ext uri="{28A0092B-C50C-407E-A947-70E740481C1C}">
-                <a14:useLocalDpi xmlns:a14="http://schemas.microsoft.com/office/drawing/2010/main" val="0"/>
-              </a:ext>
-            </a:extLst>
-          </a:blip>
-          <a:stretch>
-            <a:fillRect/>
-          </a:stretch>
-        </p:blipFill>
-        <p:spPr>
-          <a:xfrm>
-            <a:off x="860293" y="4385683"/>
-            <a:ext cx="768900" cy="726070"/>
-          </a:xfrm>
-          <a:prstGeom prst="rect">
-            <a:avLst/>
-          </a:prstGeom>
-        </p:spPr>
-      </p:pic>
-      <p:pic>
-        <p:nvPicPr>
-          <p:cNvPr id="26" name="Grafik 25">
-            <a:extLst>
-              <a:ext uri="{FF2B5EF4-FFF2-40B4-BE49-F238E27FC236}">
-                <a16:creationId xmlns:a16="http://schemas.microsoft.com/office/drawing/2014/main" id="{7958B43D-8798-4372-A3CE-8BBEB7DF95FF}"/>
-              </a:ext>
-            </a:extLst>
-          </p:cNvPr>
-          <p:cNvPicPr>
-            <a:picLocks noChangeAspect="1"/>
-          </p:cNvPicPr>
-          <p:nvPr/>
-        </p:nvPicPr>
-        <p:blipFill rotWithShape="1">
-          <a:blip r:embed="rId8">
-            <a:extLst>
-              <a:ext uri="{28A0092B-C50C-407E-A947-70E740481C1C}">
-                <a14:useLocalDpi xmlns:a14="http://schemas.microsoft.com/office/drawing/2010/main" val="0"/>
-              </a:ext>
-            </a:extLst>
-          </a:blip>
-          <a:srcRect t="9581" b="5938"/>
-          <a:stretch/>
-        </p:blipFill>
-        <p:spPr>
-          <a:xfrm>
-            <a:off x="3839975" y="2482908"/>
-            <a:ext cx="736775" cy="545251"/>
-          </a:xfrm>
-          <a:prstGeom prst="rect">
-            <a:avLst/>
-          </a:prstGeom>
-        </p:spPr>
-      </p:pic>
-      <p:sp>
-        <p:nvSpPr>
-          <p:cNvPr id="3" name="Textfeld 2">
-            <a:extLst>
-              <a:ext uri="{FF2B5EF4-FFF2-40B4-BE49-F238E27FC236}">
-                <a16:creationId xmlns:a16="http://schemas.microsoft.com/office/drawing/2014/main" id="{6FDD038E-59D3-4CB5-9662-5DFAFE9F7FD3}"/>
-              </a:ext>
-            </a:extLst>
-          </p:cNvPr>
-          <p:cNvSpPr txBox="1"/>
-          <p:nvPr/>
-        </p:nvSpPr>
-        <p:spPr>
-          <a:xfrm>
-            <a:off x="1816800" y="1660148"/>
-            <a:ext cx="1532792" cy="523220"/>
-          </a:xfrm>
-          <a:prstGeom prst="rect">
-            <a:avLst/>
-          </a:prstGeom>
-          <a:noFill/>
-        </p:spPr>
-        <p:txBody>
-          <a:bodyPr wrap="none" rtlCol="0">
-            <a:spAutoFit/>
-          </a:bodyPr>
-          <a:lstStyle/>
-          <a:p>
-            <a:r>
-              <a:rPr lang="de-DE" sz="2800" b="1" dirty="0"/>
-              <a:t>Das Spiel</a:t>
-            </a:r>
-          </a:p>
-        </p:txBody>
-      </p:sp>
-      <p:pic>
-        <p:nvPicPr>
-          <p:cNvPr id="23" name="Grafik 22">
-            <a:extLst>
-              <a:ext uri="{FF2B5EF4-FFF2-40B4-BE49-F238E27FC236}">
-                <a16:creationId xmlns:a16="http://schemas.microsoft.com/office/drawing/2014/main" id="{1F89E7F7-058E-4399-B598-424139BA15FF}"/>
-              </a:ext>
-            </a:extLst>
-          </p:cNvPr>
-          <p:cNvPicPr>
-            <a:picLocks noChangeAspect="1"/>
-          </p:cNvPicPr>
-          <p:nvPr/>
-        </p:nvPicPr>
-        <p:blipFill>
-          <a:blip r:embed="rId9">
-            <a:extLst>
-              <a:ext uri="{28A0092B-C50C-407E-A947-70E740481C1C}">
-                <a14:useLocalDpi xmlns:a14="http://schemas.microsoft.com/office/drawing/2010/main" val="0"/>
-              </a:ext>
-            </a:extLst>
-          </a:blip>
-          <a:stretch>
-            <a:fillRect/>
-          </a:stretch>
-        </p:blipFill>
-        <p:spPr>
-          <a:xfrm>
-            <a:off x="5189048" y="1508386"/>
-            <a:ext cx="1974489" cy="1968566"/>
-          </a:xfrm>
-          <a:prstGeom prst="rect">
-            <a:avLst/>
-          </a:prstGeom>
-        </p:spPr>
-      </p:pic>
-    </p:spTree>
-    <p:extLst>
-      <p:ext uri="{BB962C8B-B14F-4D97-AF65-F5344CB8AC3E}">
-        <p14:creationId xmlns:p14="http://schemas.microsoft.com/office/powerpoint/2010/main" val="246939741"/>
       </p:ext>
     </p:extLst>
   </p:cSld>

--- a/Reinforcement Learning.pptx
+++ b/Reinforcement Learning.pptx
@@ -9229,8 +9229,8 @@
         </p:nvSpPr>
         <p:spPr>
           <a:xfrm>
-            <a:off x="284018" y="782162"/>
-            <a:ext cx="10515600" cy="1610056"/>
+            <a:off x="826618" y="863194"/>
+            <a:ext cx="9972999" cy="1529024"/>
           </a:xfrm>
         </p:spPr>
         <p:txBody>
@@ -9866,155 +9866,6 @@
           </a:prstGeom>
         </p:spPr>
       </p:pic>
-      <p:grpSp>
-        <p:nvGrpSpPr>
-          <p:cNvPr id="14" name="Gruppieren 13">
-            <a:extLst>
-              <a:ext uri="{FF2B5EF4-FFF2-40B4-BE49-F238E27FC236}">
-                <a16:creationId xmlns:a16="http://schemas.microsoft.com/office/drawing/2014/main" id="{13484F85-1E3D-4EAE-B33D-456512BC1A4B}"/>
-              </a:ext>
-            </a:extLst>
-          </p:cNvPr>
-          <p:cNvGrpSpPr/>
-          <p:nvPr/>
-        </p:nvGrpSpPr>
-        <p:grpSpPr>
-          <a:xfrm>
-            <a:off x="0" y="5731"/>
-            <a:ext cx="12192000" cy="690255"/>
-            <a:chOff x="0" y="-114342"/>
-            <a:chExt cx="12192000" cy="690255"/>
-          </a:xfrm>
-        </p:grpSpPr>
-        <p:sp>
-          <p:nvSpPr>
-            <p:cNvPr id="11" name="Rechteck 10">
-              <a:extLst>
-                <a:ext uri="{FF2B5EF4-FFF2-40B4-BE49-F238E27FC236}">
-                  <a16:creationId xmlns:a16="http://schemas.microsoft.com/office/drawing/2014/main" id="{A01413A9-C769-47A6-B933-A1A1198906FD}"/>
-                </a:ext>
-              </a:extLst>
-            </p:cNvPr>
-            <p:cNvSpPr/>
-            <p:nvPr/>
-          </p:nvSpPr>
-          <p:spPr>
-            <a:xfrm>
-              <a:off x="0" y="-114342"/>
-              <a:ext cx="12192000" cy="501573"/>
-            </a:xfrm>
-            <a:prstGeom prst="rect">
-              <a:avLst/>
-            </a:prstGeom>
-            <a:solidFill>
-              <a:schemeClr val="bg1">
-                <a:lumMod val="65000"/>
-              </a:schemeClr>
-            </a:solidFill>
-            <a:ln>
-              <a:solidFill>
-                <a:schemeClr val="bg1">
-                  <a:lumMod val="75000"/>
-                </a:schemeClr>
-              </a:solidFill>
-            </a:ln>
-          </p:spPr>
-          <p:style>
-            <a:lnRef idx="2">
-              <a:schemeClr val="accent1">
-                <a:shade val="50000"/>
-              </a:schemeClr>
-            </a:lnRef>
-            <a:fillRef idx="1">
-              <a:schemeClr val="accent1"/>
-            </a:fillRef>
-            <a:effectRef idx="0">
-              <a:schemeClr val="accent1"/>
-            </a:effectRef>
-            <a:fontRef idx="minor">
-              <a:schemeClr val="lt1"/>
-            </a:fontRef>
-          </p:style>
-          <p:txBody>
-            <a:bodyPr rtlCol="0" anchor="ctr"/>
-            <a:lstStyle/>
-            <a:p>
-              <a:pPr algn="ctr"/>
-              <a:endParaRPr lang="de-DE" dirty="0"/>
-            </a:p>
-          </p:txBody>
-        </p:sp>
-        <p:sp>
-          <p:nvSpPr>
-            <p:cNvPr id="8" name="Titel 1">
-              <a:extLst>
-                <a:ext uri="{FF2B5EF4-FFF2-40B4-BE49-F238E27FC236}">
-                  <a16:creationId xmlns:a16="http://schemas.microsoft.com/office/drawing/2014/main" id="{056AE779-A4BB-4446-BDB7-5527E850770D}"/>
-                </a:ext>
-              </a:extLst>
-            </p:cNvPr>
-            <p:cNvSpPr txBox="1">
-              <a:spLocks/>
-            </p:cNvSpPr>
-            <p:nvPr/>
-          </p:nvSpPr>
-          <p:spPr>
-            <a:xfrm>
-              <a:off x="162045" y="74340"/>
-              <a:ext cx="9734309" cy="501573"/>
-            </a:xfrm>
-            <a:prstGeom prst="rect">
-              <a:avLst/>
-            </a:prstGeom>
-          </p:spPr>
-          <p:txBody>
-            <a:bodyPr vert="horz" lIns="91440" tIns="45720" rIns="91440" bIns="45720" rtlCol="0" anchor="ctr">
-              <a:normAutofit fontScale="82500" lnSpcReduction="20000"/>
-            </a:bodyPr>
-            <a:lstStyle>
-              <a:lvl1pPr algn="l" defTabSz="914400" rtl="0" eaLnBrk="1" latinLnBrk="0" hangingPunct="1">
-                <a:lnSpc>
-                  <a:spcPct val="90000"/>
-                </a:lnSpc>
-                <a:spcBef>
-                  <a:spcPct val="0"/>
-                </a:spcBef>
-                <a:buNone/>
-                <a:defRPr sz="4400" kern="1200">
-                  <a:solidFill>
-                    <a:schemeClr val="tx1"/>
-                  </a:solidFill>
-                  <a:latin typeface="+mj-lt"/>
-                  <a:ea typeface="+mj-ea"/>
-                  <a:cs typeface="+mj-cs"/>
-                </a:defRPr>
-              </a:lvl1pPr>
-            </a:lstStyle>
-            <a:p>
-              <a:r>
-                <a:rPr lang="de-DE" b="1" dirty="0" err="1">
-                  <a:solidFill>
-                    <a:schemeClr val="bg1">
-                      <a:lumMod val="95000"/>
-                    </a:schemeClr>
-                  </a:solidFill>
-                </a:rPr>
-                <a:t>Unsupervised</a:t>
-              </a:r>
-              <a:r>
-                <a:rPr lang="de-DE" b="1" dirty="0">
-                  <a:solidFill>
-                    <a:schemeClr val="bg1">
-                      <a:lumMod val="95000"/>
-                    </a:schemeClr>
-                  </a:solidFill>
-                </a:rPr>
-                <a:t> Learning</a:t>
-              </a:r>
-            </a:p>
-          </p:txBody>
-        </p:sp>
-      </p:grpSp>
       <p:pic>
         <p:nvPicPr>
           <p:cNvPr id="1027" name="Picture 3" descr="C:\Users\Caro\AppData\Local\Packages\Microsoft.Office.OneNote_8wekyb3d8bbwe\TempState\msohtmlclip\clip_image001.png">
@@ -10194,6 +10045,134 @@
               <a:t>werden</a:t>
             </a:r>
             <a:endParaRPr lang="de-DE" dirty="0"/>
+          </a:p>
+        </p:txBody>
+      </p:sp>
+      <p:sp>
+        <p:nvSpPr>
+          <p:cNvPr id="15" name="Rechteck 14">
+            <a:extLst>
+              <a:ext uri="{FF2B5EF4-FFF2-40B4-BE49-F238E27FC236}">
+                <a16:creationId xmlns:a16="http://schemas.microsoft.com/office/drawing/2014/main" id="{777357FD-E0C7-4D57-AA48-BC772D4D8500}"/>
+              </a:ext>
+            </a:extLst>
+          </p:cNvPr>
+          <p:cNvSpPr/>
+          <p:nvPr/>
+        </p:nvSpPr>
+        <p:spPr>
+          <a:xfrm>
+            <a:off x="0" y="-12526"/>
+            <a:ext cx="12192000" cy="501573"/>
+          </a:xfrm>
+          <a:prstGeom prst="rect">
+            <a:avLst/>
+          </a:prstGeom>
+          <a:solidFill>
+            <a:schemeClr val="bg1">
+              <a:lumMod val="65000"/>
+            </a:schemeClr>
+          </a:solidFill>
+          <a:ln>
+            <a:solidFill>
+              <a:schemeClr val="bg1">
+                <a:lumMod val="75000"/>
+              </a:schemeClr>
+            </a:solidFill>
+          </a:ln>
+        </p:spPr>
+        <p:style>
+          <a:lnRef idx="2">
+            <a:schemeClr val="accent1">
+              <a:shade val="50000"/>
+            </a:schemeClr>
+          </a:lnRef>
+          <a:fillRef idx="1">
+            <a:schemeClr val="accent1"/>
+          </a:fillRef>
+          <a:effectRef idx="0">
+            <a:schemeClr val="accent1"/>
+          </a:effectRef>
+          <a:fontRef idx="minor">
+            <a:schemeClr val="lt1"/>
+          </a:fontRef>
+        </p:style>
+        <p:txBody>
+          <a:bodyPr rtlCol="0" anchor="ctr"/>
+          <a:lstStyle/>
+          <a:p>
+            <a:pPr algn="ctr"/>
+            <a:endParaRPr lang="de-DE" dirty="0"/>
+          </a:p>
+        </p:txBody>
+      </p:sp>
+      <p:sp>
+        <p:nvSpPr>
+          <p:cNvPr id="16" name="Titel 1">
+            <a:extLst>
+              <a:ext uri="{FF2B5EF4-FFF2-40B4-BE49-F238E27FC236}">
+                <a16:creationId xmlns:a16="http://schemas.microsoft.com/office/drawing/2014/main" id="{593DF46D-5CE3-453C-A1E1-FB9432592DBB}"/>
+              </a:ext>
+            </a:extLst>
+          </p:cNvPr>
+          <p:cNvSpPr txBox="1">
+            <a:spLocks/>
+          </p:cNvSpPr>
+          <p:nvPr/>
+        </p:nvSpPr>
+        <p:spPr>
+          <a:xfrm>
+            <a:off x="162045" y="74340"/>
+            <a:ext cx="9734309" cy="501573"/>
+          </a:xfrm>
+          <a:prstGeom prst="rect">
+            <a:avLst/>
+          </a:prstGeom>
+        </p:spPr>
+        <p:txBody>
+          <a:bodyPr vert="horz" lIns="91440" tIns="45720" rIns="91440" bIns="45720" rtlCol="0" anchor="ctr">
+            <a:normAutofit fontScale="82500" lnSpcReduction="20000"/>
+          </a:bodyPr>
+          <a:lstStyle>
+            <a:lvl1pPr algn="l" defTabSz="914400" rtl="0" eaLnBrk="1" latinLnBrk="0" hangingPunct="1">
+              <a:lnSpc>
+                <a:spcPct val="90000"/>
+              </a:lnSpc>
+              <a:spcBef>
+                <a:spcPct val="0"/>
+              </a:spcBef>
+              <a:buNone/>
+              <a:defRPr sz="4400" kern="1200">
+                <a:solidFill>
+                  <a:schemeClr val="tx1"/>
+                </a:solidFill>
+                <a:latin typeface="+mj-lt"/>
+                <a:ea typeface="+mj-ea"/>
+                <a:cs typeface="+mj-cs"/>
+              </a:defRPr>
+            </a:lvl1pPr>
+          </a:lstStyle>
+          <a:p>
+            <a:r>
+              <a:rPr lang="de-DE" b="1" dirty="0" err="1">
+                <a:solidFill>
+                  <a:schemeClr val="bg1">
+                    <a:lumMod val="95000"/>
+                  </a:schemeClr>
+                </a:solidFill>
+              </a:rPr>
+              <a:t>Unsupervised</a:t>
+            </a:r>
+            <a:r>
+              <a:rPr lang="de-DE" b="1" dirty="0">
+                <a:solidFill>
+                  <a:schemeClr val="bg1">
+                    <a:lumMod val="95000"/>
+                  </a:schemeClr>
+                </a:solidFill>
+              </a:rPr>
+              <a:t> Learning</a:t>
+            </a:r>
           </a:p>
         </p:txBody>
       </p:sp>
